--- a/Assets/Physics/PPT Data/Physics Example.pptx
+++ b/Assets/Physics/PPT Data/Physics Example.pptx
@@ -2,7 +2,7 @@
 <file path=ppt/presentation.xml><?xml version="1.0" encoding="utf-8"?>
 <p:presentation xmlns:a="http://schemas.openxmlformats.org/drawingml/2006/main" xmlns:r="http://schemas.openxmlformats.org/officeDocument/2006/relationships" xmlns:p="http://schemas.openxmlformats.org/presentationml/2006/main" xmlns:p14="http://schemas.microsoft.com/office/powerpoint/2010/main" saveSubsetFonts="1" firstSlideNum="0">
   <p:sldMasterIdLst>
-    <p:sldMasterId id="2147485460" r:id="rId12"/>
+    <p:sldMasterId id="2147485477" r:id="rId12"/>
   </p:sldMasterIdLst>
   <p:notesMasterIdLst>
     <p:notesMasterId r:id="rId14"/>
@@ -11,10 +11,9 @@
     <p:sldId id="276" r:id="rId16"/>
     <p:sldId id="277" r:id="rId17"/>
     <p:sldId id="289" r:id="rId18"/>
-    <p:sldId id="280" r:id="rId19"/>
-    <p:sldId id="286" r:id="rId20"/>
+    <p:sldId id="290" r:id="rId19"/>
+    <p:sldId id="280" r:id="rId20"/>
     <p:sldId id="287" r:id="rId21"/>
-    <p:sldId id="288" r:id="rId22"/>
   </p:sldIdLst>
   <p:sldSz cx="12192000" cy="6858000"/>
   <p:notesSz cx="6858000" cy="9144000"/>
@@ -5445,8 +5444,8 @@
         </p:nvSpPr>
         <p:spPr>
           <a:xfrm rot="0">
-            <a:off x="1230630" y="4177030"/>
-            <a:ext cx="4128135" cy="2061845"/>
+            <a:off x="1239520" y="4151630"/>
+            <a:ext cx="4138930" cy="2061845"/>
           </a:xfrm>
           <a:prstGeom prst="rect"/>
           <a:noFill/>
@@ -5490,7 +5489,42 @@
                 <a:latin typeface="맑은 고딕" charset="0"/>
                 <a:ea typeface="맑은 고딕" charset="0"/>
               </a:rPr>
-              <a:t>첫</a:t>
+              <a:t>첫 번째로 3D Object에 Capsule </a:t>
+            </a:r>
+            <a:r>
+              <a:rPr lang="ko-KR" sz="1800">
+                <a:latin typeface="맑은 고딕" charset="0"/>
+                <a:ea typeface="맑은 고딕" charset="0"/>
+              </a:rPr>
+              <a:t>오브젝트를</a:t>
+            </a:r>
+            <a:r>
+              <a:rPr lang="ko-KR" sz="1800">
+                <a:latin typeface="맑은 고딕" charset="0"/>
+                <a:ea typeface="맑은 고딕" charset="0"/>
+              </a:rPr>
+              <a:t> 생성한 다음 Billiard Ball </a:t>
+            </a:r>
+            <a:r>
+              <a:rPr lang="ko-KR" sz="1800">
+                <a:latin typeface="맑은 고딕" charset="0"/>
+                <a:ea typeface="맑은 고딕" charset="0"/>
+              </a:rPr>
+              <a:t>(O</a:t>
+            </a:r>
+            <a:r>
+              <a:rPr lang="ko-KR" sz="1800">
+                <a:latin typeface="맑은 고딕" charset="0"/>
+                <a:ea typeface="맑은 고딕" charset="0"/>
+              </a:rPr>
+              <a:t>ne</a:t>
+            </a:r>
+            <a:r>
+              <a:rPr lang="ko-KR" sz="1800">
+                <a:latin typeface="맑은 고딕" charset="0"/>
+                <a:ea typeface="맑은 고딕" charset="0"/>
+              </a:rPr>
+              <a:t>)</a:t>
             </a:r>
             <a:r>
               <a:rPr lang="ko-KR" sz="1800">
@@ -5504,77 +5538,14 @@
                 <a:latin typeface="맑은 고딕" charset="0"/>
                 <a:ea typeface="맑은 고딕" charset="0"/>
               </a:rPr>
-              <a:t>번째로</a:t>
-            </a:r>
-            <a:r>
-              <a:rPr lang="ko-KR" sz="1800">
-                <a:latin typeface="맑은 고딕" charset="0"/>
-                <a:ea typeface="맑은 고딕" charset="0"/>
-              </a:rPr>
-              <a:t> </a:t>
-            </a:r>
-            <a:r>
-              <a:rPr lang="ko-KR" sz="1800">
-                <a:latin typeface="맑은 고딕" charset="0"/>
-                <a:ea typeface="맑은 고딕" charset="0"/>
-              </a:rPr>
-              <a:t>3D Object에 Capsule </a:t>
-            </a:r>
-            <a:r>
-              <a:rPr lang="ko-KR" sz="1800">
-                <a:latin typeface="맑은 고딕" charset="0"/>
-                <a:ea typeface="맑은 고딕" charset="0"/>
-              </a:rPr>
-              <a:t>오브젝트를</a:t>
-            </a:r>
-            <a:r>
-              <a:rPr lang="ko-KR" sz="1800">
-                <a:latin typeface="맑은 고딕" charset="0"/>
-                <a:ea typeface="맑은 고딕" charset="0"/>
-              </a:rPr>
-              <a:t> </a:t>
-            </a:r>
-            <a:r>
-              <a:rPr lang="ko-KR" sz="1800">
-                <a:latin typeface="맑은 고딕" charset="0"/>
-                <a:ea typeface="맑은 고딕" charset="0"/>
-              </a:rPr>
-              <a:t>생성한 다음 Billiard Ball </a:t>
-            </a:r>
-            <a:r>
-              <a:rPr lang="ko-KR" sz="1800">
-                <a:latin typeface="맑은 고딕" charset="0"/>
-                <a:ea typeface="맑은 고딕" charset="0"/>
-              </a:rPr>
-              <a:t>(</a:t>
-            </a:r>
-            <a:r>
-              <a:rPr lang="ko-KR" sz="1800">
-                <a:latin typeface="맑은 고딕" charset="0"/>
-                <a:ea typeface="맑은 고딕" charset="0"/>
-              </a:rPr>
-              <a:t>M</a:t>
-            </a:r>
-            <a:r>
-              <a:rPr lang="ko-KR" sz="1800">
-                <a:latin typeface="맑은 고딕" charset="0"/>
-                <a:ea typeface="맑은 고딕" charset="0"/>
-              </a:rPr>
-              <a:t>aster)</a:t>
-            </a:r>
-            <a:r>
-              <a:rPr lang="ko-KR" sz="1800">
-                <a:latin typeface="맑은 고딕" charset="0"/>
-                <a:ea typeface="맑은 고딕" charset="0"/>
-              </a:rPr>
-              <a:t> </a:t>
-            </a:r>
-            <a:r>
-              <a:rPr lang="ko-KR" sz="1800">
-                <a:latin typeface="맑은 고딕" charset="0"/>
-                <a:ea typeface="맑은 고딕" charset="0"/>
-              </a:rPr>
-              <a:t>라는 이름으로 정의합니다.</a:t>
+              <a:t>라는</a:t>
+            </a:r>
+            <a:r>
+              <a:rPr lang="ko-KR" sz="1800">
+                <a:latin typeface="맑은 고딕" charset="0"/>
+                <a:ea typeface="맑은 고딕" charset="0"/>
+              </a:rPr>
+              <a:t> 이름으로 정의합니다.</a:t>
             </a:r>
             <a:endParaRPr lang="ko-KR" altLang="en-US" sz="1800">
               <a:latin typeface="맑은 고딕" charset="0"/>
@@ -5636,6 +5607,34 @@
                 <a:latin typeface="맑은 고딕" charset="0"/>
                 <a:ea typeface="맑은 고딕" charset="0"/>
               </a:rPr>
+              <a:t> Billiard Ball </a:t>
+            </a:r>
+            <a:r>
+              <a:rPr lang="ko-KR" sz="1800">
+                <a:latin typeface="맑은 고딕" charset="0"/>
+                <a:ea typeface="맑은 고딕" charset="0"/>
+              </a:rPr>
+              <a:t>(O</a:t>
+            </a:r>
+            <a:r>
+              <a:rPr lang="ko-KR" sz="1800">
+                <a:latin typeface="맑은 고딕" charset="0"/>
+                <a:ea typeface="맑은 고딕" charset="0"/>
+              </a:rPr>
+              <a:t>ne</a:t>
+            </a:r>
+            <a:r>
+              <a:rPr lang="ko-KR" sz="1800">
+                <a:latin typeface="맑은 고딕" charset="0"/>
+                <a:ea typeface="맑은 고딕" charset="0"/>
+              </a:rPr>
+              <a:t>)</a:t>
+            </a:r>
+            <a:r>
+              <a:rPr lang="ko-KR" sz="1800">
+                <a:latin typeface="맑은 고딕" charset="0"/>
+                <a:ea typeface="맑은 고딕" charset="0"/>
+              </a:rPr>
               <a:t> </a:t>
             </a:r>
             <a:r>
@@ -5643,35 +5642,7 @@
                 <a:latin typeface="맑은 고딕" charset="0"/>
                 <a:ea typeface="맑은 고딕" charset="0"/>
               </a:rPr>
-              <a:t>Billiard Ball </a:t>
-            </a:r>
-            <a:r>
-              <a:rPr lang="ko-KR" sz="1800">
-                <a:latin typeface="맑은 고딕" charset="0"/>
-                <a:ea typeface="맑은 고딕" charset="0"/>
-              </a:rPr>
-              <a:t>(</a:t>
-            </a:r>
-            <a:r>
-              <a:rPr lang="ko-KR" sz="1800">
-                <a:latin typeface="맑은 고딕" charset="0"/>
-                <a:ea typeface="맑은 고딕" charset="0"/>
-              </a:rPr>
-              <a:t>M</a:t>
-            </a:r>
-            <a:r>
-              <a:rPr lang="ko-KR" sz="1800">
-                <a:latin typeface="맑은 고딕" charset="0"/>
-                <a:ea typeface="맑은 고딕" charset="0"/>
-              </a:rPr>
-              <a:t>aster)</a:t>
-            </a:r>
-            <a:r>
-              <a:rPr lang="ko-KR" sz="1800">
-                <a:latin typeface="맑은 고딕" charset="0"/>
-                <a:ea typeface="맑은 고딕" charset="0"/>
-              </a:rPr>
-              <a:t> 오브젝트에</a:t>
+              <a:t>오브젝트에</a:t>
             </a:r>
             <a:r>
               <a:rPr lang="ko-KR" sz="1800">
@@ -5696,7 +5667,7 @@
       </p:sp>
       <p:pic>
         <p:nvPicPr>
-          <p:cNvPr id="11" name="그림 1" descr="C:/Users/Admin1/AppData/Roaming/PolarisOffice/ETemp/6304_11017832/fImage159789841.png"/>
+          <p:cNvPr id="11" name="그림 1" descr="C:/Users/Admin1/AppData/Roaming/PolarisOffice/ETemp/20324_11685168/fImage159789841.png"/>
           <p:cNvPicPr>
             <a:picLocks noChangeAspect="1"/>
           </p:cNvPicPr>
@@ -5716,8 +5687,8 @@
         </p:blipFill>
         <p:spPr>
           <a:xfrm rot="0">
-            <a:off x="1240790" y="1455420"/>
-            <a:ext cx="2558415" cy="2593340"/>
+            <a:off x="1238250" y="1455420"/>
+            <a:ext cx="2685415" cy="2476500"/>
           </a:xfrm>
           <a:prstGeom prst="roundRect"/>
           <a:solidFill>
@@ -5727,7 +5698,7 @@
       </p:pic>
       <p:pic>
         <p:nvPicPr>
-          <p:cNvPr id="19" name="그림 17" descr="C:/Users/Admin1/AppData/Roaming/PolarisOffice/ETemp/6304_11017832/fImage47031079169.png"/>
+          <p:cNvPr id="19" name="그림 17"/>
           <p:cNvPicPr>
             <a:picLocks noChangeAspect="1"/>
           </p:cNvPicPr>
@@ -5765,9 +5736,9 @@
           <p:nvPr/>
         </p:nvSpPr>
         <p:spPr>
-          <a:xfrm rot="0">
+          <a:xfrm>
             <a:off x="6826885" y="2898775"/>
-            <a:ext cx="4122420" cy="954405"/>
+            <a:ext cx="4123055" cy="954405"/>
           </a:xfrm>
           <a:prstGeom prst="rect"/>
           <a:noFill/>
@@ -5821,28 +5792,14 @@
                 <a:latin typeface="맑은 고딕" charset="0"/>
                 <a:ea typeface="맑은 고딕" charset="0"/>
               </a:rPr>
-              <a:t>그리고 </a:t>
-            </a:r>
-            <a:r>
-              <a:rPr lang="ko-KR" sz="1800">
-                <a:latin typeface="맑은 고딕" charset="0"/>
-                <a:ea typeface="맑은 고딕" charset="0"/>
-              </a:rPr>
-              <a:t>Billiard Ball (</a:t>
-            </a:r>
-            <a:r>
-              <a:rPr lang="ko-KR" sz="1800">
-                <a:latin typeface="맑은 고딕" charset="0"/>
-                <a:ea typeface="맑은 고딕" charset="0"/>
-              </a:rPr>
-              <a:t>M</a:t>
-            </a:r>
-            <a:r>
-              <a:rPr lang="ko-KR" sz="1800">
-                <a:latin typeface="맑은 고딕" charset="0"/>
-                <a:ea typeface="맑은 고딕" charset="0"/>
-              </a:rPr>
-              <a:t>aster)</a:t>
+              <a:t>그리고 Billiard Ball (One) </a:t>
+            </a:r>
+            <a:r>
+              <a:rPr lang="ko-KR" sz="1800">
+                <a:latin typeface="맑은 고딕" charset="0"/>
+                <a:ea typeface="맑은 고딕" charset="0"/>
+              </a:rPr>
+              <a:t>오브젝트에</a:t>
             </a:r>
             <a:r>
               <a:rPr lang="ko-KR" sz="1800">
@@ -5856,35 +5813,21 @@
                 <a:latin typeface="맑은 고딕" charset="0"/>
                 <a:ea typeface="맑은 고딕" charset="0"/>
               </a:rPr>
-              <a:t>오브젝트에</a:t>
-            </a:r>
-            <a:r>
-              <a:rPr lang="ko-KR" sz="1800">
-                <a:latin typeface="맑은 고딕" charset="0"/>
-                <a:ea typeface="맑은 고딕" charset="0"/>
-              </a:rPr>
-              <a:t> </a:t>
-            </a:r>
-            <a:r>
-              <a:rPr lang="ko-KR" sz="1800">
-                <a:latin typeface="맑은 고딕" charset="0"/>
-                <a:ea typeface="맑은 고딕" charset="0"/>
-              </a:rPr>
-              <a:t>Rigidbody 컴포넌트를 </a:t>
-            </a:r>
-            <a:r>
-              <a:rPr lang="ko-KR" sz="1800">
-                <a:latin typeface="맑은 고딕" charset="0"/>
-                <a:ea typeface="맑은 고딕" charset="0"/>
-              </a:rPr>
-              <a:t>추가합니</a:t>
-            </a:r>
-            <a:r>
-              <a:rPr lang="ko-KR" sz="1800">
-                <a:latin typeface="맑은 고딕" charset="0"/>
-                <a:ea typeface="맑은 고딕" charset="0"/>
-              </a:rPr>
-              <a:t>다.</a:t>
+              <a:t>Rigidbody</a:t>
+            </a:r>
+            <a:r>
+              <a:rPr lang="ko-KR" sz="1800">
+                <a:latin typeface="맑은 고딕" charset="0"/>
+                <a:ea typeface="맑은 고딕" charset="0"/>
+              </a:rPr>
+              <a:t> 컴포넌트를 </a:t>
+            </a:r>
+            <a:r>
+              <a:rPr lang="ko-KR" sz="1800">
+                <a:latin typeface="맑은 고딕" charset="0"/>
+                <a:ea typeface="맑은 고딕" charset="0"/>
+              </a:rPr>
+              <a:t>추가합니다.</a:t>
             </a:r>
             <a:endParaRPr lang="ko-KR" altLang="en-US" sz="1800">
               <a:latin typeface="맑은 고딕" charset="0"/>
@@ -5904,8 +5847,8 @@
         </p:nvCxnSpPr>
         <p:spPr>
           <a:xfrm rot="0" flipV="1">
-            <a:off x="4685665" y="2834005"/>
-            <a:ext cx="635" cy="370840"/>
+            <a:off x="4740910" y="2834640"/>
+            <a:ext cx="3810" cy="361315"/>
           </a:xfrm>
           <a:prstGeom prst="straightConnector1"/>
           <a:ln w="6350" cap="flat" cmpd="sng">
@@ -5938,8 +5881,8 @@
         </p:nvSpPr>
         <p:spPr>
           <a:xfrm rot="0">
-            <a:off x="6830695" y="5556250"/>
-            <a:ext cx="4126230" cy="677545"/>
+            <a:off x="6830695" y="5521325"/>
+            <a:ext cx="4126865" cy="677545"/>
           </a:xfrm>
           <a:prstGeom prst="rect"/>
           <a:noFill/>
@@ -5993,35 +5936,7 @@
                 <a:latin typeface="맑은 고딕" charset="0"/>
                 <a:ea typeface="맑은 고딕" charset="0"/>
               </a:rPr>
-              <a:t>그런 다음 </a:t>
-            </a:r>
-            <a:r>
-              <a:rPr lang="ko-KR" sz="1800">
-                <a:latin typeface="맑은 고딕" charset="0"/>
-                <a:ea typeface="맑은 고딕" charset="0"/>
-              </a:rPr>
-              <a:t>Billiard Ball (</a:t>
-            </a:r>
-            <a:r>
-              <a:rPr lang="ko-KR" sz="1800">
-                <a:latin typeface="맑은 고딕" charset="0"/>
-                <a:ea typeface="맑은 고딕" charset="0"/>
-              </a:rPr>
-              <a:t>M</a:t>
-            </a:r>
-            <a:r>
-              <a:rPr lang="ko-KR" sz="1800">
-                <a:latin typeface="맑은 고딕" charset="0"/>
-                <a:ea typeface="맑은 고딕" charset="0"/>
-              </a:rPr>
-              <a:t>aster)</a:t>
-            </a:r>
-            <a:r>
-              <a:rPr lang="ko-KR" sz="1800">
-                <a:latin typeface="맑은 고딕" charset="0"/>
-                <a:ea typeface="맑은 고딕" charset="0"/>
-              </a:rPr>
-              <a:t> </a:t>
+              <a:t>그런 다음 Billiard Ball (One) </a:t>
             </a:r>
             <a:r>
               <a:rPr lang="ko-KR" sz="1800">
@@ -6035,49 +5950,7 @@
                 <a:latin typeface="맑은 고딕" charset="0"/>
                 <a:ea typeface="맑은 고딕" charset="0"/>
               </a:rPr>
-              <a:t> </a:t>
-            </a:r>
-            <a:r>
-              <a:rPr lang="ko-KR" sz="1800">
-                <a:latin typeface="맑은 고딕" charset="0"/>
-                <a:ea typeface="맑은 고딕" charset="0"/>
-              </a:rPr>
-              <a:t>위치</a:t>
-            </a:r>
-            <a:r>
-              <a:rPr lang="ko-KR" sz="1800">
-                <a:latin typeface="맑은 고딕" charset="0"/>
-                <a:ea typeface="맑은 고딕" charset="0"/>
-              </a:rPr>
-              <a:t> </a:t>
-            </a:r>
-            <a:r>
-              <a:rPr lang="ko-KR" sz="1800">
-                <a:latin typeface="맑은 고딕" charset="0"/>
-                <a:ea typeface="맑은 고딕" charset="0"/>
-              </a:rPr>
-              <a:t>값을</a:t>
-            </a:r>
-            <a:r>
-              <a:rPr lang="ko-KR" sz="1800">
-                <a:latin typeface="맑은 고딕" charset="0"/>
-                <a:ea typeface="맑은 고딕" charset="0"/>
-              </a:rPr>
-              <a:t> </a:t>
-            </a:r>
-            <a:r>
-              <a:rPr lang="ko-KR" sz="1800">
-                <a:latin typeface="맑은 고딕" charset="0"/>
-                <a:ea typeface="맑은 고딕" charset="0"/>
-              </a:rPr>
-              <a:t>설정합니다.</a:t>
-            </a:r>
-            <a:r>
-              <a:rPr lang="ko-KR" sz="1800">
-                <a:latin typeface="맑은 고딕" charset="0"/>
-                <a:ea typeface="맑은 고딕" charset="0"/>
-              </a:rPr>
-              <a:t> </a:t>
+              <a:t> 위치 값을 설정합니다. </a:t>
             </a:r>
             <a:endParaRPr lang="ko-KR" altLang="en-US" sz="1800">
               <a:latin typeface="맑은 고딕" charset="0"/>
@@ -6088,14 +5961,76 @@
       </p:sp>
       <p:pic>
         <p:nvPicPr>
-          <p:cNvPr id="23" name="그림 1" descr="C:/Users/Admin1/AppData/Roaming/PolarisOffice/ETemp/6304_11017832/fImage49469741.png"/>
+          <p:cNvPr id="23" name="그림 1" descr="C:/Users/Admin1/AppData/Roaming/PolarisOffice/ETemp/20324_11685168/fImage49469741.png"/>
           <p:cNvPicPr>
             <a:picLocks noChangeAspect="1"/>
           </p:cNvPicPr>
           <p:nvPr/>
         </p:nvPicPr>
         <p:blipFill rotWithShape="1">
-          <a:blip r:embed="rId15" cstate="print">
+          <a:blip r:embed="rId15" cstate="hqprint">
+            <a:extLst>
+              <a:ext uri="{28A0092B-C50C-407E-A947-70E740481C1C}">
+                <a14:useLocalDpi xmlns:a14="http://schemas.microsoft.com/office/drawing/2010/main"/>
+              </a:ext>
+            </a:extLst>
+          </a:blip>
+          <a:stretch>
+            <a:fillRect/>
+          </a:stretch>
+        </p:blipFill>
+        <p:spPr>
+          <a:xfrm rot="0">
+            <a:off x="4121785" y="1452880"/>
+            <a:ext cx="1245870" cy="1382395"/>
+          </a:xfrm>
+          <a:prstGeom prst="roundRect"/>
+          <a:solidFill>
+            <a:srgbClr val="EDEDED"/>
+          </a:solidFill>
+        </p:spPr>
+      </p:pic>
+      <p:pic>
+        <p:nvPicPr>
+          <p:cNvPr id="24" name="그림 4" descr="C:/Users/Admin1/AppData/Roaming/PolarisOffice/ETemp/20324_11685168/fImage2461988467.png"/>
+          <p:cNvPicPr>
+            <a:picLocks noChangeAspect="1"/>
+          </p:cNvPicPr>
+          <p:nvPr/>
+        </p:nvPicPr>
+        <p:blipFill rotWithShape="1">
+          <a:blip r:embed="rId16" cstate="hqprint">
+            <a:extLst>
+              <a:ext uri="{28A0092B-C50C-407E-A947-70E740481C1C}">
+                <a14:useLocalDpi xmlns:a14="http://schemas.microsoft.com/office/drawing/2010/main"/>
+              </a:ext>
+            </a:extLst>
+          </a:blip>
+          <a:stretch>
+            <a:fillRect/>
+          </a:stretch>
+        </p:blipFill>
+        <p:spPr>
+          <a:xfrm rot="0">
+            <a:off x="4390390" y="3195320"/>
+            <a:ext cx="702310" cy="736600"/>
+          </a:xfrm>
+          <a:prstGeom prst="roundRect"/>
+          <a:solidFill>
+            <a:srgbClr val="EDEDED"/>
+          </a:solidFill>
+        </p:spPr>
+      </p:pic>
+      <p:pic>
+        <p:nvPicPr>
+          <p:cNvPr id="25" name="그림 1" descr="C:/Users/Admin1/AppData/Roaming/PolarisOffice/ETemp/20324_11685168/fImage121938241.png"/>
+          <p:cNvPicPr>
+            <a:picLocks noChangeAspect="1"/>
+          </p:cNvPicPr>
+          <p:nvPr/>
+        </p:nvPicPr>
+        <p:blipFill rotWithShape="1">
+          <a:blip r:embed="rId18" cstate="print">
             <a:extLst>
               <a:ext uri="{28A0092B-C50C-407E-A947-70E740481C1C}">
                 <a14:useLocalDpi xmlns:a14="http://schemas.microsoft.com/office/drawing/2010/main" val="0"/>
@@ -6108,70 +6043,8 @@
         </p:blipFill>
         <p:spPr>
           <a:xfrm rot="0">
-            <a:off x="4005580" y="1452880"/>
-            <a:ext cx="1361440" cy="1381760"/>
-          </a:xfrm>
-          <a:prstGeom prst="roundRect"/>
-          <a:solidFill>
-            <a:srgbClr val="EDEDED"/>
-          </a:solidFill>
-        </p:spPr>
-      </p:pic>
-      <p:pic>
-        <p:nvPicPr>
-          <p:cNvPr id="24" name="그림 4" descr="C:/Users/Admin1/AppData/Roaming/PolarisOffice/ETemp/6304_11017832/fImage2461988467.png"/>
-          <p:cNvPicPr>
-            <a:picLocks noChangeAspect="1"/>
-          </p:cNvPicPr>
-          <p:nvPr/>
-        </p:nvPicPr>
-        <p:blipFill rotWithShape="1">
-          <a:blip r:embed="rId16" cstate="print">
-            <a:extLst>
-              <a:ext uri="{28A0092B-C50C-407E-A947-70E740481C1C}">
-                <a14:useLocalDpi xmlns:a14="http://schemas.microsoft.com/office/drawing/2010/main" val="0"/>
-              </a:ext>
-            </a:extLst>
-          </a:blip>
-          <a:stretch>
-            <a:fillRect/>
-          </a:stretch>
-        </p:blipFill>
-        <p:spPr>
-          <a:xfrm rot="0">
-            <a:off x="4307205" y="3204210"/>
-            <a:ext cx="758190" cy="836295"/>
-          </a:xfrm>
-          <a:prstGeom prst="roundRect"/>
-          <a:solidFill>
-            <a:srgbClr val="EDEDED"/>
-          </a:solidFill>
-        </p:spPr>
-      </p:pic>
-      <p:pic>
-        <p:nvPicPr>
-          <p:cNvPr id="25" name="그림 7" descr="C:/Users/Admin1/AppData/Roaming/PolarisOffice/ETemp/6304_11017832/fImage12304996334.png"/>
-          <p:cNvPicPr>
-            <a:picLocks noChangeAspect="1"/>
-          </p:cNvPicPr>
-          <p:nvPr/>
-        </p:nvPicPr>
-        <p:blipFill rotWithShape="1">
-          <a:blip r:embed="rId17" cstate="print">
-            <a:extLst>
-              <a:ext uri="{28A0092B-C50C-407E-A947-70E740481C1C}">
-                <a14:useLocalDpi xmlns:a14="http://schemas.microsoft.com/office/drawing/2010/main" val="0"/>
-              </a:ext>
-            </a:extLst>
-          </a:blip>
-          <a:stretch>
-            <a:fillRect/>
-          </a:stretch>
-        </p:blipFill>
-        <p:spPr>
-          <a:xfrm rot="0">
-            <a:off x="6833235" y="3984625"/>
-            <a:ext cx="4124325" cy="1477010"/>
+            <a:off x="6822440" y="3983990"/>
+            <a:ext cx="4135120" cy="1419860"/>
           </a:xfrm>
           <a:prstGeom prst="roundRect"/>
           <a:solidFill>
@@ -6281,7 +6154,7 @@
       </p:sp>
       <p:sp>
         <p:nvSpPr>
-          <p:cNvPr id="10" name="Rect 0"/>
+          <p:cNvPr id="29" name="텍스트 상자 12"/>
           <p:cNvSpPr txBox="1">
             <a:spLocks/>
           </p:cNvSpPr>
@@ -6289,8 +6162,8 @@
         </p:nvSpPr>
         <p:spPr>
           <a:xfrm rot="0">
-            <a:off x="1238250" y="5172075"/>
-            <a:ext cx="4145915" cy="954405"/>
+            <a:off x="6821805" y="5535930"/>
+            <a:ext cx="4141470" cy="677545"/>
           </a:xfrm>
           <a:prstGeom prst="rect"/>
           <a:noFill/>
@@ -6310,6 +6183,16 @@
               <a:buNone/>
             </a:pPr>
             <a:r>
+              <a:rPr lang="ko-KR" sz="2000" b="1">
+                <a:solidFill>
+                  <a:srgbClr val="0611F2"/>
+                </a:solidFill>
+                <a:latin typeface="맑은 고딕" charset="0"/>
+                <a:ea typeface="맑은 고딕" charset="0"/>
+              </a:rPr>
+              <a:t>6</a:t>
+            </a:r>
+            <a:r>
               <a:rPr sz="2000" b="1">
                 <a:solidFill>
                   <a:srgbClr val="0611F2"/>
@@ -6317,7 +6200,7 @@
                 <a:latin typeface="맑은 고딕" charset="0"/>
                 <a:ea typeface="맑은 고딕" charset="0"/>
               </a:rPr>
-              <a:t>4.</a:t>
+              <a:t>.</a:t>
             </a:r>
             <a:r>
               <a:rPr lang="ko-KR" sz="2000" b="1">
@@ -6334,14 +6217,14 @@
                 <a:latin typeface="맑은 고딕" charset="0"/>
                 <a:ea typeface="맑은 고딕" charset="0"/>
               </a:rPr>
-              <a:t>그다음 3D Object에 Capsule </a:t>
-            </a:r>
-            <a:r>
-              <a:rPr lang="ko-KR" sz="1800">
-                <a:latin typeface="맑은 고딕" charset="0"/>
-                <a:ea typeface="맑은 고딕" charset="0"/>
-              </a:rPr>
-              <a:t>오브젝트를</a:t>
+              <a:t>그리고 Billiard Ball (Two) </a:t>
+            </a:r>
+            <a:r>
+              <a:rPr lang="ko-KR" sz="1800">
+                <a:latin typeface="맑은 고딕" charset="0"/>
+                <a:ea typeface="맑은 고딕" charset="0"/>
+              </a:rPr>
+              <a:t>오브젝트의</a:t>
             </a:r>
             <a:r>
               <a:rPr lang="ko-KR" sz="1800">
@@ -6355,21 +6238,7 @@
                 <a:latin typeface="맑은 고딕" charset="0"/>
                 <a:ea typeface="맑은 고딕" charset="0"/>
               </a:rPr>
-              <a:t>생성하고 Blue Ball (</a:t>
-            </a:r>
-            <a:r>
-              <a:rPr lang="ko-KR" sz="1800">
-                <a:latin typeface="맑은 고딕" charset="0"/>
-                <a:ea typeface="맑은 고딕" charset="0"/>
-              </a:rPr>
-              <a:t>Other</a:t>
-            </a:r>
-            <a:r>
-              <a:rPr lang="ko-KR" sz="1800">
-                <a:latin typeface="맑은 고딕" charset="0"/>
-                <a:ea typeface="맑은 고딕" charset="0"/>
-              </a:rPr>
-              <a:t>)</a:t>
+              <a:t>위치</a:t>
             </a:r>
             <a:r>
               <a:rPr lang="ko-KR" sz="1800">
@@ -6383,14 +6252,14 @@
                 <a:latin typeface="맑은 고딕" charset="0"/>
                 <a:ea typeface="맑은 고딕" charset="0"/>
               </a:rPr>
-              <a:t>라는</a:t>
-            </a:r>
-            <a:r>
-              <a:rPr lang="ko-KR" sz="1800">
-                <a:latin typeface="맑은 고딕" charset="0"/>
-                <a:ea typeface="맑은 고딕" charset="0"/>
-              </a:rPr>
-              <a:t> 이름으로 정의합니다.</a:t>
+              <a:t>값을</a:t>
+            </a:r>
+            <a:r>
+              <a:rPr lang="ko-KR" sz="1800">
+                <a:latin typeface="맑은 고딕" charset="0"/>
+                <a:ea typeface="맑은 고딕" charset="0"/>
+              </a:rPr>
+              <a:t> 설정합니다.</a:t>
             </a:r>
             <a:endParaRPr lang="ko-KR" altLang="en-US" sz="1800">
               <a:latin typeface="맑은 고딕" charset="0"/>
@@ -6401,7 +6270,7 @@
       </p:sp>
       <p:sp>
         <p:nvSpPr>
-          <p:cNvPr id="29" name="텍스트 상자 12"/>
+          <p:cNvPr id="37" name="텍스트 상자 4"/>
           <p:cNvSpPr txBox="1">
             <a:spLocks/>
           </p:cNvSpPr>
@@ -6409,8 +6278,8 @@
         </p:nvSpPr>
         <p:spPr>
           <a:xfrm rot="0">
-            <a:off x="6821805" y="5449570"/>
-            <a:ext cx="4144645" cy="677545"/>
+            <a:off x="1239520" y="4151630"/>
+            <a:ext cx="4130040" cy="2061845"/>
           </a:xfrm>
           <a:prstGeom prst="rect"/>
           <a:noFill/>
@@ -6430,6 +6299,26 @@
               <a:buNone/>
             </a:pPr>
             <a:r>
+              <a:rPr sz="2000" b="1">
+                <a:solidFill>
+                  <a:srgbClr val="0611F2"/>
+                </a:solidFill>
+                <a:latin typeface="맑은 고딕" charset="0"/>
+                <a:ea typeface="맑은 고딕" charset="0"/>
+              </a:rPr>
+              <a:t>4</a:t>
+            </a:r>
+            <a:r>
+              <a:rPr sz="2000" b="1">
+                <a:solidFill>
+                  <a:srgbClr val="0611F2"/>
+                </a:solidFill>
+                <a:latin typeface="맑은 고딕" charset="0"/>
+                <a:ea typeface="맑은 고딕" charset="0"/>
+              </a:rPr>
+              <a:t>.</a:t>
+            </a:r>
+            <a:r>
               <a:rPr lang="ko-KR" sz="2000" b="1">
                 <a:solidFill>
                   <a:srgbClr val="0611F2"/>
@@ -6437,26 +6326,6 @@
                 <a:latin typeface="맑은 고딕" charset="0"/>
                 <a:ea typeface="맑은 고딕" charset="0"/>
               </a:rPr>
-              <a:t>6</a:t>
-            </a:r>
-            <a:r>
-              <a:rPr sz="2000" b="1">
-                <a:solidFill>
-                  <a:srgbClr val="0611F2"/>
-                </a:solidFill>
-                <a:latin typeface="맑은 고딕" charset="0"/>
-                <a:ea typeface="맑은 고딕" charset="0"/>
-              </a:rPr>
-              <a:t>.</a:t>
-            </a:r>
-            <a:r>
-              <a:rPr lang="ko-KR" sz="2000" b="1">
-                <a:solidFill>
-                  <a:srgbClr val="0611F2"/>
-                </a:solidFill>
-                <a:latin typeface="맑은 고딕" charset="0"/>
-                <a:ea typeface="맑은 고딕" charset="0"/>
-              </a:rPr>
               <a:t> </a:t>
             </a:r>
             <a:r>
@@ -6464,14 +6333,14 @@
                 <a:latin typeface="맑은 고딕" charset="0"/>
                 <a:ea typeface="맑은 고딕" charset="0"/>
               </a:rPr>
-              <a:t>이제 Blue Ball (Other) 오브젝트의 </a:t>
-            </a:r>
-            <a:r>
-              <a:rPr lang="ko-KR" sz="1800">
-                <a:latin typeface="맑은 고딕" charset="0"/>
-                <a:ea typeface="맑은 고딕" charset="0"/>
-              </a:rPr>
-              <a:t>위치</a:t>
+              <a:t>그다음으로 3D Object에 Capsule </a:t>
+            </a:r>
+            <a:r>
+              <a:rPr lang="ko-KR" sz="1800">
+                <a:latin typeface="맑은 고딕" charset="0"/>
+                <a:ea typeface="맑은 고딕" charset="0"/>
+              </a:rPr>
+              <a:t>오브젝트를</a:t>
             </a:r>
             <a:r>
               <a:rPr lang="ko-KR" sz="1800">
@@ -6485,18 +6354,192 @@
                 <a:latin typeface="맑은 고딕" charset="0"/>
                 <a:ea typeface="맑은 고딕" charset="0"/>
               </a:rPr>
-              <a:t>값을 설정합니다.</a:t>
+              <a:t>생성한</a:t>
+            </a:r>
+            <a:r>
+              <a:rPr lang="ko-KR" sz="1800">
+                <a:latin typeface="맑은 고딕" charset="0"/>
+                <a:ea typeface="맑은 고딕" charset="0"/>
+              </a:rPr>
+              <a:t> 다음 Billiard Ball </a:t>
+            </a:r>
+            <a:r>
+              <a:rPr lang="ko-KR" sz="1800">
+                <a:latin typeface="맑은 고딕" charset="0"/>
+                <a:ea typeface="맑은 고딕" charset="0"/>
+              </a:rPr>
+              <a:t>(Tw</a:t>
+            </a:r>
+            <a:r>
+              <a:rPr lang="ko-KR" sz="1800">
+                <a:latin typeface="맑은 고딕" charset="0"/>
+                <a:ea typeface="맑은 고딕" charset="0"/>
+              </a:rPr>
+              <a:t>o</a:t>
+            </a:r>
+            <a:r>
+              <a:rPr lang="ko-KR" sz="1800">
+                <a:latin typeface="맑은 고딕" charset="0"/>
+                <a:ea typeface="맑은 고딕" charset="0"/>
+              </a:rPr>
+              <a:t>)</a:t>
+            </a:r>
+            <a:r>
+              <a:rPr lang="ko-KR" sz="1800">
+                <a:latin typeface="맑은 고딕" charset="0"/>
+                <a:ea typeface="맑은 고딕" charset="0"/>
+              </a:rPr>
+              <a:t> </a:t>
+            </a:r>
+            <a:r>
+              <a:rPr lang="ko-KR" sz="1800">
+                <a:latin typeface="맑은 고딕" charset="0"/>
+                <a:ea typeface="맑은 고딕" charset="0"/>
+              </a:rPr>
+              <a:t>라는</a:t>
+            </a:r>
+            <a:r>
+              <a:rPr lang="ko-KR" sz="1800">
+                <a:latin typeface="맑은 고딕" charset="0"/>
+                <a:ea typeface="맑은 고딕" charset="0"/>
+              </a:rPr>
+              <a:t> </a:t>
+            </a:r>
+            <a:r>
+              <a:rPr lang="ko-KR" sz="1800">
+                <a:latin typeface="맑은 고딕" charset="0"/>
+                <a:ea typeface="맑은 고딕" charset="0"/>
+              </a:rPr>
+              <a:t>이름으로</a:t>
+            </a:r>
+            <a:r>
+              <a:rPr lang="ko-KR" sz="1800">
+                <a:latin typeface="맑은 고딕" charset="0"/>
+                <a:ea typeface="맑은 고딕" charset="0"/>
+              </a:rPr>
+              <a:t> 정의합니다.</a:t>
             </a:r>
             <a:endParaRPr lang="ko-KR" altLang="en-US" sz="1800">
               <a:latin typeface="맑은 고딕" charset="0"/>
               <a:ea typeface="맑은 고딕" charset="0"/>
             </a:endParaRPr>
           </a:p>
+          <a:p>
+            <a:pPr marL="0" indent="0" rtl="0" algn="l" defTabSz="914400" eaLnBrk="1" latinLnBrk="0" hangingPunct="1">
+              <a:buFontTx/>
+              <a:buNone/>
+            </a:pPr>
+            <a:endParaRPr lang="ko-KR" altLang="en-US" sz="1800">
+              <a:latin typeface="맑은 고딕" charset="0"/>
+              <a:ea typeface="맑은 고딕" charset="0"/>
+            </a:endParaRPr>
+          </a:p>
+          <a:p>
+            <a:pPr marL="0" indent="0" rtl="0" algn="l" defTabSz="914400" eaLnBrk="1" latinLnBrk="0" hangingPunct="1">
+              <a:buFontTx/>
+              <a:buNone/>
+            </a:pPr>
+            <a:r>
+              <a:rPr lang="ko-KR" sz="1800">
+                <a:latin typeface="맑은 고딕" charset="0"/>
+                <a:ea typeface="맑은 고딕" charset="0"/>
+              </a:rPr>
+              <a:t>그러고</a:t>
+            </a:r>
+            <a:r>
+              <a:rPr lang="ko-KR" sz="1800">
+                <a:latin typeface="맑은 고딕" charset="0"/>
+                <a:ea typeface="맑은 고딕" charset="0"/>
+              </a:rPr>
+              <a:t> </a:t>
+            </a:r>
+            <a:r>
+              <a:rPr lang="ko-KR" sz="1800">
+                <a:latin typeface="맑은 고딕" charset="0"/>
+                <a:ea typeface="맑은 고딕" charset="0"/>
+              </a:rPr>
+              <a:t>나서</a:t>
+            </a:r>
+            <a:r>
+              <a:rPr lang="ko-KR" sz="1800">
+                <a:latin typeface="맑은 고딕" charset="0"/>
+                <a:ea typeface="맑은 고딕" charset="0"/>
+              </a:rPr>
+              <a:t> PhysicsControl </a:t>
+            </a:r>
+            <a:r>
+              <a:rPr lang="ko-KR" sz="1800">
+                <a:latin typeface="맑은 고딕" charset="0"/>
+                <a:ea typeface="맑은 고딕" charset="0"/>
+              </a:rPr>
+              <a:t>스크립트를</a:t>
+            </a:r>
+            <a:r>
+              <a:rPr lang="ko-KR" sz="1800">
+                <a:latin typeface="맑은 고딕" charset="0"/>
+                <a:ea typeface="맑은 고딕" charset="0"/>
+              </a:rPr>
+              <a:t> </a:t>
+            </a:r>
+            <a:r>
+              <a:rPr lang="ko-KR" sz="1800">
+                <a:latin typeface="맑은 고딕" charset="0"/>
+                <a:ea typeface="맑은 고딕" charset="0"/>
+              </a:rPr>
+              <a:t>Billiard</a:t>
+            </a:r>
+            <a:r>
+              <a:rPr lang="ko-KR" sz="1800">
+                <a:latin typeface="맑은 고딕" charset="0"/>
+                <a:ea typeface="맑은 고딕" charset="0"/>
+              </a:rPr>
+              <a:t> Ball </a:t>
+            </a:r>
+            <a:r>
+              <a:rPr lang="ko-KR" sz="1800">
+                <a:latin typeface="맑은 고딕" charset="0"/>
+                <a:ea typeface="맑은 고딕" charset="0"/>
+              </a:rPr>
+              <a:t>(Two)</a:t>
+            </a:r>
+            <a:r>
+              <a:rPr lang="ko-KR" sz="1800">
+                <a:latin typeface="맑은 고딕" charset="0"/>
+                <a:ea typeface="맑은 고딕" charset="0"/>
+              </a:rPr>
+              <a:t> </a:t>
+            </a:r>
+            <a:r>
+              <a:rPr lang="ko-KR" sz="1800">
+                <a:latin typeface="맑은 고딕" charset="0"/>
+                <a:ea typeface="맑은 고딕" charset="0"/>
+              </a:rPr>
+              <a:t>오브젝트에</a:t>
+            </a:r>
+            <a:r>
+              <a:rPr lang="ko-KR" sz="1800">
+                <a:latin typeface="맑은 고딕" charset="0"/>
+                <a:ea typeface="맑은 고딕" charset="0"/>
+              </a:rPr>
+              <a:t> </a:t>
+            </a:r>
+            <a:r>
+              <a:rPr lang="ko-KR" sz="1800">
+                <a:latin typeface="맑은 고딕" charset="0"/>
+                <a:ea typeface="맑은 고딕" charset="0"/>
+              </a:rPr>
+              <a:t>넣어줍니다.</a:t>
+            </a:r>
+            <a:endParaRPr lang="ko-KR" altLang="en-US" sz="1800">
+              <a:latin typeface="맑은 고딕" charset="0"/>
+              <a:ea typeface="맑은 고딕" charset="0"/>
+            </a:endParaRPr>
+          </a:p>
         </p:txBody>
       </p:sp>
       <p:pic>
         <p:nvPicPr>
-          <p:cNvPr id="32" name="그림 10" descr="C:/Users/Admin1/AppData/Roaming/PolarisOffice/ETemp/6304_11017832/fImage159789841.png"/>
+          <p:cNvPr id="38" name="그림 5" descr="C:/Users/Admin1/AppData/Roaming/PolarisOffice/ETemp/20324_11685168/fImage159789841.png"/>
           <p:cNvPicPr>
             <a:picLocks noChangeAspect="1"/>
           </p:cNvPicPr>
@@ -6516,8 +6559,8 @@
         </p:blipFill>
         <p:spPr>
           <a:xfrm rot="0">
-            <a:off x="1240790" y="1430020"/>
-            <a:ext cx="2705100" cy="3601085"/>
+            <a:off x="1238250" y="1455420"/>
+            <a:ext cx="2685415" cy="2485390"/>
           </a:xfrm>
           <a:prstGeom prst="roundRect"/>
           <a:solidFill>
@@ -6525,16 +6568,79 @@
           </a:solidFill>
         </p:spPr>
       </p:pic>
+      <p:cxnSp>
+        <p:nvCxnSpPr>
+          <p:cNvPr id="39" name="도형 6"/>
+          <p:cNvCxnSpPr/>
+          <p:nvPr/>
+        </p:nvCxnSpPr>
+        <p:spPr>
+          <a:xfrm rot="0" flipV="1">
+            <a:off x="4740910" y="2849245"/>
+            <a:ext cx="635" cy="346710"/>
+          </a:xfrm>
+          <a:prstGeom prst="straightConnector1"/>
+          <a:ln w="6350" cap="flat" cmpd="sng">
+            <a:prstDash/>
+            <a:tailEnd type="triangle" w="med" len="med"/>
+          </a:ln>
+        </p:spPr>
+        <p:style>
+          <a:lnRef idx="1">
+            <a:schemeClr val="accent1"/>
+          </a:lnRef>
+          <a:fillRef idx="0">
+            <a:schemeClr val="accent1"/>
+          </a:fillRef>
+          <a:effectRef idx="0">
+            <a:schemeClr val="accent1"/>
+          </a:effectRef>
+          <a:fontRef idx="minor">
+            <a:schemeClr val="tx1"/>
+          </a:fontRef>
+        </p:style>
+      </p:cxnSp>
       <p:pic>
         <p:nvPicPr>
-          <p:cNvPr id="33" name="그림 11" descr="C:/Users/Admin1/AppData/Roaming/PolarisOffice/ETemp/6304_11017832/fImage54751016500.png"/>
+          <p:cNvPr id="41" name="그림 8" descr="C:/Users/Admin1/AppData/Roaming/PolarisOffice/ETemp/20324_11685168/fImage2461988467.png"/>
           <p:cNvPicPr>
             <a:picLocks noChangeAspect="1"/>
           </p:cNvPicPr>
           <p:nvPr/>
         </p:nvPicPr>
         <p:blipFill rotWithShape="1">
-          <a:blip r:embed="rId12" cstate="print">
+          <a:blip r:embed="rId15" cstate="hqprint">
+            <a:extLst>
+              <a:ext uri="{28A0092B-C50C-407E-A947-70E740481C1C}">
+                <a14:useLocalDpi xmlns:a14="http://schemas.microsoft.com/office/drawing/2010/main"/>
+              </a:ext>
+            </a:extLst>
+          </a:blip>
+          <a:stretch>
+            <a:fillRect/>
+          </a:stretch>
+        </p:blipFill>
+        <p:spPr>
+          <a:xfrm rot="0">
+            <a:off x="4390390" y="3195320"/>
+            <a:ext cx="702310" cy="745490"/>
+          </a:xfrm>
+          <a:prstGeom prst="roundRect"/>
+          <a:solidFill>
+            <a:srgbClr val="EDEDED"/>
+          </a:solidFill>
+        </p:spPr>
+      </p:pic>
+      <p:pic>
+        <p:nvPicPr>
+          <p:cNvPr id="42" name="그림 9" descr="C:/Users/Admin1/AppData/Roaming/PolarisOffice/ETemp/20324_11685168/fImage5320888467.png"/>
+          <p:cNvPicPr>
+            <a:picLocks noChangeAspect="1"/>
+          </p:cNvPicPr>
+          <p:nvPr/>
+        </p:nvPicPr>
+        <p:blipFill rotWithShape="1">
+          <a:blip r:embed="rId16" cstate="print">
             <a:extLst>
               <a:ext uri="{28A0092B-C50C-407E-A947-70E740481C1C}">
                 <a14:useLocalDpi xmlns:a14="http://schemas.microsoft.com/office/drawing/2010/main" val="0"/>
@@ -6547,8 +6653,8 @@
         </p:blipFill>
         <p:spPr>
           <a:xfrm rot="0">
-            <a:off x="4083050" y="2377440"/>
-            <a:ext cx="1301115" cy="1697355"/>
+            <a:off x="4104640" y="1458595"/>
+            <a:ext cx="1273810" cy="1391285"/>
           </a:xfrm>
           <a:prstGeom prst="roundRect"/>
           <a:solidFill>
@@ -6558,14 +6664,14 @@
       </p:pic>
       <p:pic>
         <p:nvPicPr>
-          <p:cNvPr id="34" name="그림 14" descr="C:/Users/Admin1/AppData/Roaming/PolarisOffice/ETemp/6304_11017832/fImage125531029169.png"/>
+          <p:cNvPr id="44" name="그림 17" descr="C:/Users/Admin1/AppData/Roaming/PolarisOffice/ETemp/20324_11685168/fImage12429926334.png"/>
           <p:cNvPicPr>
             <a:picLocks noChangeAspect="1"/>
           </p:cNvPicPr>
           <p:nvPr/>
         </p:nvPicPr>
         <p:blipFill rotWithShape="1">
-          <a:blip r:embed="rId13" cstate="print">
+          <a:blip r:embed="rId17" cstate="print">
             <a:extLst>
               <a:ext uri="{28A0092B-C50C-407E-A947-70E740481C1C}">
                 <a14:useLocalDpi xmlns:a14="http://schemas.microsoft.com/office/drawing/2010/main" val="0"/>
@@ -6578,8 +6684,8 @@
         </p:blipFill>
         <p:spPr>
           <a:xfrm rot="0">
-            <a:off x="6822440" y="1421130"/>
-            <a:ext cx="4143375" cy="1336040"/>
+            <a:off x="6823710" y="3680460"/>
+            <a:ext cx="4130675" cy="1749425"/>
           </a:xfrm>
           <a:prstGeom prst="roundRect"/>
           <a:solidFill>
@@ -6587,142 +6693,19 @@
           </a:solidFill>
         </p:spPr>
       </p:pic>
-      <p:sp>
-        <p:nvSpPr>
-          <p:cNvPr id="35" name="텍스트 상자 17"/>
-          <p:cNvSpPr txBox="1">
-            <a:spLocks/>
-          </p:cNvSpPr>
-          <p:nvPr/>
-        </p:nvSpPr>
-        <p:spPr>
-          <a:xfrm rot="0">
-            <a:off x="6816090" y="2860040"/>
-            <a:ext cx="4144645" cy="954405"/>
-          </a:xfrm>
-          <a:prstGeom prst="rect"/>
-          <a:noFill/>
-          <a:ln w="0">
-            <a:noFill/>
-            <a:prstDash/>
-          </a:ln>
-        </p:spPr>
-        <p:txBody>
-          <a:bodyPr wrap="square" lIns="89535" tIns="46355" rIns="89535" bIns="46355" numCol="1" vert="horz" anchor="t">
-            <a:spAutoFit/>
-          </a:bodyPr>
-          <a:lstStyle/>
-          <a:p>
-            <a:pPr marL="0" indent="0" rtl="0" algn="l" defTabSz="914400" eaLnBrk="1" latinLnBrk="0" hangingPunct="1">
-              <a:buFontTx/>
-              <a:buNone/>
-            </a:pPr>
-            <a:r>
-              <a:rPr lang="ko-KR" sz="2000" b="1">
-                <a:solidFill>
-                  <a:srgbClr val="0611F2"/>
-                </a:solidFill>
-                <a:latin typeface="맑은 고딕" charset="0"/>
-                <a:ea typeface="맑은 고딕" charset="0"/>
-              </a:rPr>
-              <a:t>5</a:t>
-            </a:r>
-            <a:r>
-              <a:rPr sz="2000" b="1">
-                <a:solidFill>
-                  <a:srgbClr val="0611F2"/>
-                </a:solidFill>
-                <a:latin typeface="맑은 고딕" charset="0"/>
-                <a:ea typeface="맑은 고딕" charset="0"/>
-              </a:rPr>
-              <a:t>.</a:t>
-            </a:r>
-            <a:r>
-              <a:rPr lang="ko-KR" sz="2000" b="1">
-                <a:solidFill>
-                  <a:srgbClr val="0611F2"/>
-                </a:solidFill>
-                <a:latin typeface="맑은 고딕" charset="0"/>
-                <a:ea typeface="맑은 고딕" charset="0"/>
-              </a:rPr>
-              <a:t> </a:t>
-            </a:r>
-            <a:r>
-              <a:rPr lang="ko-KR" sz="1800">
-                <a:latin typeface="맑은 고딕" charset="0"/>
-                <a:ea typeface="맑은 고딕" charset="0"/>
-              </a:rPr>
-              <a:t>그러고 나서 Main Camera </a:t>
-            </a:r>
-            <a:r>
-              <a:rPr lang="ko-KR" sz="1800">
-                <a:latin typeface="맑은 고딕" charset="0"/>
-                <a:ea typeface="맑은 고딕" charset="0"/>
-              </a:rPr>
-              <a:t>오브젝트의</a:t>
-            </a:r>
-            <a:r>
-              <a:rPr lang="ko-KR" sz="1800">
-                <a:latin typeface="맑은 고딕" charset="0"/>
-                <a:ea typeface="맑은 고딕" charset="0"/>
-              </a:rPr>
-              <a:t> </a:t>
-            </a:r>
-            <a:r>
-              <a:rPr lang="ko-KR" sz="1800">
-                <a:latin typeface="맑은 고딕" charset="0"/>
-                <a:ea typeface="맑은 고딕" charset="0"/>
-              </a:rPr>
-              <a:t>위치와</a:t>
-            </a:r>
-            <a:r>
-              <a:rPr lang="ko-KR" sz="1800">
-                <a:latin typeface="맑은 고딕" charset="0"/>
-                <a:ea typeface="맑은 고딕" charset="0"/>
-              </a:rPr>
-              <a:t> </a:t>
-            </a:r>
-            <a:r>
-              <a:rPr lang="ko-KR" sz="1800">
-                <a:latin typeface="맑은 고딕" charset="0"/>
-                <a:ea typeface="맑은 고딕" charset="0"/>
-              </a:rPr>
-              <a:t>회전 값을</a:t>
-            </a:r>
-            <a:r>
-              <a:rPr lang="ko-KR" sz="1800">
-                <a:latin typeface="맑은 고딕" charset="0"/>
-                <a:ea typeface="맑은 고딕" charset="0"/>
-              </a:rPr>
-              <a:t> </a:t>
-            </a:r>
-            <a:r>
-              <a:rPr lang="ko-KR" sz="1800">
-                <a:latin typeface="맑은 고딕" charset="0"/>
-                <a:ea typeface="맑은 고딕" charset="0"/>
-              </a:rPr>
-              <a:t>설정합니다.</a:t>
-            </a:r>
-            <a:endParaRPr lang="ko-KR" altLang="en-US" sz="1800">
-              <a:latin typeface="맑은 고딕" charset="0"/>
-              <a:ea typeface="맑은 고딕" charset="0"/>
-            </a:endParaRPr>
-          </a:p>
-        </p:txBody>
-      </p:sp>
       <p:pic>
         <p:nvPicPr>
-          <p:cNvPr id="36" name="그림 18" descr="C:/Users/Admin1/AppData/Roaming/PolarisOffice/ETemp/6304_11017832/fImage125701045724.png"/>
+          <p:cNvPr id="45" name="그림 24" descr="C:/Users/Admin1/AppData/Roaming/PolarisOffice/ETemp/20324_11685168/fImage47031079169.png"/>
           <p:cNvPicPr>
             <a:picLocks noChangeAspect="1"/>
           </p:cNvPicPr>
           <p:nvPr/>
         </p:nvPicPr>
         <p:blipFill rotWithShape="1">
-          <a:blip r:embed="rId14" cstate="print">
+          <a:blip r:embed="rId18" cstate="hqprint">
             <a:extLst>
               <a:ext uri="{28A0092B-C50C-407E-A947-70E740481C1C}">
-                <a14:useLocalDpi xmlns:a14="http://schemas.microsoft.com/office/drawing/2010/main" val="0"/>
+                <a14:useLocalDpi xmlns:a14="http://schemas.microsoft.com/office/drawing/2010/main"/>
               </a:ext>
             </a:extLst>
           </a:blip>
@@ -6732,8 +6715,8 @@
         </p:blipFill>
         <p:spPr>
           <a:xfrm rot="0">
-            <a:off x="6819265" y="3953510"/>
-            <a:ext cx="4146550" cy="1421765"/>
+            <a:off x="6822440" y="1450975"/>
+            <a:ext cx="4136390" cy="1351915"/>
           </a:xfrm>
           <a:prstGeom prst="roundRect"/>
           <a:solidFill>
@@ -6741,6 +6724,115 @@
           </a:solidFill>
         </p:spPr>
       </p:pic>
+      <p:sp>
+        <p:nvSpPr>
+          <p:cNvPr id="46" name="텍스트 상자 25"/>
+          <p:cNvSpPr txBox="1">
+            <a:spLocks/>
+          </p:cNvSpPr>
+          <p:nvPr/>
+        </p:nvSpPr>
+        <p:spPr>
+          <a:xfrm rot="0">
+            <a:off x="6826885" y="2881630"/>
+            <a:ext cx="4123055" cy="677545"/>
+          </a:xfrm>
+          <a:prstGeom prst="rect"/>
+          <a:noFill/>
+          <a:ln w="0">
+            <a:noFill/>
+            <a:prstDash/>
+          </a:ln>
+        </p:spPr>
+        <p:txBody>
+          <a:bodyPr wrap="square" lIns="89535" tIns="46355" rIns="89535" bIns="46355" numCol="1" vert="horz" anchor="t">
+            <a:spAutoFit/>
+          </a:bodyPr>
+          <a:lstStyle/>
+          <a:p>
+            <a:pPr marL="0" indent="0" rtl="0" algn="l" defTabSz="914400" eaLnBrk="1" latinLnBrk="0" hangingPunct="1">
+              <a:buFontTx/>
+              <a:buNone/>
+            </a:pPr>
+            <a:r>
+              <a:rPr lang="ko-KR" sz="2000" b="1">
+                <a:solidFill>
+                  <a:srgbClr val="0611F2"/>
+                </a:solidFill>
+                <a:latin typeface="맑은 고딕" charset="0"/>
+                <a:ea typeface="맑은 고딕" charset="0"/>
+              </a:rPr>
+              <a:t>5</a:t>
+            </a:r>
+            <a:r>
+              <a:rPr sz="2000" b="1">
+                <a:solidFill>
+                  <a:srgbClr val="0611F2"/>
+                </a:solidFill>
+                <a:latin typeface="맑은 고딕" charset="0"/>
+                <a:ea typeface="맑은 고딕" charset="0"/>
+              </a:rPr>
+              <a:t>.</a:t>
+            </a:r>
+            <a:r>
+              <a:rPr lang="ko-KR" sz="2000" b="1">
+                <a:solidFill>
+                  <a:srgbClr val="0611F2"/>
+                </a:solidFill>
+                <a:latin typeface="맑은 고딕" charset="0"/>
+                <a:ea typeface="맑은 고딕" charset="0"/>
+              </a:rPr>
+              <a:t> </a:t>
+            </a:r>
+            <a:r>
+              <a:rPr lang="ko-KR" sz="1800">
+                <a:latin typeface="맑은 고딕" charset="0"/>
+                <a:ea typeface="맑은 고딕" charset="0"/>
+              </a:rPr>
+              <a:t>이제 Billiard Ball (Two) </a:t>
+            </a:r>
+            <a:r>
+              <a:rPr lang="ko-KR" sz="1800">
+                <a:latin typeface="맑은 고딕" charset="0"/>
+                <a:ea typeface="맑은 고딕" charset="0"/>
+              </a:rPr>
+              <a:t>오브젝트에</a:t>
+            </a:r>
+            <a:r>
+              <a:rPr lang="ko-KR" sz="1800">
+                <a:latin typeface="맑은 고딕" charset="0"/>
+                <a:ea typeface="맑은 고딕" charset="0"/>
+              </a:rPr>
+              <a:t> </a:t>
+            </a:r>
+            <a:r>
+              <a:rPr lang="ko-KR" sz="1800">
+                <a:latin typeface="맑은 고딕" charset="0"/>
+                <a:ea typeface="맑은 고딕" charset="0"/>
+              </a:rPr>
+              <a:t>Rigidbody</a:t>
+            </a:r>
+            <a:r>
+              <a:rPr lang="ko-KR" sz="1800">
+                <a:latin typeface="맑은 고딕" charset="0"/>
+                <a:ea typeface="맑은 고딕" charset="0"/>
+              </a:rPr>
+              <a:t> 컴포넌트를 </a:t>
+            </a:r>
+            <a:r>
+              <a:rPr lang="ko-KR" sz="1800">
+                <a:latin typeface="맑은 고딕" charset="0"/>
+                <a:ea typeface="맑은 고딕" charset="0"/>
+              </a:rPr>
+              <a:t>추가합니다.</a:t>
+            </a:r>
+            <a:endParaRPr lang="ko-KR" altLang="en-US" sz="1800">
+              <a:latin typeface="맑은 고딕" charset="0"/>
+              <a:ea typeface="맑은 고딕" charset="0"/>
+            </a:endParaRPr>
+          </a:p>
+        </p:txBody>
+      </p:sp>
     </p:spTree>
   </p:cSld>
   <p:clrMapOvr>
@@ -6765,7 +6857,7 @@
 </file>
 
 <file path=ppt/slides/slide3.xml><?xml version="1.0" encoding="utf-8"?>
-<p:sld xmlns:a="http://schemas.openxmlformats.org/drawingml/2006/main" xmlns:r="http://schemas.openxmlformats.org/officeDocument/2006/relationships" xmlns:p="http://schemas.openxmlformats.org/presentationml/2006/main">
+<p:sld xmlns:a="http://schemas.openxmlformats.org/drawingml/2006/main" xmlns:r="http://schemas.openxmlformats.org/officeDocument/2006/relationships" xmlns:p="http://schemas.openxmlformats.org/presentationml/2006/main" xmlns:p14="http://schemas.microsoft.com/office/powerpoint/2010/main">
   <p:cSld>
     <p:spTree>
       <p:nvGrpSpPr>
@@ -6851,8 +6943,8 @@
         </p:nvSpPr>
         <p:spPr>
           <a:xfrm rot="0">
-            <a:off x="1238250" y="5172075"/>
-            <a:ext cx="4137660" cy="954405"/>
+            <a:off x="1229995" y="4072255"/>
+            <a:ext cx="4148455" cy="2061845"/>
           </a:xfrm>
           <a:prstGeom prst="rect"/>
           <a:noFill/>
@@ -6872,6 +6964,16 @@
               <a:buNone/>
             </a:pPr>
             <a:r>
+              <a:rPr lang="ko-KR" sz="2000" b="1">
+                <a:solidFill>
+                  <a:srgbClr val="0611F2"/>
+                </a:solidFill>
+                <a:latin typeface="맑은 고딕" charset="0"/>
+                <a:ea typeface="맑은 고딕" charset="0"/>
+              </a:rPr>
+              <a:t>7</a:t>
+            </a:r>
+            <a:r>
               <a:rPr sz="2000" b="1">
                 <a:solidFill>
                   <a:srgbClr val="0611F2"/>
@@ -6879,16 +6981,6 @@
                 <a:latin typeface="맑은 고딕" charset="0"/>
                 <a:ea typeface="맑은 고딕" charset="0"/>
               </a:rPr>
-              <a:t>7</a:t>
-            </a:r>
-            <a:r>
-              <a:rPr sz="2000" b="1">
-                <a:solidFill>
-                  <a:srgbClr val="0611F2"/>
-                </a:solidFill>
-                <a:latin typeface="맑은 고딕" charset="0"/>
-                <a:ea typeface="맑은 고딕" charset="0"/>
-              </a:rPr>
               <a:t>.</a:t>
             </a:r>
             <a:r>
@@ -6906,7 +6998,7 @@
                 <a:latin typeface="맑은 고딕" charset="0"/>
                 <a:ea typeface="맑은 고딕" charset="0"/>
               </a:rPr>
-              <a:t>그리고 3D Object에 Capsule </a:t>
+              <a:t>그런 다음 3D Object에 Capsule </a:t>
             </a:r>
             <a:r>
               <a:rPr lang="ko-KR" sz="1800">
@@ -6927,21 +7019,28 @@
                 <a:latin typeface="맑은 고딕" charset="0"/>
                 <a:ea typeface="맑은 고딕" charset="0"/>
               </a:rPr>
-              <a:t>생성한 다음 Red Ball </a:t>
-            </a:r>
-            <a:r>
-              <a:rPr lang="ko-KR" sz="1800">
-                <a:latin typeface="맑은 고딕" charset="0"/>
-                <a:ea typeface="맑은 고딕" charset="0"/>
-              </a:rPr>
-              <a:t>(</a:t>
-            </a:r>
-            <a:r>
-              <a:rPr lang="ko-KR" sz="1800">
-                <a:latin typeface="맑은 고딕" charset="0"/>
-                <a:ea typeface="맑은 고딕" charset="0"/>
-              </a:rPr>
-              <a:t>Other</a:t>
+              <a:t>생성한</a:t>
+            </a:r>
+            <a:r>
+              <a:rPr lang="ko-KR" sz="1800">
+                <a:latin typeface="맑은 고딕" charset="0"/>
+                <a:ea typeface="맑은 고딕" charset="0"/>
+              </a:rPr>
+              <a:t> 다음 Billiard Ball </a:t>
+            </a:r>
+            <a:r>
+              <a:rPr lang="ko-KR" sz="1800">
+                <a:latin typeface="맑은 고딕" charset="0"/>
+                <a:ea typeface="맑은 고딕" charset="0"/>
+              </a:rPr>
+              <a:t>(Th</a:t>
+            </a:r>
+            <a:r>
+              <a:rPr lang="ko-KR" sz="1800">
+                <a:latin typeface="맑은 고딕" charset="0"/>
+                <a:ea typeface="맑은 고딕" charset="0"/>
+              </a:rPr>
+              <a:t>ree</a:t>
             </a:r>
             <a:r>
               <a:rPr lang="ko-KR" sz="1800">
@@ -6962,7 +7061,139 @@
                 <a:latin typeface="맑은 고딕" charset="0"/>
                 <a:ea typeface="맑은 고딕" charset="0"/>
               </a:rPr>
-              <a:t>라는 이름으로 정의합니다.</a:t>
+              <a:t>라는</a:t>
+            </a:r>
+            <a:r>
+              <a:rPr lang="ko-KR" sz="1800">
+                <a:latin typeface="맑은 고딕" charset="0"/>
+                <a:ea typeface="맑은 고딕" charset="0"/>
+              </a:rPr>
+              <a:t> </a:t>
+            </a:r>
+            <a:r>
+              <a:rPr lang="ko-KR" sz="1800">
+                <a:latin typeface="맑은 고딕" charset="0"/>
+                <a:ea typeface="맑은 고딕" charset="0"/>
+              </a:rPr>
+              <a:t>이름으로</a:t>
+            </a:r>
+            <a:r>
+              <a:rPr lang="ko-KR" sz="1800">
+                <a:latin typeface="맑은 고딕" charset="0"/>
+                <a:ea typeface="맑은 고딕" charset="0"/>
+              </a:rPr>
+              <a:t> 정의합니다.</a:t>
+            </a:r>
+            <a:endParaRPr lang="ko-KR" altLang="en-US" sz="1800">
+              <a:latin typeface="맑은 고딕" charset="0"/>
+              <a:ea typeface="맑은 고딕" charset="0"/>
+            </a:endParaRPr>
+          </a:p>
+          <a:p>
+            <a:pPr marL="0" indent="0" rtl="0" algn="l" defTabSz="914400" eaLnBrk="1" latinLnBrk="0" hangingPunct="1">
+              <a:buFontTx/>
+              <a:buNone/>
+            </a:pPr>
+            <a:endParaRPr lang="ko-KR" altLang="en-US" sz="1800">
+              <a:latin typeface="맑은 고딕" charset="0"/>
+              <a:ea typeface="맑은 고딕" charset="0"/>
+            </a:endParaRPr>
+          </a:p>
+          <a:p>
+            <a:pPr marL="0" indent="0" rtl="0" algn="l" defTabSz="914400" eaLnBrk="1" latinLnBrk="0" hangingPunct="1">
+              <a:buFontTx/>
+              <a:buNone/>
+            </a:pPr>
+            <a:r>
+              <a:rPr lang="ko-KR" sz="1800">
+                <a:latin typeface="맑은 고딕" charset="0"/>
+                <a:ea typeface="맑은 고딕" charset="0"/>
+              </a:rPr>
+              <a:t>그다음</a:t>
+            </a:r>
+            <a:r>
+              <a:rPr lang="ko-KR" sz="1800">
+                <a:latin typeface="맑은 고딕" charset="0"/>
+                <a:ea typeface="맑은 고딕" charset="0"/>
+              </a:rPr>
+              <a:t> PhysicsControl </a:t>
+            </a:r>
+            <a:r>
+              <a:rPr lang="ko-KR" sz="1800">
+                <a:latin typeface="맑은 고딕" charset="0"/>
+                <a:ea typeface="맑은 고딕" charset="0"/>
+              </a:rPr>
+              <a:t>스크립트를</a:t>
+            </a:r>
+            <a:r>
+              <a:rPr lang="ko-KR" sz="1800">
+                <a:latin typeface="맑은 고딕" charset="0"/>
+                <a:ea typeface="맑은 고딕" charset="0"/>
+              </a:rPr>
+              <a:t> </a:t>
+            </a:r>
+            <a:r>
+              <a:rPr lang="ko-KR" sz="1800">
+                <a:latin typeface="맑은 고딕" charset="0"/>
+                <a:ea typeface="맑은 고딕" charset="0"/>
+              </a:rPr>
+              <a:t>Billiard</a:t>
+            </a:r>
+            <a:r>
+              <a:rPr lang="ko-KR" sz="1800">
+                <a:latin typeface="맑은 고딕" charset="0"/>
+                <a:ea typeface="맑은 고딕" charset="0"/>
+              </a:rPr>
+              <a:t> </a:t>
+            </a:r>
+            <a:r>
+              <a:rPr lang="ko-KR" sz="1800">
+                <a:latin typeface="맑은 고딕" charset="0"/>
+                <a:ea typeface="맑은 고딕" charset="0"/>
+              </a:rPr>
+              <a:t>Ball</a:t>
+            </a:r>
+            <a:r>
+              <a:rPr lang="ko-KR" sz="1800">
+                <a:latin typeface="맑은 고딕" charset="0"/>
+                <a:ea typeface="맑은 고딕" charset="0"/>
+              </a:rPr>
+              <a:t> (</a:t>
+            </a:r>
+            <a:r>
+              <a:rPr lang="ko-KR" sz="1800">
+                <a:latin typeface="맑은 고딕" charset="0"/>
+                <a:ea typeface="맑은 고딕" charset="0"/>
+              </a:rPr>
+              <a:t>Three)</a:t>
+            </a:r>
+            <a:r>
+              <a:rPr lang="ko-KR" sz="1800">
+                <a:latin typeface="맑은 고딕" charset="0"/>
+                <a:ea typeface="맑은 고딕" charset="0"/>
+              </a:rPr>
+              <a:t> </a:t>
+            </a:r>
+            <a:r>
+              <a:rPr lang="ko-KR" sz="1800">
+                <a:latin typeface="맑은 고딕" charset="0"/>
+                <a:ea typeface="맑은 고딕" charset="0"/>
+              </a:rPr>
+              <a:t>오브젝트에</a:t>
+            </a:r>
+            <a:r>
+              <a:rPr lang="ko-KR" sz="1800">
+                <a:latin typeface="맑은 고딕" charset="0"/>
+                <a:ea typeface="맑은 고딕" charset="0"/>
+              </a:rPr>
+              <a:t> </a:t>
+            </a:r>
+            <a:r>
+              <a:rPr lang="ko-KR" sz="1800">
+                <a:latin typeface="맑은 고딕" charset="0"/>
+                <a:ea typeface="맑은 고딕" charset="0"/>
+              </a:rPr>
+              <a:t>넣어줍니다.</a:t>
             </a:r>
             <a:endParaRPr lang="ko-KR" altLang="en-US" sz="1800">
               <a:latin typeface="맑은 고딕" charset="0"/>
@@ -6982,7 +7213,7 @@
         <p:spPr>
           <a:xfrm rot="0">
             <a:off x="6821805" y="5449570"/>
-            <a:ext cx="4144645" cy="677545"/>
+            <a:ext cx="4141470" cy="677545"/>
           </a:xfrm>
           <a:prstGeom prst="rect"/>
           <a:noFill/>
@@ -7009,7 +7240,7 @@
                 <a:latin typeface="맑은 고딕" charset="0"/>
                 <a:ea typeface="맑은 고딕" charset="0"/>
               </a:rPr>
-              <a:t>6</a:t>
+              <a:t>9</a:t>
             </a:r>
             <a:r>
               <a:rPr sz="2000" b="1">
@@ -7036,7 +7267,21 @@
                 <a:latin typeface="맑은 고딕" charset="0"/>
                 <a:ea typeface="맑은 고딕" charset="0"/>
               </a:rPr>
-              <a:t>이제 Blue Ball (Other) 오브젝트의 </a:t>
+              <a:t>이제 Billiard Ball (Three) </a:t>
+            </a:r>
+            <a:r>
+              <a:rPr lang="ko-KR" sz="1800">
+                <a:latin typeface="맑은 고딕" charset="0"/>
+                <a:ea typeface="맑은 고딕" charset="0"/>
+              </a:rPr>
+              <a:t>오브젝트의</a:t>
+            </a:r>
+            <a:r>
+              <a:rPr lang="ko-KR" sz="1800">
+                <a:latin typeface="맑은 고딕" charset="0"/>
+                <a:ea typeface="맑은 고딕" charset="0"/>
+              </a:rPr>
+              <a:t> </a:t>
             </a:r>
             <a:r>
               <a:rPr lang="ko-KR" sz="1800">
@@ -7057,7 +7302,21 @@
                 <a:latin typeface="맑은 고딕" charset="0"/>
                 <a:ea typeface="맑은 고딕" charset="0"/>
               </a:rPr>
-              <a:t>값을 설정합니다.</a:t>
+              <a:t>값을</a:t>
+            </a:r>
+            <a:r>
+              <a:rPr lang="ko-KR" sz="1800">
+                <a:latin typeface="맑은 고딕" charset="0"/>
+                <a:ea typeface="맑은 고딕" charset="0"/>
+              </a:rPr>
+              <a:t> </a:t>
+            </a:r>
+            <a:r>
+              <a:rPr lang="ko-KR" sz="1800">
+                <a:latin typeface="맑은 고딕" charset="0"/>
+                <a:ea typeface="맑은 고딕" charset="0"/>
+              </a:rPr>
+              <a:t>설정합니다.</a:t>
             </a:r>
             <a:endParaRPr lang="ko-KR" altLang="en-US" sz="1800">
               <a:latin typeface="맑은 고딕" charset="0"/>
@@ -7068,7 +7327,7 @@
       </p:sp>
       <p:pic>
         <p:nvPicPr>
-          <p:cNvPr id="32" name="Picture " descr="C:/Users/Admin1/AppData/Roaming/PolarisOffice/ETemp/6304_11017832/fImage159789841.png"/>
+          <p:cNvPr id="37" name="그림 26" descr="C:/Users/Admin1/AppData/Roaming/PolarisOffice/ETemp/20324_11685168/fImage159789841.png"/>
           <p:cNvPicPr>
             <a:picLocks noChangeAspect="1"/>
           </p:cNvPicPr>
@@ -7088,8 +7347,8 @@
         </p:blipFill>
         <p:spPr>
           <a:xfrm rot="0">
-            <a:off x="1240790" y="1430020"/>
-            <a:ext cx="2705100" cy="3601085"/>
+            <a:off x="1238250" y="1455420"/>
+            <a:ext cx="2685415" cy="2485390"/>
           </a:xfrm>
           <a:prstGeom prst="roundRect"/>
           <a:solidFill>
@@ -7097,16 +7356,81 @@
           </a:solidFill>
         </p:spPr>
       </p:pic>
+      <p:cxnSp>
+        <p:nvCxnSpPr>
+          <p:cNvPr id="38" name="도형 27"/>
+          <p:cNvCxnSpPr>
+            <a:endCxn id="40" idx="2"/>
+          </p:cNvCxnSpPr>
+          <p:nvPr/>
+        </p:nvCxnSpPr>
+        <p:spPr>
+          <a:xfrm rot="0" flipV="1">
+            <a:off x="4740910" y="2823210"/>
+            <a:ext cx="5080" cy="372745"/>
+          </a:xfrm>
+          <a:prstGeom prst="straightConnector1"/>
+          <a:ln w="6350" cap="flat" cmpd="sng">
+            <a:prstDash/>
+            <a:tailEnd type="triangle" w="med" len="med"/>
+          </a:ln>
+        </p:spPr>
+        <p:style>
+          <a:lnRef idx="1">
+            <a:schemeClr val="accent1"/>
+          </a:lnRef>
+          <a:fillRef idx="0">
+            <a:schemeClr val="accent1"/>
+          </a:fillRef>
+          <a:effectRef idx="0">
+            <a:schemeClr val="accent1"/>
+          </a:effectRef>
+          <a:fontRef idx="minor">
+            <a:schemeClr val="tx1"/>
+          </a:fontRef>
+        </p:style>
+      </p:cxnSp>
       <p:pic>
         <p:nvPicPr>
-          <p:cNvPr id="36" name="Picture " descr="C:/Users/Admin1/AppData/Roaming/PolarisOffice/ETemp/6304_11017832/fImage125701851478.png"/>
+          <p:cNvPr id="39" name="그림 28" descr="C:/Users/Admin1/AppData/Roaming/PolarisOffice/ETemp/20324_11685168/fImage2461988467.png"/>
           <p:cNvPicPr>
             <a:picLocks noChangeAspect="1"/>
           </p:cNvPicPr>
           <p:nvPr/>
         </p:nvPicPr>
         <p:blipFill rotWithShape="1">
-          <a:blip r:embed="rId3" cstate="print">
+          <a:blip r:embed="rId5" cstate="hqprint">
+            <a:extLst>
+              <a:ext uri="{28A0092B-C50C-407E-A947-70E740481C1C}">
+                <a14:useLocalDpi xmlns:a14="http://schemas.microsoft.com/office/drawing/2010/main"/>
+              </a:ext>
+            </a:extLst>
+          </a:blip>
+          <a:stretch>
+            <a:fillRect/>
+          </a:stretch>
+        </p:blipFill>
+        <p:spPr>
+          <a:xfrm rot="0">
+            <a:off x="4390390" y="3195320"/>
+            <a:ext cx="702310" cy="745490"/>
+          </a:xfrm>
+          <a:prstGeom prst="roundRect"/>
+          <a:solidFill>
+            <a:srgbClr val="EDEDED"/>
+          </a:solidFill>
+        </p:spPr>
+      </p:pic>
+      <p:pic>
+        <p:nvPicPr>
+          <p:cNvPr id="40" name="그림 30" descr="C:/Users/Admin1/AppData/Roaming/PolarisOffice/ETemp/20324_11685168/fImage56891036500.png"/>
+          <p:cNvPicPr>
+            <a:picLocks noChangeAspect="1"/>
+          </p:cNvPicPr>
+          <p:nvPr/>
+        </p:nvPicPr>
+        <p:blipFill rotWithShape="1">
+          <a:blip r:embed="rId6" cstate="print">
             <a:extLst>
               <a:ext uri="{28A0092B-C50C-407E-A947-70E740481C1C}">
                 <a14:useLocalDpi xmlns:a14="http://schemas.microsoft.com/office/drawing/2010/main" val="0"/>
@@ -7119,8 +7443,8 @@
         </p:blipFill>
         <p:spPr>
           <a:xfrm rot="0">
-            <a:off x="6819265" y="3953510"/>
-            <a:ext cx="4146550" cy="1421765"/>
+            <a:off x="4113530" y="1437005"/>
+            <a:ext cx="1264920" cy="1386840"/>
           </a:xfrm>
           <a:prstGeom prst="roundRect"/>
           <a:solidFill>
@@ -7130,14 +7454,154 @@
       </p:pic>
       <p:pic>
         <p:nvPicPr>
-          <p:cNvPr id="37" name="그림 22" descr="C:/Users/Admin1/AppData/Roaming/PolarisOffice/ETemp/6304_11017832/fImage59741869358.png"/>
+          <p:cNvPr id="41" name="그림 33" descr="C:/Users/Admin1/AppData/Roaming/PolarisOffice/ETemp/20324_11685168/fImage47031079169.png"/>
           <p:cNvPicPr>
             <a:picLocks noChangeAspect="1"/>
           </p:cNvPicPr>
           <p:nvPr/>
         </p:nvPicPr>
         <p:blipFill rotWithShape="1">
-          <a:blip r:embed="rId4" cstate="print">
+          <a:blip r:embed="rId7" cstate="hqprint">
+            <a:extLst>
+              <a:ext uri="{28A0092B-C50C-407E-A947-70E740481C1C}">
+                <a14:useLocalDpi xmlns:a14="http://schemas.microsoft.com/office/drawing/2010/main"/>
+              </a:ext>
+            </a:extLst>
+          </a:blip>
+          <a:stretch>
+            <a:fillRect/>
+          </a:stretch>
+        </p:blipFill>
+        <p:spPr>
+          <a:xfrm rot="0">
+            <a:off x="6822440" y="1450975"/>
+            <a:ext cx="4136390" cy="1351915"/>
+          </a:xfrm>
+          <a:prstGeom prst="roundRect"/>
+          <a:solidFill>
+            <a:srgbClr val="EDEDED"/>
+          </a:solidFill>
+        </p:spPr>
+      </p:pic>
+      <p:sp>
+        <p:nvSpPr>
+          <p:cNvPr id="42" name="텍스트 상자 34"/>
+          <p:cNvSpPr txBox="1">
+            <a:spLocks/>
+          </p:cNvSpPr>
+          <p:nvPr/>
+        </p:nvSpPr>
+        <p:spPr>
+          <a:xfrm rot="0">
+            <a:off x="6826885" y="2881630"/>
+            <a:ext cx="4123055" cy="954405"/>
+          </a:xfrm>
+          <a:prstGeom prst="rect"/>
+          <a:noFill/>
+          <a:ln w="0">
+            <a:noFill/>
+            <a:prstDash/>
+          </a:ln>
+        </p:spPr>
+        <p:txBody>
+          <a:bodyPr wrap="square" lIns="89535" tIns="46355" rIns="89535" bIns="46355" numCol="1" vert="horz" anchor="t">
+            <a:spAutoFit/>
+          </a:bodyPr>
+          <a:lstStyle/>
+          <a:p>
+            <a:pPr marL="0" indent="0" rtl="0" algn="l" defTabSz="914400" eaLnBrk="1" latinLnBrk="0" hangingPunct="1">
+              <a:buFontTx/>
+              <a:buNone/>
+            </a:pPr>
+            <a:r>
+              <a:rPr lang="ko-KR" sz="2000" b="1">
+                <a:solidFill>
+                  <a:srgbClr val="0611F2"/>
+                </a:solidFill>
+                <a:latin typeface="맑은 고딕" charset="0"/>
+                <a:ea typeface="맑은 고딕" charset="0"/>
+              </a:rPr>
+              <a:t>8</a:t>
+            </a:r>
+            <a:r>
+              <a:rPr sz="2000" b="1">
+                <a:solidFill>
+                  <a:srgbClr val="0611F2"/>
+                </a:solidFill>
+                <a:latin typeface="맑은 고딕" charset="0"/>
+                <a:ea typeface="맑은 고딕" charset="0"/>
+              </a:rPr>
+              <a:t>.</a:t>
+            </a:r>
+            <a:r>
+              <a:rPr lang="ko-KR" sz="2000" b="1">
+                <a:solidFill>
+                  <a:srgbClr val="0611F2"/>
+                </a:solidFill>
+                <a:latin typeface="맑은 고딕" charset="0"/>
+                <a:ea typeface="맑은 고딕" charset="0"/>
+              </a:rPr>
+              <a:t> </a:t>
+            </a:r>
+            <a:r>
+              <a:rPr lang="ko-KR" sz="1800">
+                <a:latin typeface="맑은 고딕" charset="0"/>
+                <a:ea typeface="맑은 고딕" charset="0"/>
+              </a:rPr>
+              <a:t>그러고 나서 Billiard Ball (Three) </a:t>
+            </a:r>
+            <a:r>
+              <a:rPr lang="ko-KR" sz="1800">
+                <a:latin typeface="맑은 고딕" charset="0"/>
+                <a:ea typeface="맑은 고딕" charset="0"/>
+              </a:rPr>
+              <a:t>오브젝트에</a:t>
+            </a:r>
+            <a:r>
+              <a:rPr lang="ko-KR" sz="1800">
+                <a:latin typeface="맑은 고딕" charset="0"/>
+                <a:ea typeface="맑은 고딕" charset="0"/>
+              </a:rPr>
+              <a:t> </a:t>
+            </a:r>
+            <a:r>
+              <a:rPr lang="ko-KR" sz="1800">
+                <a:latin typeface="맑은 고딕" charset="0"/>
+                <a:ea typeface="맑은 고딕" charset="0"/>
+              </a:rPr>
+              <a:t>Rigidbody</a:t>
+            </a:r>
+            <a:r>
+              <a:rPr lang="ko-KR" sz="1800">
+                <a:latin typeface="맑은 고딕" charset="0"/>
+                <a:ea typeface="맑은 고딕" charset="0"/>
+              </a:rPr>
+              <a:t> 컴포넌트를 </a:t>
+            </a:r>
+            <a:r>
+              <a:rPr lang="ko-KR" sz="1800">
+                <a:latin typeface="맑은 고딕" charset="0"/>
+                <a:ea typeface="맑은 고딕" charset="0"/>
+              </a:rPr>
+              <a:t>추가합니다.</a:t>
+            </a:r>
+            <a:endParaRPr lang="ko-KR" altLang="en-US" sz="1800">
+              <a:latin typeface="맑은 고딕" charset="0"/>
+              <a:ea typeface="맑은 고딕" charset="0"/>
+            </a:endParaRPr>
+          </a:p>
+        </p:txBody>
+      </p:sp>
+      <p:pic>
+        <p:nvPicPr>
+          <p:cNvPr id="43" name="그림 35" descr="C:/Users/Admin1/AppData/Roaming/PolarisOffice/ETemp/20324_11685168/fImage124181069169.png"/>
+          <p:cNvPicPr>
+            <a:picLocks noChangeAspect="1"/>
+          </p:cNvPicPr>
+          <p:nvPr/>
+        </p:nvPicPr>
+        <p:blipFill rotWithShape="1">
+          <a:blip r:embed="rId8" cstate="print">
             <a:extLst>
               <a:ext uri="{28A0092B-C50C-407E-A947-70E740481C1C}">
                 <a14:useLocalDpi xmlns:a14="http://schemas.microsoft.com/office/drawing/2010/main" val="0"/>
@@ -7150,8 +7614,8 @@
         </p:blipFill>
         <p:spPr>
           <a:xfrm rot="0">
-            <a:off x="4048125" y="2317115"/>
-            <a:ext cx="1318895" cy="1818005"/>
+            <a:off x="6831965" y="3966210"/>
+            <a:ext cx="4122420" cy="1394460"/>
           </a:xfrm>
           <a:prstGeom prst="roundRect"/>
           <a:solidFill>
@@ -7183,7 +7647,7 @@
 </file>
 
 <file path=ppt/slides/slide4.xml><?xml version="1.0" encoding="utf-8"?>
-<p:sld xmlns:a="http://schemas.openxmlformats.org/drawingml/2006/main" xmlns:r="http://schemas.openxmlformats.org/officeDocument/2006/relationships" xmlns:p="http://schemas.openxmlformats.org/presentationml/2006/main" xmlns:p14="http://schemas.microsoft.com/office/powerpoint/2010/main">
+<p:sld xmlns:a="http://schemas.openxmlformats.org/drawingml/2006/main" xmlns:r="http://schemas.openxmlformats.org/officeDocument/2006/relationships" xmlns:p="http://schemas.openxmlformats.org/presentationml/2006/main">
   <p:cSld>
     <p:spTree>
       <p:nvGrpSpPr>
@@ -7209,8 +7673,8 @@
         </p:nvSpPr>
         <p:spPr>
           <a:xfrm rot="0">
-            <a:off x="4333875" y="419735"/>
-            <a:ext cx="3536950" cy="554990"/>
+            <a:off x="4236085" y="419735"/>
+            <a:ext cx="3715385" cy="478155"/>
           </a:xfrm>
           <a:prstGeom prst="rect"/>
           <a:noFill/>
@@ -7225,43 +7689,43 @@
           </a:bodyPr>
           <a:lstStyle/>
           <a:p>
-            <a:pPr marL="0" indent="0" rtl="0" algn="l" defTabSz="914400" eaLnBrk="1" latinLnBrk="0" hangingPunct="1">
-              <a:buFontTx/>
-              <a:buNone/>
-            </a:pPr>
-            <a:r>
-              <a:rPr lang="ko-KR" sz="3000" b="1">
+            <a:pPr marL="0" indent="0" rtl="0" algn="ctr" defTabSz="914400" eaLnBrk="1" latinLnBrk="0" hangingPunct="1">
+              <a:buFontTx/>
+              <a:buNone/>
+            </a:pPr>
+            <a:r>
+              <a:rPr lang="ko-KR" sz="2500" b="1">
                 <a:solidFill>
                   <a:schemeClr val="tx1"/>
                 </a:solidFill>
-                <a:latin typeface="맑은 고딕" charset="0"/>
-                <a:ea typeface="맑은 고딕" charset="0"/>
-              </a:rPr>
-              <a:t>일곱 번째 </a:t>
-            </a:r>
-            <a:r>
-              <a:rPr lang="ko-KR" sz="3000" b="1">
+                <a:latin typeface="나눔바른고딕" charset="0"/>
+                <a:ea typeface="나눔바른고딕" charset="0"/>
+              </a:rPr>
+              <a:t>네</a:t>
+            </a:r>
+            <a:r>
+              <a:rPr lang="ko-KR" sz="2500" b="1">
                 <a:solidFill>
                   <a:schemeClr val="tx1"/>
                 </a:solidFill>
-                <a:latin typeface="맑은 고딕" charset="0"/>
-                <a:ea typeface="맑은 고딕" charset="0"/>
-              </a:rPr>
-              <a:t>튜토리얼</a:t>
-            </a:r>
-            <a:endParaRPr lang="ko-KR" altLang="en-US" sz="3000" b="1">
+                <a:latin typeface="나눔바른고딕" charset="0"/>
+                <a:ea typeface="나눔바른고딕" charset="0"/>
+              </a:rPr>
+              <a:t> 번째 튜토리얼</a:t>
+            </a:r>
+            <a:endParaRPr lang="ko-KR" altLang="en-US" sz="2500" b="1">
               <a:solidFill>
                 <a:schemeClr val="tx1"/>
               </a:solidFill>
-              <a:latin typeface="맑은 고딕" charset="0"/>
-              <a:ea typeface="맑은 고딕" charset="0"/>
+              <a:latin typeface="나눔바른고딕" charset="0"/>
+              <a:ea typeface="나눔바른고딕" charset="0"/>
             </a:endParaRPr>
           </a:p>
         </p:txBody>
       </p:sp>
       <p:sp>
         <p:nvSpPr>
-          <p:cNvPr id="10" name="Rect 0"/>
+          <p:cNvPr id="29" name="Rect 0"/>
           <p:cNvSpPr txBox="1">
             <a:spLocks/>
           </p:cNvSpPr>
@@ -7269,8 +7733,8 @@
         </p:nvSpPr>
         <p:spPr>
           <a:xfrm rot="0">
-            <a:off x="1222375" y="3844290"/>
-            <a:ext cx="4140200" cy="2308225"/>
+            <a:off x="6821805" y="5449570"/>
+            <a:ext cx="4141470" cy="677545"/>
           </a:xfrm>
           <a:prstGeom prst="rect"/>
           <a:noFill/>
@@ -7290,73 +7754,248 @@
               <a:buNone/>
             </a:pPr>
             <a:r>
-              <a:rPr lang="ko-KR" sz="1800">
-                <a:latin typeface="맑은 고딕" charset="0"/>
-                <a:ea typeface="맑은 고딕" charset="0"/>
-              </a:rPr>
-              <a:t>Addforce( ) 함수란?</a:t>
+              <a:rPr lang="ko-KR" sz="2000" b="1">
+                <a:solidFill>
+                  <a:srgbClr val="0611F2"/>
+                </a:solidFill>
+                <a:latin typeface="맑은 고딕" charset="0"/>
+                <a:ea typeface="맑은 고딕" charset="0"/>
+              </a:rPr>
+              <a:t>9</a:t>
+            </a:r>
+            <a:r>
+              <a:rPr sz="2000" b="1">
+                <a:solidFill>
+                  <a:srgbClr val="0611F2"/>
+                </a:solidFill>
+                <a:latin typeface="맑은 고딕" charset="0"/>
+                <a:ea typeface="맑은 고딕" charset="0"/>
+              </a:rPr>
+              <a:t>.</a:t>
+            </a:r>
+            <a:r>
+              <a:rPr lang="ko-KR" sz="2000" b="1">
+                <a:solidFill>
+                  <a:srgbClr val="0611F2"/>
+                </a:solidFill>
+                <a:latin typeface="맑은 고딕" charset="0"/>
+                <a:ea typeface="맑은 고딕" charset="0"/>
+              </a:rPr>
+              <a:t> </a:t>
+            </a:r>
+            <a:r>
+              <a:rPr lang="ko-KR" sz="1800">
+                <a:latin typeface="맑은 고딕" charset="0"/>
+                <a:ea typeface="맑은 고딕" charset="0"/>
+              </a:rPr>
+              <a:t>이제 Billiard Ball (Three) </a:t>
+            </a:r>
+            <a:r>
+              <a:rPr lang="ko-KR" sz="1800">
+                <a:latin typeface="맑은 고딕" charset="0"/>
+                <a:ea typeface="맑은 고딕" charset="0"/>
+              </a:rPr>
+              <a:t>오브젝트의</a:t>
+            </a:r>
+            <a:r>
+              <a:rPr lang="ko-KR" sz="1800">
+                <a:latin typeface="맑은 고딕" charset="0"/>
+                <a:ea typeface="맑은 고딕" charset="0"/>
+              </a:rPr>
+              <a:t> </a:t>
+            </a:r>
+            <a:r>
+              <a:rPr lang="ko-KR" sz="1800">
+                <a:latin typeface="맑은 고딕" charset="0"/>
+                <a:ea typeface="맑은 고딕" charset="0"/>
+              </a:rPr>
+              <a:t>위치</a:t>
+            </a:r>
+            <a:r>
+              <a:rPr lang="ko-KR" sz="1800">
+                <a:latin typeface="맑은 고딕" charset="0"/>
+                <a:ea typeface="맑은 고딕" charset="0"/>
+              </a:rPr>
+              <a:t> </a:t>
+            </a:r>
+            <a:r>
+              <a:rPr lang="ko-KR" sz="1800">
+                <a:latin typeface="맑은 고딕" charset="0"/>
+                <a:ea typeface="맑은 고딕" charset="0"/>
+              </a:rPr>
+              <a:t>값을</a:t>
+            </a:r>
+            <a:r>
+              <a:rPr lang="ko-KR" sz="1800">
+                <a:latin typeface="맑은 고딕" charset="0"/>
+                <a:ea typeface="맑은 고딕" charset="0"/>
+              </a:rPr>
+              <a:t> </a:t>
+            </a:r>
+            <a:r>
+              <a:rPr lang="ko-KR" sz="1800">
+                <a:latin typeface="맑은 고딕" charset="0"/>
+                <a:ea typeface="맑은 고딕" charset="0"/>
+              </a:rPr>
+              <a:t>설정합니다.</a:t>
             </a:r>
             <a:endParaRPr lang="ko-KR" altLang="en-US" sz="1800">
               <a:latin typeface="맑은 고딕" charset="0"/>
               <a:ea typeface="맑은 고딕" charset="0"/>
             </a:endParaRPr>
           </a:p>
-          <a:p>
-            <a:pPr marL="0" indent="0" rtl="0" algn="l" defTabSz="914400" eaLnBrk="1" latinLnBrk="0" hangingPunct="1">
-              <a:buFontTx/>
-              <a:buNone/>
-            </a:pPr>
-            <a:r>
-              <a:rPr lang="ko-KR" sz="1800">
-                <a:latin typeface="맑은 고딕" charset="0"/>
-                <a:ea typeface="맑은 고딕" charset="0"/>
-              </a:rPr>
-              <a:t>게임 오브젝트에 일정한 힘을 가해 가속도로 이동시키는 함수입니다.</a:t>
-            </a:r>
-            <a:endParaRPr lang="ko-KR" altLang="en-US" sz="1800">
-              <a:latin typeface="맑은 고딕" charset="0"/>
-              <a:ea typeface="맑은 고딕" charset="0"/>
-            </a:endParaRPr>
-          </a:p>
-          <a:p>
-            <a:pPr marL="0" indent="0" rtl="0" algn="l" defTabSz="914400" eaLnBrk="1" latinLnBrk="0" hangingPunct="1">
-              <a:buFontTx/>
-              <a:buNone/>
-            </a:pPr>
-            <a:endParaRPr lang="ko-KR" altLang="en-US" sz="1800">
-              <a:latin typeface="맑은 고딕" charset="0"/>
-              <a:ea typeface="맑은 고딕" charset="0"/>
-            </a:endParaRPr>
-          </a:p>
-          <a:p>
-            <a:pPr marL="0" indent="0" rtl="0" algn="l" defTabSz="914400" eaLnBrk="1" latinLnBrk="0" hangingPunct="1">
-              <a:buFontTx/>
-              <a:buNone/>
-            </a:pPr>
-            <a:r>
-              <a:rPr lang="ko-KR" sz="1800">
-                <a:latin typeface="맑은 고딕" charset="0"/>
-                <a:ea typeface="맑은 고딕" charset="0"/>
-              </a:rPr>
-              <a:t>그리고 F = ma 공식이 적용되어 같은 힘을 주었을 때 게임 오브젝트의 질량에 따라 가속도가 다르게 적용됩니다.</a:t>
-            </a:r>
-            <a:endParaRPr lang="ko-KR" altLang="en-US" sz="1800">
-              <a:latin typeface="맑은 고딕" charset="0"/>
-              <a:ea typeface="맑은 고딕" charset="0"/>
-            </a:endParaRPr>
-          </a:p>
         </p:txBody>
       </p:sp>
       <p:pic>
         <p:nvPicPr>
-          <p:cNvPr id="26" name="그림 20"/>
+          <p:cNvPr id="41" name="Picture " descr="C:/Users/Admin1/AppData/Roaming/PolarisOffice/ETemp/20324_11685168/fImage47031079169.png"/>
           <p:cNvPicPr>
             <a:picLocks noChangeAspect="1"/>
           </p:cNvPicPr>
           <p:nvPr/>
         </p:nvPicPr>
         <p:blipFill rotWithShape="1">
-          <a:blip r:embed="rId9" cstate="print">
+          <a:blip r:embed="rId2" cstate="hqprint">
+            <a:extLst>
+              <a:ext uri="{28A0092B-C50C-407E-A947-70E740481C1C}">
+                <a14:useLocalDpi xmlns:a14="http://schemas.microsoft.com/office/drawing/2010/main"/>
+              </a:ext>
+            </a:extLst>
+          </a:blip>
+          <a:stretch>
+            <a:fillRect/>
+          </a:stretch>
+        </p:blipFill>
+        <p:spPr>
+          <a:xfrm rot="0">
+            <a:off x="6822440" y="1450975"/>
+            <a:ext cx="4136390" cy="1351915"/>
+          </a:xfrm>
+          <a:prstGeom prst="roundRect"/>
+          <a:solidFill>
+            <a:srgbClr val="EDEDED"/>
+          </a:solidFill>
+        </p:spPr>
+      </p:pic>
+      <p:sp>
+        <p:nvSpPr>
+          <p:cNvPr id="42" name="Rect 0"/>
+          <p:cNvSpPr txBox="1">
+            <a:spLocks/>
+          </p:cNvSpPr>
+          <p:nvPr/>
+        </p:nvSpPr>
+        <p:spPr>
+          <a:xfrm rot="0">
+            <a:off x="6826885" y="2881630"/>
+            <a:ext cx="4123055" cy="954405"/>
+          </a:xfrm>
+          <a:prstGeom prst="rect"/>
+          <a:noFill/>
+          <a:ln w="0">
+            <a:noFill/>
+            <a:prstDash/>
+          </a:ln>
+        </p:spPr>
+        <p:txBody>
+          <a:bodyPr wrap="square" lIns="89535" tIns="46355" rIns="89535" bIns="46355" numCol="1" vert="horz" anchor="t">
+            <a:spAutoFit/>
+          </a:bodyPr>
+          <a:lstStyle/>
+          <a:p>
+            <a:pPr marL="0" indent="0" rtl="0" algn="l" defTabSz="914400" eaLnBrk="1" latinLnBrk="0" hangingPunct="1">
+              <a:buFontTx/>
+              <a:buNone/>
+            </a:pPr>
+            <a:r>
+              <a:rPr lang="ko-KR" sz="2000" b="1">
+                <a:solidFill>
+                  <a:srgbClr val="0611F2"/>
+                </a:solidFill>
+                <a:latin typeface="맑은 고딕" charset="0"/>
+                <a:ea typeface="맑은 고딕" charset="0"/>
+              </a:rPr>
+              <a:t>8</a:t>
+            </a:r>
+            <a:r>
+              <a:rPr sz="2000" b="1">
+                <a:solidFill>
+                  <a:srgbClr val="0611F2"/>
+                </a:solidFill>
+                <a:latin typeface="맑은 고딕" charset="0"/>
+                <a:ea typeface="맑은 고딕" charset="0"/>
+              </a:rPr>
+              <a:t>.</a:t>
+            </a:r>
+            <a:r>
+              <a:rPr lang="ko-KR" sz="2000" b="1">
+                <a:solidFill>
+                  <a:srgbClr val="0611F2"/>
+                </a:solidFill>
+                <a:latin typeface="맑은 고딕" charset="0"/>
+                <a:ea typeface="맑은 고딕" charset="0"/>
+              </a:rPr>
+              <a:t> </a:t>
+            </a:r>
+            <a:r>
+              <a:rPr lang="ko-KR" sz="1800">
+                <a:latin typeface="맑은 고딕" charset="0"/>
+                <a:ea typeface="맑은 고딕" charset="0"/>
+              </a:rPr>
+              <a:t>그러고 나서 Billiard Ball (Three) </a:t>
+            </a:r>
+            <a:r>
+              <a:rPr lang="ko-KR" sz="1800">
+                <a:latin typeface="맑은 고딕" charset="0"/>
+                <a:ea typeface="맑은 고딕" charset="0"/>
+              </a:rPr>
+              <a:t>오브젝트에</a:t>
+            </a:r>
+            <a:r>
+              <a:rPr lang="ko-KR" sz="1800">
+                <a:latin typeface="맑은 고딕" charset="0"/>
+                <a:ea typeface="맑은 고딕" charset="0"/>
+              </a:rPr>
+              <a:t> </a:t>
+            </a:r>
+            <a:r>
+              <a:rPr lang="ko-KR" sz="1800">
+                <a:latin typeface="맑은 고딕" charset="0"/>
+                <a:ea typeface="맑은 고딕" charset="0"/>
+              </a:rPr>
+              <a:t>Rigidbody</a:t>
+            </a:r>
+            <a:r>
+              <a:rPr lang="ko-KR" sz="1800">
+                <a:latin typeface="맑은 고딕" charset="0"/>
+                <a:ea typeface="맑은 고딕" charset="0"/>
+              </a:rPr>
+              <a:t> 컴포넌트를 </a:t>
+            </a:r>
+            <a:r>
+              <a:rPr lang="ko-KR" sz="1800">
+                <a:latin typeface="맑은 고딕" charset="0"/>
+                <a:ea typeface="맑은 고딕" charset="0"/>
+              </a:rPr>
+              <a:t>추가합니다.</a:t>
+            </a:r>
+            <a:endParaRPr lang="ko-KR" altLang="en-US" sz="1800">
+              <a:latin typeface="맑은 고딕" charset="0"/>
+              <a:ea typeface="맑은 고딕" charset="0"/>
+            </a:endParaRPr>
+          </a:p>
+        </p:txBody>
+      </p:sp>
+      <p:pic>
+        <p:nvPicPr>
+          <p:cNvPr id="43" name="Picture " descr="C:/Users/Admin1/AppData/Roaming/PolarisOffice/ETemp/20324_11685168/fImage124181885724.png"/>
+          <p:cNvPicPr>
+            <a:picLocks noChangeAspect="1"/>
+          </p:cNvPicPr>
+          <p:nvPr/>
+        </p:nvPicPr>
+        <p:blipFill rotWithShape="1">
+          <a:blip r:embed="rId3" cstate="print">
             <a:extLst>
               <a:ext uri="{28A0092B-C50C-407E-A947-70E740481C1C}">
                 <a14:useLocalDpi xmlns:a14="http://schemas.microsoft.com/office/drawing/2010/main" val="0"/>
@@ -7369,13 +8008,248 @@
         </p:blipFill>
         <p:spPr>
           <a:xfrm rot="0">
-            <a:off x="1224915" y="1476375"/>
-            <a:ext cx="4137660" cy="2198370"/>
+            <a:off x="6831965" y="3966210"/>
+            <a:ext cx="4122420" cy="1394460"/>
           </a:xfrm>
           <a:prstGeom prst="roundRect"/>
           <a:solidFill>
             <a:srgbClr val="EDEDED"/>
           </a:solidFill>
+        </p:spPr>
+      </p:pic>
+      <p:pic>
+        <p:nvPicPr>
+          <p:cNvPr id="44" name="그림 38" descr="C:/Users/Admin1/AppData/Roaming/PolarisOffice/ETemp/20324_11685168/fImage72651891478.png"/>
+          <p:cNvPicPr>
+            <a:picLocks noChangeAspect="1"/>
+          </p:cNvPicPr>
+          <p:nvPr/>
+        </p:nvPicPr>
+        <p:blipFill rotWithShape="1">
+          <a:blip r:embed="rId4" cstate="print">
+            <a:extLst>
+              <a:ext uri="{28A0092B-C50C-407E-A947-70E740481C1C}">
+                <a14:useLocalDpi xmlns:a14="http://schemas.microsoft.com/office/drawing/2010/main" val="0"/>
+              </a:ext>
+            </a:extLst>
+          </a:blip>
+          <a:stretch>
+            <a:fillRect/>
+          </a:stretch>
+        </p:blipFill>
+        <p:spPr>
+          <a:xfrm rot="0">
+            <a:off x="1238250" y="1461770"/>
+            <a:ext cx="1421130" cy="1197610"/>
+          </a:xfrm>
+          <a:prstGeom prst="roundRect"/>
+          <a:solidFill>
+            <a:srgbClr val="EDEDED"/>
+          </a:solidFill>
+        </p:spPr>
+      </p:pic>
+      <p:pic>
+        <p:nvPicPr>
+          <p:cNvPr id="45" name="그림 41" descr="C:/Users/Admin1/AppData/Roaming/PolarisOffice/ETemp/20324_11685168/fImage78671909358.png"/>
+          <p:cNvPicPr>
+            <a:picLocks noChangeAspect="1"/>
+          </p:cNvPicPr>
+          <p:nvPr/>
+        </p:nvPicPr>
+        <p:blipFill rotWithShape="1">
+          <a:blip r:embed="rId5" cstate="print">
+            <a:extLst>
+              <a:ext uri="{28A0092B-C50C-407E-A947-70E740481C1C}">
+                <a14:useLocalDpi xmlns:a14="http://schemas.microsoft.com/office/drawing/2010/main" val="0"/>
+              </a:ext>
+            </a:extLst>
+          </a:blip>
+          <a:stretch>
+            <a:fillRect/>
+          </a:stretch>
+        </p:blipFill>
+        <p:spPr>
+          <a:xfrm rot="0">
+            <a:off x="2788285" y="1454785"/>
+            <a:ext cx="2590165" cy="1212850"/>
+          </a:xfrm>
+          <a:prstGeom prst="roundRect"/>
+          <a:solidFill>
+            <a:srgbClr val="EDEDED"/>
+          </a:solidFill>
+        </p:spPr>
+      </p:pic>
+      <p:sp>
+        <p:nvSpPr>
+          <p:cNvPr id="46" name="텍스트 상자 44"/>
+          <p:cNvSpPr txBox="1">
+            <a:spLocks/>
+          </p:cNvSpPr>
+          <p:nvPr/>
+        </p:nvSpPr>
+        <p:spPr>
+          <a:xfrm rot="0">
+            <a:off x="1231265" y="2764790"/>
+            <a:ext cx="4155440" cy="954405"/>
+          </a:xfrm>
+          <a:prstGeom prst="rect"/>
+          <a:noFill/>
+          <a:ln w="0">
+            <a:noFill/>
+            <a:prstDash/>
+          </a:ln>
+        </p:spPr>
+        <p:txBody>
+          <a:bodyPr wrap="square" lIns="89535" tIns="46355" rIns="89535" bIns="46355" numCol="1" vert="horz" anchor="t">
+            <a:spAutoFit/>
+          </a:bodyPr>
+          <a:lstStyle/>
+          <a:p>
+            <a:pPr marL="0" indent="0" rtl="0" algn="l" defTabSz="914400" eaLnBrk="1" latinLnBrk="0" hangingPunct="1">
+              <a:buFontTx/>
+              <a:buNone/>
+            </a:pPr>
+            <a:r>
+              <a:rPr lang="ko-KR" sz="2000" b="1">
+                <a:solidFill>
+                  <a:srgbClr val="0611F2"/>
+                </a:solidFill>
+                <a:latin typeface="맑은 고딕" charset="0"/>
+                <a:ea typeface="맑은 고딕" charset="0"/>
+              </a:rPr>
+              <a:t>1</a:t>
+            </a:r>
+            <a:r>
+              <a:rPr lang="ko-KR" sz="2000" b="1">
+                <a:solidFill>
+                  <a:srgbClr val="0611F2"/>
+                </a:solidFill>
+                <a:latin typeface="맑은 고딕" charset="0"/>
+                <a:ea typeface="맑은 고딕" charset="0"/>
+              </a:rPr>
+              <a:t>0</a:t>
+            </a:r>
+            <a:r>
+              <a:rPr sz="2000" b="1">
+                <a:solidFill>
+                  <a:srgbClr val="0611F2"/>
+                </a:solidFill>
+                <a:latin typeface="맑은 고딕" charset="0"/>
+                <a:ea typeface="맑은 고딕" charset="0"/>
+              </a:rPr>
+              <a:t>.</a:t>
+            </a:r>
+            <a:r>
+              <a:rPr lang="ko-KR" sz="1800">
+                <a:latin typeface="맑은 고딕" charset="0"/>
+                <a:ea typeface="맑은 고딕" charset="0"/>
+              </a:rPr>
+              <a:t> </a:t>
+            </a:r>
+            <a:r>
+              <a:rPr lang="ko-KR" sz="1800">
+                <a:latin typeface="맑은 고딕" charset="0"/>
+                <a:ea typeface="맑은 고딕" charset="0"/>
+              </a:rPr>
+              <a:t>그리고 Project 폴더 아래에 있</a:t>
+            </a:r>
+            <a:r>
+              <a:rPr lang="ko-KR" sz="1800">
+                <a:latin typeface="맑은 고딕" charset="0"/>
+                <a:ea typeface="맑은 고딕" charset="0"/>
+              </a:rPr>
+              <a:t>는 </a:t>
+            </a:r>
+            <a:r>
+              <a:rPr lang="ko-KR" sz="1800">
+                <a:latin typeface="맑은 고딕" charset="0"/>
+                <a:ea typeface="맑은 고딕" charset="0"/>
+              </a:rPr>
+              <a:t>Mod</a:t>
+            </a:r>
+            <a:r>
+              <a:rPr lang="ko-KR" sz="1800">
+                <a:latin typeface="맑은 고딕" charset="0"/>
+                <a:ea typeface="맑은 고딕" charset="0"/>
+              </a:rPr>
+              <a:t>e</a:t>
+            </a:r>
+            <a:r>
+              <a:rPr lang="ko-KR" sz="1800">
+                <a:latin typeface="맑은 고딕" charset="0"/>
+                <a:ea typeface="맑은 고딕" charset="0"/>
+              </a:rPr>
+              <a:t>l</a:t>
+            </a:r>
+            <a:r>
+              <a:rPr lang="ko-KR" sz="1800">
+                <a:latin typeface="맑은 고딕" charset="0"/>
+                <a:ea typeface="맑은 고딕" charset="0"/>
+              </a:rPr>
+              <a:t> 폴더에 </a:t>
+            </a:r>
+            <a:r>
+              <a:rPr lang="ko-KR" sz="1800">
+                <a:latin typeface="맑은 고딕" charset="0"/>
+                <a:ea typeface="맑은 고딕" charset="0"/>
+              </a:rPr>
+              <a:t>Scout Robot 모델을 </a:t>
+            </a:r>
+            <a:r>
+              <a:rPr lang="ko-KR" sz="1800">
+                <a:latin typeface="맑은 고딕" charset="0"/>
+                <a:ea typeface="맑은 고딕" charset="0"/>
+              </a:rPr>
+              <a:t>월드</a:t>
+            </a:r>
+            <a:r>
+              <a:rPr lang="ko-KR" sz="1800">
+                <a:latin typeface="맑은 고딕" charset="0"/>
+                <a:ea typeface="맑은 고딕" charset="0"/>
+              </a:rPr>
+              <a:t> </a:t>
+            </a:r>
+            <a:r>
+              <a:rPr lang="ko-KR" sz="1800">
+                <a:latin typeface="맑은 고딕" charset="0"/>
+                <a:ea typeface="맑은 고딕" charset="0"/>
+              </a:rPr>
+              <a:t>공간에 배치합니다.</a:t>
+            </a:r>
+            <a:endParaRPr lang="ko-KR" altLang="en-US" sz="1800">
+              <a:latin typeface="맑은 고딕" charset="0"/>
+              <a:ea typeface="맑은 고딕" charset="0"/>
+            </a:endParaRPr>
+          </a:p>
+        </p:txBody>
+      </p:sp>
+      <p:pic>
+        <p:nvPicPr>
+          <p:cNvPr id="47" name="그림 46" descr="C:/Users/Admin1/AppData/Roaming/PolarisOffice/ETemp/20324_11685168/fImage2242171946962.png"/>
+          <p:cNvPicPr>
+            <a:picLocks noChangeAspect="1"/>
+          </p:cNvPicPr>
+          <p:nvPr/>
+        </p:nvPicPr>
+        <p:blipFill rotWithShape="1">
+          <a:blip r:embed="rId6" cstate="hqprint">
+            <a:extLst>
+              <a:ext uri="{28A0092B-C50C-407E-A947-70E740481C1C}">
+                <a14:useLocalDpi xmlns:a14="http://schemas.microsoft.com/office/drawing/2010/main"/>
+              </a:ext>
+            </a:extLst>
+          </a:blip>
+          <a:stretch>
+            <a:fillRect/>
+          </a:stretch>
+        </p:blipFill>
+        <p:spPr>
+          <a:xfrm rot="10800000">
+            <a:off x="2342515" y="1886585"/>
+            <a:ext cx="626745" cy="353060"/>
+          </a:xfrm>
+          <a:prstGeom prst="rect"/>
+          <a:noFill/>
         </p:spPr>
       </p:pic>
     </p:spTree>
@@ -7428,8 +8302,8 @@
         </p:nvSpPr>
         <p:spPr>
           <a:xfrm rot="0">
-            <a:off x="4333240" y="393700"/>
-            <a:ext cx="3529965" cy="554990"/>
+            <a:off x="4333875" y="419735"/>
+            <a:ext cx="3536950" cy="554990"/>
           </a:xfrm>
           <a:prstGeom prst="rect"/>
           <a:noFill/>
@@ -7456,7 +8330,7 @@
                 <a:latin typeface="맑은 고딕" charset="0"/>
                 <a:ea typeface="맑은 고딕" charset="0"/>
               </a:rPr>
-              <a:t>열</a:t>
+              <a:t>일곱 번째 </a:t>
             </a:r>
             <a:r>
               <a:rPr lang="ko-KR" sz="3000" b="1">
@@ -7466,17 +8340,7 @@
                 <a:latin typeface="맑은 고딕" charset="0"/>
                 <a:ea typeface="맑은 고딕" charset="0"/>
               </a:rPr>
-              <a:t>한</a:t>
-            </a:r>
-            <a:r>
-              <a:rPr lang="ko-KR" sz="3000" b="1">
-                <a:solidFill>
-                  <a:schemeClr val="tx1"/>
-                </a:solidFill>
-                <a:latin typeface="맑은 고딕" charset="0"/>
-                <a:ea typeface="맑은 고딕" charset="0"/>
-              </a:rPr>
-              <a:t> 번째 튜토리얼</a:t>
+              <a:t>튜토리얼</a:t>
             </a:r>
             <a:endParaRPr lang="ko-KR" altLang="en-US" sz="3000" b="1">
               <a:solidFill>
@@ -7490,7 +8354,7 @@
       </p:sp>
       <p:sp>
         <p:nvSpPr>
-          <p:cNvPr id="49" name="Rect 0"/>
+          <p:cNvPr id="10" name="Rect 0"/>
           <p:cNvSpPr txBox="1">
             <a:spLocks/>
           </p:cNvSpPr>
@@ -7498,8 +8362,8 @@
         </p:nvSpPr>
         <p:spPr>
           <a:xfrm rot="0">
-            <a:off x="6818630" y="5480050"/>
-            <a:ext cx="4128135" cy="677545"/>
+            <a:off x="1222375" y="3844290"/>
+            <a:ext cx="4140200" cy="2308225"/>
           </a:xfrm>
           <a:prstGeom prst="rect"/>
           <a:noFill/>
@@ -7519,59 +8383,258 @@
               <a:buNone/>
             </a:pPr>
             <a:r>
-              <a:rPr lang="ko-KR" sz="2000" b="1">
-                <a:solidFill>
-                  <a:srgbClr val="0611F2"/>
-                </a:solidFill>
-                <a:latin typeface="맑은 고딕" charset="0"/>
-                <a:ea typeface="맑은 고딕" charset="0"/>
-              </a:rPr>
-              <a:t>2</a:t>
-            </a:r>
-            <a:r>
-              <a:rPr lang="ko-KR" sz="2000" b="1">
-                <a:solidFill>
-                  <a:srgbClr val="0611F2"/>
-                </a:solidFill>
-                <a:latin typeface="맑은 고딕" charset="0"/>
-                <a:ea typeface="맑은 고딕" charset="0"/>
-              </a:rPr>
-              <a:t>8</a:t>
-            </a:r>
-            <a:r>
-              <a:rPr sz="2000" b="1">
-                <a:solidFill>
-                  <a:srgbClr val="0611F2"/>
-                </a:solidFill>
-                <a:latin typeface="맑은 고딕" charset="0"/>
-                <a:ea typeface="맑은 고딕" charset="0"/>
-              </a:rPr>
-              <a:t>. </a:t>
-            </a:r>
-            <a:r>
-              <a:rPr lang="ko-KR" sz="1800">
-                <a:latin typeface="맑은 고딕" charset="0"/>
-                <a:ea typeface="맑은 고딕" charset="0"/>
-              </a:rPr>
-              <a:t>그리고 Project 폴더에서 Physic Material을 생성합니다.</a:t>
+              <a:rPr lang="ko-KR" sz="1800">
+                <a:latin typeface="맑은 고딕" charset="0"/>
+                <a:ea typeface="맑은 고딕" charset="0"/>
+              </a:rPr>
+              <a:t>Addforce( ) 함수란?</a:t>
             </a:r>
             <a:endParaRPr lang="ko-KR" altLang="en-US" sz="1800">
               <a:latin typeface="맑은 고딕" charset="0"/>
               <a:ea typeface="맑은 고딕" charset="0"/>
             </a:endParaRPr>
           </a:p>
+          <a:p>
+            <a:pPr marL="0" indent="0" rtl="0" algn="l" defTabSz="914400" eaLnBrk="1" latinLnBrk="0" hangingPunct="1">
+              <a:buFontTx/>
+              <a:buNone/>
+            </a:pPr>
+            <a:r>
+              <a:rPr lang="ko-KR" sz="1800">
+                <a:latin typeface="맑은 고딕" charset="0"/>
+                <a:ea typeface="맑은 고딕" charset="0"/>
+              </a:rPr>
+              <a:t>게임 오브젝트에 일정한 힘을 가해 가속도로 이동시키는 함수입니다.</a:t>
+            </a:r>
+            <a:endParaRPr lang="ko-KR" altLang="en-US" sz="1800">
+              <a:latin typeface="맑은 고딕" charset="0"/>
+              <a:ea typeface="맑은 고딕" charset="0"/>
+            </a:endParaRPr>
+          </a:p>
+          <a:p>
+            <a:pPr marL="0" indent="0" rtl="0" algn="l" defTabSz="914400" eaLnBrk="1" latinLnBrk="0" hangingPunct="1">
+              <a:buFontTx/>
+              <a:buNone/>
+            </a:pPr>
+            <a:endParaRPr lang="ko-KR" altLang="en-US" sz="1800">
+              <a:latin typeface="맑은 고딕" charset="0"/>
+              <a:ea typeface="맑은 고딕" charset="0"/>
+            </a:endParaRPr>
+          </a:p>
+          <a:p>
+            <a:pPr marL="0" indent="0" rtl="0" algn="l" defTabSz="914400" eaLnBrk="1" latinLnBrk="0" hangingPunct="1">
+              <a:buFontTx/>
+              <a:buNone/>
+            </a:pPr>
+            <a:r>
+              <a:rPr lang="ko-KR" sz="1800">
+                <a:latin typeface="맑은 고딕" charset="0"/>
+                <a:ea typeface="맑은 고딕" charset="0"/>
+              </a:rPr>
+              <a:t>그리고 F = ma 공식이 적용되어 같은 힘을 주었을 때 게임 오브젝트의 질량에 따라 가속도가 다르게 적용됩니다.</a:t>
+            </a:r>
+            <a:endParaRPr lang="ko-KR" altLang="en-US" sz="1800">
+              <a:latin typeface="맑은 고딕" charset="0"/>
+              <a:ea typeface="맑은 고딕" charset="0"/>
+            </a:endParaRPr>
+          </a:p>
         </p:txBody>
       </p:sp>
       <p:pic>
         <p:nvPicPr>
-          <p:cNvPr id="56" name="그림 11" descr="C:/Users/Admin1/AppData/Roaming/PolarisOffice/ETemp/7096_10494752/fImage415872006500.png"/>
+          <p:cNvPr id="26" name="그림 20"/>
           <p:cNvPicPr>
             <a:picLocks noChangeAspect="1"/>
           </p:cNvPicPr>
           <p:nvPr/>
         </p:nvPicPr>
         <p:blipFill rotWithShape="1">
-          <a:blip r:embed="rId5" cstate="hqprint">
+          <a:blip r:embed="rId9" cstate="print">
+            <a:extLst>
+              <a:ext uri="{28A0092B-C50C-407E-A947-70E740481C1C}">
+                <a14:useLocalDpi xmlns:a14="http://schemas.microsoft.com/office/drawing/2010/main" val="0"/>
+              </a:ext>
+            </a:extLst>
+          </a:blip>
+          <a:stretch>
+            <a:fillRect/>
+          </a:stretch>
+        </p:blipFill>
+        <p:spPr>
+          <a:xfrm rot="0">
+            <a:off x="1224915" y="1476375"/>
+            <a:ext cx="4137660" cy="2198370"/>
+          </a:xfrm>
+          <a:prstGeom prst="roundRect"/>
+          <a:solidFill>
+            <a:srgbClr val="EDEDED"/>
+          </a:solidFill>
+        </p:spPr>
+      </p:pic>
+      <p:sp>
+        <p:nvSpPr>
+          <p:cNvPr id="27" name="텍스트 상자 22"/>
+          <p:cNvSpPr txBox="1">
+            <a:spLocks/>
+          </p:cNvSpPr>
+          <p:nvPr/>
+        </p:nvSpPr>
+        <p:spPr>
+          <a:xfrm rot="0">
+            <a:off x="6824980" y="3050540"/>
+            <a:ext cx="4129405" cy="677545"/>
+          </a:xfrm>
+          <a:prstGeom prst="rect"/>
+          <a:noFill/>
+          <a:ln w="0">
+            <a:noFill/>
+            <a:prstDash/>
+          </a:ln>
+        </p:spPr>
+        <p:txBody>
+          <a:bodyPr wrap="square" lIns="89535" tIns="46355" rIns="89535" bIns="46355" numCol="1" vert="horz" anchor="t">
+            <a:spAutoFit/>
+          </a:bodyPr>
+          <a:lstStyle/>
+          <a:p>
+            <a:pPr marL="0" indent="0" rtl="0" algn="l" defTabSz="914400" eaLnBrk="1" latinLnBrk="0" hangingPunct="1">
+              <a:buFontTx/>
+              <a:buNone/>
+            </a:pPr>
+            <a:r>
+              <a:rPr lang="ko-KR" sz="2000" b="1">
+                <a:solidFill>
+                  <a:srgbClr val="0611F2"/>
+                </a:solidFill>
+                <a:latin typeface="맑은 고딕" charset="0"/>
+                <a:ea typeface="맑은 고딕" charset="0"/>
+              </a:rPr>
+              <a:t>5</a:t>
+            </a:r>
+            <a:r>
+              <a:rPr sz="2000" b="1">
+                <a:solidFill>
+                  <a:srgbClr val="0611F2"/>
+                </a:solidFill>
+                <a:latin typeface="맑은 고딕" charset="0"/>
+                <a:ea typeface="맑은 고딕" charset="0"/>
+              </a:rPr>
+              <a:t>.</a:t>
+            </a:r>
+            <a:r>
+              <a:rPr lang="ko-KR" sz="2000" b="1">
+                <a:solidFill>
+                  <a:srgbClr val="0611F2"/>
+                </a:solidFill>
+                <a:latin typeface="맑은 고딕" charset="0"/>
+                <a:ea typeface="맑은 고딕" charset="0"/>
+              </a:rPr>
+              <a:t> </a:t>
+            </a:r>
+            <a:r>
+              <a:rPr lang="ko-KR" sz="1800">
+                <a:latin typeface="맑은 고딕" charset="0"/>
+                <a:ea typeface="맑은 고딕" charset="0"/>
+              </a:rPr>
+              <a:t>이제 Main Camera </a:t>
+            </a:r>
+            <a:r>
+              <a:rPr lang="ko-KR" sz="1800">
+                <a:latin typeface="맑은 고딕" charset="0"/>
+                <a:ea typeface="맑은 고딕" charset="0"/>
+              </a:rPr>
+              <a:t>오브젝트의</a:t>
+            </a:r>
+            <a:r>
+              <a:rPr lang="ko-KR" sz="1800">
+                <a:latin typeface="맑은 고딕" charset="0"/>
+                <a:ea typeface="맑은 고딕" charset="0"/>
+              </a:rPr>
+              <a:t> </a:t>
+            </a:r>
+            <a:r>
+              <a:rPr lang="ko-KR" sz="1800">
+                <a:latin typeface="맑은 고딕" charset="0"/>
+                <a:ea typeface="맑은 고딕" charset="0"/>
+              </a:rPr>
+              <a:t>위치와</a:t>
+            </a:r>
+            <a:r>
+              <a:rPr lang="ko-KR" sz="1800">
+                <a:latin typeface="맑은 고딕" charset="0"/>
+                <a:ea typeface="맑은 고딕" charset="0"/>
+              </a:rPr>
+              <a:t> </a:t>
+            </a:r>
+            <a:r>
+              <a:rPr lang="ko-KR" sz="1800">
+                <a:latin typeface="맑은 고딕" charset="0"/>
+                <a:ea typeface="맑은 고딕" charset="0"/>
+              </a:rPr>
+              <a:t>회전</a:t>
+            </a:r>
+            <a:r>
+              <a:rPr lang="ko-KR" sz="1800">
+                <a:latin typeface="맑은 고딕" charset="0"/>
+                <a:ea typeface="맑은 고딕" charset="0"/>
+              </a:rPr>
+              <a:t> 값을 </a:t>
+            </a:r>
+            <a:r>
+              <a:rPr lang="ko-KR" sz="1800">
+                <a:latin typeface="맑은 고딕" charset="0"/>
+                <a:ea typeface="맑은 고딕" charset="0"/>
+              </a:rPr>
+              <a:t>설정합니다.</a:t>
+            </a:r>
+            <a:endParaRPr lang="ko-KR" altLang="en-US" sz="1800">
+              <a:latin typeface="맑은 고딕" charset="0"/>
+              <a:ea typeface="맑은 고딕" charset="0"/>
+            </a:endParaRPr>
+          </a:p>
+        </p:txBody>
+      </p:sp>
+      <p:pic>
+        <p:nvPicPr>
+          <p:cNvPr id="28" name="그림 23" descr="C:/Users/Admin1/AppData/Roaming/PolarisOffice/ETemp/20324_11685168/fImage12464964464.png"/>
+          <p:cNvPicPr>
+            <a:picLocks noChangeAspect="1"/>
+          </p:cNvPicPr>
+          <p:nvPr/>
+        </p:nvPicPr>
+        <p:blipFill rotWithShape="1">
+          <a:blip r:embed="rId10" cstate="print">
+            <a:extLst>
+              <a:ext uri="{28A0092B-C50C-407E-A947-70E740481C1C}">
+                <a14:useLocalDpi xmlns:a14="http://schemas.microsoft.com/office/drawing/2010/main" val="0"/>
+              </a:ext>
+            </a:extLst>
+          </a:blip>
+          <a:stretch>
+            <a:fillRect/>
+          </a:stretch>
+        </p:blipFill>
+        <p:spPr>
+          <a:xfrm rot="0">
+            <a:off x="6822440" y="1437005"/>
+            <a:ext cx="4131945" cy="1551305"/>
+          </a:xfrm>
+          <a:prstGeom prst="roundRect"/>
+          <a:solidFill>
+            <a:srgbClr val="EDEDED"/>
+          </a:solidFill>
+        </p:spPr>
+      </p:pic>
+      <p:pic>
+        <p:nvPicPr>
+          <p:cNvPr id="29" name="그림 47" descr="C:/Users/Admin1/AppData/Roaming/PolarisOffice/ETemp/20324_11685168/fImage106112284464.png"/>
+          <p:cNvPicPr>
+            <a:picLocks noChangeAspect="1"/>
+          </p:cNvPicPr>
+          <p:nvPr/>
+        </p:nvPicPr>
+        <p:blipFill rotWithShape="1">
+          <a:blip r:embed="rId11" cstate="hqprint">
             <a:extLst>
               <a:ext uri="{28A0092B-C50C-407E-A947-70E740481C1C}">
                 <a14:useLocalDpi xmlns:a14="http://schemas.microsoft.com/office/drawing/2010/main"/>
@@ -7584,13 +8647,117 @@
         </p:blipFill>
         <p:spPr>
           <a:xfrm rot="0">
-            <a:off x="6816725" y="1413510"/>
-            <a:ext cx="4140835" cy="3922395"/>
+            <a:off x="6840855" y="3903345"/>
+            <a:ext cx="4044950" cy="1241425"/>
+          </a:xfrm>
+          <a:prstGeom prst="roundRect"/>
+          <a:solidFill>
+            <a:srgbClr val="EDEDED"/>
+          </a:solidFill>
+        </p:spPr>
+      </p:pic>
+      <p:sp>
+        <p:nvSpPr>
+          <p:cNvPr id="30" name="텍스트 상자 48"/>
+          <p:cNvSpPr txBox="1">
+            <a:spLocks/>
+          </p:cNvSpPr>
+          <p:nvPr/>
+        </p:nvSpPr>
+        <p:spPr>
+          <a:xfrm rot="0">
+            <a:off x="6828790" y="5200015"/>
+            <a:ext cx="4057650" cy="955040"/>
           </a:xfrm>
           <a:prstGeom prst="rect"/>
           <a:noFill/>
-        </p:spPr>
-      </p:pic>
+          <a:ln w="0">
+            <a:noFill/>
+            <a:prstDash/>
+          </a:ln>
+        </p:spPr>
+        <p:txBody>
+          <a:bodyPr wrap="square" lIns="89535" tIns="46355" rIns="89535" bIns="46355" numCol="1" vert="horz" anchor="t">
+            <a:spAutoFit/>
+          </a:bodyPr>
+          <a:lstStyle/>
+          <a:p>
+            <a:pPr marL="0" indent="0" rtl="0" algn="l" defTabSz="914400" eaLnBrk="1" latinLnBrk="0" hangingPunct="1">
+              <a:buFontTx/>
+              <a:buNone/>
+            </a:pPr>
+            <a:r>
+              <a:rPr lang="ko-KR" sz="2000" b="1">
+                <a:solidFill>
+                  <a:srgbClr val="0611F2"/>
+                </a:solidFill>
+                <a:latin typeface="맑은 고딕" charset="0"/>
+                <a:ea typeface="맑은 고딕" charset="0"/>
+              </a:rPr>
+              <a:t>33</a:t>
+            </a:r>
+            <a:r>
+              <a:rPr sz="2000" b="1">
+                <a:solidFill>
+                  <a:srgbClr val="0611F2"/>
+                </a:solidFill>
+                <a:latin typeface="맑은 고딕" charset="0"/>
+                <a:ea typeface="맑은 고딕" charset="0"/>
+              </a:rPr>
+              <a:t>.</a:t>
+            </a:r>
+            <a:r>
+              <a:rPr lang="ko-KR" sz="2000" b="1">
+                <a:solidFill>
+                  <a:srgbClr val="0611F2"/>
+                </a:solidFill>
+                <a:latin typeface="맑은 고딕" charset="0"/>
+                <a:ea typeface="맑은 고딕" charset="0"/>
+              </a:rPr>
+              <a:t> </a:t>
+            </a:r>
+            <a:r>
+              <a:rPr lang="ko-KR" sz="1800">
+                <a:latin typeface="맑은 고딕" charset="0"/>
+                <a:ea typeface="맑은 고딕" charset="0"/>
+              </a:rPr>
+              <a:t>그런 다음 Physic Material를 </a:t>
+            </a:r>
+            <a:r>
+              <a:rPr lang="ko-KR" sz="1800">
+                <a:latin typeface="맑은 고딕" charset="0"/>
+                <a:ea typeface="맑은 고딕" charset="0"/>
+              </a:rPr>
+              <a:t>선택하고</a:t>
+            </a:r>
+            <a:r>
+              <a:rPr lang="ko-KR" sz="1800">
+                <a:latin typeface="맑은 고딕" charset="0"/>
+                <a:ea typeface="맑은 고딕" charset="0"/>
+              </a:rPr>
+              <a:t> Bounciness값과 Bounce </a:t>
+            </a:r>
+            <a:r>
+              <a:rPr lang="ko-KR" sz="1800">
+                <a:latin typeface="맑은 고딕" charset="0"/>
+                <a:ea typeface="맑은 고딕" charset="0"/>
+              </a:rPr>
+              <a:t>Combine값을</a:t>
+            </a:r>
+            <a:r>
+              <a:rPr lang="ko-KR" sz="1800">
+                <a:latin typeface="맑은 고딕" charset="0"/>
+                <a:ea typeface="맑은 고딕" charset="0"/>
+              </a:rPr>
+              <a:t> 최대로 설정합니다. </a:t>
+            </a:r>
+            <a:endParaRPr lang="ko-KR" altLang="en-US" sz="1800">
+              <a:latin typeface="맑은 고딕" charset="0"/>
+              <a:ea typeface="맑은 고딕" charset="0"/>
+            </a:endParaRPr>
+          </a:p>
+        </p:txBody>
+      </p:sp>
     </p:spTree>
   </p:cSld>
   <p:clrMapOvr>
@@ -7701,169 +8868,6 @@
           </a:p>
         </p:txBody>
       </p:sp>
-      <p:sp>
-        <p:nvSpPr>
-          <p:cNvPr id="51" name="Rect 0"/>
-          <p:cNvSpPr txBox="1">
-            <a:spLocks/>
-          </p:cNvSpPr>
-          <p:nvPr/>
-        </p:nvSpPr>
-        <p:spPr>
-          <a:xfrm>
-            <a:off x="1421765" y="4639945"/>
-            <a:ext cx="3968750" cy="1508125"/>
-          </a:xfrm>
-          <a:prstGeom prst="rect"/>
-          <a:noFill/>
-          <a:ln w="0">
-            <a:noFill/>
-            <a:prstDash/>
-          </a:ln>
-        </p:spPr>
-        <p:txBody>
-          <a:bodyPr wrap="square" lIns="89535" tIns="46355" rIns="89535" bIns="46355" numCol="1" vert="horz" anchor="t">
-            <a:spAutoFit/>
-          </a:bodyPr>
-          <a:lstStyle/>
-          <a:p>
-            <a:pPr marL="0" indent="0" rtl="0" algn="l" defTabSz="914400" eaLnBrk="1" latinLnBrk="0" hangingPunct="1">
-              <a:buFontTx/>
-              <a:buNone/>
-            </a:pPr>
-            <a:r>
-              <a:rPr lang="ko-KR" sz="2000" b="1">
-                <a:solidFill>
-                  <a:srgbClr val="0611F2"/>
-                </a:solidFill>
-                <a:latin typeface="맑은 고딕" charset="0"/>
-                <a:ea typeface="맑은 고딕" charset="0"/>
-              </a:rPr>
-              <a:t>2</a:t>
-            </a:r>
-            <a:r>
-              <a:rPr lang="ko-KR" sz="2000" b="1">
-                <a:solidFill>
-                  <a:srgbClr val="0611F2"/>
-                </a:solidFill>
-                <a:latin typeface="맑은 고딕" charset="0"/>
-                <a:ea typeface="맑은 고딕" charset="0"/>
-              </a:rPr>
-              <a:t>9</a:t>
-            </a:r>
-            <a:r>
-              <a:rPr sz="2000" b="1">
-                <a:solidFill>
-                  <a:srgbClr val="0611F2"/>
-                </a:solidFill>
-                <a:latin typeface="맑은 고딕" charset="0"/>
-                <a:ea typeface="맑은 고딕" charset="0"/>
-              </a:rPr>
-              <a:t>. </a:t>
-            </a:r>
-            <a:r>
-              <a:rPr lang="ko-KR" sz="1800">
-                <a:latin typeface="맑은 고딕" charset="0"/>
-                <a:ea typeface="맑은 고딕" charset="0"/>
-              </a:rPr>
-              <a:t>이제 3D Object를 선택하고 Sphere를 생성합니다.</a:t>
-            </a:r>
-            <a:endParaRPr lang="ko-KR" altLang="en-US" sz="1800">
-              <a:latin typeface="맑은 고딕" charset="0"/>
-              <a:ea typeface="맑은 고딕" charset="0"/>
-            </a:endParaRPr>
-          </a:p>
-          <a:p>
-            <a:pPr marL="0" indent="0" rtl="0" algn="l" defTabSz="914400" eaLnBrk="1" latinLnBrk="0" hangingPunct="1">
-              <a:buFontTx/>
-              <a:buNone/>
-            </a:pPr>
-            <a:endParaRPr lang="ko-KR" altLang="en-US" sz="1800">
-              <a:latin typeface="맑은 고딕" charset="0"/>
-              <a:ea typeface="맑은 고딕" charset="0"/>
-            </a:endParaRPr>
-          </a:p>
-          <a:p>
-            <a:pPr marL="0" indent="0" rtl="0" algn="l" defTabSz="914400" eaLnBrk="1" latinLnBrk="0" hangingPunct="1">
-              <a:buFontTx/>
-              <a:buNone/>
-            </a:pPr>
-            <a:r>
-              <a:rPr lang="ko-KR" sz="1800">
-                <a:latin typeface="맑은 고딕" charset="0"/>
-                <a:ea typeface="맑은 고딕" charset="0"/>
-              </a:rPr>
-              <a:t>그리고 Billiard Ball 이라는 이름으로 정의합니다.</a:t>
-            </a:r>
-            <a:endParaRPr lang="ko-KR" altLang="en-US" sz="1800">
-              <a:latin typeface="맑은 고딕" charset="0"/>
-              <a:ea typeface="맑은 고딕" charset="0"/>
-            </a:endParaRPr>
-          </a:p>
-        </p:txBody>
-      </p:sp>
-      <p:pic>
-        <p:nvPicPr>
-          <p:cNvPr id="57" name="그림 14"/>
-          <p:cNvPicPr>
-            <a:picLocks noChangeAspect="1"/>
-          </p:cNvPicPr>
-          <p:nvPr/>
-        </p:nvPicPr>
-        <p:blipFill rotWithShape="1">
-          <a:blip r:embed="rId2" cstate="print">
-            <a:extLst>
-              <a:ext uri="{28A0092B-C50C-407E-A947-70E740481C1C}">
-                <a14:useLocalDpi xmlns:a14="http://schemas.microsoft.com/office/drawing/2010/main" val="0"/>
-              </a:ext>
-            </a:extLst>
-          </a:blip>
-          <a:stretch>
-            <a:fillRect/>
-          </a:stretch>
-        </p:blipFill>
-        <p:spPr>
-          <a:xfrm rot="0">
-            <a:off x="1411605" y="1414145"/>
-            <a:ext cx="2607310" cy="3037205"/>
-          </a:xfrm>
-          <a:prstGeom prst="roundRect"/>
-          <a:solidFill>
-            <a:srgbClr val="EDEDED"/>
-          </a:solidFill>
-        </p:spPr>
-      </p:pic>
-      <p:pic>
-        <p:nvPicPr>
-          <p:cNvPr id="58" name="그림 17"/>
-          <p:cNvPicPr>
-            <a:picLocks noChangeAspect="1"/>
-          </p:cNvPicPr>
-          <p:nvPr/>
-        </p:nvPicPr>
-        <p:blipFill rotWithShape="1">
-          <a:blip r:embed="rId3" cstate="print">
-            <a:extLst>
-              <a:ext uri="{28A0092B-C50C-407E-A947-70E740481C1C}">
-                <a14:useLocalDpi xmlns:a14="http://schemas.microsoft.com/office/drawing/2010/main" val="0"/>
-              </a:ext>
-            </a:extLst>
-          </a:blip>
-          <a:stretch>
-            <a:fillRect/>
-          </a:stretch>
-        </p:blipFill>
-        <p:spPr>
-          <a:xfrm rot="0">
-            <a:off x="4182745" y="2061210"/>
-            <a:ext cx="1203960" cy="1732280"/>
-          </a:xfrm>
-          <a:prstGeom prst="roundRect"/>
-          <a:solidFill>
-            <a:srgbClr val="EDEDED"/>
-          </a:solidFill>
-        </p:spPr>
-      </p:pic>
       <p:pic>
         <p:nvPicPr>
           <p:cNvPr id="61" name="그림 24"/>
@@ -8050,49 +9054,9 @@
           </a:fontRef>
         </p:style>
       </p:cxnSp>
-    </p:spTree>
-  </p:cSld>
-  <p:clrMapOvr>
-    <a:masterClrMapping/>
-  </p:clrMapOvr>
-  <mc:AlternateContent xmlns:mc="http://schemas.openxmlformats.org/markup-compatibility/2006">
-    <mc:Choice xmlns:p14="http://schemas.microsoft.com/office/powerpoint/2010/main" Requires="p14">
-      <p:transition spd="slow" p14:dur="1000"/>
-    </mc:Choice>
-    <mc:Fallback>
-      <p:transition spd="slow"/>
-    </mc:Fallback>
-  </mc:AlternateContent>
-  <p:timing>
-    <p:tnLst>
-      <p:par>
-        <p:cTn id="1" dur="indefinite" restart="never" nodeType="tmRoot"/>
-      </p:par>
-    </p:tnLst>
-  </p:timing>
-</p:sld>
-</file>
-
-<file path=ppt/slides/slide7.xml><?xml version="1.0" encoding="utf-8"?>
-<p:sld xmlns:a="http://schemas.openxmlformats.org/drawingml/2006/main" xmlns:r="http://schemas.openxmlformats.org/officeDocument/2006/relationships" xmlns:p="http://schemas.openxmlformats.org/presentationml/2006/main" xmlns:p14="http://schemas.microsoft.com/office/powerpoint/2010/main">
-  <p:cSld>
-    <p:spTree>
-      <p:nvGrpSpPr>
-        <p:cNvPr id="1" name=""/>
-        <p:cNvGrpSpPr/>
-        <p:nvPr/>
-      </p:nvGrpSpPr>
-      <p:grpSpPr>
-        <a:xfrm>
-          <a:off x="0" y="0"/>
-          <a:ext cx="0" cy="0"/>
-          <a:chOff x="0" y="0"/>
-          <a:chExt cx="0" cy="0"/>
-        </a:xfrm>
-      </p:grpSpPr>
       <p:sp>
         <p:nvSpPr>
-          <p:cNvPr id="2" name="Rect 0"/>
+          <p:cNvPr id="65" name="텍스트 상자 15"/>
           <p:cNvSpPr txBox="1">
             <a:spLocks/>
           </p:cNvSpPr>
@@ -8100,8 +9064,8 @@
         </p:nvSpPr>
         <p:spPr>
           <a:xfrm rot="0">
-            <a:off x="4333240" y="393700"/>
-            <a:ext cx="3529965" cy="554990"/>
+            <a:off x="1320165" y="5471160"/>
+            <a:ext cx="4038600" cy="677545"/>
           </a:xfrm>
           <a:prstGeom prst="rect"/>
           <a:noFill/>
@@ -8121,39 +9085,57 @@
               <a:buNone/>
             </a:pPr>
             <a:r>
-              <a:rPr lang="ko-KR" sz="3000" b="1">
+              <a:rPr lang="ko-KR" sz="2000" b="1">
                 <a:solidFill>
-                  <a:schemeClr val="tx1"/>
+                  <a:srgbClr val="0611F2"/>
                 </a:solidFill>
                 <a:latin typeface="맑은 고딕" charset="0"/>
                 <a:ea typeface="맑은 고딕" charset="0"/>
               </a:rPr>
-              <a:t>열</a:t>
-            </a:r>
-            <a:r>
-              <a:rPr lang="ko-KR" sz="3000" b="1">
+              <a:t>28</a:t>
+            </a:r>
+            <a:r>
+              <a:rPr sz="2000" b="1">
                 <a:solidFill>
-                  <a:schemeClr val="tx1"/>
+                  <a:srgbClr val="0611F2"/>
                 </a:solidFill>
                 <a:latin typeface="맑은 고딕" charset="0"/>
                 <a:ea typeface="맑은 고딕" charset="0"/>
               </a:rPr>
-              <a:t>세</a:t>
-            </a:r>
-            <a:r>
-              <a:rPr lang="ko-KR" sz="3000" b="1">
+              <a:t>.</a:t>
+            </a:r>
+            <a:r>
+              <a:rPr sz="2000" b="1">
                 <a:solidFill>
-                  <a:schemeClr val="tx1"/>
+                  <a:srgbClr val="0611F2"/>
                 </a:solidFill>
                 <a:latin typeface="맑은 고딕" charset="0"/>
                 <a:ea typeface="맑은 고딕" charset="0"/>
               </a:rPr>
-              <a:t> 번째 튜토리얼</a:t>
-            </a:r>
-            <a:endParaRPr lang="ko-KR" altLang="en-US" sz="3000" b="1">
-              <a:solidFill>
-                <a:schemeClr val="tx1"/>
-              </a:solidFill>
+              <a:t> </a:t>
+            </a:r>
+            <a:r>
+              <a:rPr lang="ko-KR" sz="1800">
+                <a:latin typeface="맑은 고딕" charset="0"/>
+                <a:ea typeface="맑은 고딕" charset="0"/>
+              </a:rPr>
+              <a:t>그리고 Project 폴더에서 Physic </a:t>
+            </a:r>
+            <a:r>
+              <a:rPr lang="ko-KR" sz="1800">
+                <a:latin typeface="맑은 고딕" charset="0"/>
+                <a:ea typeface="맑은 고딕" charset="0"/>
+              </a:rPr>
+              <a:t>Material을</a:t>
+            </a:r>
+            <a:r>
+              <a:rPr lang="ko-KR" sz="1800">
+                <a:latin typeface="맑은 고딕" charset="0"/>
+                <a:ea typeface="맑은 고딕" charset="0"/>
+              </a:rPr>
+              <a:t> 생성합니다.</a:t>
+            </a:r>
+            <a:endParaRPr lang="ko-KR" altLang="en-US" sz="1800">
               <a:latin typeface="맑은 고딕" charset="0"/>
               <a:ea typeface="맑은 고딕" charset="0"/>
             </a:endParaRPr>
@@ -8162,14 +9144,14 @@
       </p:sp>
       <p:pic>
         <p:nvPicPr>
-          <p:cNvPr id="59" name="Picture "/>
+          <p:cNvPr id="66" name="그림 16" descr="C:/Users/Admin1/AppData/Roaming/PolarisOffice/ETemp/20324_11685168/fImage415872006500.png"/>
           <p:cNvPicPr>
             <a:picLocks noChangeAspect="1"/>
           </p:cNvPicPr>
           <p:nvPr/>
         </p:nvPicPr>
         <p:blipFill rotWithShape="1">
-          <a:blip r:embed="rId2" cstate="hqprint">
+          <a:blip r:embed="rId6" cstate="hqprint">
             <a:extLst>
               <a:ext uri="{28A0092B-C50C-407E-A947-70E740481C1C}">
                 <a14:useLocalDpi xmlns:a14="http://schemas.microsoft.com/office/drawing/2010/main"/>
@@ -8182,468 +9164,13 @@
         </p:blipFill>
         <p:spPr>
           <a:xfrm rot="0">
-            <a:off x="1387475" y="1502410"/>
-            <a:ext cx="3999230" cy="1350645"/>
-          </a:xfrm>
-          <a:prstGeom prst="roundRect"/>
-          <a:solidFill>
-            <a:srgbClr val="EDEDED"/>
-          </a:solidFill>
-        </p:spPr>
-      </p:pic>
-      <p:sp>
-        <p:nvSpPr>
-          <p:cNvPr id="60" name="Rect 0"/>
-          <p:cNvSpPr txBox="1">
-            <a:spLocks/>
-          </p:cNvSpPr>
-          <p:nvPr/>
-        </p:nvSpPr>
-        <p:spPr>
-          <a:xfrm>
-            <a:off x="1388745" y="2946400"/>
-            <a:ext cx="3990340" cy="677545"/>
+            <a:off x="1318260" y="1404620"/>
+            <a:ext cx="4051300" cy="3923030"/>
           </a:xfrm>
           <a:prstGeom prst="rect"/>
           <a:noFill/>
-          <a:ln w="0">
-            <a:noFill/>
-            <a:prstDash/>
-          </a:ln>
-        </p:spPr>
-        <p:txBody>
-          <a:bodyPr wrap="square" lIns="89535" tIns="46355" rIns="89535" bIns="46355" numCol="1" vert="horz" anchor="t">
-            <a:spAutoFit/>
-          </a:bodyPr>
-          <a:lstStyle/>
-          <a:p>
-            <a:pPr marL="0" indent="0" rtl="0" algn="l" defTabSz="914400" eaLnBrk="1" latinLnBrk="0" hangingPunct="1">
-              <a:buFontTx/>
-              <a:buNone/>
-            </a:pPr>
-            <a:r>
-              <a:rPr lang="ko-KR" sz="2000" b="1">
-                <a:solidFill>
-                  <a:srgbClr val="0611F2"/>
-                </a:solidFill>
-                <a:latin typeface="맑은 고딕" charset="0"/>
-                <a:ea typeface="맑은 고딕" charset="0"/>
-              </a:rPr>
-              <a:t>31</a:t>
-            </a:r>
-            <a:r>
-              <a:rPr sz="2000" b="1">
-                <a:solidFill>
-                  <a:srgbClr val="0611F2"/>
-                </a:solidFill>
-                <a:latin typeface="맑은 고딕" charset="0"/>
-                <a:ea typeface="맑은 고딕" charset="0"/>
-              </a:rPr>
-              <a:t>.</a:t>
-            </a:r>
-            <a:r>
-              <a:rPr lang="ko-KR" sz="2000" b="1">
-                <a:solidFill>
-                  <a:srgbClr val="0611F2"/>
-                </a:solidFill>
-                <a:latin typeface="맑은 고딕" charset="0"/>
-                <a:ea typeface="맑은 고딕" charset="0"/>
-              </a:rPr>
-              <a:t> </a:t>
-            </a:r>
-            <a:r>
-              <a:rPr lang="ko-KR" sz="1800">
-                <a:latin typeface="맑은 고딕" charset="0"/>
-                <a:ea typeface="맑은 고딕" charset="0"/>
-              </a:rPr>
-              <a:t>이제 Billiard Ball 오브젝트에 Rigidbody 컴포넌트를 추가합니다. </a:t>
-            </a:r>
-            <a:endParaRPr lang="ko-KR" altLang="en-US" sz="1800">
-              <a:latin typeface="맑은 고딕" charset="0"/>
-              <a:ea typeface="맑은 고딕" charset="0"/>
-            </a:endParaRPr>
-          </a:p>
-        </p:txBody>
-      </p:sp>
-      <p:pic>
-        <p:nvPicPr>
-          <p:cNvPr id="61" name="그림 32"/>
-          <p:cNvPicPr>
-            <a:picLocks noChangeAspect="1"/>
-          </p:cNvPicPr>
-          <p:nvPr/>
-        </p:nvPicPr>
-        <p:blipFill rotWithShape="1">
-          <a:blip r:embed="rId3" cstate="print">
-            <a:extLst>
-              <a:ext uri="{28A0092B-C50C-407E-A947-70E740481C1C}">
-                <a14:useLocalDpi xmlns:a14="http://schemas.microsoft.com/office/drawing/2010/main" val="0"/>
-              </a:ext>
-            </a:extLst>
-          </a:blip>
-          <a:stretch>
-            <a:fillRect/>
-          </a:stretch>
-        </p:blipFill>
-        <p:spPr>
-          <a:xfrm rot="0">
-            <a:off x="1381760" y="3771900"/>
-            <a:ext cx="4004945" cy="1588770"/>
-          </a:xfrm>
-          <a:prstGeom prst="roundRect"/>
-          <a:solidFill>
-            <a:srgbClr val="EDEDED"/>
-          </a:solidFill>
         </p:spPr>
       </p:pic>
-      <p:sp>
-        <p:nvSpPr>
-          <p:cNvPr id="62" name="텍스트 상자 35"/>
-          <p:cNvSpPr txBox="1">
-            <a:spLocks/>
-          </p:cNvSpPr>
-          <p:nvPr/>
-        </p:nvSpPr>
-        <p:spPr>
-          <a:xfrm>
-            <a:off x="1382395" y="5426075"/>
-            <a:ext cx="4004945" cy="677545"/>
-          </a:xfrm>
-          <a:prstGeom prst="rect"/>
-          <a:noFill/>
-          <a:ln w="0">
-            <a:noFill/>
-            <a:prstDash/>
-          </a:ln>
-        </p:spPr>
-        <p:txBody>
-          <a:bodyPr wrap="square" lIns="89535" tIns="46355" rIns="89535" bIns="46355" numCol="1" vert="horz" anchor="t">
-            <a:spAutoFit/>
-          </a:bodyPr>
-          <a:lstStyle/>
-          <a:p>
-            <a:pPr marL="0" indent="0" rtl="0" algn="l" defTabSz="914400" eaLnBrk="1" latinLnBrk="0" hangingPunct="1">
-              <a:buFontTx/>
-              <a:buNone/>
-            </a:pPr>
-            <a:r>
-              <a:rPr lang="ko-KR" sz="2000" b="1">
-                <a:solidFill>
-                  <a:srgbClr val="0611F2"/>
-                </a:solidFill>
-                <a:latin typeface="맑은 고딕" charset="0"/>
-                <a:ea typeface="맑은 고딕" charset="0"/>
-              </a:rPr>
-              <a:t>32</a:t>
-            </a:r>
-            <a:r>
-              <a:rPr sz="2000" b="1">
-                <a:solidFill>
-                  <a:srgbClr val="0611F2"/>
-                </a:solidFill>
-                <a:latin typeface="맑은 고딕" charset="0"/>
-                <a:ea typeface="맑은 고딕" charset="0"/>
-              </a:rPr>
-              <a:t>.</a:t>
-            </a:r>
-            <a:r>
-              <a:rPr lang="ko-KR" sz="2000" b="1">
-                <a:solidFill>
-                  <a:srgbClr val="0611F2"/>
-                </a:solidFill>
-                <a:latin typeface="맑은 고딕" charset="0"/>
-                <a:ea typeface="맑은 고딕" charset="0"/>
-              </a:rPr>
-              <a:t> </a:t>
-            </a:r>
-            <a:r>
-              <a:rPr lang="ko-KR" sz="1800">
-                <a:latin typeface="맑은 고딕" charset="0"/>
-                <a:ea typeface="맑은 고딕" charset="0"/>
-              </a:rPr>
-              <a:t>그리고 Billiard Ball 오브젝트를 선택하고 위치를 설정합니다. </a:t>
-            </a:r>
-            <a:endParaRPr lang="ko-KR" altLang="en-US" sz="1800">
-              <a:latin typeface="맑은 고딕" charset="0"/>
-              <a:ea typeface="맑은 고딕" charset="0"/>
-            </a:endParaRPr>
-          </a:p>
-        </p:txBody>
-      </p:sp>
-      <p:pic>
-        <p:nvPicPr>
-          <p:cNvPr id="63" name="그림 36"/>
-          <p:cNvPicPr>
-            <a:picLocks noChangeAspect="1"/>
-          </p:cNvPicPr>
-          <p:nvPr/>
-        </p:nvPicPr>
-        <p:blipFill rotWithShape="1">
-          <a:blip r:embed="rId4" cstate="print">
-            <a:extLst>
-              <a:ext uri="{28A0092B-C50C-407E-A947-70E740481C1C}">
-                <a14:useLocalDpi xmlns:a14="http://schemas.microsoft.com/office/drawing/2010/main" val="0"/>
-              </a:ext>
-            </a:extLst>
-          </a:blip>
-          <a:stretch>
-            <a:fillRect/>
-          </a:stretch>
-        </p:blipFill>
-        <p:spPr>
-          <a:xfrm rot="0">
-            <a:off x="6814820" y="1504950"/>
-            <a:ext cx="4044315" cy="1240790"/>
-          </a:xfrm>
-          <a:prstGeom prst="roundRect"/>
-          <a:solidFill>
-            <a:srgbClr val="EDEDED"/>
-          </a:solidFill>
-        </p:spPr>
-      </p:pic>
-      <p:sp>
-        <p:nvSpPr>
-          <p:cNvPr id="64" name="텍스트 상자 40"/>
-          <p:cNvSpPr txBox="1">
-            <a:spLocks/>
-          </p:cNvSpPr>
-          <p:nvPr/>
-        </p:nvSpPr>
-        <p:spPr>
-          <a:xfrm>
-            <a:off x="6802755" y="2801620"/>
-            <a:ext cx="4057015" cy="954405"/>
-          </a:xfrm>
-          <a:prstGeom prst="rect"/>
-          <a:noFill/>
-          <a:ln w="0">
-            <a:noFill/>
-            <a:prstDash/>
-          </a:ln>
-        </p:spPr>
-        <p:txBody>
-          <a:bodyPr wrap="square" lIns="89535" tIns="46355" rIns="89535" bIns="46355" numCol="1" vert="horz" anchor="t">
-            <a:spAutoFit/>
-          </a:bodyPr>
-          <a:lstStyle/>
-          <a:p>
-            <a:pPr marL="0" indent="0" rtl="0" algn="l" defTabSz="914400" eaLnBrk="1" latinLnBrk="0" hangingPunct="1">
-              <a:buFontTx/>
-              <a:buNone/>
-            </a:pPr>
-            <a:r>
-              <a:rPr lang="ko-KR" sz="2000" b="1">
-                <a:solidFill>
-                  <a:srgbClr val="0611F2"/>
-                </a:solidFill>
-                <a:latin typeface="맑은 고딕" charset="0"/>
-                <a:ea typeface="맑은 고딕" charset="0"/>
-              </a:rPr>
-              <a:t>33</a:t>
-            </a:r>
-            <a:r>
-              <a:rPr sz="2000" b="1">
-                <a:solidFill>
-                  <a:srgbClr val="0611F2"/>
-                </a:solidFill>
-                <a:latin typeface="맑은 고딕" charset="0"/>
-                <a:ea typeface="맑은 고딕" charset="0"/>
-              </a:rPr>
-              <a:t>.</a:t>
-            </a:r>
-            <a:r>
-              <a:rPr lang="ko-KR" sz="2000" b="1">
-                <a:solidFill>
-                  <a:srgbClr val="0611F2"/>
-                </a:solidFill>
-                <a:latin typeface="맑은 고딕" charset="0"/>
-                <a:ea typeface="맑은 고딕" charset="0"/>
-              </a:rPr>
-              <a:t> </a:t>
-            </a:r>
-            <a:r>
-              <a:rPr lang="ko-KR" sz="1800">
-                <a:latin typeface="맑은 고딕" charset="0"/>
-                <a:ea typeface="맑은 고딕" charset="0"/>
-              </a:rPr>
-              <a:t>그런 다음 Physic Material를 선택하고 Bounciness값과 Bounce Combine값을 최대로 설정합니다. </a:t>
-            </a:r>
-            <a:endParaRPr lang="ko-KR" altLang="en-US" sz="1800">
-              <a:latin typeface="맑은 고딕" charset="0"/>
-              <a:ea typeface="맑은 고딕" charset="0"/>
-            </a:endParaRPr>
-          </a:p>
-        </p:txBody>
-      </p:sp>
-      <p:pic>
-        <p:nvPicPr>
-          <p:cNvPr id="65" name="그림 41"/>
-          <p:cNvPicPr>
-            <a:picLocks noChangeAspect="1"/>
-          </p:cNvPicPr>
-          <p:nvPr/>
-        </p:nvPicPr>
-        <p:blipFill rotWithShape="1">
-          <a:blip r:embed="rId5" cstate="print">
-            <a:extLst>
-              <a:ext uri="{28A0092B-C50C-407E-A947-70E740481C1C}">
-                <a14:useLocalDpi xmlns:a14="http://schemas.microsoft.com/office/drawing/2010/main" val="0"/>
-              </a:ext>
-            </a:extLst>
-          </a:blip>
-          <a:stretch>
-            <a:fillRect/>
-          </a:stretch>
-        </p:blipFill>
-        <p:spPr>
-          <a:xfrm rot="0">
-            <a:off x="8087995" y="3879850"/>
-            <a:ext cx="2771140" cy="1169670"/>
-          </a:xfrm>
-          <a:prstGeom prst="roundRect"/>
-          <a:solidFill>
-            <a:srgbClr val="EDEDED"/>
-          </a:solidFill>
-        </p:spPr>
-      </p:pic>
-      <p:pic>
-        <p:nvPicPr>
-          <p:cNvPr id="66" name="그림 44"/>
-          <p:cNvPicPr>
-            <a:picLocks noChangeAspect="1"/>
-          </p:cNvPicPr>
-          <p:nvPr/>
-        </p:nvPicPr>
-        <p:blipFill rotWithShape="1">
-          <a:blip r:embed="rId6" cstate="print">
-            <a:extLst>
-              <a:ext uri="{28A0092B-C50C-407E-A947-70E740481C1C}">
-                <a14:useLocalDpi xmlns:a14="http://schemas.microsoft.com/office/drawing/2010/main" val="0"/>
-              </a:ext>
-            </a:extLst>
-          </a:blip>
-          <a:stretch>
-            <a:fillRect/>
-          </a:stretch>
-        </p:blipFill>
-        <p:spPr>
-          <a:xfrm rot="0">
-            <a:off x="6814820" y="3886200"/>
-            <a:ext cx="1160780" cy="1174115"/>
-          </a:xfrm>
-          <a:prstGeom prst="roundRect"/>
-          <a:solidFill>
-            <a:srgbClr val="EDEDED"/>
-          </a:solidFill>
-        </p:spPr>
-      </p:pic>
-      <p:sp>
-        <p:nvSpPr>
-          <p:cNvPr id="67" name="텍스트 상자 47"/>
-          <p:cNvSpPr txBox="1">
-            <a:spLocks/>
-          </p:cNvSpPr>
-          <p:nvPr/>
-        </p:nvSpPr>
-        <p:spPr>
-          <a:xfrm>
-            <a:off x="6814185" y="5151120"/>
-            <a:ext cx="4057015" cy="954405"/>
-          </a:xfrm>
-          <a:prstGeom prst="rect"/>
-          <a:noFill/>
-          <a:ln w="0">
-            <a:noFill/>
-            <a:prstDash/>
-          </a:ln>
-        </p:spPr>
-        <p:txBody>
-          <a:bodyPr wrap="square" lIns="89535" tIns="46355" rIns="89535" bIns="46355" numCol="1" vert="horz" anchor="t">
-            <a:spAutoFit/>
-          </a:bodyPr>
-          <a:lstStyle/>
-          <a:p>
-            <a:pPr marL="0" indent="0" rtl="0" algn="l" defTabSz="914400" eaLnBrk="1" latinLnBrk="0" hangingPunct="1">
-              <a:buFontTx/>
-              <a:buNone/>
-            </a:pPr>
-            <a:r>
-              <a:rPr lang="ko-KR" sz="2000" b="1">
-                <a:solidFill>
-                  <a:srgbClr val="0611F2"/>
-                </a:solidFill>
-                <a:latin typeface="맑은 고딕" charset="0"/>
-                <a:ea typeface="맑은 고딕" charset="0"/>
-              </a:rPr>
-              <a:t>34</a:t>
-            </a:r>
-            <a:r>
-              <a:rPr sz="2000" b="1">
-                <a:solidFill>
-                  <a:srgbClr val="0611F2"/>
-                </a:solidFill>
-                <a:latin typeface="맑은 고딕" charset="0"/>
-                <a:ea typeface="맑은 고딕" charset="0"/>
-              </a:rPr>
-              <a:t>.</a:t>
-            </a:r>
-            <a:r>
-              <a:rPr lang="ko-KR" sz="2000" b="1">
-                <a:solidFill>
-                  <a:srgbClr val="0611F2"/>
-                </a:solidFill>
-                <a:latin typeface="맑은 고딕" charset="0"/>
-                <a:ea typeface="맑은 고딕" charset="0"/>
-              </a:rPr>
-              <a:t> </a:t>
-            </a:r>
-            <a:r>
-              <a:rPr lang="ko-KR" sz="1800">
-                <a:latin typeface="맑은 고딕" charset="0"/>
-                <a:ea typeface="맑은 고딕" charset="0"/>
-              </a:rPr>
-              <a:t>마지막으로 Project 폴더에 있는 Texture에 Ball 텍스처를 선택하고 Billiard Ball 오브젝트에 넣어줍니다.</a:t>
-            </a:r>
-            <a:endParaRPr lang="ko-KR" altLang="en-US" sz="1800">
-              <a:latin typeface="맑은 고딕" charset="0"/>
-              <a:ea typeface="맑은 고딕" charset="0"/>
-            </a:endParaRPr>
-          </a:p>
-        </p:txBody>
-      </p:sp>
-      <p:cxnSp>
-        <p:nvCxnSpPr>
-          <p:cNvPr id="68" name="도형 48"/>
-          <p:cNvCxnSpPr/>
-          <p:nvPr/>
-        </p:nvCxnSpPr>
-        <p:spPr>
-          <a:xfrm rot="0" flipH="1">
-            <a:off x="7672070" y="4537075"/>
-            <a:ext cx="546100" cy="433705"/>
-          </a:xfrm>
-          <a:prstGeom prst="straightConnector1"/>
-          <a:ln w="6350" cap="flat" cmpd="sng">
-            <a:prstDash/>
-            <a:headEnd type="none" w="med" len="med"/>
-            <a:tailEnd type="triangle" w="med" len="med"/>
-          </a:ln>
-        </p:spPr>
-        <p:style>
-          <a:lnRef idx="1">
-            <a:schemeClr val="accent1"/>
-          </a:lnRef>
-          <a:fillRef idx="0">
-            <a:schemeClr val="accent1"/>
-          </a:fillRef>
-          <a:effectRef idx="0">
-            <a:schemeClr val="accent1"/>
-          </a:effectRef>
-          <a:fontRef idx="minor">
-            <a:schemeClr val="tx1"/>
-          </a:fontRef>
-        </p:style>
-      </p:cxnSp>
     </p:spTree>
   </p:cSld>
   <p:clrMapOvr>

--- a/Assets/Physics/PPT Data/Physics Example.pptx
+++ b/Assets/Physics/PPT Data/Physics Example.pptx
@@ -2,7 +2,7 @@
 <file path=ppt/presentation.xml><?xml version="1.0" encoding="utf-8"?>
 <p:presentation xmlns:a="http://schemas.openxmlformats.org/drawingml/2006/main" xmlns:r="http://schemas.openxmlformats.org/officeDocument/2006/relationships" xmlns:p="http://schemas.openxmlformats.org/presentationml/2006/main" xmlns:p14="http://schemas.microsoft.com/office/powerpoint/2010/main" saveSubsetFonts="1" firstSlideNum="0">
   <p:sldMasterIdLst>
-    <p:sldMasterId id="2147485477" r:id="rId12"/>
+    <p:sldMasterId id="2147485481" r:id="rId12"/>
   </p:sldMasterIdLst>
   <p:notesMasterIdLst>
     <p:notesMasterId r:id="rId14"/>
@@ -7647,7 +7647,7 @@
 </file>
 
 <file path=ppt/slides/slide4.xml><?xml version="1.0" encoding="utf-8"?>
-<p:sld xmlns:a="http://schemas.openxmlformats.org/drawingml/2006/main" xmlns:r="http://schemas.openxmlformats.org/officeDocument/2006/relationships" xmlns:p="http://schemas.openxmlformats.org/presentationml/2006/main">
+<p:sld xmlns:a="http://schemas.openxmlformats.org/drawingml/2006/main" xmlns:r="http://schemas.openxmlformats.org/officeDocument/2006/relationships" xmlns:p="http://schemas.openxmlformats.org/presentationml/2006/main" xmlns:p14="http://schemas.microsoft.com/office/powerpoint/2010/main">
   <p:cSld>
     <p:spTree>
       <p:nvGrpSpPr>
@@ -7733,8 +7733,8 @@
         </p:nvSpPr>
         <p:spPr>
           <a:xfrm rot="0">
-            <a:off x="6821805" y="5449570"/>
-            <a:ext cx="4141470" cy="677545"/>
+            <a:off x="6821805" y="2658745"/>
+            <a:ext cx="4144010" cy="1231265"/>
           </a:xfrm>
           <a:prstGeom prst="rect"/>
           <a:noFill/>
@@ -7761,7 +7761,17 @@
                 <a:latin typeface="맑은 고딕" charset="0"/>
                 <a:ea typeface="맑은 고딕" charset="0"/>
               </a:rPr>
-              <a:t>9</a:t>
+              <a:t>1</a:t>
+            </a:r>
+            <a:r>
+              <a:rPr lang="ko-KR" sz="2000" b="1">
+                <a:solidFill>
+                  <a:srgbClr val="0611F2"/>
+                </a:solidFill>
+                <a:latin typeface="맑은 고딕" charset="0"/>
+                <a:ea typeface="맑은 고딕" charset="0"/>
+              </a:rPr>
+              <a:t>2</a:t>
             </a:r>
             <a:r>
               <a:rPr sz="2000" b="1">
@@ -7788,14 +7798,42 @@
                 <a:latin typeface="맑은 고딕" charset="0"/>
                 <a:ea typeface="맑은 고딕" charset="0"/>
               </a:rPr>
-              <a:t>이제 Billiard Ball (Three) </a:t>
-            </a:r>
-            <a:r>
-              <a:rPr lang="ko-KR" sz="1800">
-                <a:latin typeface="맑은 고딕" charset="0"/>
-                <a:ea typeface="맑은 고딕" charset="0"/>
-              </a:rPr>
-              <a:t>오브젝트의</a:t>
+              <a:t>그다음 Project 폴더 아래에 </a:t>
+            </a:r>
+            <a:r>
+              <a:rPr lang="ko-KR" sz="1800">
+                <a:latin typeface="맑은 고딕" charset="0"/>
+                <a:ea typeface="맑은 고딕" charset="0"/>
+              </a:rPr>
+              <a:t>있는 </a:t>
+            </a:r>
+            <a:r>
+              <a:rPr lang="ko-KR" sz="1800">
+                <a:latin typeface="맑은 고딕" charset="0"/>
+                <a:ea typeface="맑은 고딕" charset="0"/>
+              </a:rPr>
+              <a:t>Texture</a:t>
+            </a:r>
+            <a:r>
+              <a:rPr lang="ko-KR" sz="1800">
+                <a:latin typeface="맑은 고딕" charset="0"/>
+                <a:ea typeface="맑은 고딕" charset="0"/>
+              </a:rPr>
+              <a:t> 폴더에 Billiard Ball One </a:t>
+            </a:r>
+            <a:r>
+              <a:rPr lang="ko-KR" sz="1800">
+                <a:latin typeface="맑은 고딕" charset="0"/>
+                <a:ea typeface="맑은 고딕" charset="0"/>
+              </a:rPr>
+              <a:t>텍스처</a:t>
+            </a:r>
+            <a:r>
+              <a:rPr lang="ko-KR" sz="1800">
+                <a:latin typeface="맑은 고딕" charset="0"/>
+                <a:ea typeface="맑은 고딕" charset="0"/>
+              </a:rPr>
+              <a:t>를</a:t>
             </a:r>
             <a:r>
               <a:rPr lang="ko-KR" sz="1800">
@@ -7809,7 +7847,7 @@
                 <a:latin typeface="맑은 고딕" charset="0"/>
                 <a:ea typeface="맑은 고딕" charset="0"/>
               </a:rPr>
-              <a:t>위치</a:t>
+              <a:t>Billiard Ball (One)</a:t>
             </a:r>
             <a:r>
               <a:rPr lang="ko-KR" sz="1800">
@@ -7823,7 +7861,7 @@
                 <a:latin typeface="맑은 고딕" charset="0"/>
                 <a:ea typeface="맑은 고딕" charset="0"/>
               </a:rPr>
-              <a:t>값을</a:t>
+              <a:t>오브젝트에</a:t>
             </a:r>
             <a:r>
               <a:rPr lang="ko-KR" sz="1800">
@@ -7837,7 +7875,7 @@
                 <a:latin typeface="맑은 고딕" charset="0"/>
                 <a:ea typeface="맑은 고딕" charset="0"/>
               </a:rPr>
-              <a:t>설정합니다.</a:t>
+              <a:t>넣어줍니다.</a:t>
             </a:r>
             <a:endParaRPr lang="ko-KR" altLang="en-US" sz="1800">
               <a:latin typeface="맑은 고딕" charset="0"/>
@@ -7848,14 +7886,14 @@
       </p:sp>
       <p:pic>
         <p:nvPicPr>
-          <p:cNvPr id="41" name="Picture " descr="C:/Users/Admin1/AppData/Roaming/PolarisOffice/ETemp/20324_11685168/fImage47031079169.png"/>
+          <p:cNvPr id="44" name="그림 38" descr="C:/Users/Admin1/AppData/Roaming/PolarisOffice/ETemp/29812_9101400/fImage72651891478.png"/>
           <p:cNvPicPr>
             <a:picLocks noChangeAspect="1"/>
           </p:cNvPicPr>
           <p:nvPr/>
         </p:nvPicPr>
         <p:blipFill rotWithShape="1">
-          <a:blip r:embed="rId2" cstate="hqprint">
+          <a:blip r:embed="rId4" cstate="hqprint">
             <a:extLst>
               <a:ext uri="{28A0092B-C50C-407E-A947-70E740481C1C}">
                 <a14:useLocalDpi xmlns:a14="http://schemas.microsoft.com/office/drawing/2010/main"/>
@@ -7868,8 +7906,8 @@
         </p:blipFill>
         <p:spPr>
           <a:xfrm rot="0">
-            <a:off x="6822440" y="1450975"/>
-            <a:ext cx="4136390" cy="1351915"/>
+            <a:off x="1238250" y="1461770"/>
+            <a:ext cx="1421765" cy="1030605"/>
           </a:xfrm>
           <a:prstGeom prst="roundRect"/>
           <a:solidFill>
@@ -7877,128 +7915,19 @@
           </a:solidFill>
         </p:spPr>
       </p:pic>
-      <p:sp>
-        <p:nvSpPr>
-          <p:cNvPr id="42" name="Rect 0"/>
-          <p:cNvSpPr txBox="1">
-            <a:spLocks/>
-          </p:cNvSpPr>
-          <p:nvPr/>
-        </p:nvSpPr>
-        <p:spPr>
-          <a:xfrm rot="0">
-            <a:off x="6826885" y="2881630"/>
-            <a:ext cx="4123055" cy="954405"/>
-          </a:xfrm>
-          <a:prstGeom prst="rect"/>
-          <a:noFill/>
-          <a:ln w="0">
-            <a:noFill/>
-            <a:prstDash/>
-          </a:ln>
-        </p:spPr>
-        <p:txBody>
-          <a:bodyPr wrap="square" lIns="89535" tIns="46355" rIns="89535" bIns="46355" numCol="1" vert="horz" anchor="t">
-            <a:spAutoFit/>
-          </a:bodyPr>
-          <a:lstStyle/>
-          <a:p>
-            <a:pPr marL="0" indent="0" rtl="0" algn="l" defTabSz="914400" eaLnBrk="1" latinLnBrk="0" hangingPunct="1">
-              <a:buFontTx/>
-              <a:buNone/>
-            </a:pPr>
-            <a:r>
-              <a:rPr lang="ko-KR" sz="2000" b="1">
-                <a:solidFill>
-                  <a:srgbClr val="0611F2"/>
-                </a:solidFill>
-                <a:latin typeface="맑은 고딕" charset="0"/>
-                <a:ea typeface="맑은 고딕" charset="0"/>
-              </a:rPr>
-              <a:t>8</a:t>
-            </a:r>
-            <a:r>
-              <a:rPr sz="2000" b="1">
-                <a:solidFill>
-                  <a:srgbClr val="0611F2"/>
-                </a:solidFill>
-                <a:latin typeface="맑은 고딕" charset="0"/>
-                <a:ea typeface="맑은 고딕" charset="0"/>
-              </a:rPr>
-              <a:t>.</a:t>
-            </a:r>
-            <a:r>
-              <a:rPr lang="ko-KR" sz="2000" b="1">
-                <a:solidFill>
-                  <a:srgbClr val="0611F2"/>
-                </a:solidFill>
-                <a:latin typeface="맑은 고딕" charset="0"/>
-                <a:ea typeface="맑은 고딕" charset="0"/>
-              </a:rPr>
-              <a:t> </a:t>
-            </a:r>
-            <a:r>
-              <a:rPr lang="ko-KR" sz="1800">
-                <a:latin typeface="맑은 고딕" charset="0"/>
-                <a:ea typeface="맑은 고딕" charset="0"/>
-              </a:rPr>
-              <a:t>그러고 나서 Billiard Ball (Three) </a:t>
-            </a:r>
-            <a:r>
-              <a:rPr lang="ko-KR" sz="1800">
-                <a:latin typeface="맑은 고딕" charset="0"/>
-                <a:ea typeface="맑은 고딕" charset="0"/>
-              </a:rPr>
-              <a:t>오브젝트에</a:t>
-            </a:r>
-            <a:r>
-              <a:rPr lang="ko-KR" sz="1800">
-                <a:latin typeface="맑은 고딕" charset="0"/>
-                <a:ea typeface="맑은 고딕" charset="0"/>
-              </a:rPr>
-              <a:t> </a:t>
-            </a:r>
-            <a:r>
-              <a:rPr lang="ko-KR" sz="1800">
-                <a:latin typeface="맑은 고딕" charset="0"/>
-                <a:ea typeface="맑은 고딕" charset="0"/>
-              </a:rPr>
-              <a:t>Rigidbody</a:t>
-            </a:r>
-            <a:r>
-              <a:rPr lang="ko-KR" sz="1800">
-                <a:latin typeface="맑은 고딕" charset="0"/>
-                <a:ea typeface="맑은 고딕" charset="0"/>
-              </a:rPr>
-              <a:t> 컴포넌트를 </a:t>
-            </a:r>
-            <a:r>
-              <a:rPr lang="ko-KR" sz="1800">
-                <a:latin typeface="맑은 고딕" charset="0"/>
-                <a:ea typeface="맑은 고딕" charset="0"/>
-              </a:rPr>
-              <a:t>추가합니다.</a:t>
-            </a:r>
-            <a:endParaRPr lang="ko-KR" altLang="en-US" sz="1800">
-              <a:latin typeface="맑은 고딕" charset="0"/>
-              <a:ea typeface="맑은 고딕" charset="0"/>
-            </a:endParaRPr>
-          </a:p>
-        </p:txBody>
-      </p:sp>
       <p:pic>
         <p:nvPicPr>
-          <p:cNvPr id="43" name="Picture " descr="C:/Users/Admin1/AppData/Roaming/PolarisOffice/ETemp/20324_11685168/fImage124181885724.png"/>
+          <p:cNvPr id="45" name="그림 41" descr="C:/Users/Admin1/AppData/Roaming/PolarisOffice/ETemp/29812_9101400/fImage78671909358.png"/>
           <p:cNvPicPr>
             <a:picLocks noChangeAspect="1"/>
           </p:cNvPicPr>
           <p:nvPr/>
         </p:nvPicPr>
         <p:blipFill rotWithShape="1">
-          <a:blip r:embed="rId3" cstate="print">
+          <a:blip r:embed="rId5" cstate="hqprint">
             <a:extLst>
               <a:ext uri="{28A0092B-C50C-407E-A947-70E740481C1C}">
-                <a14:useLocalDpi xmlns:a14="http://schemas.microsoft.com/office/drawing/2010/main" val="0"/>
+                <a14:useLocalDpi xmlns:a14="http://schemas.microsoft.com/office/drawing/2010/main"/>
               </a:ext>
             </a:extLst>
           </a:blip>
@@ -8008,70 +7937,8 @@
         </p:blipFill>
         <p:spPr>
           <a:xfrm rot="0">
-            <a:off x="6831965" y="3966210"/>
-            <a:ext cx="4122420" cy="1394460"/>
-          </a:xfrm>
-          <a:prstGeom prst="roundRect"/>
-          <a:solidFill>
-            <a:srgbClr val="EDEDED"/>
-          </a:solidFill>
-        </p:spPr>
-      </p:pic>
-      <p:pic>
-        <p:nvPicPr>
-          <p:cNvPr id="44" name="그림 38" descr="C:/Users/Admin1/AppData/Roaming/PolarisOffice/ETemp/20324_11685168/fImage72651891478.png"/>
-          <p:cNvPicPr>
-            <a:picLocks noChangeAspect="1"/>
-          </p:cNvPicPr>
-          <p:nvPr/>
-        </p:nvPicPr>
-        <p:blipFill rotWithShape="1">
-          <a:blip r:embed="rId4" cstate="print">
-            <a:extLst>
-              <a:ext uri="{28A0092B-C50C-407E-A947-70E740481C1C}">
-                <a14:useLocalDpi xmlns:a14="http://schemas.microsoft.com/office/drawing/2010/main" val="0"/>
-              </a:ext>
-            </a:extLst>
-          </a:blip>
-          <a:stretch>
-            <a:fillRect/>
-          </a:stretch>
-        </p:blipFill>
-        <p:spPr>
-          <a:xfrm rot="0">
-            <a:off x="1238250" y="1461770"/>
-            <a:ext cx="1421130" cy="1197610"/>
-          </a:xfrm>
-          <a:prstGeom prst="roundRect"/>
-          <a:solidFill>
-            <a:srgbClr val="EDEDED"/>
-          </a:solidFill>
-        </p:spPr>
-      </p:pic>
-      <p:pic>
-        <p:nvPicPr>
-          <p:cNvPr id="45" name="그림 41" descr="C:/Users/Admin1/AppData/Roaming/PolarisOffice/ETemp/20324_11685168/fImage78671909358.png"/>
-          <p:cNvPicPr>
-            <a:picLocks noChangeAspect="1"/>
-          </p:cNvPicPr>
-          <p:nvPr/>
-        </p:nvPicPr>
-        <p:blipFill rotWithShape="1">
-          <a:blip r:embed="rId5" cstate="print">
-            <a:extLst>
-              <a:ext uri="{28A0092B-C50C-407E-A947-70E740481C1C}">
-                <a14:useLocalDpi xmlns:a14="http://schemas.microsoft.com/office/drawing/2010/main" val="0"/>
-              </a:ext>
-            </a:extLst>
-          </a:blip>
-          <a:stretch>
-            <a:fillRect/>
-          </a:stretch>
-        </p:blipFill>
-        <p:spPr>
-          <a:xfrm rot="0">
             <a:off x="2788285" y="1454785"/>
-            <a:ext cx="2590165" cy="1212850"/>
+            <a:ext cx="2590800" cy="1043940"/>
           </a:xfrm>
           <a:prstGeom prst="roundRect"/>
           <a:solidFill>
@@ -8089,8 +7956,8 @@
         </p:nvSpPr>
         <p:spPr>
           <a:xfrm rot="0">
-            <a:off x="1231265" y="2764790"/>
-            <a:ext cx="4155440" cy="954405"/>
+            <a:off x="1240155" y="2592705"/>
+            <a:ext cx="4144010" cy="954405"/>
           </a:xfrm>
           <a:prstGeom prst="rect"/>
           <a:noFill/>
@@ -8117,17 +7984,7 @@
                 <a:latin typeface="맑은 고딕" charset="0"/>
                 <a:ea typeface="맑은 고딕" charset="0"/>
               </a:rPr>
-              <a:t>1</a:t>
-            </a:r>
-            <a:r>
-              <a:rPr lang="ko-KR" sz="2000" b="1">
-                <a:solidFill>
-                  <a:srgbClr val="0611F2"/>
-                </a:solidFill>
-                <a:latin typeface="맑은 고딕" charset="0"/>
-                <a:ea typeface="맑은 고딕" charset="0"/>
-              </a:rPr>
-              <a:t>0</a:t>
+              <a:t>10</a:t>
             </a:r>
             <a:r>
               <a:rPr sz="2000" b="1">
@@ -8144,6 +8001,34 @@
                 <a:latin typeface="맑은 고딕" charset="0"/>
                 <a:ea typeface="맑은 고딕" charset="0"/>
               </a:rPr>
+              <a:t> 그리고 Project 폴더 아래에 있는 </a:t>
+            </a:r>
+            <a:r>
+              <a:rPr lang="ko-KR" sz="1800">
+                <a:latin typeface="맑은 고딕" charset="0"/>
+                <a:ea typeface="맑은 고딕" charset="0"/>
+              </a:rPr>
+              <a:t>Model</a:t>
+            </a:r>
+            <a:r>
+              <a:rPr lang="ko-KR" sz="1800">
+                <a:latin typeface="맑은 고딕" charset="0"/>
+                <a:ea typeface="맑은 고딕" charset="0"/>
+              </a:rPr>
+              <a:t> 폴더에 Scout Robot 모델을 </a:t>
+            </a:r>
+            <a:r>
+              <a:rPr lang="ko-KR" sz="1800">
+                <a:latin typeface="맑은 고딕" charset="0"/>
+                <a:ea typeface="맑은 고딕" charset="0"/>
+              </a:rPr>
+              <a:t>월드</a:t>
+            </a:r>
+            <a:r>
+              <a:rPr lang="ko-KR" sz="1800">
+                <a:latin typeface="맑은 고딕" charset="0"/>
+                <a:ea typeface="맑은 고딕" charset="0"/>
+              </a:rPr>
               <a:t> </a:t>
             </a:r>
             <a:r>
@@ -8151,70 +8036,14 @@
                 <a:latin typeface="맑은 고딕" charset="0"/>
                 <a:ea typeface="맑은 고딕" charset="0"/>
               </a:rPr>
-              <a:t>그리고 Project 폴더 아래에 있</a:t>
-            </a:r>
-            <a:r>
-              <a:rPr lang="ko-KR" sz="1800">
-                <a:latin typeface="맑은 고딕" charset="0"/>
-                <a:ea typeface="맑은 고딕" charset="0"/>
-              </a:rPr>
-              <a:t>는 </a:t>
-            </a:r>
-            <a:r>
-              <a:rPr lang="ko-KR" sz="1800">
-                <a:latin typeface="맑은 고딕" charset="0"/>
-                <a:ea typeface="맑은 고딕" charset="0"/>
-              </a:rPr>
-              <a:t>Mod</a:t>
-            </a:r>
-            <a:r>
-              <a:rPr lang="ko-KR" sz="1800">
-                <a:latin typeface="맑은 고딕" charset="0"/>
-                <a:ea typeface="맑은 고딕" charset="0"/>
-              </a:rPr>
-              <a:t>e</a:t>
-            </a:r>
-            <a:r>
-              <a:rPr lang="ko-KR" sz="1800">
-                <a:latin typeface="맑은 고딕" charset="0"/>
-                <a:ea typeface="맑은 고딕" charset="0"/>
-              </a:rPr>
-              <a:t>l</a:t>
-            </a:r>
-            <a:r>
-              <a:rPr lang="ko-KR" sz="1800">
-                <a:latin typeface="맑은 고딕" charset="0"/>
-                <a:ea typeface="맑은 고딕" charset="0"/>
-              </a:rPr>
-              <a:t> 폴더에 </a:t>
-            </a:r>
-            <a:r>
-              <a:rPr lang="ko-KR" sz="1800">
-                <a:latin typeface="맑은 고딕" charset="0"/>
-                <a:ea typeface="맑은 고딕" charset="0"/>
-              </a:rPr>
-              <a:t>Scout Robot 모델을 </a:t>
-            </a:r>
-            <a:r>
-              <a:rPr lang="ko-KR" sz="1800">
-                <a:latin typeface="맑은 고딕" charset="0"/>
-                <a:ea typeface="맑은 고딕" charset="0"/>
-              </a:rPr>
-              <a:t>월드</a:t>
-            </a:r>
-            <a:r>
-              <a:rPr lang="ko-KR" sz="1800">
-                <a:latin typeface="맑은 고딕" charset="0"/>
-                <a:ea typeface="맑은 고딕" charset="0"/>
-              </a:rPr>
-              <a:t> </a:t>
-            </a:r>
-            <a:r>
-              <a:rPr lang="ko-KR" sz="1800">
-                <a:latin typeface="맑은 고딕" charset="0"/>
-                <a:ea typeface="맑은 고딕" charset="0"/>
-              </a:rPr>
-              <a:t>공간에 배치합니다.</a:t>
+              <a:t>공간에</a:t>
+            </a:r>
+            <a:r>
+              <a:rPr lang="ko-KR" sz="1800">
+                <a:latin typeface="맑은 고딕" charset="0"/>
+                <a:ea typeface="맑은 고딕" charset="0"/>
+              </a:rPr>
+              <a:t> 배치합니다.</a:t>
             </a:r>
             <a:endParaRPr lang="ko-KR" altLang="en-US" sz="1800">
               <a:latin typeface="맑은 고딕" charset="0"/>
@@ -8225,7 +8054,7 @@
       </p:sp>
       <p:pic>
         <p:nvPicPr>
-          <p:cNvPr id="47" name="그림 46" descr="C:/Users/Admin1/AppData/Roaming/PolarisOffice/ETemp/20324_11685168/fImage2242171946962.png"/>
+          <p:cNvPr id="47" name="그림 46" descr="C:/Users/Admin1/AppData/Roaming/PolarisOffice/ETemp/29812_9101400/fImage2242171946962.png"/>
           <p:cNvPicPr>
             <a:picLocks noChangeAspect="1"/>
           </p:cNvPicPr>
@@ -8245,13 +8074,408 @@
         </p:blipFill>
         <p:spPr>
           <a:xfrm rot="10800000">
-            <a:off x="2342515" y="1886585"/>
-            <a:ext cx="626745" cy="353060"/>
+            <a:off x="2402840" y="1800225"/>
+            <a:ext cx="627380" cy="353695"/>
           </a:xfrm>
           <a:prstGeom prst="rect"/>
           <a:noFill/>
         </p:spPr>
       </p:pic>
+      <p:sp>
+        <p:nvSpPr>
+          <p:cNvPr id="48" name="텍스트 상자 1"/>
+          <p:cNvSpPr txBox="1">
+            <a:spLocks/>
+          </p:cNvSpPr>
+          <p:nvPr/>
+        </p:nvSpPr>
+        <p:spPr>
+          <a:xfrm rot="0">
+            <a:off x="1234440" y="5169535"/>
+            <a:ext cx="4130040" cy="954405"/>
+          </a:xfrm>
+          <a:prstGeom prst="rect"/>
+          <a:noFill/>
+          <a:ln w="0">
+            <a:noFill/>
+            <a:prstDash/>
+          </a:ln>
+        </p:spPr>
+        <p:txBody>
+          <a:bodyPr wrap="square" lIns="89535" tIns="46355" rIns="89535" bIns="46355" numCol="1" vert="horz" anchor="t">
+            <a:spAutoFit/>
+          </a:bodyPr>
+          <a:lstStyle/>
+          <a:p>
+            <a:pPr marL="0" indent="0" rtl="0" algn="l" defTabSz="914400" eaLnBrk="1" latinLnBrk="0" hangingPunct="1">
+              <a:buFontTx/>
+              <a:buNone/>
+            </a:pPr>
+            <a:r>
+              <a:rPr lang="ko-KR" sz="2000" b="1">
+                <a:solidFill>
+                  <a:srgbClr val="0611F2"/>
+                </a:solidFill>
+                <a:latin typeface="맑은 고딕" charset="0"/>
+                <a:ea typeface="맑은 고딕" charset="0"/>
+              </a:rPr>
+              <a:t>1</a:t>
+            </a:r>
+            <a:r>
+              <a:rPr lang="ko-KR" sz="2000" b="1">
+                <a:solidFill>
+                  <a:srgbClr val="0611F2"/>
+                </a:solidFill>
+                <a:latin typeface="맑은 고딕" charset="0"/>
+                <a:ea typeface="맑은 고딕" charset="0"/>
+              </a:rPr>
+              <a:t>1</a:t>
+            </a:r>
+            <a:r>
+              <a:rPr sz="2000" b="1">
+                <a:solidFill>
+                  <a:srgbClr val="0611F2"/>
+                </a:solidFill>
+                <a:latin typeface="맑은 고딕" charset="0"/>
+                <a:ea typeface="맑은 고딕" charset="0"/>
+              </a:rPr>
+              <a:t>.</a:t>
+            </a:r>
+            <a:r>
+              <a:rPr lang="ko-KR" sz="2000" b="1">
+                <a:solidFill>
+                  <a:srgbClr val="0611F2"/>
+                </a:solidFill>
+                <a:latin typeface="맑은 고딕" charset="0"/>
+                <a:ea typeface="맑은 고딕" charset="0"/>
+              </a:rPr>
+              <a:t> </a:t>
+            </a:r>
+            <a:r>
+              <a:rPr lang="ko-KR" sz="1800">
+                <a:latin typeface="맑은 고딕" charset="0"/>
+                <a:ea typeface="맑은 고딕" charset="0"/>
+              </a:rPr>
+              <a:t>그런 다음 Main Camera </a:t>
+            </a:r>
+            <a:r>
+              <a:rPr lang="ko-KR" sz="1800">
+                <a:latin typeface="맑은 고딕" charset="0"/>
+                <a:ea typeface="맑은 고딕" charset="0"/>
+              </a:rPr>
+              <a:t>오브젝트의</a:t>
+            </a:r>
+            <a:r>
+              <a:rPr lang="ko-KR" sz="1800">
+                <a:latin typeface="맑은 고딕" charset="0"/>
+                <a:ea typeface="맑은 고딕" charset="0"/>
+              </a:rPr>
+              <a:t> </a:t>
+            </a:r>
+            <a:r>
+              <a:rPr lang="ko-KR" sz="1800">
+                <a:latin typeface="맑은 고딕" charset="0"/>
+                <a:ea typeface="맑은 고딕" charset="0"/>
+              </a:rPr>
+              <a:t>위치와</a:t>
+            </a:r>
+            <a:r>
+              <a:rPr lang="ko-KR" sz="1800">
+                <a:latin typeface="맑은 고딕" charset="0"/>
+                <a:ea typeface="맑은 고딕" charset="0"/>
+              </a:rPr>
+              <a:t> </a:t>
+            </a:r>
+            <a:r>
+              <a:rPr lang="ko-KR" sz="1800">
+                <a:latin typeface="맑은 고딕" charset="0"/>
+                <a:ea typeface="맑은 고딕" charset="0"/>
+              </a:rPr>
+              <a:t>회전</a:t>
+            </a:r>
+            <a:r>
+              <a:rPr lang="ko-KR" sz="1800">
+                <a:latin typeface="맑은 고딕" charset="0"/>
+                <a:ea typeface="맑은 고딕" charset="0"/>
+              </a:rPr>
+              <a:t> 값을 </a:t>
+            </a:r>
+            <a:r>
+              <a:rPr lang="ko-KR" sz="1800">
+                <a:latin typeface="맑은 고딕" charset="0"/>
+                <a:ea typeface="맑은 고딕" charset="0"/>
+              </a:rPr>
+              <a:t>설정합니다.</a:t>
+            </a:r>
+            <a:endParaRPr lang="ko-KR" altLang="en-US" sz="1800">
+              <a:latin typeface="맑은 고딕" charset="0"/>
+              <a:ea typeface="맑은 고딕" charset="0"/>
+            </a:endParaRPr>
+          </a:p>
+        </p:txBody>
+      </p:sp>
+      <p:pic>
+        <p:nvPicPr>
+          <p:cNvPr id="49" name="그림 2" descr="C:/Users/Admin1/AppData/Roaming/PolarisOffice/ETemp/29812_9101400/fImage12464964464.png"/>
+          <p:cNvPicPr>
+            <a:picLocks noChangeAspect="1"/>
+          </p:cNvPicPr>
+          <p:nvPr/>
+        </p:nvPicPr>
+        <p:blipFill rotWithShape="1">
+          <a:blip r:embed="rId7" cstate="hqprint">
+            <a:extLst>
+              <a:ext uri="{28A0092B-C50C-407E-A947-70E740481C1C}">
+                <a14:useLocalDpi xmlns:a14="http://schemas.microsoft.com/office/drawing/2010/main"/>
+              </a:ext>
+            </a:extLst>
+          </a:blip>
+          <a:stretch>
+            <a:fillRect/>
+          </a:stretch>
+        </p:blipFill>
+        <p:spPr>
+          <a:xfrm rot="0">
+            <a:off x="1240155" y="3660775"/>
+            <a:ext cx="4135755" cy="1439545"/>
+          </a:xfrm>
+          <a:prstGeom prst="roundRect"/>
+          <a:solidFill>
+            <a:srgbClr val="EDEDED"/>
+          </a:solidFill>
+        </p:spPr>
+      </p:pic>
+      <p:pic>
+        <p:nvPicPr>
+          <p:cNvPr id="50" name="그림 3" descr="C:/Users/Admin1/AppData/Roaming/PolarisOffice/ETemp/29812_9101400/fImage149628741.png"/>
+          <p:cNvPicPr>
+            <a:picLocks noChangeAspect="1"/>
+          </p:cNvPicPr>
+          <p:nvPr/>
+        </p:nvPicPr>
+        <p:blipFill rotWithShape="1">
+          <a:blip r:embed="rId8" cstate="print">
+            <a:extLst>
+              <a:ext uri="{28A0092B-C50C-407E-A947-70E740481C1C}">
+                <a14:useLocalDpi xmlns:a14="http://schemas.microsoft.com/office/drawing/2010/main" val="0"/>
+              </a:ext>
+            </a:extLst>
+          </a:blip>
+          <a:stretch>
+            <a:fillRect/>
+          </a:stretch>
+        </p:blipFill>
+        <p:spPr>
+          <a:xfrm rot="0">
+            <a:off x="8251825" y="1455420"/>
+            <a:ext cx="2714625" cy="1129030"/>
+          </a:xfrm>
+          <a:prstGeom prst="roundRect"/>
+          <a:solidFill>
+            <a:srgbClr val="EDEDED"/>
+          </a:solidFill>
+        </p:spPr>
+      </p:pic>
+      <p:pic>
+        <p:nvPicPr>
+          <p:cNvPr id="51" name="그림 6" descr="C:/Users/Admin1/AppData/Roaming/PolarisOffice/ETemp/29812_9101400/fImage7338888467.png"/>
+          <p:cNvPicPr>
+            <a:picLocks noChangeAspect="1"/>
+          </p:cNvPicPr>
+          <p:nvPr/>
+        </p:nvPicPr>
+        <p:blipFill rotWithShape="1">
+          <a:blip r:embed="rId9" cstate="print">
+            <a:extLst>
+              <a:ext uri="{28A0092B-C50C-407E-A947-70E740481C1C}">
+                <a14:useLocalDpi xmlns:a14="http://schemas.microsoft.com/office/drawing/2010/main" val="0"/>
+              </a:ext>
+            </a:extLst>
+          </a:blip>
+          <a:stretch>
+            <a:fillRect/>
+          </a:stretch>
+        </p:blipFill>
+        <p:spPr>
+          <a:xfrm rot="0">
+            <a:off x="6822440" y="1451610"/>
+            <a:ext cx="1327150" cy="1123950"/>
+          </a:xfrm>
+          <a:prstGeom prst="roundRect"/>
+          <a:solidFill>
+            <a:srgbClr val="EDEDED"/>
+          </a:solidFill>
+        </p:spPr>
+      </p:pic>
+      <p:cxnSp>
+        <p:nvCxnSpPr>
+          <p:cNvPr id="52" name="도형 9"/>
+          <p:cNvCxnSpPr/>
+          <p:nvPr/>
+        </p:nvCxnSpPr>
+        <p:spPr>
+          <a:xfrm rot="0" flipH="1">
+            <a:off x="7993380" y="1774190"/>
+            <a:ext cx="328295" cy="173355"/>
+          </a:xfrm>
+          <a:prstGeom prst="straightConnector1"/>
+          <a:ln w="6350" cap="flat" cmpd="sng">
+            <a:prstDash/>
+            <a:headEnd type="none" w="med" len="med"/>
+            <a:tailEnd type="triangle" w="med" len="med"/>
+          </a:ln>
+        </p:spPr>
+        <p:style>
+          <a:lnRef idx="1">
+            <a:schemeClr val="accent1"/>
+          </a:lnRef>
+          <a:fillRef idx="0">
+            <a:schemeClr val="accent1"/>
+          </a:fillRef>
+          <a:effectRef idx="0">
+            <a:schemeClr val="accent1"/>
+          </a:effectRef>
+          <a:fontRef idx="minor">
+            <a:schemeClr val="tx1"/>
+          </a:fontRef>
+        </p:style>
+      </p:cxnSp>
+      <p:pic>
+        <p:nvPicPr>
+          <p:cNvPr id="53" name="그림 10" descr="C:/Users/Admin1/AppData/Roaming/PolarisOffice/ETemp/29812_9101400/fImage15299906334.png"/>
+          <p:cNvPicPr>
+            <a:picLocks noChangeAspect="1"/>
+          </p:cNvPicPr>
+          <p:nvPr/>
+        </p:nvPicPr>
+        <p:blipFill rotWithShape="1">
+          <a:blip r:embed="rId10" cstate="print">
+            <a:extLst>
+              <a:ext uri="{28A0092B-C50C-407E-A947-70E740481C1C}">
+                <a14:useLocalDpi xmlns:a14="http://schemas.microsoft.com/office/drawing/2010/main" val="0"/>
+              </a:ext>
+            </a:extLst>
+          </a:blip>
+          <a:stretch>
+            <a:fillRect/>
+          </a:stretch>
+        </p:blipFill>
+        <p:spPr>
+          <a:xfrm rot="0">
+            <a:off x="6830695" y="4015740"/>
+            <a:ext cx="4144010" cy="1334135"/>
+          </a:xfrm>
+          <a:prstGeom prst="roundRect"/>
+          <a:solidFill>
+            <a:srgbClr val="EDEDED"/>
+          </a:solidFill>
+        </p:spPr>
+      </p:pic>
+      <p:sp>
+        <p:nvSpPr>
+          <p:cNvPr id="54" name="텍스트 상자 14"/>
+          <p:cNvSpPr txBox="1">
+            <a:spLocks/>
+          </p:cNvSpPr>
+          <p:nvPr/>
+        </p:nvSpPr>
+        <p:spPr>
+          <a:xfrm rot="0">
+            <a:off x="6818630" y="5456555"/>
+            <a:ext cx="4156075" cy="677545"/>
+          </a:xfrm>
+          <a:prstGeom prst="rect"/>
+          <a:noFill/>
+          <a:ln w="0">
+            <a:noFill/>
+            <a:prstDash/>
+          </a:ln>
+        </p:spPr>
+        <p:txBody>
+          <a:bodyPr wrap="square" lIns="89535" tIns="46355" rIns="89535" bIns="46355" numCol="1" vert="horz" anchor="t">
+            <a:spAutoFit/>
+          </a:bodyPr>
+          <a:lstStyle/>
+          <a:p>
+            <a:pPr marL="0" indent="0" rtl="0" algn="l" defTabSz="914400" eaLnBrk="1" latinLnBrk="0" hangingPunct="1">
+              <a:buFontTx/>
+              <a:buNone/>
+            </a:pPr>
+            <a:r>
+              <a:rPr lang="ko-KR" sz="2000" b="1">
+                <a:solidFill>
+                  <a:srgbClr val="0611F2"/>
+                </a:solidFill>
+                <a:latin typeface="맑은 고딕" charset="0"/>
+                <a:ea typeface="맑은 고딕" charset="0"/>
+              </a:rPr>
+              <a:t>1</a:t>
+            </a:r>
+            <a:r>
+              <a:rPr lang="ko-KR" sz="2000" b="1">
+                <a:solidFill>
+                  <a:srgbClr val="0611F2"/>
+                </a:solidFill>
+                <a:latin typeface="맑은 고딕" charset="0"/>
+                <a:ea typeface="맑은 고딕" charset="0"/>
+              </a:rPr>
+              <a:t>3</a:t>
+            </a:r>
+            <a:r>
+              <a:rPr sz="2000" b="1">
+                <a:solidFill>
+                  <a:srgbClr val="0611F2"/>
+                </a:solidFill>
+                <a:latin typeface="맑은 고딕" charset="0"/>
+                <a:ea typeface="맑은 고딕" charset="0"/>
+              </a:rPr>
+              <a:t>.</a:t>
+            </a:r>
+            <a:r>
+              <a:rPr lang="ko-KR" sz="2000" b="1">
+                <a:solidFill>
+                  <a:srgbClr val="0611F2"/>
+                </a:solidFill>
+                <a:latin typeface="맑은 고딕" charset="0"/>
+                <a:ea typeface="맑은 고딕" charset="0"/>
+              </a:rPr>
+              <a:t> </a:t>
+            </a:r>
+            <a:r>
+              <a:rPr lang="ko-KR" sz="1800">
+                <a:latin typeface="맑은 고딕" charset="0"/>
+                <a:ea typeface="맑은 고딕" charset="0"/>
+              </a:rPr>
+              <a:t>그러고 나서 Scout Robot </a:t>
+            </a:r>
+            <a:r>
+              <a:rPr lang="ko-KR" sz="1800">
+                <a:latin typeface="맑은 고딕" charset="0"/>
+                <a:ea typeface="맑은 고딕" charset="0"/>
+              </a:rPr>
+              <a:t>오브젝트의</a:t>
+            </a:r>
+            <a:r>
+              <a:rPr lang="ko-KR" sz="1800">
+                <a:latin typeface="맑은 고딕" charset="0"/>
+                <a:ea typeface="맑은 고딕" charset="0"/>
+              </a:rPr>
+              <a:t> </a:t>
+            </a:r>
+            <a:r>
+              <a:rPr lang="ko-KR" sz="1800">
+                <a:latin typeface="맑은 고딕" charset="0"/>
+                <a:ea typeface="맑은 고딕" charset="0"/>
+              </a:rPr>
+              <a:t>크기를 설정합니다.</a:t>
+            </a:r>
+            <a:endParaRPr lang="ko-KR" altLang="en-US" sz="1800">
+              <a:latin typeface="맑은 고딕" charset="0"/>
+              <a:ea typeface="맑은 고딕" charset="0"/>
+            </a:endParaRPr>
+          </a:p>
+        </p:txBody>
+      </p:sp>
     </p:spTree>
   </p:cSld>
   <p:clrMapOvr>
@@ -8471,163 +8695,9 @@
           </a:solidFill>
         </p:spPr>
       </p:pic>
-      <p:sp>
-        <p:nvSpPr>
-          <p:cNvPr id="27" name="텍스트 상자 22"/>
-          <p:cNvSpPr txBox="1">
-            <a:spLocks/>
-          </p:cNvSpPr>
-          <p:nvPr/>
-        </p:nvSpPr>
-        <p:spPr>
-          <a:xfrm rot="0">
-            <a:off x="6824980" y="3050540"/>
-            <a:ext cx="4129405" cy="677545"/>
-          </a:xfrm>
-          <a:prstGeom prst="rect"/>
-          <a:noFill/>
-          <a:ln w="0">
-            <a:noFill/>
-            <a:prstDash/>
-          </a:ln>
-        </p:spPr>
-        <p:txBody>
-          <a:bodyPr wrap="square" lIns="89535" tIns="46355" rIns="89535" bIns="46355" numCol="1" vert="horz" anchor="t">
-            <a:spAutoFit/>
-          </a:bodyPr>
-          <a:lstStyle/>
-          <a:p>
-            <a:pPr marL="0" indent="0" rtl="0" algn="l" defTabSz="914400" eaLnBrk="1" latinLnBrk="0" hangingPunct="1">
-              <a:buFontTx/>
-              <a:buNone/>
-            </a:pPr>
-            <a:r>
-              <a:rPr lang="ko-KR" sz="2000" b="1">
-                <a:solidFill>
-                  <a:srgbClr val="0611F2"/>
-                </a:solidFill>
-                <a:latin typeface="맑은 고딕" charset="0"/>
-                <a:ea typeface="맑은 고딕" charset="0"/>
-              </a:rPr>
-              <a:t>5</a:t>
-            </a:r>
-            <a:r>
-              <a:rPr sz="2000" b="1">
-                <a:solidFill>
-                  <a:srgbClr val="0611F2"/>
-                </a:solidFill>
-                <a:latin typeface="맑은 고딕" charset="0"/>
-                <a:ea typeface="맑은 고딕" charset="0"/>
-              </a:rPr>
-              <a:t>.</a:t>
-            </a:r>
-            <a:r>
-              <a:rPr lang="ko-KR" sz="2000" b="1">
-                <a:solidFill>
-                  <a:srgbClr val="0611F2"/>
-                </a:solidFill>
-                <a:latin typeface="맑은 고딕" charset="0"/>
-                <a:ea typeface="맑은 고딕" charset="0"/>
-              </a:rPr>
-              <a:t> </a:t>
-            </a:r>
-            <a:r>
-              <a:rPr lang="ko-KR" sz="1800">
-                <a:latin typeface="맑은 고딕" charset="0"/>
-                <a:ea typeface="맑은 고딕" charset="0"/>
-              </a:rPr>
-              <a:t>이제 Main Camera </a:t>
-            </a:r>
-            <a:r>
-              <a:rPr lang="ko-KR" sz="1800">
-                <a:latin typeface="맑은 고딕" charset="0"/>
-                <a:ea typeface="맑은 고딕" charset="0"/>
-              </a:rPr>
-              <a:t>오브젝트의</a:t>
-            </a:r>
-            <a:r>
-              <a:rPr lang="ko-KR" sz="1800">
-                <a:latin typeface="맑은 고딕" charset="0"/>
-                <a:ea typeface="맑은 고딕" charset="0"/>
-              </a:rPr>
-              <a:t> </a:t>
-            </a:r>
-            <a:r>
-              <a:rPr lang="ko-KR" sz="1800">
-                <a:latin typeface="맑은 고딕" charset="0"/>
-                <a:ea typeface="맑은 고딕" charset="0"/>
-              </a:rPr>
-              <a:t>위치와</a:t>
-            </a:r>
-            <a:r>
-              <a:rPr lang="ko-KR" sz="1800">
-                <a:latin typeface="맑은 고딕" charset="0"/>
-                <a:ea typeface="맑은 고딕" charset="0"/>
-              </a:rPr>
-              <a:t> </a:t>
-            </a:r>
-            <a:r>
-              <a:rPr lang="ko-KR" sz="1800">
-                <a:latin typeface="맑은 고딕" charset="0"/>
-                <a:ea typeface="맑은 고딕" charset="0"/>
-              </a:rPr>
-              <a:t>회전</a:t>
-            </a:r>
-            <a:r>
-              <a:rPr lang="ko-KR" sz="1800">
-                <a:latin typeface="맑은 고딕" charset="0"/>
-                <a:ea typeface="맑은 고딕" charset="0"/>
-              </a:rPr>
-              <a:t> 값을 </a:t>
-            </a:r>
-            <a:r>
-              <a:rPr lang="ko-KR" sz="1800">
-                <a:latin typeface="맑은 고딕" charset="0"/>
-                <a:ea typeface="맑은 고딕" charset="0"/>
-              </a:rPr>
-              <a:t>설정합니다.</a:t>
-            </a:r>
-            <a:endParaRPr lang="ko-KR" altLang="en-US" sz="1800">
-              <a:latin typeface="맑은 고딕" charset="0"/>
-              <a:ea typeface="맑은 고딕" charset="0"/>
-            </a:endParaRPr>
-          </a:p>
-        </p:txBody>
-      </p:sp>
       <p:pic>
         <p:nvPicPr>
-          <p:cNvPr id="28" name="그림 23" descr="C:/Users/Admin1/AppData/Roaming/PolarisOffice/ETemp/20324_11685168/fImage12464964464.png"/>
-          <p:cNvPicPr>
-            <a:picLocks noChangeAspect="1"/>
-          </p:cNvPicPr>
-          <p:nvPr/>
-        </p:nvPicPr>
-        <p:blipFill rotWithShape="1">
-          <a:blip r:embed="rId10" cstate="print">
-            <a:extLst>
-              <a:ext uri="{28A0092B-C50C-407E-A947-70E740481C1C}">
-                <a14:useLocalDpi xmlns:a14="http://schemas.microsoft.com/office/drawing/2010/main" val="0"/>
-              </a:ext>
-            </a:extLst>
-          </a:blip>
-          <a:stretch>
-            <a:fillRect/>
-          </a:stretch>
-        </p:blipFill>
-        <p:spPr>
-          <a:xfrm rot="0">
-            <a:off x="6822440" y="1437005"/>
-            <a:ext cx="4131945" cy="1551305"/>
-          </a:xfrm>
-          <a:prstGeom prst="roundRect"/>
-          <a:solidFill>
-            <a:srgbClr val="EDEDED"/>
-          </a:solidFill>
-        </p:spPr>
-      </p:pic>
-      <p:pic>
-        <p:nvPicPr>
-          <p:cNvPr id="29" name="그림 47" descr="C:/Users/Admin1/AppData/Roaming/PolarisOffice/ETemp/20324_11685168/fImage106112284464.png"/>
+          <p:cNvPr id="29" name="그림 47"/>
           <p:cNvPicPr>
             <a:picLocks noChangeAspect="1"/>
           </p:cNvPicPr>

--- a/Assets/Physics/PPT Data/Physics Example.pptx
+++ b/Assets/Physics/PPT Data/Physics Example.pptx
@@ -2,7 +2,7 @@
 <file path=ppt/presentation.xml><?xml version="1.0" encoding="utf-8"?>
 <p:presentation xmlns:a="http://schemas.openxmlformats.org/drawingml/2006/main" xmlns:r="http://schemas.openxmlformats.org/officeDocument/2006/relationships" xmlns:p="http://schemas.openxmlformats.org/presentationml/2006/main" xmlns:p14="http://schemas.microsoft.com/office/powerpoint/2010/main" saveSubsetFonts="1" firstSlideNum="0">
   <p:sldMasterIdLst>
-    <p:sldMasterId id="2147485481" r:id="rId12"/>
+    <p:sldMasterId id="2147485488" r:id="rId12"/>
   </p:sldMasterIdLst>
   <p:notesMasterIdLst>
     <p:notesMasterId r:id="rId14"/>
@@ -12,7 +12,7 @@
     <p:sldId id="277" r:id="rId17"/>
     <p:sldId id="289" r:id="rId18"/>
     <p:sldId id="290" r:id="rId19"/>
-    <p:sldId id="280" r:id="rId20"/>
+    <p:sldId id="291" r:id="rId20"/>
     <p:sldId id="287" r:id="rId21"/>
   </p:sldIdLst>
   <p:sldSz cx="12192000" cy="6858000"/>
@@ -8500,7 +8500,7 @@
 </file>
 
 <file path=ppt/slides/slide5.xml><?xml version="1.0" encoding="utf-8"?>
-<p:sld xmlns:a="http://schemas.openxmlformats.org/drawingml/2006/main" xmlns:r="http://schemas.openxmlformats.org/officeDocument/2006/relationships" xmlns:p="http://schemas.openxmlformats.org/presentationml/2006/main" xmlns:p14="http://schemas.microsoft.com/office/powerpoint/2010/main">
+<p:sld xmlns:a="http://schemas.openxmlformats.org/drawingml/2006/main" xmlns:r="http://schemas.openxmlformats.org/officeDocument/2006/relationships" xmlns:p="http://schemas.openxmlformats.org/presentationml/2006/main">
   <p:cSld>
     <p:spTree>
       <p:nvGrpSpPr>
@@ -8526,8 +8526,8 @@
         </p:nvSpPr>
         <p:spPr>
           <a:xfrm rot="0">
-            <a:off x="4333875" y="419735"/>
-            <a:ext cx="3536950" cy="554990"/>
+            <a:off x="4236085" y="419735"/>
+            <a:ext cx="3716020" cy="478155"/>
           </a:xfrm>
           <a:prstGeom prst="rect"/>
           <a:noFill/>
@@ -8542,43 +8542,43 @@
           </a:bodyPr>
           <a:lstStyle/>
           <a:p>
-            <a:pPr marL="0" indent="0" rtl="0" algn="l" defTabSz="914400" eaLnBrk="1" latinLnBrk="0" hangingPunct="1">
-              <a:buFontTx/>
-              <a:buNone/>
-            </a:pPr>
-            <a:r>
-              <a:rPr lang="ko-KR" sz="3000" b="1">
+            <a:pPr marL="0" indent="0" rtl="0" algn="ctr" defTabSz="914400" eaLnBrk="1" latinLnBrk="0" hangingPunct="1">
+              <a:buFontTx/>
+              <a:buNone/>
+            </a:pPr>
+            <a:r>
+              <a:rPr lang="ko-KR" sz="2500" b="1">
                 <a:solidFill>
                   <a:schemeClr val="tx1"/>
                 </a:solidFill>
-                <a:latin typeface="맑은 고딕" charset="0"/>
-                <a:ea typeface="맑은 고딕" charset="0"/>
-              </a:rPr>
-              <a:t>일곱 번째 </a:t>
-            </a:r>
-            <a:r>
-              <a:rPr lang="ko-KR" sz="3000" b="1">
+                <a:latin typeface="나눔바른고딕" charset="0"/>
+                <a:ea typeface="나눔바른고딕" charset="0"/>
+              </a:rPr>
+              <a:t>다섯</a:t>
+            </a:r>
+            <a:r>
+              <a:rPr lang="ko-KR" sz="2500" b="1">
                 <a:solidFill>
                   <a:schemeClr val="tx1"/>
                 </a:solidFill>
-                <a:latin typeface="맑은 고딕" charset="0"/>
-                <a:ea typeface="맑은 고딕" charset="0"/>
-              </a:rPr>
-              <a:t>튜토리얼</a:t>
-            </a:r>
-            <a:endParaRPr lang="ko-KR" altLang="en-US" sz="3000" b="1">
+                <a:latin typeface="나눔바른고딕" charset="0"/>
+                <a:ea typeface="나눔바른고딕" charset="0"/>
+              </a:rPr>
+              <a:t> 번째 튜토리얼</a:t>
+            </a:r>
+            <a:endParaRPr lang="ko-KR" altLang="en-US" sz="2500" b="1">
               <a:solidFill>
                 <a:schemeClr val="tx1"/>
               </a:solidFill>
-              <a:latin typeface="맑은 고딕" charset="0"/>
-              <a:ea typeface="맑은 고딕" charset="0"/>
+              <a:latin typeface="나눔바른고딕" charset="0"/>
+              <a:ea typeface="나눔바른고딕" charset="0"/>
             </a:endParaRPr>
           </a:p>
         </p:txBody>
       </p:sp>
       <p:sp>
         <p:nvSpPr>
-          <p:cNvPr id="10" name="Rect 0"/>
+          <p:cNvPr id="29" name="Rect 0"/>
           <p:cNvSpPr txBox="1">
             <a:spLocks/>
           </p:cNvSpPr>
@@ -8586,8 +8586,8 @@
         </p:nvSpPr>
         <p:spPr>
           <a:xfrm rot="0">
-            <a:off x="1222375" y="3844290"/>
-            <a:ext cx="4140200" cy="2308225"/>
+            <a:off x="6821805" y="2658745"/>
+            <a:ext cx="4144010" cy="1231265"/>
           </a:xfrm>
           <a:prstGeom prst="rect"/>
           <a:noFill/>
@@ -8607,55 +8607,598 @@
               <a:buNone/>
             </a:pPr>
             <a:r>
-              <a:rPr lang="ko-KR" sz="1800">
-                <a:latin typeface="맑은 고딕" charset="0"/>
-                <a:ea typeface="맑은 고딕" charset="0"/>
-              </a:rPr>
-              <a:t>Addforce( ) 함수란?</a:t>
+              <a:rPr lang="ko-KR" sz="2000" b="1">
+                <a:solidFill>
+                  <a:srgbClr val="0611F2"/>
+                </a:solidFill>
+                <a:latin typeface="맑은 고딕" charset="0"/>
+                <a:ea typeface="맑은 고딕" charset="0"/>
+              </a:rPr>
+              <a:t>1</a:t>
+            </a:r>
+            <a:r>
+              <a:rPr lang="ko-KR" sz="2000" b="1">
+                <a:solidFill>
+                  <a:srgbClr val="0611F2"/>
+                </a:solidFill>
+                <a:latin typeface="맑은 고딕" charset="0"/>
+                <a:ea typeface="맑은 고딕" charset="0"/>
+              </a:rPr>
+              <a:t>6</a:t>
+            </a:r>
+            <a:r>
+              <a:rPr sz="2000" b="1">
+                <a:solidFill>
+                  <a:srgbClr val="0611F2"/>
+                </a:solidFill>
+                <a:latin typeface="맑은 고딕" charset="0"/>
+                <a:ea typeface="맑은 고딕" charset="0"/>
+              </a:rPr>
+              <a:t>.</a:t>
+            </a:r>
+            <a:r>
+              <a:rPr lang="ko-KR" sz="2000" b="1">
+                <a:solidFill>
+                  <a:srgbClr val="0611F2"/>
+                </a:solidFill>
+                <a:latin typeface="맑은 고딕" charset="0"/>
+                <a:ea typeface="맑은 고딕" charset="0"/>
+              </a:rPr>
+              <a:t> </a:t>
+            </a:r>
+            <a:r>
+              <a:rPr lang="ko-KR" sz="1800">
+                <a:latin typeface="맑은 고딕" charset="0"/>
+                <a:ea typeface="맑은 고딕" charset="0"/>
+              </a:rPr>
+              <a:t>그런 다음 Project 폴더 아래에 </a:t>
+            </a:r>
+            <a:r>
+              <a:rPr lang="ko-KR" sz="1800">
+                <a:latin typeface="맑은 고딕" charset="0"/>
+                <a:ea typeface="맑은 고딕" charset="0"/>
+              </a:rPr>
+              <a:t>있는</a:t>
+            </a:r>
+            <a:r>
+              <a:rPr lang="ko-KR" sz="1800">
+                <a:latin typeface="맑은 고딕" charset="0"/>
+                <a:ea typeface="맑은 고딕" charset="0"/>
+              </a:rPr>
+              <a:t> </a:t>
+            </a:r>
+            <a:r>
+              <a:rPr lang="ko-KR" sz="1800">
+                <a:latin typeface="맑은 고딕" charset="0"/>
+                <a:ea typeface="맑은 고딕" charset="0"/>
+              </a:rPr>
+              <a:t>Texture</a:t>
+            </a:r>
+            <a:r>
+              <a:rPr lang="ko-KR" sz="1800">
+                <a:latin typeface="맑은 고딕" charset="0"/>
+                <a:ea typeface="맑은 고딕" charset="0"/>
+              </a:rPr>
+              <a:t> </a:t>
+            </a:r>
+            <a:r>
+              <a:rPr lang="ko-KR" sz="1800">
+                <a:latin typeface="맑은 고딕" charset="0"/>
+                <a:ea typeface="맑은 고딕" charset="0"/>
+              </a:rPr>
+              <a:t>폴더에</a:t>
+            </a:r>
+            <a:r>
+              <a:rPr lang="ko-KR" sz="1800">
+                <a:latin typeface="맑은 고딕" charset="0"/>
+                <a:ea typeface="맑은 고딕" charset="0"/>
+              </a:rPr>
+              <a:t> Billiard Ball Two </a:t>
+            </a:r>
+            <a:r>
+              <a:rPr lang="ko-KR" sz="1800">
+                <a:latin typeface="맑은 고딕" charset="0"/>
+                <a:ea typeface="맑은 고딕" charset="0"/>
+              </a:rPr>
+              <a:t>텍스처를</a:t>
+            </a:r>
+            <a:r>
+              <a:rPr lang="ko-KR" sz="1800">
+                <a:latin typeface="맑은 고딕" charset="0"/>
+                <a:ea typeface="맑은 고딕" charset="0"/>
+              </a:rPr>
+              <a:t> </a:t>
+            </a:r>
+            <a:r>
+              <a:rPr lang="ko-KR" sz="1800">
+                <a:latin typeface="맑은 고딕" charset="0"/>
+                <a:ea typeface="맑은 고딕" charset="0"/>
+              </a:rPr>
+              <a:t>Billiard</a:t>
+            </a:r>
+            <a:r>
+              <a:rPr lang="ko-KR" sz="1800">
+                <a:latin typeface="맑은 고딕" charset="0"/>
+                <a:ea typeface="맑은 고딕" charset="0"/>
+              </a:rPr>
+              <a:t> Ball (Two) </a:t>
+            </a:r>
+            <a:r>
+              <a:rPr lang="ko-KR" sz="1800">
+                <a:latin typeface="맑은 고딕" charset="0"/>
+                <a:ea typeface="맑은 고딕" charset="0"/>
+              </a:rPr>
+              <a:t>오브젝트에</a:t>
+            </a:r>
+            <a:r>
+              <a:rPr lang="ko-KR" sz="1800">
+                <a:latin typeface="맑은 고딕" charset="0"/>
+                <a:ea typeface="맑은 고딕" charset="0"/>
+              </a:rPr>
+              <a:t> </a:t>
+            </a:r>
+            <a:r>
+              <a:rPr lang="ko-KR" sz="1800">
+                <a:latin typeface="맑은 고딕" charset="0"/>
+                <a:ea typeface="맑은 고딕" charset="0"/>
+              </a:rPr>
+              <a:t>넣어줍니다.</a:t>
             </a:r>
             <a:endParaRPr lang="ko-KR" altLang="en-US" sz="1800">
               <a:latin typeface="맑은 고딕" charset="0"/>
               <a:ea typeface="맑은 고딕" charset="0"/>
             </a:endParaRPr>
           </a:p>
+        </p:txBody>
+      </p:sp>
+      <p:sp>
+        <p:nvSpPr>
+          <p:cNvPr id="48" name="Rect 0"/>
+          <p:cNvSpPr txBox="1">
+            <a:spLocks/>
+          </p:cNvSpPr>
+          <p:nvPr/>
+        </p:nvSpPr>
+        <p:spPr>
+          <a:xfrm rot="0">
+            <a:off x="1234440" y="5178425"/>
+            <a:ext cx="4130675" cy="954405"/>
+          </a:xfrm>
+          <a:prstGeom prst="rect"/>
+          <a:noFill/>
+          <a:ln w="0">
+            <a:noFill/>
+            <a:prstDash/>
+          </a:ln>
+        </p:spPr>
+        <p:txBody>
+          <a:bodyPr wrap="square" lIns="89535" tIns="46355" rIns="89535" bIns="46355" numCol="1" vert="horz" anchor="t">
+            <a:spAutoFit/>
+          </a:bodyPr>
+          <a:lstStyle/>
           <a:p>
             <a:pPr marL="0" indent="0" rtl="0" algn="l" defTabSz="914400" eaLnBrk="1" latinLnBrk="0" hangingPunct="1">
               <a:buFontTx/>
               <a:buNone/>
             </a:pPr>
             <a:r>
-              <a:rPr lang="ko-KR" sz="1800">
-                <a:latin typeface="맑은 고딕" charset="0"/>
-                <a:ea typeface="맑은 고딕" charset="0"/>
-              </a:rPr>
-              <a:t>게임 오브젝트에 일정한 힘을 가해 가속도로 이동시키는 함수입니다.</a:t>
+              <a:rPr lang="ko-KR" sz="2000" b="1">
+                <a:solidFill>
+                  <a:srgbClr val="0611F2"/>
+                </a:solidFill>
+                <a:latin typeface="맑은 고딕" charset="0"/>
+                <a:ea typeface="맑은 고딕" charset="0"/>
+              </a:rPr>
+              <a:t>15</a:t>
+            </a:r>
+            <a:r>
+              <a:rPr sz="2000" b="1">
+                <a:solidFill>
+                  <a:srgbClr val="0611F2"/>
+                </a:solidFill>
+                <a:latin typeface="맑은 고딕" charset="0"/>
+                <a:ea typeface="맑은 고딕" charset="0"/>
+              </a:rPr>
+              <a:t>.</a:t>
+            </a:r>
+            <a:r>
+              <a:rPr lang="ko-KR" sz="2000" b="1">
+                <a:solidFill>
+                  <a:srgbClr val="0611F2"/>
+                </a:solidFill>
+                <a:latin typeface="맑은 고딕" charset="0"/>
+                <a:ea typeface="맑은 고딕" charset="0"/>
+              </a:rPr>
+              <a:t> </a:t>
+            </a:r>
+            <a:r>
+              <a:rPr lang="ko-KR" sz="1800">
+                <a:latin typeface="맑은 고딕" charset="0"/>
+                <a:ea typeface="맑은 고딕" charset="0"/>
+              </a:rPr>
+              <a:t>그리고 Project 폴더 아래에 있는 </a:t>
+            </a:r>
+            <a:r>
+              <a:rPr lang="ko-KR" sz="1800">
+                <a:latin typeface="맑은 고딕" charset="0"/>
+                <a:ea typeface="맑은 고딕" charset="0"/>
+              </a:rPr>
+              <a:t>Mo</a:t>
+            </a:r>
+            <a:r>
+              <a:rPr lang="ko-KR" sz="1800">
+                <a:latin typeface="맑은 고딕" charset="0"/>
+                <a:ea typeface="맑은 고딕" charset="0"/>
+              </a:rPr>
+              <a:t>del</a:t>
+            </a:r>
+            <a:r>
+              <a:rPr lang="ko-KR" sz="1800">
+                <a:latin typeface="맑은 고딕" charset="0"/>
+                <a:ea typeface="맑은 고딕" charset="0"/>
+              </a:rPr>
+              <a:t> 폴더에 Board 오브젝트를</a:t>
+            </a:r>
+            <a:r>
+              <a:rPr lang="ko-KR" sz="1800">
+                <a:latin typeface="맑은 고딕" charset="0"/>
+                <a:ea typeface="맑은 고딕" charset="0"/>
+              </a:rPr>
+              <a:t> </a:t>
+            </a:r>
+            <a:r>
+              <a:rPr lang="ko-KR" sz="1800">
+                <a:latin typeface="맑은 고딕" charset="0"/>
+                <a:ea typeface="맑은 고딕" charset="0"/>
+              </a:rPr>
+              <a:t>월드 </a:t>
+            </a:r>
+            <a:r>
+              <a:rPr lang="ko-KR" sz="1800">
+                <a:latin typeface="맑은 고딕" charset="0"/>
+                <a:ea typeface="맑은 고딕" charset="0"/>
+              </a:rPr>
+              <a:t>공간에</a:t>
+            </a:r>
+            <a:r>
+              <a:rPr lang="ko-KR" sz="1800">
+                <a:latin typeface="맑은 고딕" charset="0"/>
+                <a:ea typeface="맑은 고딕" charset="0"/>
+              </a:rPr>
+              <a:t> </a:t>
+            </a:r>
+            <a:r>
+              <a:rPr lang="ko-KR" sz="1800">
+                <a:latin typeface="맑은 고딕" charset="0"/>
+                <a:ea typeface="맑은 고딕" charset="0"/>
+              </a:rPr>
+              <a:t>배치합니다.</a:t>
             </a:r>
             <a:endParaRPr lang="ko-KR" altLang="en-US" sz="1800">
               <a:latin typeface="맑은 고딕" charset="0"/>
               <a:ea typeface="맑은 고딕" charset="0"/>
             </a:endParaRPr>
           </a:p>
+        </p:txBody>
+      </p:sp>
+      <p:sp>
+        <p:nvSpPr>
+          <p:cNvPr id="54" name="Rect 0"/>
+          <p:cNvSpPr txBox="1">
+            <a:spLocks/>
+          </p:cNvSpPr>
+          <p:nvPr/>
+        </p:nvSpPr>
+        <p:spPr>
+          <a:xfrm rot="0">
+            <a:off x="6809740" y="5465445"/>
+            <a:ext cx="4156710" cy="677545"/>
+          </a:xfrm>
+          <a:prstGeom prst="rect"/>
+          <a:noFill/>
+          <a:ln w="0">
+            <a:noFill/>
+            <a:prstDash/>
+          </a:ln>
+        </p:spPr>
+        <p:txBody>
+          <a:bodyPr wrap="square" lIns="89535" tIns="46355" rIns="89535" bIns="46355" numCol="1" vert="horz" anchor="t">
+            <a:spAutoFit/>
+          </a:bodyPr>
+          <a:lstStyle/>
           <a:p>
             <a:pPr marL="0" indent="0" rtl="0" algn="l" defTabSz="914400" eaLnBrk="1" latinLnBrk="0" hangingPunct="1">
               <a:buFontTx/>
               <a:buNone/>
             </a:pPr>
+            <a:r>
+              <a:rPr lang="ko-KR" sz="2000" b="1">
+                <a:solidFill>
+                  <a:srgbClr val="0611F2"/>
+                </a:solidFill>
+                <a:latin typeface="맑은 고딕" charset="0"/>
+                <a:ea typeface="맑은 고딕" charset="0"/>
+              </a:rPr>
+              <a:t>1</a:t>
+            </a:r>
+            <a:r>
+              <a:rPr lang="ko-KR" sz="2000" b="1">
+                <a:solidFill>
+                  <a:srgbClr val="0611F2"/>
+                </a:solidFill>
+                <a:latin typeface="맑은 고딕" charset="0"/>
+                <a:ea typeface="맑은 고딕" charset="0"/>
+              </a:rPr>
+              <a:t>7</a:t>
+            </a:r>
+            <a:r>
+              <a:rPr sz="2000" b="1">
+                <a:solidFill>
+                  <a:srgbClr val="0611F2"/>
+                </a:solidFill>
+                <a:latin typeface="맑은 고딕" charset="0"/>
+                <a:ea typeface="맑은 고딕" charset="0"/>
+              </a:rPr>
+              <a:t>.</a:t>
+            </a:r>
+            <a:r>
+              <a:rPr lang="ko-KR" sz="2000" b="1">
+                <a:solidFill>
+                  <a:srgbClr val="0611F2"/>
+                </a:solidFill>
+                <a:latin typeface="맑은 고딕" charset="0"/>
+                <a:ea typeface="맑은 고딕" charset="0"/>
+              </a:rPr>
+              <a:t> </a:t>
+            </a:r>
+            <a:r>
+              <a:rPr lang="ko-KR" sz="1800">
+                <a:latin typeface="맑은 고딕" charset="0"/>
+                <a:ea typeface="맑은 고딕" charset="0"/>
+              </a:rPr>
+              <a:t>그다음 Board 오브젝트에 Mesh </a:t>
+            </a:r>
+            <a:r>
+              <a:rPr lang="ko-KR" sz="1800">
+                <a:latin typeface="맑은 고딕" charset="0"/>
+                <a:ea typeface="맑은 고딕" charset="0"/>
+              </a:rPr>
+              <a:t>Collider</a:t>
+            </a:r>
+            <a:r>
+              <a:rPr lang="ko-KR" sz="1800">
+                <a:latin typeface="맑은 고딕" charset="0"/>
+                <a:ea typeface="맑은 고딕" charset="0"/>
+              </a:rPr>
+              <a:t> 컴포넌트를 추가합니다.</a:t>
+            </a:r>
             <a:endParaRPr lang="ko-KR" altLang="en-US" sz="1800">
               <a:latin typeface="맑은 고딕" charset="0"/>
               <a:ea typeface="맑은 고딕" charset="0"/>
             </a:endParaRPr>
           </a:p>
+        </p:txBody>
+      </p:sp>
+      <p:pic>
+        <p:nvPicPr>
+          <p:cNvPr id="55" name="그림 1" descr="C:/Users/Admin1/AppData/Roaming/PolarisOffice/ETemp/29716_8262256/fImage725117241.png"/>
+          <p:cNvPicPr>
+            <a:picLocks noChangeAspect="1"/>
+          </p:cNvPicPr>
+          <p:nvPr/>
+        </p:nvPicPr>
+        <p:blipFill rotWithShape="1">
+          <a:blip r:embed="rId2" cstate="print">
+            <a:extLst>
+              <a:ext uri="{28A0092B-C50C-407E-A947-70E740481C1C}">
+                <a14:useLocalDpi xmlns:a14="http://schemas.microsoft.com/office/drawing/2010/main" val="0"/>
+              </a:ext>
+            </a:extLst>
+          </a:blip>
+          <a:stretch>
+            <a:fillRect/>
+          </a:stretch>
+        </p:blipFill>
+        <p:spPr>
+          <a:xfrm rot="0">
+            <a:off x="1240790" y="1452245"/>
+            <a:ext cx="2007235" cy="1303020"/>
+          </a:xfrm>
+          <a:prstGeom prst="roundRect"/>
+          <a:solidFill>
+            <a:srgbClr val="EDEDED"/>
+          </a:solidFill>
+        </p:spPr>
+      </p:pic>
+      <p:pic>
+        <p:nvPicPr>
+          <p:cNvPr id="56" name="그림 4" descr="C:/Users/Admin1/AppData/Roaming/PolarisOffice/ETemp/29716_8262256/fImage75571738467.png"/>
+          <p:cNvPicPr>
+            <a:picLocks noChangeAspect="1"/>
+          </p:cNvPicPr>
+          <p:nvPr/>
+        </p:nvPicPr>
+        <p:blipFill rotWithShape="1">
+          <a:blip r:embed="rId3" cstate="print">
+            <a:extLst>
+              <a:ext uri="{28A0092B-C50C-407E-A947-70E740481C1C}">
+                <a14:useLocalDpi xmlns:a14="http://schemas.microsoft.com/office/drawing/2010/main" val="0"/>
+              </a:ext>
+            </a:extLst>
+          </a:blip>
+          <a:stretch>
+            <a:fillRect/>
+          </a:stretch>
+        </p:blipFill>
+        <p:spPr>
+          <a:xfrm rot="0">
+            <a:off x="3359785" y="1447165"/>
+            <a:ext cx="2007235" cy="1310005"/>
+          </a:xfrm>
+          <a:prstGeom prst="roundRect"/>
+          <a:solidFill>
+            <a:srgbClr val="EDEDED"/>
+          </a:solidFill>
+        </p:spPr>
+      </p:pic>
+      <p:pic>
+        <p:nvPicPr>
+          <p:cNvPr id="57" name="그림 11" descr="C:/Users/Admin1/AppData/Roaming/PolarisOffice/ETemp/29716_8262256/fImage2242171946962.png"/>
+          <p:cNvPicPr>
+            <a:picLocks noChangeAspect="1"/>
+          </p:cNvPicPr>
+          <p:nvPr/>
+        </p:nvPicPr>
+        <p:blipFill rotWithShape="1">
+          <a:blip r:embed="rId4" cstate="hqprint">
+            <a:extLst>
+              <a:ext uri="{28A0092B-C50C-407E-A947-70E740481C1C}">
+                <a14:useLocalDpi xmlns:a14="http://schemas.microsoft.com/office/drawing/2010/main"/>
+              </a:ext>
+            </a:extLst>
+          </a:blip>
+          <a:stretch>
+            <a:fillRect/>
+          </a:stretch>
+        </p:blipFill>
+        <p:spPr>
+          <a:xfrm rot="0">
+            <a:off x="2945130" y="1912620"/>
+            <a:ext cx="708025" cy="396875"/>
+          </a:xfrm>
+          <a:prstGeom prst="rect"/>
+          <a:noFill/>
+        </p:spPr>
+      </p:pic>
+      <p:sp>
+        <p:nvSpPr>
+          <p:cNvPr id="58" name="텍스트 상자 12"/>
+          <p:cNvSpPr txBox="1">
+            <a:spLocks/>
+          </p:cNvSpPr>
+          <p:nvPr/>
+        </p:nvSpPr>
+        <p:spPr>
+          <a:xfrm rot="0">
+            <a:off x="1237615" y="2820670"/>
+            <a:ext cx="4129405" cy="954405"/>
+          </a:xfrm>
+          <a:prstGeom prst="rect"/>
+          <a:noFill/>
+          <a:ln w="0">
+            <a:noFill/>
+            <a:prstDash/>
+          </a:ln>
+        </p:spPr>
+        <p:txBody>
+          <a:bodyPr wrap="square" lIns="89535" tIns="46355" rIns="89535" bIns="46355" numCol="1" vert="horz" anchor="t">
+            <a:spAutoFit/>
+          </a:bodyPr>
+          <a:lstStyle/>
           <a:p>
             <a:pPr marL="0" indent="0" rtl="0" algn="l" defTabSz="914400" eaLnBrk="1" latinLnBrk="0" hangingPunct="1">
               <a:buFontTx/>
               <a:buNone/>
             </a:pPr>
             <a:r>
-              <a:rPr lang="ko-KR" sz="1800">
-                <a:latin typeface="맑은 고딕" charset="0"/>
-                <a:ea typeface="맑은 고딕" charset="0"/>
-              </a:rPr>
-              <a:t>그리고 F = ma 공식이 적용되어 같은 힘을 주었을 때 게임 오브젝트의 질량에 따라 가속도가 다르게 적용됩니다.</a:t>
+              <a:rPr lang="ko-KR" sz="2000" b="1">
+                <a:solidFill>
+                  <a:srgbClr val="0611F2"/>
+                </a:solidFill>
+                <a:latin typeface="맑은 고딕" charset="0"/>
+                <a:ea typeface="맑은 고딕" charset="0"/>
+              </a:rPr>
+              <a:t>14</a:t>
+            </a:r>
+            <a:r>
+              <a:rPr sz="2000" b="1">
+                <a:solidFill>
+                  <a:srgbClr val="0611F2"/>
+                </a:solidFill>
+                <a:latin typeface="맑은 고딕" charset="0"/>
+                <a:ea typeface="맑은 고딕" charset="0"/>
+              </a:rPr>
+              <a:t>.</a:t>
+            </a:r>
+            <a:r>
+              <a:rPr lang="ko-KR" sz="2000" b="1">
+                <a:solidFill>
+                  <a:srgbClr val="0611F2"/>
+                </a:solidFill>
+                <a:latin typeface="맑은 고딕" charset="0"/>
+                <a:ea typeface="맑은 고딕" charset="0"/>
+              </a:rPr>
+              <a:t> </a:t>
+            </a:r>
+            <a:r>
+              <a:rPr lang="ko-KR" sz="1800">
+                <a:latin typeface="맑은 고딕" charset="0"/>
+                <a:ea typeface="맑은 고딕" charset="0"/>
+              </a:rPr>
+              <a:t>이제 </a:t>
+            </a:r>
+            <a:r>
+              <a:rPr sz="1800">
+                <a:latin typeface="맑은 고딕" charset="0"/>
+                <a:ea typeface="맑은 고딕" charset="0"/>
+              </a:rPr>
+              <a:t>Main Camera 오브젝트를 </a:t>
+            </a:r>
+            <a:r>
+              <a:rPr sz="1800">
+                <a:latin typeface="맑은 고딕" charset="0"/>
+                <a:ea typeface="맑은 고딕" charset="0"/>
+              </a:rPr>
+              <a:t>Scout</a:t>
+            </a:r>
+            <a:r>
+              <a:rPr sz="1800">
+                <a:latin typeface="맑은 고딕" charset="0"/>
+                <a:ea typeface="맑은 고딕" charset="0"/>
+              </a:rPr>
+              <a:t> Robot</a:t>
+            </a:r>
+            <a:r>
+              <a:rPr sz="1800">
+                <a:latin typeface="맑은 고딕" charset="0"/>
+                <a:ea typeface="맑은 고딕" charset="0"/>
+              </a:rPr>
+              <a:t> </a:t>
+            </a:r>
+            <a:r>
+              <a:rPr sz="1800">
+                <a:latin typeface="맑은 고딕" charset="0"/>
+                <a:ea typeface="맑은 고딕" charset="0"/>
+              </a:rPr>
+              <a:t>오브젝트의</a:t>
+            </a:r>
+            <a:r>
+              <a:rPr sz="1800">
+                <a:latin typeface="맑은 고딕" charset="0"/>
+                <a:ea typeface="맑은 고딕" charset="0"/>
+              </a:rPr>
+              <a:t> 하위 </a:t>
+            </a:r>
+            <a:r>
+              <a:rPr sz="1800">
+                <a:latin typeface="맑은 고딕" charset="0"/>
+                <a:ea typeface="맑은 고딕" charset="0"/>
+              </a:rPr>
+              <a:t>오브젝트로</a:t>
+            </a:r>
+            <a:r>
+              <a:rPr sz="1800">
+                <a:latin typeface="맑은 고딕" charset="0"/>
+                <a:ea typeface="맑은 고딕" charset="0"/>
+              </a:rPr>
+              <a:t> </a:t>
+            </a:r>
+            <a:r>
+              <a:rPr sz="1800">
+                <a:latin typeface="맑은 고딕" charset="0"/>
+                <a:ea typeface="맑은 고딕" charset="0"/>
+              </a:rPr>
+              <a:t>넣어줍니다.</a:t>
             </a:r>
             <a:endParaRPr lang="ko-KR" altLang="en-US" sz="1800">
               <a:latin typeface="맑은 고딕" charset="0"/>
@@ -8666,7 +9209,193 @@
       </p:sp>
       <p:pic>
         <p:nvPicPr>
-          <p:cNvPr id="26" name="그림 20"/>
+          <p:cNvPr id="59" name="그림 13" descr="C:/Users/Admin1/AppData/Roaming/PolarisOffice/ETemp/29716_8262256/fImage78881816334.png"/>
+          <p:cNvPicPr>
+            <a:picLocks noChangeAspect="1"/>
+          </p:cNvPicPr>
+          <p:nvPr/>
+        </p:nvPicPr>
+        <p:blipFill rotWithShape="1">
+          <a:blip r:embed="rId5" cstate="print">
+            <a:extLst>
+              <a:ext uri="{28A0092B-C50C-407E-A947-70E740481C1C}">
+                <a14:useLocalDpi xmlns:a14="http://schemas.microsoft.com/office/drawing/2010/main" val="0"/>
+              </a:ext>
+            </a:extLst>
+          </a:blip>
+          <a:stretch>
+            <a:fillRect/>
+          </a:stretch>
+        </p:blipFill>
+        <p:spPr>
+          <a:xfrm rot="0">
+            <a:off x="2635885" y="3902710"/>
+            <a:ext cx="2731135" cy="1171575"/>
+          </a:xfrm>
+          <a:prstGeom prst="roundRect"/>
+          <a:solidFill>
+            <a:srgbClr val="EDEDED"/>
+          </a:solidFill>
+        </p:spPr>
+      </p:pic>
+      <p:pic>
+        <p:nvPicPr>
+          <p:cNvPr id="60" name="그림 16" descr="C:/Users/Admin1/AppData/Roaming/PolarisOffice/ETemp/29716_8262256/fImage84131826500.png"/>
+          <p:cNvPicPr>
+            <a:picLocks noChangeAspect="1"/>
+          </p:cNvPicPr>
+          <p:nvPr/>
+        </p:nvPicPr>
+        <p:blipFill rotWithShape="1">
+          <a:blip r:embed="rId6" cstate="print">
+            <a:extLst>
+              <a:ext uri="{28A0092B-C50C-407E-A947-70E740481C1C}">
+                <a14:useLocalDpi xmlns:a14="http://schemas.microsoft.com/office/drawing/2010/main" val="0"/>
+              </a:ext>
+            </a:extLst>
+          </a:blip>
+          <a:stretch>
+            <a:fillRect/>
+          </a:stretch>
+        </p:blipFill>
+        <p:spPr>
+          <a:xfrm rot="0">
+            <a:off x="1231900" y="3893820"/>
+            <a:ext cx="1310005" cy="1172210"/>
+          </a:xfrm>
+          <a:prstGeom prst="roundRect"/>
+          <a:solidFill>
+            <a:srgbClr val="EDEDED"/>
+          </a:solidFill>
+        </p:spPr>
+      </p:pic>
+      <p:pic>
+        <p:nvPicPr>
+          <p:cNvPr id="61" name="그림 20" descr="C:/Users/Admin1/AppData/Roaming/PolarisOffice/ETemp/29716_8262256/fImage2242171946962.png"/>
+          <p:cNvPicPr>
+            <a:picLocks noChangeAspect="1"/>
+          </p:cNvPicPr>
+          <p:nvPr/>
+        </p:nvPicPr>
+        <p:blipFill rotWithShape="1">
+          <a:blip r:embed="rId4" cstate="hqprint">
+            <a:extLst>
+              <a:ext uri="{28A0092B-C50C-407E-A947-70E740481C1C}">
+                <a14:useLocalDpi xmlns:a14="http://schemas.microsoft.com/office/drawing/2010/main"/>
+              </a:ext>
+            </a:extLst>
+          </a:blip>
+          <a:stretch>
+            <a:fillRect/>
+          </a:stretch>
+        </p:blipFill>
+        <p:spPr>
+          <a:xfrm rot="10800000">
+            <a:off x="2265045" y="4307205"/>
+            <a:ext cx="628015" cy="354330"/>
+          </a:xfrm>
+          <a:prstGeom prst="rect"/>
+          <a:noFill/>
+        </p:spPr>
+      </p:pic>
+      <p:pic>
+        <p:nvPicPr>
+          <p:cNvPr id="62" name="그림 21" descr="C:/Users/Admin1/AppData/Roaming/PolarisOffice/ETemp/29716_8262256/fImage149321859169.png"/>
+          <p:cNvPicPr>
+            <a:picLocks noChangeAspect="1"/>
+          </p:cNvPicPr>
+          <p:nvPr/>
+        </p:nvPicPr>
+        <p:blipFill rotWithShape="1">
+          <a:blip r:embed="rId7" cstate="print">
+            <a:extLst>
+              <a:ext uri="{28A0092B-C50C-407E-A947-70E740481C1C}">
+                <a14:useLocalDpi xmlns:a14="http://schemas.microsoft.com/office/drawing/2010/main" val="0"/>
+              </a:ext>
+            </a:extLst>
+          </a:blip>
+          <a:stretch>
+            <a:fillRect/>
+          </a:stretch>
+        </p:blipFill>
+        <p:spPr>
+          <a:xfrm rot="0">
+            <a:off x="8191500" y="1447165"/>
+            <a:ext cx="2773045" cy="1111885"/>
+          </a:xfrm>
+          <a:prstGeom prst="roundRect"/>
+          <a:solidFill>
+            <a:srgbClr val="EDEDED"/>
+          </a:solidFill>
+        </p:spPr>
+      </p:pic>
+      <p:pic>
+        <p:nvPicPr>
+          <p:cNvPr id="63" name="그림 24" descr="C:/Users/Admin1/AppData/Roaming/PolarisOffice/ETemp/29716_8262256/fImage83981865724.png"/>
+          <p:cNvPicPr>
+            <a:picLocks noChangeAspect="1"/>
+          </p:cNvPicPr>
+          <p:nvPr/>
+        </p:nvPicPr>
+        <p:blipFill rotWithShape="1">
+          <a:blip r:embed="rId8" cstate="print">
+            <a:extLst>
+              <a:ext uri="{28A0092B-C50C-407E-A947-70E740481C1C}">
+                <a14:useLocalDpi xmlns:a14="http://schemas.microsoft.com/office/drawing/2010/main" val="0"/>
+              </a:ext>
+            </a:extLst>
+          </a:blip>
+          <a:stretch>
+            <a:fillRect/>
+          </a:stretch>
+        </p:blipFill>
+        <p:spPr>
+          <a:xfrm rot="0">
+            <a:off x="6819900" y="1436370"/>
+            <a:ext cx="1243330" cy="1130935"/>
+          </a:xfrm>
+          <a:prstGeom prst="roundRect"/>
+          <a:solidFill>
+            <a:srgbClr val="EDEDED"/>
+          </a:solidFill>
+        </p:spPr>
+      </p:pic>
+      <p:cxnSp>
+        <p:nvCxnSpPr>
+          <p:cNvPr id="64" name="도형 27"/>
+          <p:cNvCxnSpPr/>
+          <p:nvPr/>
+        </p:nvCxnSpPr>
+        <p:spPr>
+          <a:xfrm rot="0" flipH="1" flipV="1">
+            <a:off x="7959090" y="1911985"/>
+            <a:ext cx="1379220" cy="207645"/>
+          </a:xfrm>
+          <a:prstGeom prst="straightConnector1"/>
+          <a:ln w="6350" cap="flat" cmpd="sng">
+            <a:prstDash/>
+            <a:headEnd type="none" w="med" len="med"/>
+            <a:tailEnd type="triangle" w="med" len="med"/>
+          </a:ln>
+        </p:spPr>
+        <p:style>
+          <a:lnRef idx="1">
+            <a:schemeClr val="accent1"/>
+          </a:lnRef>
+          <a:fillRef idx="0">
+            <a:schemeClr val="accent1"/>
+          </a:fillRef>
+          <a:effectRef idx="0">
+            <a:schemeClr val="accent1"/>
+          </a:effectRef>
+          <a:fontRef idx="minor">
+            <a:schemeClr val="tx1"/>
+          </a:fontRef>
+        </p:style>
+      </p:cxnSp>
+      <p:pic>
+        <p:nvPicPr>
+          <p:cNvPr id="65" name="그림 28" descr="C:/Users/Admin1/AppData/Roaming/PolarisOffice/ETemp/29716_8262256/fImage48931881478.png"/>
           <p:cNvPicPr>
             <a:picLocks noChangeAspect="1"/>
           </p:cNvPicPr>
@@ -8686,8 +9415,8 @@
         </p:blipFill>
         <p:spPr>
           <a:xfrm rot="0">
-            <a:off x="1224915" y="1476375"/>
-            <a:ext cx="4137660" cy="2198370"/>
+            <a:off x="6805295" y="4005580"/>
+            <a:ext cx="4152265" cy="1344295"/>
           </a:xfrm>
           <a:prstGeom prst="roundRect"/>
           <a:solidFill>
@@ -8695,139 +9424,6 @@
           </a:solidFill>
         </p:spPr>
       </p:pic>
-      <p:pic>
-        <p:nvPicPr>
-          <p:cNvPr id="29" name="그림 47"/>
-          <p:cNvPicPr>
-            <a:picLocks noChangeAspect="1"/>
-          </p:cNvPicPr>
-          <p:nvPr/>
-        </p:nvPicPr>
-        <p:blipFill rotWithShape="1">
-          <a:blip r:embed="rId11" cstate="hqprint">
-            <a:extLst>
-              <a:ext uri="{28A0092B-C50C-407E-A947-70E740481C1C}">
-                <a14:useLocalDpi xmlns:a14="http://schemas.microsoft.com/office/drawing/2010/main"/>
-              </a:ext>
-            </a:extLst>
-          </a:blip>
-          <a:stretch>
-            <a:fillRect/>
-          </a:stretch>
-        </p:blipFill>
-        <p:spPr>
-          <a:xfrm rot="0">
-            <a:off x="6840855" y="3903345"/>
-            <a:ext cx="4044950" cy="1241425"/>
-          </a:xfrm>
-          <a:prstGeom prst="roundRect"/>
-          <a:solidFill>
-            <a:srgbClr val="EDEDED"/>
-          </a:solidFill>
-        </p:spPr>
-      </p:pic>
-      <p:sp>
-        <p:nvSpPr>
-          <p:cNvPr id="30" name="텍스트 상자 48"/>
-          <p:cNvSpPr txBox="1">
-            <a:spLocks/>
-          </p:cNvSpPr>
-          <p:nvPr/>
-        </p:nvSpPr>
-        <p:spPr>
-          <a:xfrm rot="0">
-            <a:off x="6828790" y="5200015"/>
-            <a:ext cx="4057650" cy="955040"/>
-          </a:xfrm>
-          <a:prstGeom prst="rect"/>
-          <a:noFill/>
-          <a:ln w="0">
-            <a:noFill/>
-            <a:prstDash/>
-          </a:ln>
-        </p:spPr>
-        <p:txBody>
-          <a:bodyPr wrap="square" lIns="89535" tIns="46355" rIns="89535" bIns="46355" numCol="1" vert="horz" anchor="t">
-            <a:spAutoFit/>
-          </a:bodyPr>
-          <a:lstStyle/>
-          <a:p>
-            <a:pPr marL="0" indent="0" rtl="0" algn="l" defTabSz="914400" eaLnBrk="1" latinLnBrk="0" hangingPunct="1">
-              <a:buFontTx/>
-              <a:buNone/>
-            </a:pPr>
-            <a:r>
-              <a:rPr lang="ko-KR" sz="2000" b="1">
-                <a:solidFill>
-                  <a:srgbClr val="0611F2"/>
-                </a:solidFill>
-                <a:latin typeface="맑은 고딕" charset="0"/>
-                <a:ea typeface="맑은 고딕" charset="0"/>
-              </a:rPr>
-              <a:t>33</a:t>
-            </a:r>
-            <a:r>
-              <a:rPr sz="2000" b="1">
-                <a:solidFill>
-                  <a:srgbClr val="0611F2"/>
-                </a:solidFill>
-                <a:latin typeface="맑은 고딕" charset="0"/>
-                <a:ea typeface="맑은 고딕" charset="0"/>
-              </a:rPr>
-              <a:t>.</a:t>
-            </a:r>
-            <a:r>
-              <a:rPr lang="ko-KR" sz="2000" b="1">
-                <a:solidFill>
-                  <a:srgbClr val="0611F2"/>
-                </a:solidFill>
-                <a:latin typeface="맑은 고딕" charset="0"/>
-                <a:ea typeface="맑은 고딕" charset="0"/>
-              </a:rPr>
-              <a:t> </a:t>
-            </a:r>
-            <a:r>
-              <a:rPr lang="ko-KR" sz="1800">
-                <a:latin typeface="맑은 고딕" charset="0"/>
-                <a:ea typeface="맑은 고딕" charset="0"/>
-              </a:rPr>
-              <a:t>그런 다음 Physic Material를 </a:t>
-            </a:r>
-            <a:r>
-              <a:rPr lang="ko-KR" sz="1800">
-                <a:latin typeface="맑은 고딕" charset="0"/>
-                <a:ea typeface="맑은 고딕" charset="0"/>
-              </a:rPr>
-              <a:t>선택하고</a:t>
-            </a:r>
-            <a:r>
-              <a:rPr lang="ko-KR" sz="1800">
-                <a:latin typeface="맑은 고딕" charset="0"/>
-                <a:ea typeface="맑은 고딕" charset="0"/>
-              </a:rPr>
-              <a:t> Bounciness값과 Bounce </a:t>
-            </a:r>
-            <a:r>
-              <a:rPr lang="ko-KR" sz="1800">
-                <a:latin typeface="맑은 고딕" charset="0"/>
-                <a:ea typeface="맑은 고딕" charset="0"/>
-              </a:rPr>
-              <a:t>Combine값을</a:t>
-            </a:r>
-            <a:r>
-              <a:rPr lang="ko-KR" sz="1800">
-                <a:latin typeface="맑은 고딕" charset="0"/>
-                <a:ea typeface="맑은 고딕" charset="0"/>
-              </a:rPr>
-              <a:t> 최대로 설정합니다. </a:t>
-            </a:r>
-            <a:endParaRPr lang="ko-KR" altLang="en-US" sz="1800">
-              <a:latin typeface="맑은 고딕" charset="0"/>
-              <a:ea typeface="맑은 고딕" charset="0"/>
-            </a:endParaRPr>
-          </a:p>
-        </p:txBody>
-      </p:sp>
     </p:spTree>
   </p:cSld>
   <p:clrMapOvr>

--- a/Assets/Physics/PPT Data/Physics Example.pptx
+++ b/Assets/Physics/PPT Data/Physics Example.pptx
@@ -2,7 +2,7 @@
 <file path=ppt/presentation.xml><?xml version="1.0" encoding="utf-8"?>
 <p:presentation xmlns:a="http://schemas.openxmlformats.org/drawingml/2006/main" xmlns:r="http://schemas.openxmlformats.org/officeDocument/2006/relationships" xmlns:p="http://schemas.openxmlformats.org/presentationml/2006/main" xmlns:p14="http://schemas.microsoft.com/office/powerpoint/2010/main" saveSubsetFonts="1" firstSlideNum="0">
   <p:sldMasterIdLst>
-    <p:sldMasterId id="2147485488" r:id="rId12"/>
+    <p:sldMasterId id="2147485504" r:id="rId12"/>
   </p:sldMasterIdLst>
   <p:notesMasterIdLst>
     <p:notesMasterId r:id="rId14"/>
@@ -13,7 +13,11 @@
     <p:sldId id="289" r:id="rId18"/>
     <p:sldId id="290" r:id="rId19"/>
     <p:sldId id="291" r:id="rId20"/>
-    <p:sldId id="287" r:id="rId21"/>
+    <p:sldId id="292" r:id="rId21"/>
+    <p:sldId id="293" r:id="rId22"/>
+    <p:sldId id="294" r:id="rId23"/>
+    <p:sldId id="295" r:id="rId24"/>
+    <p:sldId id="287" r:id="rId25"/>
   </p:sldIdLst>
   <p:sldSz cx="12192000" cy="6858000"/>
   <p:notesSz cx="6858000" cy="9144000"/>
@@ -6075,6 +6079,409 @@
 </p:sld>
 </file>
 
+<file path=ppt/slides/slide10.xml><?xml version="1.0" encoding="utf-8"?>
+<p:sld xmlns:a="http://schemas.openxmlformats.org/drawingml/2006/main" xmlns:r="http://schemas.openxmlformats.org/officeDocument/2006/relationships" xmlns:p="http://schemas.openxmlformats.org/presentationml/2006/main" xmlns:p14="http://schemas.microsoft.com/office/powerpoint/2010/main">
+  <p:cSld>
+    <p:spTree>
+      <p:nvGrpSpPr>
+        <p:cNvPr id="1" name=""/>
+        <p:cNvGrpSpPr/>
+        <p:nvPr/>
+      </p:nvGrpSpPr>
+      <p:grpSpPr>
+        <a:xfrm>
+          <a:off x="0" y="0"/>
+          <a:ext cx="0" cy="0"/>
+          <a:chOff x="0" y="0"/>
+          <a:chExt cx="0" cy="0"/>
+        </a:xfrm>
+      </p:grpSpPr>
+      <p:sp>
+        <p:nvSpPr>
+          <p:cNvPr id="2" name="Rect 0"/>
+          <p:cNvSpPr txBox="1">
+            <a:spLocks/>
+          </p:cNvSpPr>
+          <p:nvPr/>
+        </p:nvSpPr>
+        <p:spPr>
+          <a:xfrm>
+            <a:off x="4333240" y="393700"/>
+            <a:ext cx="3530600" cy="478155"/>
+          </a:xfrm>
+          <a:prstGeom prst="rect"/>
+          <a:noFill/>
+          <a:ln w="0">
+            <a:noFill/>
+            <a:prstDash/>
+          </a:ln>
+        </p:spPr>
+        <p:txBody>
+          <a:bodyPr wrap="square" lIns="89535" tIns="46355" rIns="89535" bIns="46355" numCol="1" vert="horz" anchor="t">
+            <a:spAutoFit/>
+          </a:bodyPr>
+          <a:lstStyle/>
+          <a:p>
+            <a:pPr marL="0" indent="0" rtl="0" algn="ctr" defTabSz="914400" eaLnBrk="1" latinLnBrk="0" hangingPunct="1">
+              <a:buFontTx/>
+              <a:buNone/>
+            </a:pPr>
+            <a:r>
+              <a:rPr lang="ko-KR" sz="2500" b="1">
+                <a:solidFill>
+                  <a:schemeClr val="tx1"/>
+                </a:solidFill>
+                <a:latin typeface="나눔바른고딕" charset="0"/>
+                <a:ea typeface="나눔바른고딕" charset="0"/>
+              </a:rPr>
+              <a:t>열두</a:t>
+            </a:r>
+            <a:r>
+              <a:rPr lang="ko-KR" sz="2500" b="1">
+                <a:solidFill>
+                  <a:schemeClr val="tx1"/>
+                </a:solidFill>
+                <a:latin typeface="나눔바른고딕" charset="0"/>
+                <a:ea typeface="나눔바른고딕" charset="0"/>
+              </a:rPr>
+              <a:t> 번째 튜토리얼</a:t>
+            </a:r>
+            <a:endParaRPr lang="ko-KR" altLang="en-US" sz="2500" b="1">
+              <a:solidFill>
+                <a:schemeClr val="tx1"/>
+              </a:solidFill>
+              <a:latin typeface="나눔바른고딕" charset="0"/>
+              <a:ea typeface="나눔바른고딕" charset="0"/>
+            </a:endParaRPr>
+          </a:p>
+        </p:txBody>
+      </p:sp>
+      <p:pic>
+        <p:nvPicPr>
+          <p:cNvPr id="61" name="그림 24"/>
+          <p:cNvPicPr>
+            <a:picLocks noChangeAspect="1"/>
+          </p:cNvPicPr>
+          <p:nvPr/>
+        </p:nvPicPr>
+        <p:blipFill rotWithShape="1">
+          <a:blip r:embed="rId4" cstate="print">
+            <a:extLst>
+              <a:ext uri="{28A0092B-C50C-407E-A947-70E740481C1C}">
+                <a14:useLocalDpi xmlns:a14="http://schemas.microsoft.com/office/drawing/2010/main" val="0"/>
+              </a:ext>
+            </a:extLst>
+          </a:blip>
+          <a:stretch>
+            <a:fillRect/>
+          </a:stretch>
+        </p:blipFill>
+        <p:spPr>
+          <a:xfrm rot="0">
+            <a:off x="7040245" y="1402715"/>
+            <a:ext cx="3983355" cy="1395095"/>
+          </a:xfrm>
+          <a:prstGeom prst="roundRect"/>
+          <a:solidFill>
+            <a:srgbClr val="EDEDED"/>
+          </a:solidFill>
+        </p:spPr>
+      </p:pic>
+      <p:pic>
+        <p:nvPicPr>
+          <p:cNvPr id="62" name="그림 27"/>
+          <p:cNvPicPr>
+            <a:picLocks noChangeAspect="1"/>
+          </p:cNvPicPr>
+          <p:nvPr/>
+        </p:nvPicPr>
+        <p:blipFill rotWithShape="1">
+          <a:blip r:embed="rId5" cstate="print">
+            <a:extLst>
+              <a:ext uri="{28A0092B-C50C-407E-A947-70E740481C1C}">
+                <a14:useLocalDpi xmlns:a14="http://schemas.microsoft.com/office/drawing/2010/main" val="0"/>
+              </a:ext>
+            </a:extLst>
+          </a:blip>
+          <a:stretch>
+            <a:fillRect/>
+          </a:stretch>
+        </p:blipFill>
+        <p:spPr>
+          <a:xfrm rot="0">
+            <a:off x="7039610" y="2927350"/>
+            <a:ext cx="3992880" cy="1056005"/>
+          </a:xfrm>
+          <a:prstGeom prst="roundRect"/>
+          <a:solidFill>
+            <a:srgbClr val="EDEDED"/>
+          </a:solidFill>
+        </p:spPr>
+      </p:pic>
+      <p:sp>
+        <p:nvSpPr>
+          <p:cNvPr id="63" name="텍스트 상자 30"/>
+          <p:cNvSpPr txBox="1">
+            <a:spLocks/>
+          </p:cNvSpPr>
+          <p:nvPr/>
+        </p:nvSpPr>
+        <p:spPr>
+          <a:xfrm>
+            <a:off x="7052945" y="4088765"/>
+            <a:ext cx="3971925" cy="2061845"/>
+          </a:xfrm>
+          <a:prstGeom prst="rect"/>
+          <a:noFill/>
+          <a:ln w="0">
+            <a:noFill/>
+            <a:prstDash/>
+          </a:ln>
+        </p:spPr>
+        <p:txBody>
+          <a:bodyPr wrap="square" lIns="89535" tIns="46355" rIns="89535" bIns="46355" numCol="1" vert="horz" anchor="t">
+            <a:spAutoFit/>
+          </a:bodyPr>
+          <a:lstStyle/>
+          <a:p>
+            <a:pPr marL="0" indent="0" rtl="0" algn="l" defTabSz="914400" eaLnBrk="1" latinLnBrk="0" hangingPunct="1">
+              <a:buFontTx/>
+              <a:buNone/>
+            </a:pPr>
+            <a:r>
+              <a:rPr lang="ko-KR" sz="2000" b="1">
+                <a:solidFill>
+                  <a:srgbClr val="0611F2"/>
+                </a:solidFill>
+                <a:latin typeface="맑은 고딕" charset="0"/>
+                <a:ea typeface="맑은 고딕" charset="0"/>
+              </a:rPr>
+              <a:t>30</a:t>
+            </a:r>
+            <a:r>
+              <a:rPr sz="2000" b="1">
+                <a:solidFill>
+                  <a:srgbClr val="0611F2"/>
+                </a:solidFill>
+                <a:latin typeface="맑은 고딕" charset="0"/>
+                <a:ea typeface="맑은 고딕" charset="0"/>
+              </a:rPr>
+              <a:t>. </a:t>
+            </a:r>
+            <a:r>
+              <a:rPr lang="ko-KR" sz="1800">
+                <a:latin typeface="맑은 고딕" charset="0"/>
+                <a:ea typeface="맑은 고딕" charset="0"/>
+              </a:rPr>
+              <a:t>그다음 Project 폴더에 있는 Physic Material 파일에 Physic Material을 선택합니다.</a:t>
+            </a:r>
+            <a:endParaRPr lang="ko-KR" altLang="en-US" sz="1800">
+              <a:latin typeface="맑은 고딕" charset="0"/>
+              <a:ea typeface="맑은 고딕" charset="0"/>
+            </a:endParaRPr>
+          </a:p>
+          <a:p>
+            <a:pPr marL="0" indent="0" rtl="0" algn="l" defTabSz="914400" eaLnBrk="1" latinLnBrk="0" hangingPunct="1">
+              <a:buFontTx/>
+              <a:buNone/>
+            </a:pPr>
+            <a:endParaRPr lang="ko-KR" altLang="en-US" sz="1800">
+              <a:latin typeface="맑은 고딕" charset="0"/>
+              <a:ea typeface="맑은 고딕" charset="0"/>
+            </a:endParaRPr>
+          </a:p>
+          <a:p>
+            <a:pPr marL="0" indent="0" rtl="0" algn="l" defTabSz="914400" eaLnBrk="1" latinLnBrk="0" hangingPunct="1">
+              <a:buFontTx/>
+              <a:buNone/>
+            </a:pPr>
+            <a:r>
+              <a:rPr lang="ko-KR" sz="1800">
+                <a:latin typeface="맑은 고딕" charset="0"/>
+                <a:ea typeface="맑은 고딕" charset="0"/>
+              </a:rPr>
+              <a:t>그런 다음 Billiard Ball 오브젝트에 있는 Sphere Collider 컴포넌트에 Physic Material을 넣어줍니다.</a:t>
+            </a:r>
+            <a:endParaRPr lang="ko-KR" altLang="en-US" sz="1800">
+              <a:latin typeface="맑은 고딕" charset="0"/>
+              <a:ea typeface="맑은 고딕" charset="0"/>
+            </a:endParaRPr>
+          </a:p>
+        </p:txBody>
+      </p:sp>
+      <p:cxnSp>
+        <p:nvCxnSpPr>
+          <p:cNvPr id="64" name="도형 31"/>
+          <p:cNvCxnSpPr/>
+          <p:nvPr/>
+        </p:nvCxnSpPr>
+        <p:spPr>
+          <a:xfrm rot="0" flipV="1">
+            <a:off x="8217535" y="2207895"/>
+            <a:ext cx="2667635" cy="996315"/>
+          </a:xfrm>
+          <a:prstGeom prst="straightConnector1"/>
+          <a:ln w="6350" cap="flat" cmpd="sng">
+            <a:prstDash/>
+            <a:headEnd type="none" w="med" len="med"/>
+            <a:tailEnd type="triangle" w="med" len="med"/>
+          </a:ln>
+        </p:spPr>
+        <p:style>
+          <a:lnRef idx="1">
+            <a:schemeClr val="accent1"/>
+          </a:lnRef>
+          <a:fillRef idx="0">
+            <a:schemeClr val="accent1"/>
+          </a:fillRef>
+          <a:effectRef idx="0">
+            <a:schemeClr val="accent1"/>
+          </a:effectRef>
+          <a:fontRef idx="minor">
+            <a:schemeClr val="tx1"/>
+          </a:fontRef>
+        </p:style>
+      </p:cxnSp>
+      <p:sp>
+        <p:nvSpPr>
+          <p:cNvPr id="65" name="텍스트 상자 15"/>
+          <p:cNvSpPr txBox="1">
+            <a:spLocks/>
+          </p:cNvSpPr>
+          <p:nvPr/>
+        </p:nvSpPr>
+        <p:spPr>
+          <a:xfrm rot="0">
+            <a:off x="1320165" y="5471160"/>
+            <a:ext cx="4038600" cy="677545"/>
+          </a:xfrm>
+          <a:prstGeom prst="rect"/>
+          <a:noFill/>
+          <a:ln w="0">
+            <a:noFill/>
+            <a:prstDash/>
+          </a:ln>
+        </p:spPr>
+        <p:txBody>
+          <a:bodyPr wrap="square" lIns="89535" tIns="46355" rIns="89535" bIns="46355" numCol="1" vert="horz" anchor="t">
+            <a:spAutoFit/>
+          </a:bodyPr>
+          <a:lstStyle/>
+          <a:p>
+            <a:pPr marL="0" indent="0" rtl="0" algn="l" defTabSz="914400" eaLnBrk="1" latinLnBrk="0" hangingPunct="1">
+              <a:buFontTx/>
+              <a:buNone/>
+            </a:pPr>
+            <a:r>
+              <a:rPr lang="ko-KR" sz="2000" b="1">
+                <a:solidFill>
+                  <a:srgbClr val="0611F2"/>
+                </a:solidFill>
+                <a:latin typeface="맑은 고딕" charset="0"/>
+                <a:ea typeface="맑은 고딕" charset="0"/>
+              </a:rPr>
+              <a:t>28</a:t>
+            </a:r>
+            <a:r>
+              <a:rPr sz="2000" b="1">
+                <a:solidFill>
+                  <a:srgbClr val="0611F2"/>
+                </a:solidFill>
+                <a:latin typeface="맑은 고딕" charset="0"/>
+                <a:ea typeface="맑은 고딕" charset="0"/>
+              </a:rPr>
+              <a:t>.</a:t>
+            </a:r>
+            <a:r>
+              <a:rPr sz="2000" b="1">
+                <a:solidFill>
+                  <a:srgbClr val="0611F2"/>
+                </a:solidFill>
+                <a:latin typeface="맑은 고딕" charset="0"/>
+                <a:ea typeface="맑은 고딕" charset="0"/>
+              </a:rPr>
+              <a:t> </a:t>
+            </a:r>
+            <a:r>
+              <a:rPr lang="ko-KR" sz="1800">
+                <a:latin typeface="맑은 고딕" charset="0"/>
+                <a:ea typeface="맑은 고딕" charset="0"/>
+              </a:rPr>
+              <a:t>그리고 Project 폴더에서 Physic </a:t>
+            </a:r>
+            <a:r>
+              <a:rPr lang="ko-KR" sz="1800">
+                <a:latin typeface="맑은 고딕" charset="0"/>
+                <a:ea typeface="맑은 고딕" charset="0"/>
+              </a:rPr>
+              <a:t>Material을</a:t>
+            </a:r>
+            <a:r>
+              <a:rPr lang="ko-KR" sz="1800">
+                <a:latin typeface="맑은 고딕" charset="0"/>
+                <a:ea typeface="맑은 고딕" charset="0"/>
+              </a:rPr>
+              <a:t> 생성합니다.</a:t>
+            </a:r>
+            <a:endParaRPr lang="ko-KR" altLang="en-US" sz="1800">
+              <a:latin typeface="맑은 고딕" charset="0"/>
+              <a:ea typeface="맑은 고딕" charset="0"/>
+            </a:endParaRPr>
+          </a:p>
+        </p:txBody>
+      </p:sp>
+      <p:pic>
+        <p:nvPicPr>
+          <p:cNvPr id="66" name="그림 16" descr="C:/Users/Admin1/AppData/Roaming/PolarisOffice/ETemp/34236_8196696/fImage415872006500.png"/>
+          <p:cNvPicPr>
+            <a:picLocks noChangeAspect="1"/>
+          </p:cNvPicPr>
+          <p:nvPr/>
+        </p:nvPicPr>
+        <p:blipFill rotWithShape="1">
+          <a:blip r:embed="rId6" cstate="hqprint">
+            <a:extLst>
+              <a:ext uri="{28A0092B-C50C-407E-A947-70E740481C1C}">
+                <a14:useLocalDpi xmlns:a14="http://schemas.microsoft.com/office/drawing/2010/main"/>
+              </a:ext>
+            </a:extLst>
+          </a:blip>
+          <a:stretch>
+            <a:fillRect/>
+          </a:stretch>
+        </p:blipFill>
+        <p:spPr>
+          <a:xfrm rot="0">
+            <a:off x="1318260" y="1455420"/>
+            <a:ext cx="4051935" cy="3872865"/>
+          </a:xfrm>
+          <a:prstGeom prst="rect"/>
+          <a:noFill/>
+        </p:spPr>
+      </p:pic>
+    </p:spTree>
+  </p:cSld>
+  <p:clrMapOvr>
+    <a:masterClrMapping/>
+  </p:clrMapOvr>
+  <mc:AlternateContent xmlns:mc="http://schemas.openxmlformats.org/markup-compatibility/2006">
+    <mc:Choice xmlns:p14="http://schemas.microsoft.com/office/powerpoint/2010/main" Requires="p14">
+      <p:transition spd="slow" p14:dur="1000"/>
+    </mc:Choice>
+    <mc:Fallback>
+      <p:transition spd="slow"/>
+    </mc:Fallback>
+  </mc:AlternateContent>
+  <p:timing>
+    <p:tnLst>
+      <p:par>
+        <p:cTn id="1" dur="indefinite" restart="never" nodeType="tmRoot"/>
+      </p:par>
+    </p:tnLst>
+  </p:timing>
+</p:sld>
+</file>
+
 <file path=ppt/slides/slide2.xml><?xml version="1.0" encoding="utf-8"?>
 <p:sld xmlns:a="http://schemas.openxmlformats.org/drawingml/2006/main" xmlns:r="http://schemas.openxmlformats.org/officeDocument/2006/relationships" xmlns:p="http://schemas.openxmlformats.org/presentationml/2006/main" xmlns:p14="http://schemas.microsoft.com/office/powerpoint/2010/main">
   <p:cSld>
@@ -7733,8 +8140,8 @@
         </p:nvSpPr>
         <p:spPr>
           <a:xfrm rot="0">
-            <a:off x="6821805" y="2658745"/>
-            <a:ext cx="4144010" cy="1231265"/>
+            <a:off x="6821805" y="2675890"/>
+            <a:ext cx="4144645" cy="1231900"/>
           </a:xfrm>
           <a:prstGeom prst="rect"/>
           <a:noFill/>
@@ -7761,7 +8168,17 @@
                 <a:latin typeface="맑은 고딕" charset="0"/>
                 <a:ea typeface="맑은 고딕" charset="0"/>
               </a:rPr>
-              <a:t>1</a:t>
+              <a:t>12</a:t>
+            </a:r>
+            <a:r>
+              <a:rPr sz="2000" b="1">
+                <a:solidFill>
+                  <a:srgbClr val="0611F2"/>
+                </a:solidFill>
+                <a:latin typeface="맑은 고딕" charset="0"/>
+                <a:ea typeface="맑은 고딕" charset="0"/>
+              </a:rPr>
+              <a:t>.</a:t>
             </a:r>
             <a:r>
               <a:rPr lang="ko-KR" sz="2000" b="1">
@@ -7771,26 +8188,6 @@
                 <a:latin typeface="맑은 고딕" charset="0"/>
                 <a:ea typeface="맑은 고딕" charset="0"/>
               </a:rPr>
-              <a:t>2</a:t>
-            </a:r>
-            <a:r>
-              <a:rPr sz="2000" b="1">
-                <a:solidFill>
-                  <a:srgbClr val="0611F2"/>
-                </a:solidFill>
-                <a:latin typeface="맑은 고딕" charset="0"/>
-                <a:ea typeface="맑은 고딕" charset="0"/>
-              </a:rPr>
-              <a:t>.</a:t>
-            </a:r>
-            <a:r>
-              <a:rPr lang="ko-KR" sz="2000" b="1">
-                <a:solidFill>
-                  <a:srgbClr val="0611F2"/>
-                </a:solidFill>
-                <a:latin typeface="맑은 고딕" charset="0"/>
-                <a:ea typeface="맑은 고딕" charset="0"/>
-              </a:rPr>
               <a:t> </a:t>
             </a:r>
             <a:r>
@@ -7798,14 +8195,7 @@
                 <a:latin typeface="맑은 고딕" charset="0"/>
                 <a:ea typeface="맑은 고딕" charset="0"/>
               </a:rPr>
-              <a:t>그다음 Project 폴더 아래에 </a:t>
-            </a:r>
-            <a:r>
-              <a:rPr lang="ko-KR" sz="1800">
-                <a:latin typeface="맑은 고딕" charset="0"/>
-                <a:ea typeface="맑은 고딕" charset="0"/>
-              </a:rPr>
-              <a:t>있는 </a:t>
+              <a:t>그다음 Project 폴더 아래에 있는 </a:t>
             </a:r>
             <a:r>
               <a:rPr lang="ko-KR" sz="1800">
@@ -7826,35 +8216,14 @@
                 <a:latin typeface="맑은 고딕" charset="0"/>
                 <a:ea typeface="맑은 고딕" charset="0"/>
               </a:rPr>
-              <a:t>텍스처</a:t>
-            </a:r>
-            <a:r>
-              <a:rPr lang="ko-KR" sz="1800">
-                <a:latin typeface="맑은 고딕" charset="0"/>
-                <a:ea typeface="맑은 고딕" charset="0"/>
-              </a:rPr>
-              <a:t>를</a:t>
-            </a:r>
-            <a:r>
-              <a:rPr lang="ko-KR" sz="1800">
-                <a:latin typeface="맑은 고딕" charset="0"/>
-                <a:ea typeface="맑은 고딕" charset="0"/>
-              </a:rPr>
-              <a:t> </a:t>
-            </a:r>
-            <a:r>
-              <a:rPr lang="ko-KR" sz="1800">
-                <a:latin typeface="맑은 고딕" charset="0"/>
-                <a:ea typeface="맑은 고딕" charset="0"/>
-              </a:rPr>
-              <a:t>Billiard Ball (One)</a:t>
-            </a:r>
-            <a:r>
-              <a:rPr lang="ko-KR" sz="1800">
-                <a:latin typeface="맑은 고딕" charset="0"/>
-                <a:ea typeface="맑은 고딕" charset="0"/>
-              </a:rPr>
-              <a:t> </a:t>
+              <a:t>텍스처를</a:t>
+            </a:r>
+            <a:r>
+              <a:rPr lang="ko-KR" sz="1800">
+                <a:latin typeface="맑은 고딕" charset="0"/>
+                <a:ea typeface="맑은 고딕" charset="0"/>
+              </a:rPr>
+              <a:t> Billiard Ball (One) </a:t>
             </a:r>
             <a:r>
               <a:rPr lang="ko-KR" sz="1800">
@@ -7868,14 +8237,7 @@
                 <a:latin typeface="맑은 고딕" charset="0"/>
                 <a:ea typeface="맑은 고딕" charset="0"/>
               </a:rPr>
-              <a:t> </a:t>
-            </a:r>
-            <a:r>
-              <a:rPr lang="ko-KR" sz="1800">
-                <a:latin typeface="맑은 고딕" charset="0"/>
-                <a:ea typeface="맑은 고딕" charset="0"/>
-              </a:rPr>
-              <a:t>넣어줍니다.</a:t>
+              <a:t> 넣어줍니다.</a:t>
             </a:r>
             <a:endParaRPr lang="ko-KR" altLang="en-US" sz="1800">
               <a:latin typeface="맑은 고딕" charset="0"/>
@@ -7886,7 +8248,7 @@
       </p:sp>
       <p:pic>
         <p:nvPicPr>
-          <p:cNvPr id="44" name="그림 38" descr="C:/Users/Admin1/AppData/Roaming/PolarisOffice/ETemp/29812_9101400/fImage72651891478.png"/>
+          <p:cNvPr id="44" name="그림 38"/>
           <p:cNvPicPr>
             <a:picLocks noChangeAspect="1"/>
           </p:cNvPicPr>
@@ -7917,7 +8279,7 @@
       </p:pic>
       <p:pic>
         <p:nvPicPr>
-          <p:cNvPr id="45" name="그림 41" descr="C:/Users/Admin1/AppData/Roaming/PolarisOffice/ETemp/29812_9101400/fImage78671909358.png"/>
+          <p:cNvPr id="45" name="그림 41"/>
           <p:cNvPicPr>
             <a:picLocks noChangeAspect="1"/>
           </p:cNvPicPr>
@@ -8054,7 +8416,7 @@
       </p:sp>
       <p:pic>
         <p:nvPicPr>
-          <p:cNvPr id="47" name="그림 46" descr="C:/Users/Admin1/AppData/Roaming/PolarisOffice/ETemp/29812_9101400/fImage2242171946962.png"/>
+          <p:cNvPr id="47" name="그림 46"/>
           <p:cNvPicPr>
             <a:picLocks noChangeAspect="1"/>
           </p:cNvPicPr>
@@ -8216,7 +8578,7 @@
       </p:sp>
       <p:pic>
         <p:nvPicPr>
-          <p:cNvPr id="49" name="그림 2" descr="C:/Users/Admin1/AppData/Roaming/PolarisOffice/ETemp/29812_9101400/fImage12464964464.png"/>
+          <p:cNvPr id="49" name="그림 2"/>
           <p:cNvPicPr>
             <a:picLocks noChangeAspect="1"/>
           </p:cNvPicPr>
@@ -8247,17 +8609,17 @@
       </p:pic>
       <p:pic>
         <p:nvPicPr>
-          <p:cNvPr id="50" name="그림 3" descr="C:/Users/Admin1/AppData/Roaming/PolarisOffice/ETemp/29812_9101400/fImage149628741.png"/>
+          <p:cNvPr id="50" name="그림 3" descr="C:/Users/Admin1/AppData/Roaming/PolarisOffice/ETemp/34236_8196696/fImage149628741.png"/>
           <p:cNvPicPr>
             <a:picLocks noChangeAspect="1"/>
           </p:cNvPicPr>
           <p:nvPr/>
         </p:nvPicPr>
         <p:blipFill rotWithShape="1">
-          <a:blip r:embed="rId8" cstate="print">
+          <a:blip r:embed="rId8" cstate="hqprint">
             <a:extLst>
               <a:ext uri="{28A0092B-C50C-407E-A947-70E740481C1C}">
-                <a14:useLocalDpi xmlns:a14="http://schemas.microsoft.com/office/drawing/2010/main" val="0"/>
+                <a14:useLocalDpi xmlns:a14="http://schemas.microsoft.com/office/drawing/2010/main"/>
               </a:ext>
             </a:extLst>
           </a:blip>
@@ -8268,7 +8630,7 @@
         <p:spPr>
           <a:xfrm rot="0">
             <a:off x="8251825" y="1455420"/>
-            <a:ext cx="2714625" cy="1129030"/>
+            <a:ext cx="2715260" cy="1163955"/>
           </a:xfrm>
           <a:prstGeom prst="roundRect"/>
           <a:solidFill>
@@ -8278,17 +8640,17 @@
       </p:pic>
       <p:pic>
         <p:nvPicPr>
-          <p:cNvPr id="51" name="그림 6" descr="C:/Users/Admin1/AppData/Roaming/PolarisOffice/ETemp/29812_9101400/fImage7338888467.png"/>
+          <p:cNvPr id="51" name="그림 6" descr="C:/Users/Admin1/AppData/Roaming/PolarisOffice/ETemp/34236_8196696/fImage7338888467.png"/>
           <p:cNvPicPr>
             <a:picLocks noChangeAspect="1"/>
           </p:cNvPicPr>
           <p:nvPr/>
         </p:nvPicPr>
         <p:blipFill rotWithShape="1">
-          <a:blip r:embed="rId9" cstate="print">
+          <a:blip r:embed="rId9" cstate="hqprint">
             <a:extLst>
               <a:ext uri="{28A0092B-C50C-407E-A947-70E740481C1C}">
-                <a14:useLocalDpi xmlns:a14="http://schemas.microsoft.com/office/drawing/2010/main" val="0"/>
+                <a14:useLocalDpi xmlns:a14="http://schemas.microsoft.com/office/drawing/2010/main"/>
               </a:ext>
             </a:extLst>
           </a:blip>
@@ -8299,7 +8661,7 @@
         <p:spPr>
           <a:xfrm rot="0">
             <a:off x="6822440" y="1451610"/>
-            <a:ext cx="1327150" cy="1123950"/>
+            <a:ext cx="1327785" cy="1158240"/>
           </a:xfrm>
           <a:prstGeom prst="roundRect"/>
           <a:solidFill>
@@ -8342,7 +8704,7 @@
       </p:cxnSp>
       <p:pic>
         <p:nvPicPr>
-          <p:cNvPr id="53" name="그림 10" descr="C:/Users/Admin1/AppData/Roaming/PolarisOffice/ETemp/29812_9101400/fImage15299906334.png"/>
+          <p:cNvPr id="53" name="그림 10"/>
           <p:cNvPicPr>
             <a:picLocks noChangeAspect="1"/>
           </p:cNvPicPr>
@@ -8500,7 +8862,7 @@
 </file>
 
 <file path=ppt/slides/slide5.xml><?xml version="1.0" encoding="utf-8"?>
-<p:sld xmlns:a="http://schemas.openxmlformats.org/drawingml/2006/main" xmlns:r="http://schemas.openxmlformats.org/officeDocument/2006/relationships" xmlns:p="http://schemas.openxmlformats.org/presentationml/2006/main">
+<p:sld xmlns:a="http://schemas.openxmlformats.org/drawingml/2006/main" xmlns:r="http://schemas.openxmlformats.org/officeDocument/2006/relationships" xmlns:p="http://schemas.openxmlformats.org/presentationml/2006/main" xmlns:p14="http://schemas.microsoft.com/office/powerpoint/2010/main">
   <p:cSld>
     <p:spTree>
       <p:nvGrpSpPr>
@@ -8981,7 +9343,7 @@
       </p:sp>
       <p:pic>
         <p:nvPicPr>
-          <p:cNvPr id="55" name="그림 1" descr="C:/Users/Admin1/AppData/Roaming/PolarisOffice/ETemp/29716_8262256/fImage725117241.png"/>
+          <p:cNvPr id="55" name="그림 1"/>
           <p:cNvPicPr>
             <a:picLocks noChangeAspect="1"/>
           </p:cNvPicPr>
@@ -9012,7 +9374,7 @@
       </p:pic>
       <p:pic>
         <p:nvPicPr>
-          <p:cNvPr id="56" name="그림 4" descr="C:/Users/Admin1/AppData/Roaming/PolarisOffice/ETemp/29716_8262256/fImage75571738467.png"/>
+          <p:cNvPr id="56" name="그림 4"/>
           <p:cNvPicPr>
             <a:picLocks noChangeAspect="1"/>
           </p:cNvPicPr>
@@ -9043,7 +9405,7 @@
       </p:pic>
       <p:pic>
         <p:nvPicPr>
-          <p:cNvPr id="57" name="그림 11" descr="C:/Users/Admin1/AppData/Roaming/PolarisOffice/ETemp/29716_8262256/fImage2242171946962.png"/>
+          <p:cNvPr id="57" name="그림 11"/>
           <p:cNvPicPr>
             <a:picLocks noChangeAspect="1"/>
           </p:cNvPicPr>
@@ -9209,7 +9571,7 @@
       </p:sp>
       <p:pic>
         <p:nvPicPr>
-          <p:cNvPr id="59" name="그림 13" descr="C:/Users/Admin1/AppData/Roaming/PolarisOffice/ETemp/29716_8262256/fImage78881816334.png"/>
+          <p:cNvPr id="59" name="그림 13"/>
           <p:cNvPicPr>
             <a:picLocks noChangeAspect="1"/>
           </p:cNvPicPr>
@@ -9240,7 +9602,7 @@
       </p:pic>
       <p:pic>
         <p:nvPicPr>
-          <p:cNvPr id="60" name="그림 16" descr="C:/Users/Admin1/AppData/Roaming/PolarisOffice/ETemp/29716_8262256/fImage84131826500.png"/>
+          <p:cNvPr id="60" name="그림 16"/>
           <p:cNvPicPr>
             <a:picLocks noChangeAspect="1"/>
           </p:cNvPicPr>
@@ -9271,7 +9633,7 @@
       </p:pic>
       <p:pic>
         <p:nvPicPr>
-          <p:cNvPr id="61" name="그림 20" descr="C:/Users/Admin1/AppData/Roaming/PolarisOffice/ETemp/29716_8262256/fImage2242171946962.png"/>
+          <p:cNvPr id="61" name="그림 20"/>
           <p:cNvPicPr>
             <a:picLocks noChangeAspect="1"/>
           </p:cNvPicPr>
@@ -9300,17 +9662,17 @@
       </p:pic>
       <p:pic>
         <p:nvPicPr>
-          <p:cNvPr id="62" name="그림 21" descr="C:/Users/Admin1/AppData/Roaming/PolarisOffice/ETemp/29716_8262256/fImage149321859169.png"/>
+          <p:cNvPr id="62" name="그림 21" descr="C:/Users/Admin1/AppData/Roaming/PolarisOffice/ETemp/34236_8196696/fImage149321859169.png"/>
           <p:cNvPicPr>
             <a:picLocks noChangeAspect="1"/>
           </p:cNvPicPr>
           <p:nvPr/>
         </p:nvPicPr>
         <p:blipFill rotWithShape="1">
-          <a:blip r:embed="rId7" cstate="print">
+          <a:blip r:embed="rId7" cstate="hqprint">
             <a:extLst>
               <a:ext uri="{28A0092B-C50C-407E-A947-70E740481C1C}">
-                <a14:useLocalDpi xmlns:a14="http://schemas.microsoft.com/office/drawing/2010/main" val="0"/>
+                <a14:useLocalDpi xmlns:a14="http://schemas.microsoft.com/office/drawing/2010/main"/>
               </a:ext>
             </a:extLst>
           </a:blip>
@@ -9321,7 +9683,7 @@
         <p:spPr>
           <a:xfrm rot="0">
             <a:off x="8191500" y="1447165"/>
-            <a:ext cx="2773045" cy="1111885"/>
+            <a:ext cx="2773680" cy="1137285"/>
           </a:xfrm>
           <a:prstGeom prst="roundRect"/>
           <a:solidFill>
@@ -9331,17 +9693,17 @@
       </p:pic>
       <p:pic>
         <p:nvPicPr>
-          <p:cNvPr id="63" name="그림 24" descr="C:/Users/Admin1/AppData/Roaming/PolarisOffice/ETemp/29716_8262256/fImage83981865724.png"/>
+          <p:cNvPr id="63" name="그림 24" descr="C:/Users/Admin1/AppData/Roaming/PolarisOffice/ETemp/34236_8196696/fImage83981865724.png"/>
           <p:cNvPicPr>
             <a:picLocks noChangeAspect="1"/>
           </p:cNvPicPr>
           <p:nvPr/>
         </p:nvPicPr>
         <p:blipFill rotWithShape="1">
-          <a:blip r:embed="rId8" cstate="print">
+          <a:blip r:embed="rId8" cstate="hqprint">
             <a:extLst>
               <a:ext uri="{28A0092B-C50C-407E-A947-70E740481C1C}">
-                <a14:useLocalDpi xmlns:a14="http://schemas.microsoft.com/office/drawing/2010/main" val="0"/>
+                <a14:useLocalDpi xmlns:a14="http://schemas.microsoft.com/office/drawing/2010/main"/>
               </a:ext>
             </a:extLst>
           </a:blip>
@@ -9352,7 +9714,7 @@
         <p:spPr>
           <a:xfrm rot="0">
             <a:off x="6819900" y="1436370"/>
-            <a:ext cx="1243330" cy="1130935"/>
+            <a:ext cx="1243965" cy="1156335"/>
           </a:xfrm>
           <a:prstGeom prst="roundRect"/>
           <a:solidFill>
@@ -9395,7 +9757,7 @@
       </p:cxnSp>
       <p:pic>
         <p:nvPicPr>
-          <p:cNvPr id="65" name="그림 28" descr="C:/Users/Admin1/AppData/Roaming/PolarisOffice/ETemp/29716_8262256/fImage48931881478.png"/>
+          <p:cNvPr id="65" name="그림 28"/>
           <p:cNvPicPr>
             <a:picLocks noChangeAspect="1"/>
           </p:cNvPicPr>
@@ -9448,7 +9810,7 @@
 </file>
 
 <file path=ppt/slides/slide6.xml><?xml version="1.0" encoding="utf-8"?>
-<p:sld xmlns:a="http://schemas.openxmlformats.org/drawingml/2006/main" xmlns:r="http://schemas.openxmlformats.org/officeDocument/2006/relationships" xmlns:p="http://schemas.openxmlformats.org/presentationml/2006/main" xmlns:p14="http://schemas.microsoft.com/office/powerpoint/2010/main">
+<p:sld xmlns:a="http://schemas.openxmlformats.org/drawingml/2006/main" xmlns:r="http://schemas.openxmlformats.org/officeDocument/2006/relationships" xmlns:p="http://schemas.openxmlformats.org/presentationml/2006/main">
   <p:cSld>
     <p:spTree>
       <p:nvGrpSpPr>
@@ -9474,8 +9836,8 @@
         </p:nvSpPr>
         <p:spPr>
           <a:xfrm rot="0">
-            <a:off x="4333240" y="393700"/>
-            <a:ext cx="3529965" cy="554990"/>
+            <a:off x="4236085" y="419735"/>
+            <a:ext cx="3716655" cy="478155"/>
           </a:xfrm>
           <a:prstGeom prst="rect"/>
           <a:noFill/>
@@ -9490,44 +9852,364 @@
           </a:bodyPr>
           <a:lstStyle/>
           <a:p>
-            <a:pPr marL="0" indent="0" rtl="0" algn="l" defTabSz="914400" eaLnBrk="1" latinLnBrk="0" hangingPunct="1">
-              <a:buFontTx/>
-              <a:buNone/>
-            </a:pPr>
-            <a:r>
-              <a:rPr lang="ko-KR" sz="3000" b="1">
+            <a:pPr marL="0" indent="0" rtl="0" algn="ctr" defTabSz="914400" eaLnBrk="1" latinLnBrk="0" hangingPunct="1">
+              <a:buFontTx/>
+              <a:buNone/>
+            </a:pPr>
+            <a:r>
+              <a:rPr lang="ko-KR" sz="2500" b="1">
                 <a:solidFill>
                   <a:schemeClr val="tx1"/>
                 </a:solidFill>
-                <a:latin typeface="맑은 고딕" charset="0"/>
-                <a:ea typeface="맑은 고딕" charset="0"/>
-              </a:rPr>
-              <a:t>열</a:t>
-            </a:r>
-            <a:r>
-              <a:rPr lang="ko-KR" sz="3000" b="1">
+                <a:latin typeface="나눔바른고딕" charset="0"/>
+                <a:ea typeface="나눔바른고딕" charset="0"/>
+              </a:rPr>
+              <a:t>여섯</a:t>
+            </a:r>
+            <a:r>
+              <a:rPr lang="ko-KR" sz="2500" b="1">
                 <a:solidFill>
                   <a:schemeClr val="tx1"/>
                 </a:solidFill>
-                <a:latin typeface="맑은 고딕" charset="0"/>
-                <a:ea typeface="맑은 고딕" charset="0"/>
-              </a:rPr>
-              <a:t>두</a:t>
-            </a:r>
-            <a:r>
-              <a:rPr lang="ko-KR" sz="3000" b="1">
-                <a:solidFill>
-                  <a:schemeClr val="tx1"/>
-                </a:solidFill>
-                <a:latin typeface="맑은 고딕" charset="0"/>
-                <a:ea typeface="맑은 고딕" charset="0"/>
+                <a:latin typeface="나눔바른고딕" charset="0"/>
+                <a:ea typeface="나눔바른고딕" charset="0"/>
               </a:rPr>
               <a:t> 번째 튜토리얼</a:t>
             </a:r>
-            <a:endParaRPr lang="ko-KR" altLang="en-US" sz="3000" b="1">
+            <a:endParaRPr lang="ko-KR" altLang="en-US" sz="2500" b="1">
               <a:solidFill>
                 <a:schemeClr val="tx1"/>
               </a:solidFill>
+              <a:latin typeface="나눔바른고딕" charset="0"/>
+              <a:ea typeface="나눔바른고딕" charset="0"/>
+            </a:endParaRPr>
+          </a:p>
+        </p:txBody>
+      </p:sp>
+      <p:sp>
+        <p:nvSpPr>
+          <p:cNvPr id="29" name="Rect 0"/>
+          <p:cNvSpPr txBox="1">
+            <a:spLocks/>
+          </p:cNvSpPr>
+          <p:nvPr/>
+        </p:nvSpPr>
+        <p:spPr>
+          <a:xfrm rot="0">
+            <a:off x="6830695" y="3605530"/>
+            <a:ext cx="4135120" cy="677545"/>
+          </a:xfrm>
+          <a:prstGeom prst="rect"/>
+          <a:noFill/>
+          <a:ln w="0">
+            <a:noFill/>
+            <a:prstDash/>
+          </a:ln>
+        </p:spPr>
+        <p:txBody>
+          <a:bodyPr wrap="square" lIns="89535" tIns="46355" rIns="89535" bIns="46355" numCol="1" vert="horz" anchor="t">
+            <a:spAutoFit/>
+          </a:bodyPr>
+          <a:lstStyle/>
+          <a:p>
+            <a:pPr marL="0" indent="0" rtl="0" algn="l" defTabSz="914400" eaLnBrk="1" latinLnBrk="0" hangingPunct="1">
+              <a:buFontTx/>
+              <a:buNone/>
+            </a:pPr>
+            <a:r>
+              <a:rPr lang="ko-KR" sz="2000" b="1">
+                <a:solidFill>
+                  <a:srgbClr val="0611F2"/>
+                </a:solidFill>
+                <a:latin typeface="맑은 고딕" charset="0"/>
+                <a:ea typeface="맑은 고딕" charset="0"/>
+              </a:rPr>
+              <a:t>19</a:t>
+            </a:r>
+            <a:r>
+              <a:rPr sz="2000" b="1">
+                <a:solidFill>
+                  <a:srgbClr val="0611F2"/>
+                </a:solidFill>
+                <a:latin typeface="맑은 고딕" charset="0"/>
+                <a:ea typeface="맑은 고딕" charset="0"/>
+              </a:rPr>
+              <a:t>.</a:t>
+            </a:r>
+            <a:r>
+              <a:rPr lang="ko-KR" sz="2000" b="1">
+                <a:solidFill>
+                  <a:srgbClr val="0611F2"/>
+                </a:solidFill>
+                <a:latin typeface="맑은 고딕" charset="0"/>
+                <a:ea typeface="맑은 고딕" charset="0"/>
+              </a:rPr>
+              <a:t> </a:t>
+            </a:r>
+            <a:r>
+              <a:rPr lang="ko-KR" sz="1800">
+                <a:latin typeface="맑은 고딕" charset="0"/>
+                <a:ea typeface="맑은 고딕" charset="0"/>
+              </a:rPr>
+              <a:t>이제 Tags &amp; Layes에서 태그를 </a:t>
+            </a:r>
+            <a:r>
+              <a:rPr lang="ko-KR" sz="1800">
+                <a:latin typeface="맑은 고딕" charset="0"/>
+                <a:ea typeface="맑은 고딕" charset="0"/>
+              </a:rPr>
+              <a:t>추가하기</a:t>
+            </a:r>
+            <a:r>
+              <a:rPr lang="ko-KR" sz="1800">
+                <a:latin typeface="맑은 고딕" charset="0"/>
+                <a:ea typeface="맑은 고딕" charset="0"/>
+              </a:rPr>
+              <a:t> </a:t>
+            </a:r>
+            <a:r>
+              <a:rPr lang="ko-KR" sz="1800">
+                <a:latin typeface="맑은 고딕" charset="0"/>
+                <a:ea typeface="맑은 고딕" charset="0"/>
+              </a:rPr>
+              <a:t>위해 등록을 선택합니다.</a:t>
+            </a:r>
+            <a:endParaRPr lang="ko-KR" altLang="en-US" sz="1800">
+              <a:latin typeface="맑은 고딕" charset="0"/>
+              <a:ea typeface="맑은 고딕" charset="0"/>
+            </a:endParaRPr>
+          </a:p>
+        </p:txBody>
+      </p:sp>
+      <p:sp>
+        <p:nvSpPr>
+          <p:cNvPr id="48" name="Rect 0"/>
+          <p:cNvSpPr txBox="1">
+            <a:spLocks/>
+          </p:cNvSpPr>
+          <p:nvPr/>
+        </p:nvSpPr>
+        <p:spPr>
+          <a:xfrm rot="0">
+            <a:off x="1234440" y="5187315"/>
+            <a:ext cx="4131310" cy="954405"/>
+          </a:xfrm>
+          <a:prstGeom prst="rect"/>
+          <a:noFill/>
+          <a:ln w="0">
+            <a:noFill/>
+            <a:prstDash/>
+          </a:ln>
+        </p:spPr>
+        <p:txBody>
+          <a:bodyPr wrap="square" lIns="89535" tIns="46355" rIns="89535" bIns="46355" numCol="1" vert="horz" anchor="t">
+            <a:spAutoFit/>
+          </a:bodyPr>
+          <a:lstStyle/>
+          <a:p>
+            <a:pPr marL="0" indent="0" rtl="0" algn="l" defTabSz="914400" eaLnBrk="1" latinLnBrk="0" hangingPunct="1">
+              <a:buFontTx/>
+              <a:buNone/>
+            </a:pPr>
+            <a:r>
+              <a:rPr lang="ko-KR" sz="2000" b="1">
+                <a:solidFill>
+                  <a:srgbClr val="0611F2"/>
+                </a:solidFill>
+                <a:latin typeface="맑은 고딕" charset="0"/>
+                <a:ea typeface="맑은 고딕" charset="0"/>
+              </a:rPr>
+              <a:t>18</a:t>
+            </a:r>
+            <a:r>
+              <a:rPr sz="2000" b="1">
+                <a:solidFill>
+                  <a:srgbClr val="0611F2"/>
+                </a:solidFill>
+                <a:latin typeface="맑은 고딕" charset="0"/>
+                <a:ea typeface="맑은 고딕" charset="0"/>
+              </a:rPr>
+              <a:t>.</a:t>
+            </a:r>
+            <a:r>
+              <a:rPr lang="ko-KR" sz="2000" b="1">
+                <a:solidFill>
+                  <a:srgbClr val="0611F2"/>
+                </a:solidFill>
+                <a:latin typeface="맑은 고딕" charset="0"/>
+                <a:ea typeface="맑은 고딕" charset="0"/>
+              </a:rPr>
+              <a:t> </a:t>
+            </a:r>
+            <a:r>
+              <a:rPr lang="ko-KR" sz="1800">
+                <a:latin typeface="맑은 고딕" charset="0"/>
+                <a:ea typeface="맑은 고딕" charset="0"/>
+              </a:rPr>
+              <a:t>그러고 나서 Billiard Ball (One) </a:t>
+            </a:r>
+            <a:r>
+              <a:rPr lang="ko-KR" sz="1800">
+                <a:latin typeface="맑은 고딕" charset="0"/>
+                <a:ea typeface="맑은 고딕" charset="0"/>
+              </a:rPr>
+              <a:t>오브젝트를</a:t>
+            </a:r>
+            <a:r>
+              <a:rPr lang="ko-KR" sz="1800">
+                <a:latin typeface="맑은 고딕" charset="0"/>
+                <a:ea typeface="맑은 고딕" charset="0"/>
+              </a:rPr>
+              <a:t> </a:t>
+            </a:r>
+            <a:r>
+              <a:rPr lang="ko-KR" sz="1800">
+                <a:latin typeface="맑은 고딕" charset="0"/>
+                <a:ea typeface="맑은 고딕" charset="0"/>
+              </a:rPr>
+              <a:t>선택하고 Add Tag...를 </a:t>
+            </a:r>
+            <a:r>
+              <a:rPr lang="ko-KR" sz="1800">
+                <a:latin typeface="맑은 고딕" charset="0"/>
+                <a:ea typeface="맑은 고딕" charset="0"/>
+              </a:rPr>
+              <a:t>선택합니</a:t>
+            </a:r>
+            <a:r>
+              <a:rPr lang="ko-KR" sz="1800">
+                <a:latin typeface="맑은 고딕" charset="0"/>
+                <a:ea typeface="맑은 고딕" charset="0"/>
+              </a:rPr>
+              <a:t>다.</a:t>
+            </a:r>
+            <a:endParaRPr lang="ko-KR" altLang="en-US" sz="1800">
+              <a:latin typeface="맑은 고딕" charset="0"/>
+              <a:ea typeface="맑은 고딕" charset="0"/>
+            </a:endParaRPr>
+          </a:p>
+        </p:txBody>
+      </p:sp>
+      <p:sp>
+        <p:nvSpPr>
+          <p:cNvPr id="54" name="Rect 0"/>
+          <p:cNvSpPr txBox="1">
+            <a:spLocks/>
+          </p:cNvSpPr>
+          <p:nvPr/>
+        </p:nvSpPr>
+        <p:spPr>
+          <a:xfrm rot="0">
+            <a:off x="6827520" y="5474335"/>
+            <a:ext cx="4138295" cy="677545"/>
+          </a:xfrm>
+          <a:prstGeom prst="rect"/>
+          <a:noFill/>
+          <a:ln w="0">
+            <a:noFill/>
+            <a:prstDash/>
+          </a:ln>
+        </p:spPr>
+        <p:txBody>
+          <a:bodyPr wrap="square" lIns="89535" tIns="46355" rIns="89535" bIns="46355" numCol="1" vert="horz" anchor="t">
+            <a:spAutoFit/>
+          </a:bodyPr>
+          <a:lstStyle/>
+          <a:p>
+            <a:pPr marL="0" indent="0" rtl="0" algn="l" defTabSz="914400" eaLnBrk="1" latinLnBrk="0" hangingPunct="1">
+              <a:buFontTx/>
+              <a:buNone/>
+            </a:pPr>
+            <a:r>
+              <a:rPr lang="ko-KR" sz="2000" b="1">
+                <a:solidFill>
+                  <a:srgbClr val="0611F2"/>
+                </a:solidFill>
+                <a:latin typeface="맑은 고딕" charset="0"/>
+                <a:ea typeface="맑은 고딕" charset="0"/>
+              </a:rPr>
+              <a:t>2</a:t>
+            </a:r>
+            <a:r>
+              <a:rPr lang="ko-KR" sz="2000" b="1">
+                <a:solidFill>
+                  <a:srgbClr val="0611F2"/>
+                </a:solidFill>
+                <a:latin typeface="맑은 고딕" charset="0"/>
+                <a:ea typeface="맑은 고딕" charset="0"/>
+              </a:rPr>
+              <a:t>0</a:t>
+            </a:r>
+            <a:r>
+              <a:rPr sz="2000" b="1">
+                <a:solidFill>
+                  <a:srgbClr val="0611F2"/>
+                </a:solidFill>
+                <a:latin typeface="맑은 고딕" charset="0"/>
+                <a:ea typeface="맑은 고딕" charset="0"/>
+              </a:rPr>
+              <a:t>.</a:t>
+            </a:r>
+            <a:r>
+              <a:rPr lang="ko-KR" sz="2000" b="1">
+                <a:solidFill>
+                  <a:srgbClr val="0611F2"/>
+                </a:solidFill>
+                <a:latin typeface="맑은 고딕" charset="0"/>
+                <a:ea typeface="맑은 고딕" charset="0"/>
+              </a:rPr>
+              <a:t> </a:t>
+            </a:r>
+            <a:r>
+              <a:rPr lang="ko-KR" sz="1800">
+                <a:latin typeface="맑은 고딕" charset="0"/>
+                <a:ea typeface="맑은 고딕" charset="0"/>
+              </a:rPr>
+              <a:t>그리고 Pillar라는 이름으로 </a:t>
+            </a:r>
+            <a:r>
+              <a:rPr lang="ko-KR" sz="1800">
+                <a:latin typeface="맑은 고딕" charset="0"/>
+                <a:ea typeface="맑은 고딕" charset="0"/>
+              </a:rPr>
+              <a:t>설정한</a:t>
+            </a:r>
+            <a:r>
+              <a:rPr lang="ko-KR" sz="1800">
+                <a:latin typeface="맑은 고딕" charset="0"/>
+                <a:ea typeface="맑은 고딕" charset="0"/>
+              </a:rPr>
+              <a:t> </a:t>
+            </a:r>
+            <a:r>
+              <a:rPr lang="ko-KR" sz="1800">
+                <a:latin typeface="맑은 고딕" charset="0"/>
+                <a:ea typeface="맑은 고딕" charset="0"/>
+              </a:rPr>
+              <a:t>다음</a:t>
+            </a:r>
+            <a:r>
+              <a:rPr lang="ko-KR" sz="1800">
+                <a:latin typeface="맑은 고딕" charset="0"/>
+                <a:ea typeface="맑은 고딕" charset="0"/>
+              </a:rPr>
+              <a:t> </a:t>
+            </a:r>
+            <a:r>
+              <a:rPr lang="ko-KR" sz="1800">
+                <a:latin typeface="맑은 고딕" charset="0"/>
+                <a:ea typeface="맑은 고딕" charset="0"/>
+              </a:rPr>
+              <a:t>저장합니다.</a:t>
+            </a:r>
+            <a:r>
+              <a:rPr lang="ko-KR" sz="1800">
+                <a:latin typeface="맑은 고딕" charset="0"/>
+                <a:ea typeface="맑은 고딕" charset="0"/>
+              </a:rPr>
+              <a:t> </a:t>
+            </a:r>
+            <a:endParaRPr lang="ko-KR" altLang="en-US" sz="1800">
               <a:latin typeface="맑은 고딕" charset="0"/>
               <a:ea typeface="맑은 고딕" charset="0"/>
             </a:endParaRPr>
@@ -9536,7 +10218,69 @@
       </p:sp>
       <p:pic>
         <p:nvPicPr>
-          <p:cNvPr id="61" name="그림 24"/>
+          <p:cNvPr id="66" name="그림 1" descr="C:/Users/Admin1/AppData/Roaming/PolarisOffice/ETemp/34236_8196696/fImage418318441.png"/>
+          <p:cNvPicPr>
+            <a:picLocks noChangeAspect="1"/>
+          </p:cNvPicPr>
+          <p:nvPr/>
+        </p:nvPicPr>
+        <p:blipFill rotWithShape="1">
+          <a:blip r:embed="rId2" cstate="print">
+            <a:extLst>
+              <a:ext uri="{28A0092B-C50C-407E-A947-70E740481C1C}">
+                <a14:useLocalDpi xmlns:a14="http://schemas.microsoft.com/office/drawing/2010/main" val="0"/>
+              </a:ext>
+            </a:extLst>
+          </a:blip>
+          <a:stretch>
+            <a:fillRect/>
+          </a:stretch>
+        </p:blipFill>
+        <p:spPr>
+          <a:xfrm rot="0">
+            <a:off x="1240790" y="1447165"/>
+            <a:ext cx="2550160" cy="3566795"/>
+          </a:xfrm>
+          <a:prstGeom prst="roundRect"/>
+          <a:solidFill>
+            <a:srgbClr val="EDEDED"/>
+          </a:solidFill>
+        </p:spPr>
+      </p:pic>
+      <p:pic>
+        <p:nvPicPr>
+          <p:cNvPr id="67" name="그림 4" descr="C:/Users/Admin1/AppData/Roaming/PolarisOffice/ETemp/34236_8196696/fImage73861858467.png"/>
+          <p:cNvPicPr>
+            <a:picLocks noChangeAspect="1"/>
+          </p:cNvPicPr>
+          <p:nvPr/>
+        </p:nvPicPr>
+        <p:blipFill rotWithShape="1">
+          <a:blip r:embed="rId3" cstate="print">
+            <a:extLst>
+              <a:ext uri="{28A0092B-C50C-407E-A947-70E740481C1C}">
+                <a14:useLocalDpi xmlns:a14="http://schemas.microsoft.com/office/drawing/2010/main" val="0"/>
+              </a:ext>
+            </a:extLst>
+          </a:blip>
+          <a:stretch>
+            <a:fillRect/>
+          </a:stretch>
+        </p:blipFill>
+        <p:spPr>
+          <a:xfrm rot="0">
+            <a:off x="3919220" y="2110105"/>
+            <a:ext cx="1447800" cy="2232025"/>
+          </a:xfrm>
+          <a:prstGeom prst="roundRect"/>
+          <a:solidFill>
+            <a:srgbClr val="EDEDED"/>
+          </a:solidFill>
+        </p:spPr>
+      </p:pic>
+      <p:pic>
+        <p:nvPicPr>
+          <p:cNvPr id="69" name="그림 10" descr="C:/Users/Admin1/AppData/Roaming/PolarisOffice/ETemp/34236_8196696/fImage28991876334.png"/>
           <p:cNvPicPr>
             <a:picLocks noChangeAspect="1"/>
           </p:cNvPicPr>
@@ -9556,8 +10300,8 @@
         </p:blipFill>
         <p:spPr>
           <a:xfrm rot="0">
-            <a:off x="7040245" y="1402715"/>
-            <a:ext cx="3983355" cy="1395095"/>
+            <a:off x="6836410" y="4410075"/>
+            <a:ext cx="4130040" cy="982345"/>
           </a:xfrm>
           <a:prstGeom prst="roundRect"/>
           <a:solidFill>
@@ -9567,7 +10311,7 @@
       </p:pic>
       <p:pic>
         <p:nvPicPr>
-          <p:cNvPr id="62" name="그림 27"/>
+          <p:cNvPr id="70" name="그림 13" descr="C:/Users/Admin1/AppData/Roaming/PolarisOffice/ETemp/34236_8196696/fImage87761886500.png"/>
           <p:cNvPicPr>
             <a:picLocks noChangeAspect="1"/>
           </p:cNvPicPr>
@@ -9587,8 +10331,8 @@
         </p:blipFill>
         <p:spPr>
           <a:xfrm rot="0">
-            <a:off x="7039610" y="2927350"/>
-            <a:ext cx="3992880" cy="1056005"/>
+            <a:off x="6830695" y="1447165"/>
+            <a:ext cx="4126865" cy="2059305"/>
           </a:xfrm>
           <a:prstGeom prst="roundRect"/>
           <a:solidFill>
@@ -9596,18 +10340,58 @@
           </a:solidFill>
         </p:spPr>
       </p:pic>
+    </p:spTree>
+  </p:cSld>
+  <p:clrMapOvr>
+    <a:masterClrMapping/>
+  </p:clrMapOvr>
+  <mc:AlternateContent xmlns:mc="http://schemas.openxmlformats.org/markup-compatibility/2006">
+    <mc:Choice xmlns:p14="http://schemas.microsoft.com/office/powerpoint/2010/main" Requires="p14">
+      <p:transition spd="slow" p14:dur="1000"/>
+    </mc:Choice>
+    <mc:Fallback>
+      <p:transition spd="slow"/>
+    </mc:Fallback>
+  </mc:AlternateContent>
+  <p:timing>
+    <p:tnLst>
+      <p:par>
+        <p:cTn id="1" dur="indefinite" restart="never" nodeType="tmRoot"/>
+      </p:par>
+    </p:tnLst>
+  </p:timing>
+</p:sld>
+</file>
+
+<file path=ppt/slides/slide7.xml><?xml version="1.0" encoding="utf-8"?>
+<p:sld xmlns:a="http://schemas.openxmlformats.org/drawingml/2006/main" xmlns:r="http://schemas.openxmlformats.org/officeDocument/2006/relationships" xmlns:p="http://schemas.openxmlformats.org/presentationml/2006/main">
+  <p:cSld>
+    <p:spTree>
+      <p:nvGrpSpPr>
+        <p:cNvPr id="1" name=""/>
+        <p:cNvGrpSpPr/>
+        <p:nvPr/>
+      </p:nvGrpSpPr>
+      <p:grpSpPr>
+        <a:xfrm>
+          <a:off x="0" y="0"/>
+          <a:ext cx="0" cy="0"/>
+          <a:chOff x="0" y="0"/>
+          <a:chExt cx="0" cy="0"/>
+        </a:xfrm>
+      </p:grpSpPr>
       <p:sp>
         <p:nvSpPr>
-          <p:cNvPr id="63" name="텍스트 상자 30"/>
+          <p:cNvPr id="2" name="Rect 0"/>
           <p:cNvSpPr txBox="1">
             <a:spLocks/>
           </p:cNvSpPr>
           <p:nvPr/>
         </p:nvSpPr>
         <p:spPr>
-          <a:xfrm>
-            <a:off x="7052945" y="4088765"/>
-            <a:ext cx="3971925" cy="2061845"/>
+          <a:xfrm rot="0">
+            <a:off x="4236085" y="419735"/>
+            <a:ext cx="3716655" cy="478155"/>
           </a:xfrm>
           <a:prstGeom prst="rect"/>
           <a:noFill/>
@@ -9622,6 +10406,66 @@
           </a:bodyPr>
           <a:lstStyle/>
           <a:p>
+            <a:pPr marL="0" indent="0" rtl="0" algn="ctr" defTabSz="914400" eaLnBrk="1" latinLnBrk="0" hangingPunct="1">
+              <a:buFontTx/>
+              <a:buNone/>
+            </a:pPr>
+            <a:r>
+              <a:rPr lang="ko-KR" sz="2500" b="1">
+                <a:solidFill>
+                  <a:schemeClr val="tx1"/>
+                </a:solidFill>
+                <a:latin typeface="나눔바른고딕" charset="0"/>
+                <a:ea typeface="나눔바른고딕" charset="0"/>
+              </a:rPr>
+              <a:t>일곱</a:t>
+            </a:r>
+            <a:r>
+              <a:rPr lang="ko-KR" sz="2500" b="1">
+                <a:solidFill>
+                  <a:schemeClr val="tx1"/>
+                </a:solidFill>
+                <a:latin typeface="나눔바른고딕" charset="0"/>
+                <a:ea typeface="나눔바른고딕" charset="0"/>
+              </a:rPr>
+              <a:t> 번째 튜토리얼</a:t>
+            </a:r>
+            <a:endParaRPr lang="ko-KR" altLang="en-US" sz="2500" b="1">
+              <a:solidFill>
+                <a:schemeClr val="tx1"/>
+              </a:solidFill>
+              <a:latin typeface="나눔바른고딕" charset="0"/>
+              <a:ea typeface="나눔바른고딕" charset="0"/>
+            </a:endParaRPr>
+          </a:p>
+        </p:txBody>
+      </p:sp>
+      <p:sp>
+        <p:nvSpPr>
+          <p:cNvPr id="48" name="Rect 0"/>
+          <p:cNvSpPr txBox="1">
+            <a:spLocks/>
+          </p:cNvSpPr>
+          <p:nvPr/>
+        </p:nvSpPr>
+        <p:spPr>
+          <a:xfrm rot="0">
+            <a:off x="1240155" y="5480050"/>
+            <a:ext cx="4142740" cy="677545"/>
+          </a:xfrm>
+          <a:prstGeom prst="rect"/>
+          <a:noFill/>
+          <a:ln w="0">
+            <a:noFill/>
+            <a:prstDash/>
+          </a:ln>
+        </p:spPr>
+        <p:txBody>
+          <a:bodyPr wrap="square" lIns="89535" tIns="46355" rIns="89535" bIns="46355" numCol="1" vert="horz" anchor="t">
+            <a:spAutoFit/>
+          </a:bodyPr>
+          <a:lstStyle/>
+          <a:p>
             <a:pPr marL="0" indent="0" rtl="0" algn="l" defTabSz="914400" eaLnBrk="1" latinLnBrk="0" hangingPunct="1">
               <a:buFontTx/>
               <a:buNone/>
@@ -9634,7 +10478,17 @@
                 <a:latin typeface="맑은 고딕" charset="0"/>
                 <a:ea typeface="맑은 고딕" charset="0"/>
               </a:rPr>
-              <a:t>30</a:t>
+              <a:t>2</a:t>
+            </a:r>
+            <a:r>
+              <a:rPr lang="ko-KR" sz="2000" b="1">
+                <a:solidFill>
+                  <a:srgbClr val="0611F2"/>
+                </a:solidFill>
+                <a:latin typeface="맑은 고딕" charset="0"/>
+                <a:ea typeface="맑은 고딕" charset="0"/>
+              </a:rPr>
+              <a:t>2</a:t>
             </a:r>
             <a:r>
               <a:rPr sz="2000" b="1">
@@ -9644,41 +10498,304 @@
                 <a:latin typeface="맑은 고딕" charset="0"/>
                 <a:ea typeface="맑은 고딕" charset="0"/>
               </a:rPr>
-              <a:t>. </a:t>
-            </a:r>
-            <a:r>
-              <a:rPr lang="ko-KR" sz="1800">
-                <a:latin typeface="맑은 고딕" charset="0"/>
-                <a:ea typeface="맑은 고딕" charset="0"/>
-              </a:rPr>
-              <a:t>그다음 Project 폴더에 있는 Physic Material 파일에 Physic Material을 선택합니다.</a:t>
+              <a:t>.</a:t>
+            </a:r>
+            <a:r>
+              <a:rPr lang="ko-KR" sz="2000" b="1">
+                <a:solidFill>
+                  <a:srgbClr val="0611F2"/>
+                </a:solidFill>
+                <a:latin typeface="맑은 고딕" charset="0"/>
+                <a:ea typeface="맑은 고딕" charset="0"/>
+              </a:rPr>
+              <a:t> </a:t>
+            </a:r>
+            <a:r>
+              <a:rPr lang="ko-KR" sz="1800">
+                <a:latin typeface="맑은 고딕" charset="0"/>
+                <a:ea typeface="맑은 고딕" charset="0"/>
+              </a:rPr>
+              <a:t>그다음으로 Billiard Ball 이라는 </a:t>
+            </a:r>
+            <a:r>
+              <a:rPr lang="ko-KR" sz="1800">
+                <a:latin typeface="맑은 고딕" charset="0"/>
+                <a:ea typeface="맑은 고딕" charset="0"/>
+              </a:rPr>
+              <a:t>이름으로</a:t>
+            </a:r>
+            <a:r>
+              <a:rPr lang="ko-KR" sz="1800">
+                <a:latin typeface="맑은 고딕" charset="0"/>
+                <a:ea typeface="맑은 고딕" charset="0"/>
+              </a:rPr>
+              <a:t> </a:t>
+            </a:r>
+            <a:r>
+              <a:rPr lang="ko-KR" sz="1800">
+                <a:latin typeface="맑은 고딕" charset="0"/>
+                <a:ea typeface="맑은 고딕" charset="0"/>
+              </a:rPr>
+              <a:t>설정하고 저장합니다.</a:t>
             </a:r>
             <a:endParaRPr lang="ko-KR" altLang="en-US" sz="1800">
               <a:latin typeface="맑은 고딕" charset="0"/>
               <a:ea typeface="맑은 고딕" charset="0"/>
             </a:endParaRPr>
           </a:p>
+        </p:txBody>
+      </p:sp>
+      <p:sp>
+        <p:nvSpPr>
+          <p:cNvPr id="54" name="Rect 0"/>
+          <p:cNvSpPr txBox="1">
+            <a:spLocks/>
+          </p:cNvSpPr>
+          <p:nvPr/>
+        </p:nvSpPr>
+        <p:spPr>
+          <a:xfrm rot="0">
+            <a:off x="6827520" y="5474335"/>
+            <a:ext cx="4138295" cy="677545"/>
+          </a:xfrm>
+          <a:prstGeom prst="rect"/>
+          <a:noFill/>
+          <a:ln w="0">
+            <a:noFill/>
+            <a:prstDash/>
+          </a:ln>
+        </p:spPr>
+        <p:txBody>
+          <a:bodyPr wrap="square" lIns="89535" tIns="46355" rIns="89535" bIns="46355" numCol="1" vert="horz" anchor="t">
+            <a:spAutoFit/>
+          </a:bodyPr>
+          <a:lstStyle/>
           <a:p>
             <a:pPr marL="0" indent="0" rtl="0" algn="l" defTabSz="914400" eaLnBrk="1" latinLnBrk="0" hangingPunct="1">
               <a:buFontTx/>
               <a:buNone/>
             </a:pPr>
+            <a:r>
+              <a:rPr lang="ko-KR" sz="2000" b="1">
+                <a:solidFill>
+                  <a:srgbClr val="0611F2"/>
+                </a:solidFill>
+                <a:latin typeface="맑은 고딕" charset="0"/>
+                <a:ea typeface="맑은 고딕" charset="0"/>
+              </a:rPr>
+              <a:t>24</a:t>
+            </a:r>
+            <a:r>
+              <a:rPr sz="2000" b="1">
+                <a:solidFill>
+                  <a:srgbClr val="0611F2"/>
+                </a:solidFill>
+                <a:latin typeface="맑은 고딕" charset="0"/>
+                <a:ea typeface="맑은 고딕" charset="0"/>
+              </a:rPr>
+              <a:t>.</a:t>
+            </a:r>
+            <a:r>
+              <a:rPr lang="ko-KR" sz="2000" b="1">
+                <a:solidFill>
+                  <a:srgbClr val="0611F2"/>
+                </a:solidFill>
+                <a:latin typeface="맑은 고딕" charset="0"/>
+                <a:ea typeface="맑은 고딕" charset="0"/>
+              </a:rPr>
+              <a:t> </a:t>
+            </a:r>
+            <a:r>
+              <a:rPr lang="ko-KR" sz="1800">
+                <a:latin typeface="맑은 고딕" charset="0"/>
+                <a:ea typeface="맑은 고딕" charset="0"/>
+              </a:rPr>
+              <a:t>이제 Board 오브젝트의 위치와 </a:t>
+            </a:r>
+            <a:r>
+              <a:rPr lang="ko-KR" sz="1800">
+                <a:latin typeface="맑은 고딕" charset="0"/>
+                <a:ea typeface="맑은 고딕" charset="0"/>
+              </a:rPr>
+              <a:t>회전</a:t>
+            </a:r>
+            <a:r>
+              <a:rPr lang="ko-KR" sz="1800">
+                <a:latin typeface="맑은 고딕" charset="0"/>
+                <a:ea typeface="맑은 고딕" charset="0"/>
+              </a:rPr>
+              <a:t> </a:t>
+            </a:r>
+            <a:r>
+              <a:rPr lang="ko-KR" sz="1800">
+                <a:latin typeface="맑은 고딕" charset="0"/>
+                <a:ea typeface="맑은 고딕" charset="0"/>
+              </a:rPr>
+              <a:t>값을</a:t>
+            </a:r>
+            <a:r>
+              <a:rPr lang="ko-KR" sz="1800">
+                <a:latin typeface="맑은 고딕" charset="0"/>
+                <a:ea typeface="맑은 고딕" charset="0"/>
+              </a:rPr>
+              <a:t> </a:t>
+            </a:r>
+            <a:r>
+              <a:rPr lang="ko-KR" sz="1800">
+                <a:latin typeface="맑은 고딕" charset="0"/>
+                <a:ea typeface="맑은 고딕" charset="0"/>
+              </a:rPr>
+              <a:t>설정합니다.</a:t>
+            </a:r>
             <a:endParaRPr lang="ko-KR" altLang="en-US" sz="1800">
               <a:latin typeface="맑은 고딕" charset="0"/>
               <a:ea typeface="맑은 고딕" charset="0"/>
             </a:endParaRPr>
           </a:p>
+        </p:txBody>
+      </p:sp>
+      <p:pic>
+        <p:nvPicPr>
+          <p:cNvPr id="71" name="그림 16" descr="C:/Users/Admin1/AppData/Roaming/PolarisOffice/ETemp/34236_8196696/fImage93121979169.png"/>
+          <p:cNvPicPr>
+            <a:picLocks noChangeAspect="1"/>
+          </p:cNvPicPr>
+          <p:nvPr/>
+        </p:nvPicPr>
+        <p:blipFill rotWithShape="1">
+          <a:blip r:embed="rId2" cstate="print">
+            <a:extLst>
+              <a:ext uri="{28A0092B-C50C-407E-A947-70E740481C1C}">
+                <a14:useLocalDpi xmlns:a14="http://schemas.microsoft.com/office/drawing/2010/main" val="0"/>
+              </a:ext>
+            </a:extLst>
+          </a:blip>
+          <a:stretch>
+            <a:fillRect/>
+          </a:stretch>
+        </p:blipFill>
+        <p:spPr>
+          <a:xfrm rot="0">
+            <a:off x="1240790" y="1450975"/>
+            <a:ext cx="4135120" cy="1823085"/>
+          </a:xfrm>
+          <a:prstGeom prst="roundRect"/>
+          <a:solidFill>
+            <a:srgbClr val="EDEDED"/>
+          </a:solidFill>
+        </p:spPr>
+      </p:pic>
+      <p:sp>
+        <p:nvSpPr>
+          <p:cNvPr id="72" name="텍스트 상자 19"/>
+          <p:cNvSpPr txBox="1">
+            <a:spLocks/>
+          </p:cNvSpPr>
+          <p:nvPr/>
+        </p:nvSpPr>
+        <p:spPr>
+          <a:xfrm rot="0">
+            <a:off x="1234440" y="3384550"/>
+            <a:ext cx="4141470" cy="954405"/>
+          </a:xfrm>
+          <a:prstGeom prst="rect"/>
+          <a:noFill/>
+          <a:ln w="0">
+            <a:noFill/>
+            <a:prstDash/>
+          </a:ln>
+        </p:spPr>
+        <p:txBody>
+          <a:bodyPr wrap="square" lIns="89535" tIns="46355" rIns="89535" bIns="46355" numCol="1" vert="horz" anchor="t">
+            <a:spAutoFit/>
+          </a:bodyPr>
+          <a:lstStyle/>
           <a:p>
             <a:pPr marL="0" indent="0" rtl="0" algn="l" defTabSz="914400" eaLnBrk="1" latinLnBrk="0" hangingPunct="1">
               <a:buFontTx/>
               <a:buNone/>
             </a:pPr>
             <a:r>
-              <a:rPr lang="ko-KR" sz="1800">
-                <a:latin typeface="맑은 고딕" charset="0"/>
-                <a:ea typeface="맑은 고딕" charset="0"/>
-              </a:rPr>
-              <a:t>그런 다음 Billiard Ball 오브젝트에 있는 Sphere Collider 컴포넌트에 Physic Material을 넣어줍니다.</a:t>
+              <a:rPr lang="ko-KR" sz="2000" b="1">
+                <a:solidFill>
+                  <a:srgbClr val="0611F2"/>
+                </a:solidFill>
+                <a:latin typeface="맑은 고딕" charset="0"/>
+                <a:ea typeface="맑은 고딕" charset="0"/>
+              </a:rPr>
+              <a:t>2</a:t>
+            </a:r>
+            <a:r>
+              <a:rPr lang="ko-KR" sz="2000" b="1">
+                <a:solidFill>
+                  <a:srgbClr val="0611F2"/>
+                </a:solidFill>
+                <a:latin typeface="맑은 고딕" charset="0"/>
+                <a:ea typeface="맑은 고딕" charset="0"/>
+              </a:rPr>
+              <a:t>1</a:t>
+            </a:r>
+            <a:r>
+              <a:rPr sz="2000" b="1">
+                <a:solidFill>
+                  <a:srgbClr val="0611F2"/>
+                </a:solidFill>
+                <a:latin typeface="맑은 고딕" charset="0"/>
+                <a:ea typeface="맑은 고딕" charset="0"/>
+              </a:rPr>
+              <a:t>.</a:t>
+            </a:r>
+            <a:r>
+              <a:rPr lang="ko-KR" sz="2000" b="1">
+                <a:solidFill>
+                  <a:srgbClr val="0611F2"/>
+                </a:solidFill>
+                <a:latin typeface="맑은 고딕" charset="0"/>
+                <a:ea typeface="맑은 고딕" charset="0"/>
+              </a:rPr>
+              <a:t> </a:t>
+            </a:r>
+            <a:r>
+              <a:rPr lang="ko-KR" sz="1800">
+                <a:latin typeface="맑은 고딕" charset="0"/>
+                <a:ea typeface="맑은 고딕" charset="0"/>
+              </a:rPr>
+              <a:t>그런 다음 Tags &amp; Layes에서 </a:t>
+            </a:r>
+            <a:r>
+              <a:rPr lang="ko-KR" sz="1800">
+                <a:latin typeface="맑은 고딕" charset="0"/>
+                <a:ea typeface="맑은 고딕" charset="0"/>
+              </a:rPr>
+              <a:t>태그를</a:t>
+            </a:r>
+            <a:r>
+              <a:rPr lang="ko-KR" sz="1800">
+                <a:latin typeface="맑은 고딕" charset="0"/>
+                <a:ea typeface="맑은 고딕" charset="0"/>
+              </a:rPr>
+              <a:t> </a:t>
+            </a:r>
+            <a:r>
+              <a:rPr lang="ko-KR" sz="1800">
+                <a:latin typeface="맑은 고딕" charset="0"/>
+                <a:ea typeface="맑은 고딕" charset="0"/>
+              </a:rPr>
+              <a:t>추가하기 </a:t>
+            </a:r>
+            <a:r>
+              <a:rPr lang="ko-KR" sz="1800">
+                <a:latin typeface="맑은 고딕" charset="0"/>
+                <a:ea typeface="맑은 고딕" charset="0"/>
+              </a:rPr>
+              <a:t>위해 등록을 </a:t>
+            </a:r>
+            <a:r>
+              <a:rPr lang="ko-KR" sz="1800">
+                <a:latin typeface="맑은 고딕" charset="0"/>
+                <a:ea typeface="맑은 고딕" charset="0"/>
+              </a:rPr>
+              <a:t>선택합니다.</a:t>
             </a:r>
             <a:endParaRPr lang="ko-KR" altLang="en-US" sz="1800">
               <a:latin typeface="맑은 고딕" charset="0"/>
@@ -9687,16 +10804,787 @@
           </a:p>
         </p:txBody>
       </p:sp>
+      <p:pic>
+        <p:nvPicPr>
+          <p:cNvPr id="73" name="그림 20" descr="C:/Users/Admin1/AppData/Roaming/PolarisOffice/ETemp/34236_8196696/fImage31481995724.png"/>
+          <p:cNvPicPr>
+            <a:picLocks noChangeAspect="1"/>
+          </p:cNvPicPr>
+          <p:nvPr/>
+        </p:nvPicPr>
+        <p:blipFill rotWithShape="1">
+          <a:blip r:embed="rId3" cstate="print">
+            <a:extLst>
+              <a:ext uri="{28A0092B-C50C-407E-A947-70E740481C1C}">
+                <a14:useLocalDpi xmlns:a14="http://schemas.microsoft.com/office/drawing/2010/main" val="0"/>
+              </a:ext>
+            </a:extLst>
+          </a:blip>
+          <a:stretch>
+            <a:fillRect/>
+          </a:stretch>
+        </p:blipFill>
+        <p:spPr>
+          <a:xfrm rot="0">
+            <a:off x="1231900" y="4479290"/>
+            <a:ext cx="4152265" cy="879475"/>
+          </a:xfrm>
+          <a:prstGeom prst="roundRect"/>
+          <a:solidFill>
+            <a:srgbClr val="EDEDED"/>
+          </a:solidFill>
+        </p:spPr>
+      </p:pic>
+      <p:sp>
+        <p:nvSpPr>
+          <p:cNvPr id="75" name="텍스트 상자 24"/>
+          <p:cNvSpPr txBox="1">
+            <a:spLocks/>
+          </p:cNvSpPr>
+          <p:nvPr/>
+        </p:nvSpPr>
+        <p:spPr>
+          <a:xfrm rot="0">
+            <a:off x="6813550" y="2675890"/>
+            <a:ext cx="4152265" cy="1231265"/>
+          </a:xfrm>
+          <a:prstGeom prst="rect"/>
+          <a:noFill/>
+          <a:ln w="0">
+            <a:noFill/>
+            <a:prstDash/>
+          </a:ln>
+        </p:spPr>
+        <p:txBody>
+          <a:bodyPr wrap="square" lIns="89535" tIns="46355" rIns="89535" bIns="46355" numCol="1" vert="horz" anchor="t">
+            <a:spAutoFit/>
+          </a:bodyPr>
+          <a:lstStyle/>
+          <a:p>
+            <a:pPr marL="0" indent="0" rtl="0" algn="l" defTabSz="914400" eaLnBrk="1" latinLnBrk="0" hangingPunct="1">
+              <a:buFontTx/>
+              <a:buNone/>
+            </a:pPr>
+            <a:r>
+              <a:rPr lang="ko-KR" sz="2000" b="1">
+                <a:solidFill>
+                  <a:srgbClr val="0611F2"/>
+                </a:solidFill>
+                <a:latin typeface="맑은 고딕" charset="0"/>
+                <a:ea typeface="맑은 고딕" charset="0"/>
+              </a:rPr>
+              <a:t>2</a:t>
+            </a:r>
+            <a:r>
+              <a:rPr lang="ko-KR" sz="2000" b="1">
+                <a:solidFill>
+                  <a:srgbClr val="0611F2"/>
+                </a:solidFill>
+                <a:latin typeface="맑은 고딕" charset="0"/>
+                <a:ea typeface="맑은 고딕" charset="0"/>
+              </a:rPr>
+              <a:t>3</a:t>
+            </a:r>
+            <a:r>
+              <a:rPr sz="2000" b="1">
+                <a:solidFill>
+                  <a:srgbClr val="0611F2"/>
+                </a:solidFill>
+                <a:latin typeface="맑은 고딕" charset="0"/>
+                <a:ea typeface="맑은 고딕" charset="0"/>
+              </a:rPr>
+              <a:t>.</a:t>
+            </a:r>
+            <a:r>
+              <a:rPr lang="ko-KR" sz="2000" b="1">
+                <a:solidFill>
+                  <a:srgbClr val="0611F2"/>
+                </a:solidFill>
+                <a:latin typeface="맑은 고딕" charset="0"/>
+                <a:ea typeface="맑은 고딕" charset="0"/>
+              </a:rPr>
+              <a:t> </a:t>
+            </a:r>
+            <a:r>
+              <a:rPr lang="ko-KR" sz="1800">
+                <a:latin typeface="맑은 고딕" charset="0"/>
+                <a:ea typeface="맑은 고딕" charset="0"/>
+              </a:rPr>
+              <a:t>그러고 나서 Project 폴더 아래에 </a:t>
+            </a:r>
+            <a:r>
+              <a:rPr lang="ko-KR" sz="1800">
+                <a:latin typeface="맑은 고딕" charset="0"/>
+                <a:ea typeface="맑은 고딕" charset="0"/>
+              </a:rPr>
+              <a:t>있는</a:t>
+            </a:r>
+            <a:r>
+              <a:rPr lang="ko-KR" sz="1800">
+                <a:latin typeface="맑은 고딕" charset="0"/>
+                <a:ea typeface="맑은 고딕" charset="0"/>
+              </a:rPr>
+              <a:t> </a:t>
+            </a:r>
+            <a:r>
+              <a:rPr lang="ko-KR" sz="1800">
+                <a:latin typeface="맑은 고딕" charset="0"/>
+                <a:ea typeface="맑은 고딕" charset="0"/>
+              </a:rPr>
+              <a:t>Texture</a:t>
+            </a:r>
+            <a:r>
+              <a:rPr lang="ko-KR" sz="1800">
+                <a:latin typeface="맑은 고딕" charset="0"/>
+                <a:ea typeface="맑은 고딕" charset="0"/>
+              </a:rPr>
+              <a:t> </a:t>
+            </a:r>
+            <a:r>
+              <a:rPr lang="ko-KR" sz="1800">
+                <a:latin typeface="맑은 고딕" charset="0"/>
+                <a:ea typeface="맑은 고딕" charset="0"/>
+              </a:rPr>
+              <a:t>폴더에</a:t>
+            </a:r>
+            <a:r>
+              <a:rPr lang="ko-KR" sz="1800">
+                <a:latin typeface="맑은 고딕" charset="0"/>
+                <a:ea typeface="맑은 고딕" charset="0"/>
+              </a:rPr>
+              <a:t> Billiard Ball Three </a:t>
+            </a:r>
+            <a:r>
+              <a:rPr lang="ko-KR" sz="1800">
+                <a:latin typeface="맑은 고딕" charset="0"/>
+                <a:ea typeface="맑은 고딕" charset="0"/>
+              </a:rPr>
+              <a:t>텍스처를</a:t>
+            </a:r>
+            <a:r>
+              <a:rPr lang="ko-KR" sz="1800">
+                <a:latin typeface="맑은 고딕" charset="0"/>
+                <a:ea typeface="맑은 고딕" charset="0"/>
+              </a:rPr>
+              <a:t> </a:t>
+            </a:r>
+            <a:r>
+              <a:rPr lang="ko-KR" sz="1800">
+                <a:latin typeface="맑은 고딕" charset="0"/>
+                <a:ea typeface="맑은 고딕" charset="0"/>
+              </a:rPr>
+              <a:t>Billiard</a:t>
+            </a:r>
+            <a:r>
+              <a:rPr lang="ko-KR" sz="1800">
+                <a:latin typeface="맑은 고딕" charset="0"/>
+                <a:ea typeface="맑은 고딕" charset="0"/>
+              </a:rPr>
+              <a:t> Ball (Three) </a:t>
+            </a:r>
+            <a:r>
+              <a:rPr lang="ko-KR" sz="1800">
+                <a:latin typeface="맑은 고딕" charset="0"/>
+                <a:ea typeface="맑은 고딕" charset="0"/>
+              </a:rPr>
+              <a:t>오브젝트에</a:t>
+            </a:r>
+            <a:r>
+              <a:rPr lang="ko-KR" sz="1800">
+                <a:latin typeface="맑은 고딕" charset="0"/>
+                <a:ea typeface="맑은 고딕" charset="0"/>
+              </a:rPr>
+              <a:t> </a:t>
+            </a:r>
+            <a:r>
+              <a:rPr lang="ko-KR" sz="1800">
+                <a:latin typeface="맑은 고딕" charset="0"/>
+                <a:ea typeface="맑은 고딕" charset="0"/>
+              </a:rPr>
+              <a:t>넣어줍니다.</a:t>
+            </a:r>
+            <a:endParaRPr lang="ko-KR" altLang="en-US" sz="1800">
+              <a:latin typeface="맑은 고딕" charset="0"/>
+              <a:ea typeface="맑은 고딕" charset="0"/>
+            </a:endParaRPr>
+          </a:p>
+        </p:txBody>
+      </p:sp>
+      <p:pic>
+        <p:nvPicPr>
+          <p:cNvPr id="78" name="그림 29" descr="C:/Users/Admin1/AppData/Roaming/PolarisOffice/ETemp/34236_8196696/fImage134742041478.png"/>
+          <p:cNvPicPr>
+            <a:picLocks noChangeAspect="1"/>
+          </p:cNvPicPr>
+          <p:nvPr/>
+        </p:nvPicPr>
+        <p:blipFill rotWithShape="1">
+          <a:blip r:embed="rId4" cstate="print">
+            <a:extLst>
+              <a:ext uri="{28A0092B-C50C-407E-A947-70E740481C1C}">
+                <a14:useLocalDpi xmlns:a14="http://schemas.microsoft.com/office/drawing/2010/main" val="0"/>
+              </a:ext>
+            </a:extLst>
+          </a:blip>
+          <a:stretch>
+            <a:fillRect/>
+          </a:stretch>
+        </p:blipFill>
+        <p:spPr>
+          <a:xfrm rot="0">
+            <a:off x="6832600" y="4022725"/>
+            <a:ext cx="4133215" cy="1378585"/>
+          </a:xfrm>
+          <a:prstGeom prst="roundRect"/>
+          <a:solidFill>
+            <a:srgbClr val="EDEDED"/>
+          </a:solidFill>
+        </p:spPr>
+      </p:pic>
+      <p:pic>
+        <p:nvPicPr>
+          <p:cNvPr id="79" name="그림 32" descr="C:/Users/Admin1/AppData/Roaming/PolarisOffice/ETemp/34236_8196696/fImage73492059358.png"/>
+          <p:cNvPicPr>
+            <a:picLocks noChangeAspect="1"/>
+          </p:cNvPicPr>
+          <p:nvPr/>
+        </p:nvPicPr>
+        <p:blipFill rotWithShape="1">
+          <a:blip r:embed="rId5" cstate="print">
+            <a:extLst>
+              <a:ext uri="{28A0092B-C50C-407E-A947-70E740481C1C}">
+                <a14:useLocalDpi xmlns:a14="http://schemas.microsoft.com/office/drawing/2010/main" val="0"/>
+              </a:ext>
+            </a:extLst>
+          </a:blip>
+          <a:stretch>
+            <a:fillRect/>
+          </a:stretch>
+        </p:blipFill>
+        <p:spPr>
+          <a:xfrm rot="0">
+            <a:off x="6833870" y="1440180"/>
+            <a:ext cx="1246505" cy="1162050"/>
+          </a:xfrm>
+          <a:prstGeom prst="roundRect"/>
+          <a:solidFill>
+            <a:srgbClr val="EDEDED"/>
+          </a:solidFill>
+        </p:spPr>
+      </p:pic>
+      <p:pic>
+        <p:nvPicPr>
+          <p:cNvPr id="80" name="그림 35" descr="C:/Users/Admin1/AppData/Roaming/PolarisOffice/ETemp/34236_8196696/fImage149972066962.png"/>
+          <p:cNvPicPr>
+            <a:picLocks noChangeAspect="1"/>
+          </p:cNvPicPr>
+          <p:nvPr/>
+        </p:nvPicPr>
+        <p:blipFill rotWithShape="1">
+          <a:blip r:embed="rId6" cstate="print">
+            <a:extLst>
+              <a:ext uri="{28A0092B-C50C-407E-A947-70E740481C1C}">
+                <a14:useLocalDpi xmlns:a14="http://schemas.microsoft.com/office/drawing/2010/main" val="0"/>
+              </a:ext>
+            </a:extLst>
+          </a:blip>
+          <a:stretch>
+            <a:fillRect/>
+          </a:stretch>
+        </p:blipFill>
+        <p:spPr>
+          <a:xfrm rot="0">
+            <a:off x="8226425" y="1438275"/>
+            <a:ext cx="2739390" cy="1163320"/>
+          </a:xfrm>
+          <a:prstGeom prst="roundRect"/>
+          <a:solidFill>
+            <a:srgbClr val="EDEDED"/>
+          </a:solidFill>
+        </p:spPr>
+      </p:pic>
       <p:cxnSp>
         <p:nvCxnSpPr>
-          <p:cNvPr id="64" name="도형 31"/>
+          <p:cNvPr id="81" name="도형 38"/>
           <p:cNvCxnSpPr/>
           <p:nvPr/>
         </p:nvCxnSpPr>
         <p:spPr>
-          <a:xfrm rot="0" flipV="1">
-            <a:off x="8217535" y="2207895"/>
-            <a:ext cx="2667635" cy="996315"/>
+          <a:xfrm rot="0" flipH="1">
+            <a:off x="8002270" y="2153285"/>
+            <a:ext cx="819150" cy="9525"/>
+          </a:xfrm>
+          <a:prstGeom prst="straightConnector1"/>
+          <a:ln w="6350" cap="flat" cmpd="sng">
+            <a:prstDash/>
+            <a:headEnd type="none" w="med" len="med"/>
+            <a:tailEnd type="triangle" w="med" len="med"/>
+          </a:ln>
+        </p:spPr>
+        <p:style>
+          <a:lnRef idx="1">
+            <a:schemeClr val="accent1"/>
+          </a:lnRef>
+          <a:fillRef idx="0">
+            <a:schemeClr val="accent1"/>
+          </a:fillRef>
+          <a:effectRef idx="0">
+            <a:schemeClr val="accent1"/>
+          </a:effectRef>
+          <a:fontRef idx="minor">
+            <a:schemeClr val="tx1"/>
+          </a:fontRef>
+        </p:style>
+      </p:cxnSp>
+    </p:spTree>
+  </p:cSld>
+  <p:clrMapOvr>
+    <a:masterClrMapping/>
+  </p:clrMapOvr>
+  <mc:AlternateContent xmlns:mc="http://schemas.openxmlformats.org/markup-compatibility/2006">
+    <mc:Choice xmlns:p14="http://schemas.microsoft.com/office/powerpoint/2010/main" Requires="p14">
+      <p:transition spd="slow" p14:dur="1000"/>
+    </mc:Choice>
+    <mc:Fallback>
+      <p:transition spd="slow"/>
+    </mc:Fallback>
+  </mc:AlternateContent>
+  <p:timing>
+    <p:tnLst>
+      <p:par>
+        <p:cTn id="1" dur="indefinite" restart="never" nodeType="tmRoot"/>
+      </p:par>
+    </p:tnLst>
+  </p:timing>
+</p:sld>
+</file>
+
+<file path=ppt/slides/slide8.xml><?xml version="1.0" encoding="utf-8"?>
+<p:sld xmlns:a="http://schemas.openxmlformats.org/drawingml/2006/main" xmlns:r="http://schemas.openxmlformats.org/officeDocument/2006/relationships" xmlns:p="http://schemas.openxmlformats.org/presentationml/2006/main">
+  <p:cSld>
+    <p:spTree>
+      <p:nvGrpSpPr>
+        <p:cNvPr id="1" name=""/>
+        <p:cNvGrpSpPr/>
+        <p:nvPr/>
+      </p:nvGrpSpPr>
+      <p:grpSpPr>
+        <a:xfrm>
+          <a:off x="0" y="0"/>
+          <a:ext cx="0" cy="0"/>
+          <a:chOff x="0" y="0"/>
+          <a:chExt cx="0" cy="0"/>
+        </a:xfrm>
+      </p:grpSpPr>
+      <p:sp>
+        <p:nvSpPr>
+          <p:cNvPr id="2" name="Rect 0"/>
+          <p:cNvSpPr txBox="1">
+            <a:spLocks/>
+          </p:cNvSpPr>
+          <p:nvPr/>
+        </p:nvSpPr>
+        <p:spPr>
+          <a:xfrm rot="0">
+            <a:off x="4236085" y="419735"/>
+            <a:ext cx="3716655" cy="478155"/>
+          </a:xfrm>
+          <a:prstGeom prst="rect"/>
+          <a:noFill/>
+          <a:ln w="0">
+            <a:noFill/>
+            <a:prstDash/>
+          </a:ln>
+        </p:spPr>
+        <p:txBody>
+          <a:bodyPr wrap="square" lIns="89535" tIns="46355" rIns="89535" bIns="46355" numCol="1" vert="horz" anchor="t">
+            <a:spAutoFit/>
+          </a:bodyPr>
+          <a:lstStyle/>
+          <a:p>
+            <a:pPr marL="0" indent="0" rtl="0" algn="ctr" defTabSz="914400" eaLnBrk="1" latinLnBrk="0" hangingPunct="1">
+              <a:buFontTx/>
+              <a:buNone/>
+            </a:pPr>
+            <a:r>
+              <a:rPr lang="ko-KR" sz="2500" b="1">
+                <a:solidFill>
+                  <a:schemeClr val="tx1"/>
+                </a:solidFill>
+                <a:latin typeface="나눔바른고딕" charset="0"/>
+                <a:ea typeface="나눔바른고딕" charset="0"/>
+              </a:rPr>
+              <a:t>여덟</a:t>
+            </a:r>
+            <a:r>
+              <a:rPr lang="ko-KR" sz="2500" b="1">
+                <a:solidFill>
+                  <a:schemeClr val="tx1"/>
+                </a:solidFill>
+                <a:latin typeface="나눔바른고딕" charset="0"/>
+                <a:ea typeface="나눔바른고딕" charset="0"/>
+              </a:rPr>
+              <a:t> 번째 튜토리얼</a:t>
+            </a:r>
+            <a:endParaRPr lang="ko-KR" altLang="en-US" sz="2500" b="1">
+              <a:solidFill>
+                <a:schemeClr val="tx1"/>
+              </a:solidFill>
+              <a:latin typeface="나눔바른고딕" charset="0"/>
+              <a:ea typeface="나눔바른고딕" charset="0"/>
+            </a:endParaRPr>
+          </a:p>
+        </p:txBody>
+      </p:sp>
+      <p:sp>
+        <p:nvSpPr>
+          <p:cNvPr id="48" name="Rect 0"/>
+          <p:cNvSpPr txBox="1">
+            <a:spLocks/>
+          </p:cNvSpPr>
+          <p:nvPr/>
+        </p:nvSpPr>
+        <p:spPr>
+          <a:xfrm rot="0">
+            <a:off x="1249045" y="4919980"/>
+            <a:ext cx="4142740" cy="1231265"/>
+          </a:xfrm>
+          <a:prstGeom prst="rect"/>
+          <a:noFill/>
+          <a:ln w="0">
+            <a:noFill/>
+            <a:prstDash/>
+          </a:ln>
+        </p:spPr>
+        <p:txBody>
+          <a:bodyPr wrap="square" lIns="89535" tIns="46355" rIns="89535" bIns="46355" numCol="1" vert="horz" anchor="t">
+            <a:spAutoFit/>
+          </a:bodyPr>
+          <a:lstStyle/>
+          <a:p>
+            <a:pPr marL="0" indent="0" rtl="0" algn="l" defTabSz="914400" eaLnBrk="1" latinLnBrk="0" hangingPunct="1">
+              <a:buFontTx/>
+              <a:buNone/>
+            </a:pPr>
+            <a:r>
+              <a:rPr lang="ko-KR" sz="2000" b="1">
+                <a:solidFill>
+                  <a:srgbClr val="0611F2"/>
+                </a:solidFill>
+                <a:latin typeface="맑은 고딕" charset="0"/>
+                <a:ea typeface="맑은 고딕" charset="0"/>
+              </a:rPr>
+              <a:t>26</a:t>
+            </a:r>
+            <a:r>
+              <a:rPr sz="2000" b="1">
+                <a:solidFill>
+                  <a:srgbClr val="0611F2"/>
+                </a:solidFill>
+                <a:latin typeface="맑은 고딕" charset="0"/>
+                <a:ea typeface="맑은 고딕" charset="0"/>
+              </a:rPr>
+              <a:t>.</a:t>
+            </a:r>
+            <a:r>
+              <a:rPr lang="ko-KR" sz="2000" b="1">
+                <a:solidFill>
+                  <a:srgbClr val="0611F2"/>
+                </a:solidFill>
+                <a:latin typeface="맑은 고딕" charset="0"/>
+                <a:ea typeface="맑은 고딕" charset="0"/>
+              </a:rPr>
+              <a:t> </a:t>
+            </a:r>
+            <a:r>
+              <a:rPr lang="ko-KR" sz="1800">
+                <a:latin typeface="맑은 고딕" charset="0"/>
+                <a:ea typeface="맑은 고딕" charset="0"/>
+              </a:rPr>
+              <a:t>그런 다음 Project 폴더 아래에 </a:t>
+            </a:r>
+            <a:r>
+              <a:rPr lang="ko-KR" sz="1800">
+                <a:latin typeface="맑은 고딕" charset="0"/>
+                <a:ea typeface="맑은 고딕" charset="0"/>
+              </a:rPr>
+              <a:t>있는</a:t>
+            </a:r>
+            <a:r>
+              <a:rPr lang="ko-KR" sz="1800">
+                <a:latin typeface="맑은 고딕" charset="0"/>
+                <a:ea typeface="맑은 고딕" charset="0"/>
+              </a:rPr>
+              <a:t> </a:t>
+            </a:r>
+            <a:r>
+              <a:rPr lang="ko-KR" sz="1800">
+                <a:latin typeface="맑은 고딕" charset="0"/>
+                <a:ea typeface="맑은 고딕" charset="0"/>
+              </a:rPr>
+              <a:t>Texture 폴더에 Scout Robot </a:t>
+            </a:r>
+            <a:r>
+              <a:rPr lang="ko-KR" sz="1800">
+                <a:latin typeface="맑은 고딕" charset="0"/>
+                <a:ea typeface="맑은 고딕" charset="0"/>
+              </a:rPr>
+              <a:t>텍스처</a:t>
+            </a:r>
+            <a:r>
+              <a:rPr lang="ko-KR" sz="1800">
+                <a:latin typeface="맑은 고딕" charset="0"/>
+                <a:ea typeface="맑은 고딕" charset="0"/>
+              </a:rPr>
+              <a:t>를</a:t>
+            </a:r>
+            <a:r>
+              <a:rPr lang="ko-KR" sz="1800">
+                <a:latin typeface="맑은 고딕" charset="0"/>
+                <a:ea typeface="맑은 고딕" charset="0"/>
+              </a:rPr>
+              <a:t> </a:t>
+            </a:r>
+            <a:r>
+              <a:rPr lang="ko-KR" sz="1800">
+                <a:latin typeface="맑은 고딕" charset="0"/>
+                <a:ea typeface="맑은 고딕" charset="0"/>
+              </a:rPr>
+              <a:t>Scout Robot 오브젝트에 </a:t>
+            </a:r>
+            <a:r>
+              <a:rPr lang="ko-KR" sz="1800">
+                <a:latin typeface="맑은 고딕" charset="0"/>
+                <a:ea typeface="맑은 고딕" charset="0"/>
+              </a:rPr>
+              <a:t>넣어</a:t>
+            </a:r>
+            <a:r>
+              <a:rPr lang="ko-KR" sz="1800">
+                <a:latin typeface="맑은 고딕" charset="0"/>
+                <a:ea typeface="맑은 고딕" charset="0"/>
+              </a:rPr>
+              <a:t>줍니다.</a:t>
+            </a:r>
+            <a:endParaRPr lang="ko-KR" altLang="en-US" sz="1800">
+              <a:latin typeface="맑은 고딕" charset="0"/>
+              <a:ea typeface="맑은 고딕" charset="0"/>
+            </a:endParaRPr>
+          </a:p>
+        </p:txBody>
+      </p:sp>
+      <p:sp>
+        <p:nvSpPr>
+          <p:cNvPr id="72" name="Rect 0"/>
+          <p:cNvSpPr txBox="1">
+            <a:spLocks/>
+          </p:cNvSpPr>
+          <p:nvPr/>
+        </p:nvSpPr>
+        <p:spPr>
+          <a:xfrm rot="0">
+            <a:off x="1252220" y="2548890"/>
+            <a:ext cx="4141470" cy="954405"/>
+          </a:xfrm>
+          <a:prstGeom prst="rect"/>
+          <a:noFill/>
+          <a:ln w="0">
+            <a:noFill/>
+            <a:prstDash/>
+          </a:ln>
+        </p:spPr>
+        <p:txBody>
+          <a:bodyPr wrap="square" lIns="89535" tIns="46355" rIns="89535" bIns="46355" numCol="1" vert="horz" anchor="t">
+            <a:spAutoFit/>
+          </a:bodyPr>
+          <a:lstStyle/>
+          <a:p>
+            <a:pPr marL="0" indent="0" rtl="0" algn="l" defTabSz="914400" eaLnBrk="1" latinLnBrk="0" hangingPunct="1">
+              <a:buFontTx/>
+              <a:buNone/>
+            </a:pPr>
+            <a:r>
+              <a:rPr lang="ko-KR" sz="2000" b="1">
+                <a:solidFill>
+                  <a:srgbClr val="0611F2"/>
+                </a:solidFill>
+                <a:latin typeface="맑은 고딕" charset="0"/>
+                <a:ea typeface="맑은 고딕" charset="0"/>
+              </a:rPr>
+              <a:t>25</a:t>
+            </a:r>
+            <a:r>
+              <a:rPr sz="2000" b="1">
+                <a:solidFill>
+                  <a:srgbClr val="0611F2"/>
+                </a:solidFill>
+                <a:latin typeface="맑은 고딕" charset="0"/>
+                <a:ea typeface="맑은 고딕" charset="0"/>
+              </a:rPr>
+              <a:t>.</a:t>
+            </a:r>
+            <a:r>
+              <a:rPr lang="ko-KR" sz="2000" b="1">
+                <a:solidFill>
+                  <a:srgbClr val="0611F2"/>
+                </a:solidFill>
+                <a:latin typeface="맑은 고딕" charset="0"/>
+                <a:ea typeface="맑은 고딕" charset="0"/>
+              </a:rPr>
+              <a:t> </a:t>
+            </a:r>
+            <a:r>
+              <a:rPr lang="ko-KR" sz="1800">
+                <a:latin typeface="맑은 고딕" charset="0"/>
+                <a:ea typeface="맑은 고딕" charset="0"/>
+              </a:rPr>
+              <a:t>그리고 Billiard Ball (One) </a:t>
+            </a:r>
+            <a:r>
+              <a:rPr lang="ko-KR" sz="1800">
+                <a:latin typeface="맑은 고딕" charset="0"/>
+                <a:ea typeface="맑은 고딕" charset="0"/>
+              </a:rPr>
+              <a:t>오브젝트의</a:t>
+            </a:r>
+            <a:r>
+              <a:rPr lang="ko-KR" sz="1800">
+                <a:latin typeface="맑은 고딕" charset="0"/>
+                <a:ea typeface="맑은 고딕" charset="0"/>
+              </a:rPr>
+              <a:t> </a:t>
+            </a:r>
+            <a:r>
+              <a:rPr lang="ko-KR" sz="1800">
+                <a:latin typeface="맑은 고딕" charset="0"/>
+                <a:ea typeface="맑은 고딕" charset="0"/>
+              </a:rPr>
+              <a:t>Tag를 Billiard Ball로 </a:t>
+            </a:r>
+            <a:r>
+              <a:rPr lang="ko-KR" sz="1800">
+                <a:latin typeface="맑은 고딕" charset="0"/>
+                <a:ea typeface="맑은 고딕" charset="0"/>
+              </a:rPr>
+              <a:t>설정합니</a:t>
+            </a:r>
+            <a:r>
+              <a:rPr lang="ko-KR" sz="1800">
+                <a:latin typeface="맑은 고딕" charset="0"/>
+                <a:ea typeface="맑은 고딕" charset="0"/>
+              </a:rPr>
+              <a:t>다.</a:t>
+            </a:r>
+            <a:endParaRPr lang="ko-KR" altLang="en-US" sz="1800">
+              <a:latin typeface="맑은 고딕" charset="0"/>
+              <a:ea typeface="맑은 고딕" charset="0"/>
+            </a:endParaRPr>
+          </a:p>
+        </p:txBody>
+      </p:sp>
+      <p:pic>
+        <p:nvPicPr>
+          <p:cNvPr id="82" name="그림 42" descr="C:/Users/Admin1/AppData/Roaming/PolarisOffice/ETemp/34236_8196696/fImage51552204464.png"/>
+          <p:cNvPicPr>
+            <a:picLocks noChangeAspect="1"/>
+          </p:cNvPicPr>
+          <p:nvPr/>
+        </p:nvPicPr>
+        <p:blipFill rotWithShape="1">
+          <a:blip r:embed="rId2" cstate="print">
+            <a:extLst>
+              <a:ext uri="{28A0092B-C50C-407E-A947-70E740481C1C}">
+                <a14:useLocalDpi xmlns:a14="http://schemas.microsoft.com/office/drawing/2010/main" val="0"/>
+              </a:ext>
+            </a:extLst>
+          </a:blip>
+          <a:stretch>
+            <a:fillRect/>
+          </a:stretch>
+        </p:blipFill>
+        <p:spPr>
+          <a:xfrm rot="0">
+            <a:off x="1244600" y="1447165"/>
+            <a:ext cx="4131310" cy="991235"/>
+          </a:xfrm>
+          <a:prstGeom prst="roundRect"/>
+          <a:solidFill>
+            <a:srgbClr val="EDEDED"/>
+          </a:solidFill>
+        </p:spPr>
+      </p:pic>
+      <p:pic>
+        <p:nvPicPr>
+          <p:cNvPr id="83" name="그림 45" descr="C:/Users/Admin1/AppData/Roaming/PolarisOffice/ETemp/34236_8196696/fImage73732215705.png"/>
+          <p:cNvPicPr>
+            <a:picLocks noChangeAspect="1"/>
+          </p:cNvPicPr>
+          <p:nvPr/>
+        </p:nvPicPr>
+        <p:blipFill rotWithShape="1">
+          <a:blip r:embed="rId3" cstate="print">
+            <a:extLst>
+              <a:ext uri="{28A0092B-C50C-407E-A947-70E740481C1C}">
+                <a14:useLocalDpi xmlns:a14="http://schemas.microsoft.com/office/drawing/2010/main" val="0"/>
+              </a:ext>
+            </a:extLst>
+          </a:blip>
+          <a:stretch>
+            <a:fillRect/>
+          </a:stretch>
+        </p:blipFill>
+        <p:spPr>
+          <a:xfrm rot="0">
+            <a:off x="1240790" y="3658235"/>
+            <a:ext cx="1361440" cy="1174115"/>
+          </a:xfrm>
+          <a:prstGeom prst="roundRect"/>
+          <a:solidFill>
+            <a:srgbClr val="EDEDED"/>
+          </a:solidFill>
+        </p:spPr>
+      </p:pic>
+      <p:pic>
+        <p:nvPicPr>
+          <p:cNvPr id="84" name="그림 48" descr="C:/Users/Admin1/AppData/Roaming/PolarisOffice/ETemp/34236_8196696/fImage149342228145.png"/>
+          <p:cNvPicPr>
+            <a:picLocks noChangeAspect="1"/>
+          </p:cNvPicPr>
+          <p:nvPr/>
+        </p:nvPicPr>
+        <p:blipFill rotWithShape="1">
+          <a:blip r:embed="rId4" cstate="print">
+            <a:extLst>
+              <a:ext uri="{28A0092B-C50C-407E-A947-70E740481C1C}">
+                <a14:useLocalDpi xmlns:a14="http://schemas.microsoft.com/office/drawing/2010/main" val="0"/>
+              </a:ext>
+            </a:extLst>
+          </a:blip>
+          <a:stretch>
+            <a:fillRect/>
+          </a:stretch>
+        </p:blipFill>
+        <p:spPr>
+          <a:xfrm rot="0">
+            <a:off x="2730500" y="3669665"/>
+            <a:ext cx="2653665" cy="1163320"/>
+          </a:xfrm>
+          <a:prstGeom prst="roundRect"/>
+          <a:solidFill>
+            <a:srgbClr val="EDEDED"/>
+          </a:solidFill>
+        </p:spPr>
+      </p:pic>
+      <p:cxnSp>
+        <p:nvCxnSpPr>
+          <p:cNvPr id="85" name="도형 51"/>
+          <p:cNvCxnSpPr/>
+          <p:nvPr/>
+        </p:nvCxnSpPr>
+        <p:spPr>
+          <a:xfrm rot="0" flipH="1">
+            <a:off x="2222500" y="4091305"/>
+            <a:ext cx="2610485" cy="508635"/>
           </a:xfrm>
           <a:prstGeom prst="straightConnector1"/>
           <a:ln w="6350" cap="flat" cmpd="sng">
@@ -9722,7 +11610,7 @@
       </p:cxnSp>
       <p:sp>
         <p:nvSpPr>
-          <p:cNvPr id="65" name="텍스트 상자 15"/>
+          <p:cNvPr id="86" name="텍스트 상자 53"/>
           <p:cNvSpPr txBox="1">
             <a:spLocks/>
           </p:cNvSpPr>
@@ -9730,8 +11618,8 @@
         </p:nvSpPr>
         <p:spPr>
           <a:xfrm rot="0">
-            <a:off x="1320165" y="5471160"/>
-            <a:ext cx="4038600" cy="677545"/>
+            <a:off x="6822440" y="5227955"/>
+            <a:ext cx="4119245" cy="923925"/>
           </a:xfrm>
           <a:prstGeom prst="rect"/>
           <a:noFill/>
@@ -9741,7 +11629,7 @@
           </a:ln>
         </p:spPr>
         <p:txBody>
-          <a:bodyPr wrap="square" lIns="89535" tIns="46355" rIns="89535" bIns="46355" numCol="1" vert="horz" anchor="t">
+          <a:bodyPr wrap="square" lIns="89535" tIns="46355" rIns="89535" bIns="46355" vert="horz" anchor="t">
             <a:spAutoFit/>
           </a:bodyPr>
           <a:lstStyle/>
@@ -9751,55 +11639,76 @@
               <a:buNone/>
             </a:pPr>
             <a:r>
-              <a:rPr lang="ko-KR" sz="2000" b="1">
+              <a:rPr sz="1800" b="1">
                 <a:solidFill>
                   <a:srgbClr val="0611F2"/>
                 </a:solidFill>
                 <a:latin typeface="맑은 고딕" charset="0"/>
                 <a:ea typeface="맑은 고딕" charset="0"/>
               </a:rPr>
-              <a:t>28</a:t>
-            </a:r>
-            <a:r>
-              <a:rPr sz="2000" b="1">
+              <a:t>2</a:t>
+            </a:r>
+            <a:r>
+              <a:rPr sz="1800" b="1">
                 <a:solidFill>
                   <a:srgbClr val="0611F2"/>
                 </a:solidFill>
                 <a:latin typeface="맑은 고딕" charset="0"/>
                 <a:ea typeface="맑은 고딕" charset="0"/>
               </a:rPr>
-              <a:t>.</a:t>
-            </a:r>
-            <a:r>
-              <a:rPr sz="2000" b="1">
+              <a:t>7</a:t>
+            </a:r>
+            <a:r>
+              <a:rPr sz="1800" b="1">
                 <a:solidFill>
                   <a:srgbClr val="0611F2"/>
                 </a:solidFill>
                 <a:latin typeface="맑은 고딕" charset="0"/>
                 <a:ea typeface="맑은 고딕" charset="0"/>
               </a:rPr>
+              <a:t>.</a:t>
+            </a:r>
+            <a:r>
+              <a:rPr sz="1800">
+                <a:latin typeface="맑은 고딕" charset="0"/>
+                <a:ea typeface="맑은 고딕" charset="0"/>
+              </a:rPr>
+              <a:t> 그다음으로 C# Script를 생성한 </a:t>
+            </a:r>
+            <a:r>
+              <a:rPr sz="1800">
+                <a:latin typeface="맑은 고딕" charset="0"/>
+                <a:ea typeface="맑은 고딕" charset="0"/>
+              </a:rPr>
+              <a:t>다음</a:t>
+            </a:r>
+            <a:r>
+              <a:rPr sz="1800">
+                <a:latin typeface="맑은 고딕" charset="0"/>
+                <a:ea typeface="맑은 고딕" charset="0"/>
+              </a:rPr>
               <a:t> </a:t>
             </a:r>
             <a:r>
-              <a:rPr lang="ko-KR" sz="1800">
-                <a:latin typeface="맑은 고딕" charset="0"/>
-                <a:ea typeface="맑은 고딕" charset="0"/>
-              </a:rPr>
-              <a:t>그리고 Project 폴더에서 Physic </a:t>
-            </a:r>
-            <a:r>
-              <a:rPr lang="ko-KR" sz="1800">
-                <a:latin typeface="맑은 고딕" charset="0"/>
-                <a:ea typeface="맑은 고딕" charset="0"/>
-              </a:rPr>
-              <a:t>Material을</a:t>
-            </a:r>
-            <a:r>
-              <a:rPr lang="ko-KR" sz="1800">
-                <a:latin typeface="맑은 고딕" charset="0"/>
-                <a:ea typeface="맑은 고딕" charset="0"/>
-              </a:rPr>
-              <a:t> 생성합니다.</a:t>
+              <a:rPr sz="1800">
+                <a:latin typeface="맑은 고딕" charset="0"/>
+                <a:ea typeface="맑은 고딕" charset="0"/>
+              </a:rPr>
+              <a:t>RobotControl 이라는</a:t>
+            </a:r>
+            <a:r>
+              <a:rPr sz="1800">
+                <a:latin typeface="맑은 고딕" charset="0"/>
+                <a:ea typeface="맑은 고딕" charset="0"/>
+              </a:rPr>
+              <a:t> 이름으로 </a:t>
+            </a:r>
+            <a:r>
+              <a:rPr sz="1800">
+                <a:latin typeface="맑은 고딕" charset="0"/>
+                <a:ea typeface="맑은 고딕" charset="0"/>
+              </a:rPr>
+              <a:t>정의합니다.</a:t>
             </a:r>
             <a:endParaRPr lang="ko-KR" altLang="en-US" sz="1800">
               <a:latin typeface="맑은 고딕" charset="0"/>
@@ -9810,14 +11719,14 @@
       </p:sp>
       <p:pic>
         <p:nvPicPr>
-          <p:cNvPr id="66" name="그림 16" descr="C:/Users/Admin1/AppData/Roaming/PolarisOffice/ETemp/20324_11685168/fImage415872006500.png"/>
+          <p:cNvPr id="87" name="그림 54" descr="C:/Users/Admin1/AppData/Roaming/PolarisOffice/ETemp/34236_8196696/fImage82892273281.png"/>
           <p:cNvPicPr>
             <a:picLocks noChangeAspect="1"/>
           </p:cNvPicPr>
           <p:nvPr/>
         </p:nvPicPr>
         <p:blipFill rotWithShape="1">
-          <a:blip r:embed="rId6" cstate="hqprint">
+          <a:blip r:embed="rId5" cstate="hqprint">
             <a:extLst>
               <a:ext uri="{28A0092B-C50C-407E-A947-70E740481C1C}">
                 <a14:useLocalDpi xmlns:a14="http://schemas.microsoft.com/office/drawing/2010/main"/>
@@ -9830,13 +11739,690 @@
         </p:blipFill>
         <p:spPr>
           <a:xfrm rot="0">
-            <a:off x="1318260" y="1404620"/>
-            <a:ext cx="4051300" cy="3923030"/>
+            <a:off x="6831330" y="1437640"/>
+            <a:ext cx="2679065" cy="3550285"/>
+          </a:xfrm>
+          <a:prstGeom prst="roundRect"/>
+          <a:solidFill>
+            <a:srgbClr val="EDEDED"/>
+          </a:solidFill>
+        </p:spPr>
+      </p:pic>
+      <p:pic>
+        <p:nvPicPr>
+          <p:cNvPr id="88" name="그림 62" descr="C:/Users/Admin1/AppData/Roaming/PolarisOffice/ETemp/34236_8196696/fImage26982316827.png"/>
+          <p:cNvPicPr>
+            <a:picLocks noChangeAspect="1"/>
+          </p:cNvPicPr>
+          <p:nvPr/>
+        </p:nvPicPr>
+        <p:blipFill rotWithShape="1">
+          <a:blip r:embed="rId6" cstate="print">
+            <a:extLst>
+              <a:ext uri="{28A0092B-C50C-407E-A947-70E740481C1C}">
+                <a14:useLocalDpi xmlns:a14="http://schemas.microsoft.com/office/drawing/2010/main" val="0"/>
+              </a:ext>
+            </a:extLst>
+          </a:blip>
+          <a:stretch>
+            <a:fillRect/>
+          </a:stretch>
+        </p:blipFill>
+        <p:spPr>
+          <a:xfrm rot="0">
+            <a:off x="9922510" y="2601595"/>
+            <a:ext cx="1017270" cy="1206500"/>
+          </a:xfrm>
+          <a:prstGeom prst="roundRect"/>
+          <a:solidFill>
+            <a:srgbClr val="EDEDED"/>
+          </a:solidFill>
+        </p:spPr>
+      </p:pic>
+      <p:pic>
+        <p:nvPicPr>
+          <p:cNvPr id="89" name="그림 65" descr="C:/Users/Admin1/AppData/Roaming/PolarisOffice/ETemp/34236_8196696/fImage2242171946962.png"/>
+          <p:cNvPicPr>
+            <a:picLocks noChangeAspect="1"/>
+          </p:cNvPicPr>
+          <p:nvPr/>
+        </p:nvPicPr>
+        <p:blipFill rotWithShape="1">
+          <a:blip r:embed="rId7" cstate="hqprint">
+            <a:extLst>
+              <a:ext uri="{28A0092B-C50C-407E-A947-70E740481C1C}">
+                <a14:useLocalDpi xmlns:a14="http://schemas.microsoft.com/office/drawing/2010/main"/>
+              </a:ext>
+            </a:extLst>
+          </a:blip>
+          <a:stretch>
+            <a:fillRect/>
+          </a:stretch>
+        </p:blipFill>
+        <p:spPr>
+          <a:xfrm rot="0">
+            <a:off x="9060815" y="2919730"/>
+            <a:ext cx="1198880" cy="594995"/>
           </a:xfrm>
           <a:prstGeom prst="rect"/>
           <a:noFill/>
         </p:spPr>
       </p:pic>
+    </p:spTree>
+  </p:cSld>
+  <p:clrMapOvr>
+    <a:masterClrMapping/>
+  </p:clrMapOvr>
+  <mc:AlternateContent xmlns:mc="http://schemas.openxmlformats.org/markup-compatibility/2006">
+    <mc:Choice xmlns:p14="http://schemas.microsoft.com/office/powerpoint/2010/main" Requires="p14">
+      <p:transition spd="slow" p14:dur="1000"/>
+    </mc:Choice>
+    <mc:Fallback>
+      <p:transition spd="slow"/>
+    </mc:Fallback>
+  </mc:AlternateContent>
+  <p:timing>
+    <p:tnLst>
+      <p:par>
+        <p:cTn id="1" dur="indefinite" restart="never" nodeType="tmRoot"/>
+      </p:par>
+    </p:tnLst>
+  </p:timing>
+</p:sld>
+</file>
+
+<file path=ppt/slides/slide9.xml><?xml version="1.0" encoding="utf-8"?>
+<p:sld xmlns:a="http://schemas.openxmlformats.org/drawingml/2006/main" xmlns:r="http://schemas.openxmlformats.org/officeDocument/2006/relationships" xmlns:p="http://schemas.openxmlformats.org/presentationml/2006/main">
+  <p:cSld>
+    <p:spTree>
+      <p:nvGrpSpPr>
+        <p:cNvPr id="1" name=""/>
+        <p:cNvGrpSpPr/>
+        <p:nvPr/>
+      </p:nvGrpSpPr>
+      <p:grpSpPr>
+        <a:xfrm>
+          <a:off x="0" y="0"/>
+          <a:ext cx="0" cy="0"/>
+          <a:chOff x="0" y="0"/>
+          <a:chExt cx="0" cy="0"/>
+        </a:xfrm>
+      </p:grpSpPr>
+      <p:sp>
+        <p:nvSpPr>
+          <p:cNvPr id="2" name="Rect 0"/>
+          <p:cNvSpPr txBox="1">
+            <a:spLocks/>
+          </p:cNvSpPr>
+          <p:nvPr/>
+        </p:nvSpPr>
+        <p:spPr>
+          <a:xfrm rot="0">
+            <a:off x="4236085" y="419735"/>
+            <a:ext cx="3716655" cy="478155"/>
+          </a:xfrm>
+          <a:prstGeom prst="rect"/>
+          <a:noFill/>
+          <a:ln w="0">
+            <a:noFill/>
+            <a:prstDash/>
+          </a:ln>
+        </p:spPr>
+        <p:txBody>
+          <a:bodyPr wrap="square" lIns="89535" tIns="46355" rIns="89535" bIns="46355" numCol="1" vert="horz" anchor="t">
+            <a:spAutoFit/>
+          </a:bodyPr>
+          <a:lstStyle/>
+          <a:p>
+            <a:pPr marL="0" indent="0" rtl="0" algn="ctr" defTabSz="914400" eaLnBrk="1" latinLnBrk="0" hangingPunct="1">
+              <a:buFontTx/>
+              <a:buNone/>
+            </a:pPr>
+            <a:r>
+              <a:rPr lang="ko-KR" sz="2500" b="1">
+                <a:solidFill>
+                  <a:schemeClr val="tx1"/>
+                </a:solidFill>
+                <a:latin typeface="나눔바른고딕" charset="0"/>
+                <a:ea typeface="나눔바른고딕" charset="0"/>
+              </a:rPr>
+              <a:t>아홉</a:t>
+            </a:r>
+            <a:r>
+              <a:rPr lang="ko-KR" sz="2500" b="1">
+                <a:solidFill>
+                  <a:schemeClr val="tx1"/>
+                </a:solidFill>
+                <a:latin typeface="나눔바른고딕" charset="0"/>
+                <a:ea typeface="나눔바른고딕" charset="0"/>
+              </a:rPr>
+              <a:t> 번째 튜토리얼</a:t>
+            </a:r>
+            <a:endParaRPr lang="ko-KR" altLang="en-US" sz="2500" b="1">
+              <a:solidFill>
+                <a:schemeClr val="tx1"/>
+              </a:solidFill>
+              <a:latin typeface="나눔바른고딕" charset="0"/>
+              <a:ea typeface="나눔바른고딕" charset="0"/>
+            </a:endParaRPr>
+          </a:p>
+        </p:txBody>
+      </p:sp>
+      <p:sp>
+        <p:nvSpPr>
+          <p:cNvPr id="72" name="Rect 0"/>
+          <p:cNvSpPr txBox="1">
+            <a:spLocks/>
+          </p:cNvSpPr>
+          <p:nvPr/>
+        </p:nvSpPr>
+        <p:spPr>
+          <a:xfrm rot="0">
+            <a:off x="1252220" y="2566035"/>
+            <a:ext cx="4141470" cy="954405"/>
+          </a:xfrm>
+          <a:prstGeom prst="rect"/>
+          <a:noFill/>
+          <a:ln w="0">
+            <a:noFill/>
+            <a:prstDash/>
+          </a:ln>
+        </p:spPr>
+        <p:txBody>
+          <a:bodyPr wrap="square" lIns="89535" tIns="46355" rIns="89535" bIns="46355" numCol="1" vert="horz" anchor="t">
+            <a:spAutoFit/>
+          </a:bodyPr>
+          <a:lstStyle/>
+          <a:p>
+            <a:pPr marL="0" indent="0" rtl="0" algn="l" defTabSz="914400" eaLnBrk="1" latinLnBrk="0" hangingPunct="1">
+              <a:buFontTx/>
+              <a:buNone/>
+            </a:pPr>
+            <a:r>
+              <a:rPr lang="ko-KR" sz="2000" b="1">
+                <a:solidFill>
+                  <a:srgbClr val="0611F2"/>
+                </a:solidFill>
+                <a:latin typeface="맑은 고딕" charset="0"/>
+                <a:ea typeface="맑은 고딕" charset="0"/>
+              </a:rPr>
+              <a:t>28</a:t>
+            </a:r>
+            <a:r>
+              <a:rPr sz="2000" b="1">
+                <a:solidFill>
+                  <a:srgbClr val="0611F2"/>
+                </a:solidFill>
+                <a:latin typeface="맑은 고딕" charset="0"/>
+                <a:ea typeface="맑은 고딕" charset="0"/>
+              </a:rPr>
+              <a:t>.</a:t>
+            </a:r>
+            <a:r>
+              <a:rPr lang="ko-KR" sz="2000" b="1">
+                <a:solidFill>
+                  <a:srgbClr val="0611F2"/>
+                </a:solidFill>
+                <a:latin typeface="맑은 고딕" charset="0"/>
+                <a:ea typeface="맑은 고딕" charset="0"/>
+              </a:rPr>
+              <a:t> </a:t>
+            </a:r>
+            <a:r>
+              <a:rPr lang="ko-KR" sz="1800">
+                <a:latin typeface="맑은 고딕" charset="0"/>
+                <a:ea typeface="맑은 고딕" charset="0"/>
+              </a:rPr>
+              <a:t>그러고 나서 Billiard Ball (Two) </a:t>
+            </a:r>
+            <a:r>
+              <a:rPr lang="ko-KR" sz="1800">
+                <a:latin typeface="맑은 고딕" charset="0"/>
+                <a:ea typeface="맑은 고딕" charset="0"/>
+              </a:rPr>
+              <a:t>오브젝트의</a:t>
+            </a:r>
+            <a:r>
+              <a:rPr lang="ko-KR" sz="1800">
+                <a:latin typeface="맑은 고딕" charset="0"/>
+                <a:ea typeface="맑은 고딕" charset="0"/>
+              </a:rPr>
+              <a:t> </a:t>
+            </a:r>
+            <a:r>
+              <a:rPr lang="ko-KR" sz="1800">
+                <a:latin typeface="맑은 고딕" charset="0"/>
+                <a:ea typeface="맑은 고딕" charset="0"/>
+              </a:rPr>
+              <a:t>Tag를 Billiard Ball로 </a:t>
+            </a:r>
+            <a:r>
+              <a:rPr lang="ko-KR" sz="1800">
+                <a:latin typeface="맑은 고딕" charset="0"/>
+                <a:ea typeface="맑은 고딕" charset="0"/>
+              </a:rPr>
+              <a:t>설정합니</a:t>
+            </a:r>
+            <a:r>
+              <a:rPr lang="ko-KR" sz="1800">
+                <a:latin typeface="맑은 고딕" charset="0"/>
+                <a:ea typeface="맑은 고딕" charset="0"/>
+              </a:rPr>
+              <a:t>다.</a:t>
+            </a:r>
+            <a:endParaRPr lang="ko-KR" altLang="en-US" sz="1800">
+              <a:latin typeface="맑은 고딕" charset="0"/>
+              <a:ea typeface="맑은 고딕" charset="0"/>
+            </a:endParaRPr>
+          </a:p>
+        </p:txBody>
+      </p:sp>
+      <p:pic>
+        <p:nvPicPr>
+          <p:cNvPr id="90" name="그림 66" descr="C:/Users/Admin1/AppData/Roaming/PolarisOffice/ETemp/34236_8196696/fImage51192449961.png"/>
+          <p:cNvPicPr>
+            <a:picLocks noChangeAspect="1"/>
+          </p:cNvPicPr>
+          <p:nvPr/>
+        </p:nvPicPr>
+        <p:blipFill rotWithShape="1">
+          <a:blip r:embed="rId2" cstate="print">
+            <a:extLst>
+              <a:ext uri="{28A0092B-C50C-407E-A947-70E740481C1C}">
+                <a14:useLocalDpi xmlns:a14="http://schemas.microsoft.com/office/drawing/2010/main" val="0"/>
+              </a:ext>
+            </a:extLst>
+          </a:blip>
+          <a:stretch>
+            <a:fillRect/>
+          </a:stretch>
+        </p:blipFill>
+        <p:spPr>
+          <a:xfrm rot="0">
+            <a:off x="1252855" y="1438275"/>
+            <a:ext cx="4140200" cy="1025525"/>
+          </a:xfrm>
+          <a:prstGeom prst="roundRect"/>
+          <a:solidFill>
+            <a:srgbClr val="EDEDED"/>
+          </a:solidFill>
+        </p:spPr>
+      </p:pic>
+      <p:sp>
+        <p:nvSpPr>
+          <p:cNvPr id="93" name="텍스트 상자 71"/>
+          <p:cNvSpPr txBox="1">
+            <a:spLocks/>
+          </p:cNvSpPr>
+          <p:nvPr/>
+        </p:nvSpPr>
+        <p:spPr>
+          <a:xfrm rot="0">
+            <a:off x="1246505" y="5221605"/>
+            <a:ext cx="4146550" cy="954405"/>
+          </a:xfrm>
+          <a:prstGeom prst="rect"/>
+          <a:noFill/>
+          <a:ln w="0">
+            <a:noFill/>
+            <a:prstDash/>
+          </a:ln>
+        </p:spPr>
+        <p:txBody>
+          <a:bodyPr wrap="square" lIns="89535" tIns="46355" rIns="89535" bIns="46355" numCol="1" vert="horz" anchor="t">
+            <a:spAutoFit/>
+          </a:bodyPr>
+          <a:lstStyle/>
+          <a:p>
+            <a:pPr marL="0" indent="0" rtl="0" algn="l" defTabSz="914400" eaLnBrk="1" latinLnBrk="0" hangingPunct="1">
+              <a:buFontTx/>
+              <a:buNone/>
+            </a:pPr>
+            <a:r>
+              <a:rPr lang="ko-KR" sz="2000" b="1">
+                <a:solidFill>
+                  <a:srgbClr val="0611F2"/>
+                </a:solidFill>
+                <a:latin typeface="맑은 고딕" charset="0"/>
+                <a:ea typeface="맑은 고딕" charset="0"/>
+              </a:rPr>
+              <a:t>29</a:t>
+            </a:r>
+            <a:r>
+              <a:rPr sz="2000" b="1">
+                <a:solidFill>
+                  <a:srgbClr val="0611F2"/>
+                </a:solidFill>
+                <a:latin typeface="맑은 고딕" charset="0"/>
+                <a:ea typeface="맑은 고딕" charset="0"/>
+              </a:rPr>
+              <a:t>.</a:t>
+            </a:r>
+            <a:r>
+              <a:rPr lang="ko-KR" sz="2000" b="1">
+                <a:solidFill>
+                  <a:srgbClr val="0611F2"/>
+                </a:solidFill>
+                <a:latin typeface="맑은 고딕" charset="0"/>
+                <a:ea typeface="맑은 고딕" charset="0"/>
+              </a:rPr>
+              <a:t> </a:t>
+            </a:r>
+            <a:r>
+              <a:rPr lang="ko-KR" sz="1800">
+                <a:latin typeface="맑은 고딕" charset="0"/>
+                <a:ea typeface="맑은 고딕" charset="0"/>
+              </a:rPr>
+              <a:t>이제 Scout Robot 오브젝트를 </a:t>
+            </a:r>
+            <a:r>
+              <a:rPr lang="ko-KR" sz="1800">
+                <a:latin typeface="맑은 고딕" charset="0"/>
+                <a:ea typeface="맑은 고딕" charset="0"/>
+              </a:rPr>
+              <a:t>선택한</a:t>
+            </a:r>
+            <a:r>
+              <a:rPr lang="ko-KR" sz="1800">
+                <a:latin typeface="맑은 고딕" charset="0"/>
+                <a:ea typeface="맑은 고딕" charset="0"/>
+              </a:rPr>
+              <a:t> </a:t>
+            </a:r>
+            <a:r>
+              <a:rPr lang="ko-KR" sz="1800">
+                <a:latin typeface="맑은 고딕" charset="0"/>
+                <a:ea typeface="맑은 고딕" charset="0"/>
+              </a:rPr>
+              <a:t>다음 Robot Control </a:t>
+            </a:r>
+            <a:r>
+              <a:rPr lang="ko-KR" sz="1800">
+                <a:latin typeface="맑은 고딕" charset="0"/>
+                <a:ea typeface="맑은 고딕" charset="0"/>
+              </a:rPr>
+              <a:t>스크립트</a:t>
+            </a:r>
+            <a:r>
+              <a:rPr lang="ko-KR" sz="1800">
+                <a:latin typeface="맑은 고딕" charset="0"/>
+                <a:ea typeface="맑은 고딕" charset="0"/>
+              </a:rPr>
+              <a:t>를</a:t>
+            </a:r>
+            <a:r>
+              <a:rPr lang="ko-KR" sz="1800">
+                <a:latin typeface="맑은 고딕" charset="0"/>
+                <a:ea typeface="맑은 고딕" charset="0"/>
+              </a:rPr>
+              <a:t> </a:t>
+            </a:r>
+            <a:r>
+              <a:rPr lang="ko-KR" sz="1800">
+                <a:latin typeface="맑은 고딕" charset="0"/>
+                <a:ea typeface="맑은 고딕" charset="0"/>
+              </a:rPr>
+              <a:t>추가합니다.</a:t>
+            </a:r>
+            <a:endParaRPr lang="ko-KR" altLang="en-US" sz="1800">
+              <a:latin typeface="맑은 고딕" charset="0"/>
+              <a:ea typeface="맑은 고딕" charset="0"/>
+            </a:endParaRPr>
+          </a:p>
+        </p:txBody>
+      </p:sp>
+      <p:pic>
+        <p:nvPicPr>
+          <p:cNvPr id="94" name="그림 72" descr="C:/Users/Admin1/AppData/Roaming/PolarisOffice/ETemp/34236_8196696/fImage6225248491.png"/>
+          <p:cNvPicPr>
+            <a:picLocks noChangeAspect="1"/>
+          </p:cNvPicPr>
+          <p:nvPr/>
+        </p:nvPicPr>
+        <p:blipFill rotWithShape="1">
+          <a:blip r:embed="rId3" cstate="print">
+            <a:extLst>
+              <a:ext uri="{28A0092B-C50C-407E-A947-70E740481C1C}">
+                <a14:useLocalDpi xmlns:a14="http://schemas.microsoft.com/office/drawing/2010/main" val="0"/>
+              </a:ext>
+            </a:extLst>
+          </a:blip>
+          <a:stretch>
+            <a:fillRect/>
+          </a:stretch>
+        </p:blipFill>
+        <p:spPr>
+          <a:xfrm rot="0">
+            <a:off x="1249045" y="3642995"/>
+            <a:ext cx="4135120" cy="1447800"/>
+          </a:xfrm>
+          <a:prstGeom prst="roundRect"/>
+          <a:solidFill>
+            <a:srgbClr val="EDEDED"/>
+          </a:solidFill>
+        </p:spPr>
+      </p:pic>
+      <p:pic>
+        <p:nvPicPr>
+          <p:cNvPr id="95" name="그림 75" descr="C:/Users/Admin1/AppData/Roaming/PolarisOffice/ETemp/34236_8196696/fImage73512492995.png"/>
+          <p:cNvPicPr>
+            <a:picLocks noChangeAspect="1"/>
+          </p:cNvPicPr>
+          <p:nvPr/>
+        </p:nvPicPr>
+        <p:blipFill rotWithShape="1">
+          <a:blip r:embed="rId4" cstate="print">
+            <a:extLst>
+              <a:ext uri="{28A0092B-C50C-407E-A947-70E740481C1C}">
+                <a14:useLocalDpi xmlns:a14="http://schemas.microsoft.com/office/drawing/2010/main" val="0"/>
+              </a:ext>
+            </a:extLst>
+          </a:blip>
+          <a:stretch>
+            <a:fillRect/>
+          </a:stretch>
+        </p:blipFill>
+        <p:spPr>
+          <a:xfrm rot="0">
+            <a:off x="6822440" y="1438275"/>
+            <a:ext cx="1378585" cy="1137920"/>
+          </a:xfrm>
+          <a:prstGeom prst="roundRect"/>
+          <a:solidFill>
+            <a:srgbClr val="EDEDED"/>
+          </a:solidFill>
+        </p:spPr>
+      </p:pic>
+      <p:pic>
+        <p:nvPicPr>
+          <p:cNvPr id="96" name="그림 78" descr="C:/Users/Admin1/AppData/Roaming/PolarisOffice/ETemp/34236_8196696/fImage149612501942.png"/>
+          <p:cNvPicPr>
+            <a:picLocks noChangeAspect="1"/>
+          </p:cNvPicPr>
+          <p:nvPr/>
+        </p:nvPicPr>
+        <p:blipFill rotWithShape="1">
+          <a:blip r:embed="rId5" cstate="print">
+            <a:extLst>
+              <a:ext uri="{28A0092B-C50C-407E-A947-70E740481C1C}">
+                <a14:useLocalDpi xmlns:a14="http://schemas.microsoft.com/office/drawing/2010/main" val="0"/>
+              </a:ext>
+            </a:extLst>
+          </a:blip>
+          <a:stretch>
+            <a:fillRect/>
+          </a:stretch>
+        </p:blipFill>
+        <p:spPr>
+          <a:xfrm rot="0">
+            <a:off x="8312150" y="1430020"/>
+            <a:ext cx="2636520" cy="1139190"/>
+          </a:xfrm>
+          <a:prstGeom prst="roundRect"/>
+          <a:solidFill>
+            <a:srgbClr val="EDEDED"/>
+          </a:solidFill>
+        </p:spPr>
+      </p:pic>
+      <p:cxnSp>
+        <p:nvCxnSpPr>
+          <p:cNvPr id="97" name="도형 81"/>
+          <p:cNvCxnSpPr/>
+          <p:nvPr/>
+        </p:nvCxnSpPr>
+        <p:spPr>
+          <a:xfrm rot="0" flipH="1">
+            <a:off x="7537450" y="1886585"/>
+            <a:ext cx="2377440" cy="594995"/>
+          </a:xfrm>
+          <a:prstGeom prst="straightConnector1"/>
+          <a:ln w="6350" cap="flat" cmpd="sng">
+            <a:prstDash/>
+            <a:headEnd type="none" w="med" len="med"/>
+            <a:tailEnd type="triangle" w="med" len="med"/>
+          </a:ln>
+        </p:spPr>
+        <p:style>
+          <a:lnRef idx="1">
+            <a:schemeClr val="accent1"/>
+          </a:lnRef>
+          <a:fillRef idx="0">
+            <a:schemeClr val="accent1"/>
+          </a:fillRef>
+          <a:effectRef idx="0">
+            <a:schemeClr val="accent1"/>
+          </a:effectRef>
+          <a:fontRef idx="minor">
+            <a:schemeClr val="tx1"/>
+          </a:fontRef>
+        </p:style>
+      </p:cxnSp>
+      <p:sp>
+        <p:nvSpPr>
+          <p:cNvPr id="98" name="텍스트 상자 82"/>
+          <p:cNvSpPr txBox="1">
+            <a:spLocks/>
+          </p:cNvSpPr>
+          <p:nvPr/>
+        </p:nvSpPr>
+        <p:spPr>
+          <a:xfrm rot="0">
+            <a:off x="6819265" y="2680970"/>
+            <a:ext cx="4138295" cy="954405"/>
+          </a:xfrm>
+          <a:prstGeom prst="rect"/>
+          <a:noFill/>
+          <a:ln w="0">
+            <a:noFill/>
+            <a:prstDash/>
+          </a:ln>
+        </p:spPr>
+        <p:txBody>
+          <a:bodyPr wrap="square" lIns="89535" tIns="46355" rIns="89535" bIns="46355" numCol="1" vert="horz" anchor="t">
+            <a:spAutoFit/>
+          </a:bodyPr>
+          <a:lstStyle/>
+          <a:p>
+            <a:pPr marL="0" indent="0" rtl="0" algn="l" defTabSz="914400" eaLnBrk="1" latinLnBrk="0" hangingPunct="1">
+              <a:buFontTx/>
+              <a:buNone/>
+            </a:pPr>
+            <a:r>
+              <a:rPr lang="ko-KR" sz="2000" b="1">
+                <a:solidFill>
+                  <a:srgbClr val="0611F2"/>
+                </a:solidFill>
+                <a:latin typeface="맑은 고딕" charset="0"/>
+                <a:ea typeface="맑은 고딕" charset="0"/>
+              </a:rPr>
+              <a:t>3</a:t>
+            </a:r>
+            <a:r>
+              <a:rPr lang="ko-KR" sz="2000" b="1">
+                <a:solidFill>
+                  <a:srgbClr val="0611F2"/>
+                </a:solidFill>
+                <a:latin typeface="맑은 고딕" charset="0"/>
+                <a:ea typeface="맑은 고딕" charset="0"/>
+              </a:rPr>
+              <a:t>0</a:t>
+            </a:r>
+            <a:r>
+              <a:rPr sz="2000" b="1">
+                <a:solidFill>
+                  <a:srgbClr val="0611F2"/>
+                </a:solidFill>
+                <a:latin typeface="맑은 고딕" charset="0"/>
+                <a:ea typeface="맑은 고딕" charset="0"/>
+              </a:rPr>
+              <a:t>.</a:t>
+            </a:r>
+            <a:r>
+              <a:rPr lang="ko-KR" sz="2000" b="1">
+                <a:solidFill>
+                  <a:srgbClr val="0611F2"/>
+                </a:solidFill>
+                <a:latin typeface="맑은 고딕" charset="0"/>
+                <a:ea typeface="맑은 고딕" charset="0"/>
+              </a:rPr>
+              <a:t> </a:t>
+            </a:r>
+            <a:r>
+              <a:rPr lang="ko-KR" sz="1800">
+                <a:latin typeface="맑은 고딕" charset="0"/>
+                <a:ea typeface="맑은 고딕" charset="0"/>
+              </a:rPr>
+              <a:t>그리고 Project 폴더 아래에 </a:t>
+            </a:r>
+            <a:r>
+              <a:rPr lang="ko-KR" sz="1800">
+                <a:latin typeface="맑은 고딕" charset="0"/>
+                <a:ea typeface="맑은 고딕" charset="0"/>
+              </a:rPr>
+              <a:t>있는 </a:t>
+            </a:r>
+            <a:r>
+              <a:rPr lang="ko-KR" sz="1800">
+                <a:latin typeface="맑은 고딕" charset="0"/>
+                <a:ea typeface="맑은 고딕" charset="0"/>
+              </a:rPr>
+              <a:t>Texture</a:t>
+            </a:r>
+            <a:r>
+              <a:rPr lang="ko-KR" sz="1800">
+                <a:latin typeface="맑은 고딕" charset="0"/>
+                <a:ea typeface="맑은 고딕" charset="0"/>
+              </a:rPr>
+              <a:t> 폴더에 Board 텍스처를 Board </a:t>
+            </a:r>
+            <a:r>
+              <a:rPr lang="ko-KR" sz="1800">
+                <a:latin typeface="맑은 고딕" charset="0"/>
+                <a:ea typeface="맑은 고딕" charset="0"/>
+              </a:rPr>
+              <a:t>오브젝트에</a:t>
+            </a:r>
+            <a:r>
+              <a:rPr lang="ko-KR" sz="1800">
+                <a:latin typeface="맑은 고딕" charset="0"/>
+                <a:ea typeface="맑은 고딕" charset="0"/>
+              </a:rPr>
+              <a:t> </a:t>
+            </a:r>
+            <a:r>
+              <a:rPr lang="ko-KR" sz="1800">
+                <a:latin typeface="맑은 고딕" charset="0"/>
+                <a:ea typeface="맑은 고딕" charset="0"/>
+              </a:rPr>
+              <a:t>넣어줍니다.</a:t>
+            </a:r>
+            <a:endParaRPr lang="ko-KR" altLang="en-US" sz="1800">
+              <a:latin typeface="맑은 고딕" charset="0"/>
+              <a:ea typeface="맑은 고딕" charset="0"/>
+            </a:endParaRPr>
+          </a:p>
+        </p:txBody>
+      </p:sp>
     </p:spTree>
   </p:cSld>
   <p:clrMapOvr>

--- a/Assets/Physics/PPT Data/Physics Example.pptx
+++ b/Assets/Physics/PPT Data/Physics Example.pptx
@@ -2,7 +2,7 @@
 <file path=ppt/presentation.xml><?xml version="1.0" encoding="utf-8"?>
 <p:presentation xmlns:a="http://schemas.openxmlformats.org/drawingml/2006/main" xmlns:r="http://schemas.openxmlformats.org/officeDocument/2006/relationships" xmlns:p="http://schemas.openxmlformats.org/presentationml/2006/main" xmlns:p14="http://schemas.microsoft.com/office/powerpoint/2010/main" saveSubsetFonts="1" firstSlideNum="0">
   <p:sldMasterIdLst>
-    <p:sldMasterId id="2147485504" r:id="rId12"/>
+    <p:sldMasterId id="2147485509" r:id="rId12"/>
   </p:sldMasterIdLst>
   <p:notesMasterIdLst>
     <p:notesMasterId r:id="rId14"/>
@@ -5671,7 +5671,7 @@
       </p:sp>
       <p:pic>
         <p:nvPicPr>
-          <p:cNvPr id="11" name="그림 1" descr="C:/Users/Admin1/AppData/Roaming/PolarisOffice/ETemp/20324_11685168/fImage159789841.png"/>
+          <p:cNvPr id="11" name="그림 1"/>
           <p:cNvPicPr>
             <a:picLocks noChangeAspect="1"/>
           </p:cNvPicPr>
@@ -5693,37 +5693,6 @@
           <a:xfrm rot="0">
             <a:off x="1238250" y="1455420"/>
             <a:ext cx="2685415" cy="2476500"/>
-          </a:xfrm>
-          <a:prstGeom prst="roundRect"/>
-          <a:solidFill>
-            <a:srgbClr val="EDEDED"/>
-          </a:solidFill>
-        </p:spPr>
-      </p:pic>
-      <p:pic>
-        <p:nvPicPr>
-          <p:cNvPr id="19" name="그림 17"/>
-          <p:cNvPicPr>
-            <a:picLocks noChangeAspect="1"/>
-          </p:cNvPicPr>
-          <p:nvPr/>
-        </p:nvPicPr>
-        <p:blipFill rotWithShape="1">
-          <a:blip r:embed="rId11" cstate="hqprint">
-            <a:extLst>
-              <a:ext uri="{28A0092B-C50C-407E-A947-70E740481C1C}">
-                <a14:useLocalDpi xmlns:a14="http://schemas.microsoft.com/office/drawing/2010/main"/>
-              </a:ext>
-            </a:extLst>
-          </a:blip>
-          <a:stretch>
-            <a:fillRect/>
-          </a:stretch>
-        </p:blipFill>
-        <p:spPr>
-          <a:xfrm rot="0">
-            <a:off x="6822440" y="1450975"/>
-            <a:ext cx="4135755" cy="1351280"/>
           </a:xfrm>
           <a:prstGeom prst="roundRect"/>
           <a:solidFill>
@@ -5965,7 +5934,7 @@
       </p:sp>
       <p:pic>
         <p:nvPicPr>
-          <p:cNvPr id="23" name="그림 1" descr="C:/Users/Admin1/AppData/Roaming/PolarisOffice/ETemp/20324_11685168/fImage49469741.png"/>
+          <p:cNvPr id="23" name="그림 1"/>
           <p:cNvPicPr>
             <a:picLocks noChangeAspect="1"/>
           </p:cNvPicPr>
@@ -5996,7 +5965,7 @@
       </p:pic>
       <p:pic>
         <p:nvPicPr>
-          <p:cNvPr id="24" name="그림 4" descr="C:/Users/Admin1/AppData/Roaming/PolarisOffice/ETemp/20324_11685168/fImage2461988467.png"/>
+          <p:cNvPr id="24" name="그림 4"/>
           <p:cNvPicPr>
             <a:picLocks noChangeAspect="1"/>
           </p:cNvPicPr>
@@ -6027,7 +5996,7 @@
       </p:pic>
       <p:pic>
         <p:nvPicPr>
-          <p:cNvPr id="25" name="그림 1" descr="C:/Users/Admin1/AppData/Roaming/PolarisOffice/ETemp/20324_11685168/fImage121938241.png"/>
+          <p:cNvPr id="25" name="그림 1"/>
           <p:cNvPicPr>
             <a:picLocks noChangeAspect="1"/>
           </p:cNvPicPr>
@@ -6049,6 +6018,37 @@
           <a:xfrm rot="0">
             <a:off x="6822440" y="3983990"/>
             <a:ext cx="4135120" cy="1419860"/>
+          </a:xfrm>
+          <a:prstGeom prst="roundRect"/>
+          <a:solidFill>
+            <a:srgbClr val="EDEDED"/>
+          </a:solidFill>
+        </p:spPr>
+      </p:pic>
+      <p:pic>
+        <p:nvPicPr>
+          <p:cNvPr id="26" name="그림 4" descr="C:/Users/Admin1/AppData/Roaming/PolarisOffice/ETemp/16736_16248968/fImage499314141.png"/>
+          <p:cNvPicPr>
+            <a:picLocks noChangeAspect="1"/>
+          </p:cNvPicPr>
+          <p:nvPr/>
+        </p:nvPicPr>
+        <p:blipFill rotWithShape="1">
+          <a:blip r:embed="rId19" cstate="print">
+            <a:extLst>
+              <a:ext uri="{28A0092B-C50C-407E-A947-70E740481C1C}">
+                <a14:useLocalDpi xmlns:a14="http://schemas.microsoft.com/office/drawing/2010/main" val="0"/>
+              </a:ext>
+            </a:extLst>
+          </a:blip>
+          <a:stretch>
+            <a:fillRect/>
+          </a:stretch>
+        </p:blipFill>
+        <p:spPr>
+          <a:xfrm rot="0">
+            <a:off x="6819265" y="1455420"/>
+            <a:ext cx="4146550" cy="1327150"/>
           </a:xfrm>
           <a:prstGeom prst="roundRect"/>
           <a:solidFill>
@@ -6946,7 +6946,7 @@
       </p:sp>
       <p:pic>
         <p:nvPicPr>
-          <p:cNvPr id="38" name="그림 5" descr="C:/Users/Admin1/AppData/Roaming/PolarisOffice/ETemp/20324_11685168/fImage159789841.png"/>
+          <p:cNvPr id="38" name="그림 5"/>
           <p:cNvPicPr>
             <a:picLocks noChangeAspect="1"/>
           </p:cNvPicPr>
@@ -7009,7 +7009,7 @@
       </p:cxnSp>
       <p:pic>
         <p:nvPicPr>
-          <p:cNvPr id="41" name="그림 8" descr="C:/Users/Admin1/AppData/Roaming/PolarisOffice/ETemp/20324_11685168/fImage2461988467.png"/>
+          <p:cNvPr id="41" name="그림 8"/>
           <p:cNvPicPr>
             <a:picLocks noChangeAspect="1"/>
           </p:cNvPicPr>
@@ -7040,7 +7040,7 @@
       </p:pic>
       <p:pic>
         <p:nvPicPr>
-          <p:cNvPr id="42" name="그림 9" descr="C:/Users/Admin1/AppData/Roaming/PolarisOffice/ETemp/20324_11685168/fImage5320888467.png"/>
+          <p:cNvPr id="42" name="그림 9"/>
           <p:cNvPicPr>
             <a:picLocks noChangeAspect="1"/>
           </p:cNvPicPr>
@@ -7071,14 +7071,133 @@
       </p:pic>
       <p:pic>
         <p:nvPicPr>
-          <p:cNvPr id="44" name="그림 17" descr="C:/Users/Admin1/AppData/Roaming/PolarisOffice/ETemp/20324_11685168/fImage12429926334.png"/>
+          <p:cNvPr id="44" name="그림 17" descr="C:/Users/Admin1/AppData/Roaming/PolarisOffice/ETemp/16736_16248968/fImage12429926334.png"/>
           <p:cNvPicPr>
             <a:picLocks noChangeAspect="1"/>
           </p:cNvPicPr>
           <p:nvPr/>
         </p:nvPicPr>
         <p:blipFill rotWithShape="1">
-          <a:blip r:embed="rId17" cstate="print">
+          <a:blip r:embed="rId17" cstate="hqprint">
+            <a:extLst>
+              <a:ext uri="{28A0092B-C50C-407E-A947-70E740481C1C}">
+                <a14:useLocalDpi xmlns:a14="http://schemas.microsoft.com/office/drawing/2010/main"/>
+              </a:ext>
+            </a:extLst>
+          </a:blip>
+          <a:stretch>
+            <a:fillRect/>
+          </a:stretch>
+        </p:blipFill>
+        <p:spPr>
+          <a:xfrm rot="0">
+            <a:off x="6823710" y="3721100"/>
+            <a:ext cx="4131310" cy="1709420"/>
+          </a:xfrm>
+          <a:prstGeom prst="roundRect"/>
+          <a:solidFill>
+            <a:srgbClr val="EDEDED"/>
+          </a:solidFill>
+        </p:spPr>
+      </p:pic>
+      <p:sp>
+        <p:nvSpPr>
+          <p:cNvPr id="46" name="텍스트 상자 25"/>
+          <p:cNvSpPr txBox="1">
+            <a:spLocks/>
+          </p:cNvSpPr>
+          <p:nvPr/>
+        </p:nvSpPr>
+        <p:spPr>
+          <a:xfrm rot="0">
+            <a:off x="6826885" y="2898775"/>
+            <a:ext cx="4123690" cy="678180"/>
+          </a:xfrm>
+          <a:prstGeom prst="rect"/>
+          <a:noFill/>
+          <a:ln w="0">
+            <a:noFill/>
+            <a:prstDash/>
+          </a:ln>
+        </p:spPr>
+        <p:txBody>
+          <a:bodyPr wrap="square" lIns="89535" tIns="46355" rIns="89535" bIns="46355" numCol="1" vert="horz" anchor="t">
+            <a:spAutoFit/>
+          </a:bodyPr>
+          <a:lstStyle/>
+          <a:p>
+            <a:pPr marL="0" indent="0" rtl="0" algn="l" defTabSz="914400" eaLnBrk="1" latinLnBrk="0" hangingPunct="1">
+              <a:buFontTx/>
+              <a:buNone/>
+            </a:pPr>
+            <a:r>
+              <a:rPr lang="ko-KR" sz="2000" b="1">
+                <a:solidFill>
+                  <a:srgbClr val="0611F2"/>
+                </a:solidFill>
+                <a:latin typeface="맑은 고딕" charset="0"/>
+                <a:ea typeface="맑은 고딕" charset="0"/>
+              </a:rPr>
+              <a:t>5</a:t>
+            </a:r>
+            <a:r>
+              <a:rPr sz="2000" b="1">
+                <a:solidFill>
+                  <a:srgbClr val="0611F2"/>
+                </a:solidFill>
+                <a:latin typeface="맑은 고딕" charset="0"/>
+                <a:ea typeface="맑은 고딕" charset="0"/>
+              </a:rPr>
+              <a:t>.</a:t>
+            </a:r>
+            <a:r>
+              <a:rPr lang="ko-KR" sz="2000" b="1">
+                <a:solidFill>
+                  <a:srgbClr val="0611F2"/>
+                </a:solidFill>
+                <a:latin typeface="맑은 고딕" charset="0"/>
+                <a:ea typeface="맑은 고딕" charset="0"/>
+              </a:rPr>
+              <a:t> </a:t>
+            </a:r>
+            <a:r>
+              <a:rPr lang="ko-KR" sz="1800">
+                <a:latin typeface="맑은 고딕" charset="0"/>
+                <a:ea typeface="맑은 고딕" charset="0"/>
+              </a:rPr>
+              <a:t>이제 Billiard Ball (Two) 오브젝트에 </a:t>
+            </a:r>
+            <a:r>
+              <a:rPr lang="ko-KR" sz="1800">
+                <a:latin typeface="맑은 고딕" charset="0"/>
+                <a:ea typeface="맑은 고딕" charset="0"/>
+              </a:rPr>
+              <a:t>Rigidbody</a:t>
+            </a:r>
+            <a:r>
+              <a:rPr lang="ko-KR" sz="1800">
+                <a:latin typeface="맑은 고딕" charset="0"/>
+                <a:ea typeface="맑은 고딕" charset="0"/>
+              </a:rPr>
+              <a:t> 컴포넌트를 추가합니다.</a:t>
+            </a:r>
+            <a:endParaRPr lang="ko-KR" altLang="en-US" sz="1800">
+              <a:latin typeface="맑은 고딕" charset="0"/>
+              <a:ea typeface="맑은 고딕" charset="0"/>
+            </a:endParaRPr>
+          </a:p>
+        </p:txBody>
+      </p:sp>
+      <p:pic>
+        <p:nvPicPr>
+          <p:cNvPr id="47" name="그림 1" descr="C:/Users/Admin1/AppData/Roaming/PolarisOffice/ETemp/16736_16248968/fImage49931408467.png"/>
+          <p:cNvPicPr>
+            <a:picLocks noChangeAspect="1"/>
+          </p:cNvPicPr>
+          <p:nvPr/>
+        </p:nvPicPr>
+        <p:blipFill rotWithShape="1">
+          <a:blip r:embed="rId19" cstate="print">
             <a:extLst>
               <a:ext uri="{28A0092B-C50C-407E-A947-70E740481C1C}">
                 <a14:useLocalDpi xmlns:a14="http://schemas.microsoft.com/office/drawing/2010/main" val="0"/>
@@ -7091,8 +7210,8 @@
         </p:blipFill>
         <p:spPr>
           <a:xfrm rot="0">
-            <a:off x="6823710" y="3680460"/>
-            <a:ext cx="4130675" cy="1749425"/>
+            <a:off x="6819265" y="1464310"/>
+            <a:ext cx="4146550" cy="1318260"/>
           </a:xfrm>
           <a:prstGeom prst="roundRect"/>
           <a:solidFill>
@@ -7100,146 +7219,6 @@
           </a:solidFill>
         </p:spPr>
       </p:pic>
-      <p:pic>
-        <p:nvPicPr>
-          <p:cNvPr id="45" name="그림 24" descr="C:/Users/Admin1/AppData/Roaming/PolarisOffice/ETemp/20324_11685168/fImage47031079169.png"/>
-          <p:cNvPicPr>
-            <a:picLocks noChangeAspect="1"/>
-          </p:cNvPicPr>
-          <p:nvPr/>
-        </p:nvPicPr>
-        <p:blipFill rotWithShape="1">
-          <a:blip r:embed="rId18" cstate="hqprint">
-            <a:extLst>
-              <a:ext uri="{28A0092B-C50C-407E-A947-70E740481C1C}">
-                <a14:useLocalDpi xmlns:a14="http://schemas.microsoft.com/office/drawing/2010/main"/>
-              </a:ext>
-            </a:extLst>
-          </a:blip>
-          <a:stretch>
-            <a:fillRect/>
-          </a:stretch>
-        </p:blipFill>
-        <p:spPr>
-          <a:xfrm rot="0">
-            <a:off x="6822440" y="1450975"/>
-            <a:ext cx="4136390" cy="1351915"/>
-          </a:xfrm>
-          <a:prstGeom prst="roundRect"/>
-          <a:solidFill>
-            <a:srgbClr val="EDEDED"/>
-          </a:solidFill>
-        </p:spPr>
-      </p:pic>
-      <p:sp>
-        <p:nvSpPr>
-          <p:cNvPr id="46" name="텍스트 상자 25"/>
-          <p:cNvSpPr txBox="1">
-            <a:spLocks/>
-          </p:cNvSpPr>
-          <p:nvPr/>
-        </p:nvSpPr>
-        <p:spPr>
-          <a:xfrm rot="0">
-            <a:off x="6826885" y="2881630"/>
-            <a:ext cx="4123055" cy="677545"/>
-          </a:xfrm>
-          <a:prstGeom prst="rect"/>
-          <a:noFill/>
-          <a:ln w="0">
-            <a:noFill/>
-            <a:prstDash/>
-          </a:ln>
-        </p:spPr>
-        <p:txBody>
-          <a:bodyPr wrap="square" lIns="89535" tIns="46355" rIns="89535" bIns="46355" numCol="1" vert="horz" anchor="t">
-            <a:spAutoFit/>
-          </a:bodyPr>
-          <a:lstStyle/>
-          <a:p>
-            <a:pPr marL="0" indent="0" rtl="0" algn="l" defTabSz="914400" eaLnBrk="1" latinLnBrk="0" hangingPunct="1">
-              <a:buFontTx/>
-              <a:buNone/>
-            </a:pPr>
-            <a:r>
-              <a:rPr lang="ko-KR" sz="2000" b="1">
-                <a:solidFill>
-                  <a:srgbClr val="0611F2"/>
-                </a:solidFill>
-                <a:latin typeface="맑은 고딕" charset="0"/>
-                <a:ea typeface="맑은 고딕" charset="0"/>
-              </a:rPr>
-              <a:t>5</a:t>
-            </a:r>
-            <a:r>
-              <a:rPr sz="2000" b="1">
-                <a:solidFill>
-                  <a:srgbClr val="0611F2"/>
-                </a:solidFill>
-                <a:latin typeface="맑은 고딕" charset="0"/>
-                <a:ea typeface="맑은 고딕" charset="0"/>
-              </a:rPr>
-              <a:t>.</a:t>
-            </a:r>
-            <a:r>
-              <a:rPr lang="ko-KR" sz="2000" b="1">
-                <a:solidFill>
-                  <a:srgbClr val="0611F2"/>
-                </a:solidFill>
-                <a:latin typeface="맑은 고딕" charset="0"/>
-                <a:ea typeface="맑은 고딕" charset="0"/>
-              </a:rPr>
-              <a:t> </a:t>
-            </a:r>
-            <a:r>
-              <a:rPr lang="ko-KR" sz="1800">
-                <a:latin typeface="맑은 고딕" charset="0"/>
-                <a:ea typeface="맑은 고딕" charset="0"/>
-              </a:rPr>
-              <a:t>이제 Billiard Ball (Two) </a:t>
-            </a:r>
-            <a:r>
-              <a:rPr lang="ko-KR" sz="1800">
-                <a:latin typeface="맑은 고딕" charset="0"/>
-                <a:ea typeface="맑은 고딕" charset="0"/>
-              </a:rPr>
-              <a:t>오브젝트에</a:t>
-            </a:r>
-            <a:r>
-              <a:rPr lang="ko-KR" sz="1800">
-                <a:latin typeface="맑은 고딕" charset="0"/>
-                <a:ea typeface="맑은 고딕" charset="0"/>
-              </a:rPr>
-              <a:t> </a:t>
-            </a:r>
-            <a:r>
-              <a:rPr lang="ko-KR" sz="1800">
-                <a:latin typeface="맑은 고딕" charset="0"/>
-                <a:ea typeface="맑은 고딕" charset="0"/>
-              </a:rPr>
-              <a:t>Rigidbody</a:t>
-            </a:r>
-            <a:r>
-              <a:rPr lang="ko-KR" sz="1800">
-                <a:latin typeface="맑은 고딕" charset="0"/>
-                <a:ea typeface="맑은 고딕" charset="0"/>
-              </a:rPr>
-              <a:t> 컴포넌트를 </a:t>
-            </a:r>
-            <a:r>
-              <a:rPr lang="ko-KR" sz="1800">
-                <a:latin typeface="맑은 고딕" charset="0"/>
-                <a:ea typeface="맑은 고딕" charset="0"/>
-              </a:rPr>
-              <a:t>추가합니다.</a:t>
-            </a:r>
-            <a:endParaRPr lang="ko-KR" altLang="en-US" sz="1800">
-              <a:latin typeface="맑은 고딕" charset="0"/>
-              <a:ea typeface="맑은 고딕" charset="0"/>
-            </a:endParaRPr>
-          </a:p>
-        </p:txBody>
-      </p:sp>
     </p:spTree>
   </p:cSld>
   <p:clrMapOvr>
@@ -7734,7 +7713,7 @@
       </p:sp>
       <p:pic>
         <p:nvPicPr>
-          <p:cNvPr id="37" name="그림 26" descr="C:/Users/Admin1/AppData/Roaming/PolarisOffice/ETemp/20324_11685168/fImage159789841.png"/>
+          <p:cNvPr id="37" name="그림 26"/>
           <p:cNvPicPr>
             <a:picLocks noChangeAspect="1"/>
           </p:cNvPicPr>
@@ -7773,8 +7752,8 @@
         </p:nvCxnSpPr>
         <p:spPr>
           <a:xfrm rot="0" flipV="1">
-            <a:off x="4740910" y="2823210"/>
-            <a:ext cx="5080" cy="372745"/>
+            <a:off x="4740910" y="2823845"/>
+            <a:ext cx="5715" cy="372745"/>
           </a:xfrm>
           <a:prstGeom prst="straightConnector1"/>
           <a:ln w="6350" cap="flat" cmpd="sng">
@@ -7799,7 +7778,7 @@
       </p:cxnSp>
       <p:pic>
         <p:nvPicPr>
-          <p:cNvPr id="39" name="그림 28" descr="C:/Users/Admin1/AppData/Roaming/PolarisOffice/ETemp/20324_11685168/fImage2461988467.png"/>
+          <p:cNvPr id="39" name="그림 28" descr="C:/Users/Admin1/AppData/Roaming/PolarisOffice/ETemp/16736_16248968/fImage2461988467.png"/>
           <p:cNvPicPr>
             <a:picLocks noChangeAspect="1"/>
           </p:cNvPicPr>
@@ -7819,8 +7798,8 @@
         </p:blipFill>
         <p:spPr>
           <a:xfrm rot="0">
-            <a:off x="4390390" y="3195320"/>
-            <a:ext cx="702310" cy="745490"/>
+            <a:off x="4401820" y="3195320"/>
+            <a:ext cx="681355" cy="746125"/>
           </a:xfrm>
           <a:prstGeom prst="roundRect"/>
           <a:solidFill>
@@ -7830,45 +7809,14 @@
       </p:pic>
       <p:pic>
         <p:nvPicPr>
-          <p:cNvPr id="40" name="그림 30" descr="C:/Users/Admin1/AppData/Roaming/PolarisOffice/ETemp/20324_11685168/fImage56891036500.png"/>
+          <p:cNvPr id="40" name="그림 30" descr="C:/Users/Admin1/AppData/Roaming/PolarisOffice/ETemp/16736_16248968/fImage56891036500.png"/>
           <p:cNvPicPr>
             <a:picLocks noChangeAspect="1"/>
           </p:cNvPicPr>
           <p:nvPr/>
         </p:nvPicPr>
         <p:blipFill rotWithShape="1">
-          <a:blip r:embed="rId6" cstate="print">
-            <a:extLst>
-              <a:ext uri="{28A0092B-C50C-407E-A947-70E740481C1C}">
-                <a14:useLocalDpi xmlns:a14="http://schemas.microsoft.com/office/drawing/2010/main" val="0"/>
-              </a:ext>
-            </a:extLst>
-          </a:blip>
-          <a:stretch>
-            <a:fillRect/>
-          </a:stretch>
-        </p:blipFill>
-        <p:spPr>
-          <a:xfrm rot="0">
-            <a:off x="4113530" y="1437005"/>
-            <a:ext cx="1264920" cy="1386840"/>
-          </a:xfrm>
-          <a:prstGeom prst="roundRect"/>
-          <a:solidFill>
-            <a:srgbClr val="EDEDED"/>
-          </a:solidFill>
-        </p:spPr>
-      </p:pic>
-      <p:pic>
-        <p:nvPicPr>
-          <p:cNvPr id="41" name="그림 33" descr="C:/Users/Admin1/AppData/Roaming/PolarisOffice/ETemp/20324_11685168/fImage47031079169.png"/>
-          <p:cNvPicPr>
-            <a:picLocks noChangeAspect="1"/>
-          </p:cNvPicPr>
-          <p:nvPr/>
-        </p:nvPicPr>
-        <p:blipFill rotWithShape="1">
-          <a:blip r:embed="rId7" cstate="hqprint">
+          <a:blip r:embed="rId6" cstate="hqprint">
             <a:extLst>
               <a:ext uri="{28A0092B-C50C-407E-A947-70E740481C1C}">
                 <a14:useLocalDpi xmlns:a14="http://schemas.microsoft.com/office/drawing/2010/main"/>
@@ -7881,8 +7829,8 @@
         </p:blipFill>
         <p:spPr>
           <a:xfrm rot="0">
-            <a:off x="6822440" y="1450975"/>
-            <a:ext cx="4136390" cy="1351915"/>
+            <a:off x="4113530" y="1447165"/>
+            <a:ext cx="1265555" cy="1377315"/>
           </a:xfrm>
           <a:prstGeom prst="roundRect"/>
           <a:solidFill>
@@ -8001,7 +7949,7 @@
       </p:sp>
       <p:pic>
         <p:nvPicPr>
-          <p:cNvPr id="43" name="그림 35" descr="C:/Users/Admin1/AppData/Roaming/PolarisOffice/ETemp/20324_11685168/fImage124181069169.png"/>
+          <p:cNvPr id="43" name="그림 35"/>
           <p:cNvPicPr>
             <a:picLocks noChangeAspect="1"/>
           </p:cNvPicPr>
@@ -8023,6 +7971,37 @@
           <a:xfrm rot="0">
             <a:off x="6831965" y="3966210"/>
             <a:ext cx="4122420" cy="1394460"/>
+          </a:xfrm>
+          <a:prstGeom prst="roundRect"/>
+          <a:solidFill>
+            <a:srgbClr val="EDEDED"/>
+          </a:solidFill>
+        </p:spPr>
+      </p:pic>
+      <p:pic>
+        <p:nvPicPr>
+          <p:cNvPr id="44" name="그림 5" descr="C:/Users/Admin1/AppData/Roaming/PolarisOffice/ETemp/16736_16248968/fImage49931426334.png"/>
+          <p:cNvPicPr>
+            <a:picLocks noChangeAspect="1"/>
+          </p:cNvPicPr>
+          <p:nvPr/>
+        </p:nvPicPr>
+        <p:blipFill rotWithShape="1">
+          <a:blip r:embed="rId9" cstate="print">
+            <a:extLst>
+              <a:ext uri="{28A0092B-C50C-407E-A947-70E740481C1C}">
+                <a14:useLocalDpi xmlns:a14="http://schemas.microsoft.com/office/drawing/2010/main" val="0"/>
+              </a:ext>
+            </a:extLst>
+          </a:blip>
+          <a:stretch>
+            <a:fillRect/>
+          </a:stretch>
+        </p:blipFill>
+        <p:spPr>
+          <a:xfrm rot="0">
+            <a:off x="6819265" y="1447165"/>
+            <a:ext cx="4146550" cy="1335405"/>
           </a:xfrm>
           <a:prstGeom prst="roundRect"/>
           <a:solidFill>
@@ -11832,7 +11811,7 @@
 </file>
 
 <file path=ppt/slides/slide9.xml><?xml version="1.0" encoding="utf-8"?>
-<p:sld xmlns:a="http://schemas.openxmlformats.org/drawingml/2006/main" xmlns:r="http://schemas.openxmlformats.org/officeDocument/2006/relationships" xmlns:p="http://schemas.openxmlformats.org/presentationml/2006/main">
+<p:sld xmlns:a="http://schemas.openxmlformats.org/drawingml/2006/main" xmlns:r="http://schemas.openxmlformats.org/officeDocument/2006/relationships" xmlns:p="http://schemas.openxmlformats.org/presentationml/2006/main" xmlns:p14="http://schemas.microsoft.com/office/powerpoint/2010/main">
   <p:cSld>
     <p:spTree>
       <p:nvGrpSpPr>
@@ -12019,7 +11998,7 @@
       </p:sp>
       <p:pic>
         <p:nvPicPr>
-          <p:cNvPr id="90" name="그림 66" descr="C:/Users/Admin1/AppData/Roaming/PolarisOffice/ETemp/34236_8196696/fImage51192449961.png"/>
+          <p:cNvPr id="90" name="그림 66"/>
           <p:cNvPicPr>
             <a:picLocks noChangeAspect="1"/>
           </p:cNvPicPr>
@@ -12173,17 +12152,17 @@
       </p:sp>
       <p:pic>
         <p:nvPicPr>
-          <p:cNvPr id="94" name="그림 72" descr="C:/Users/Admin1/AppData/Roaming/PolarisOffice/ETemp/34236_8196696/fImage6225248491.png"/>
+          <p:cNvPr id="94" name="그림 72" descr="C:/Users/Admin1/AppData/Roaming/PolarisOffice/ETemp/16736_16248968/fImage6225248491.png"/>
           <p:cNvPicPr>
             <a:picLocks noChangeAspect="1"/>
           </p:cNvPicPr>
           <p:nvPr/>
         </p:nvPicPr>
         <p:blipFill rotWithShape="1">
-          <a:blip r:embed="rId3" cstate="print">
+          <a:blip r:embed="rId3" cstate="hqprint">
             <a:extLst>
               <a:ext uri="{28A0092B-C50C-407E-A947-70E740481C1C}">
-                <a14:useLocalDpi xmlns:a14="http://schemas.microsoft.com/office/drawing/2010/main" val="0"/>
+                <a14:useLocalDpi xmlns:a14="http://schemas.microsoft.com/office/drawing/2010/main"/>
               </a:ext>
             </a:extLst>
           </a:blip>
@@ -12193,8 +12172,8 @@
         </p:blipFill>
         <p:spPr>
           <a:xfrm rot="0">
-            <a:off x="1249045" y="3642995"/>
-            <a:ext cx="4135120" cy="1447800"/>
+            <a:off x="1249045" y="3660140"/>
+            <a:ext cx="4135755" cy="1448435"/>
           </a:xfrm>
           <a:prstGeom prst="roundRect"/>
           <a:solidFill>
@@ -12204,7 +12183,7 @@
       </p:pic>
       <p:pic>
         <p:nvPicPr>
-          <p:cNvPr id="95" name="그림 75" descr="C:/Users/Admin1/AppData/Roaming/PolarisOffice/ETemp/34236_8196696/fImage73512492995.png"/>
+          <p:cNvPr id="95" name="그림 75"/>
           <p:cNvPicPr>
             <a:picLocks noChangeAspect="1"/>
           </p:cNvPicPr>
@@ -12235,7 +12214,7 @@
       </p:pic>
       <p:pic>
         <p:nvPicPr>
-          <p:cNvPr id="96" name="그림 78" descr="C:/Users/Admin1/AppData/Roaming/PolarisOffice/ETemp/34236_8196696/fImage149612501942.png"/>
+          <p:cNvPr id="96" name="그림 78"/>
           <p:cNvPicPr>
             <a:picLocks noChangeAspect="1"/>
           </p:cNvPicPr>
@@ -12415,6 +12394,156 @@
                 <a:ea typeface="맑은 고딕" charset="0"/>
               </a:rPr>
               <a:t>넣어줍니다.</a:t>
+            </a:r>
+            <a:endParaRPr lang="ko-KR" altLang="en-US" sz="1800">
+              <a:latin typeface="맑은 고딕" charset="0"/>
+              <a:ea typeface="맑은 고딕" charset="0"/>
+            </a:endParaRPr>
+          </a:p>
+        </p:txBody>
+      </p:sp>
+      <p:pic>
+        <p:nvPicPr>
+          <p:cNvPr id="99" name="그림 6" descr="C:/Users/Admin1/AppData/Roaming/PolarisOffice/ETemp/16736_16248968/fImage49931436500.png"/>
+          <p:cNvPicPr>
+            <a:picLocks noChangeAspect="1"/>
+          </p:cNvPicPr>
+          <p:nvPr/>
+        </p:nvPicPr>
+        <p:blipFill rotWithShape="1">
+          <a:blip r:embed="rId6" cstate="print">
+            <a:extLst>
+              <a:ext uri="{28A0092B-C50C-407E-A947-70E740481C1C}">
+                <a14:useLocalDpi xmlns:a14="http://schemas.microsoft.com/office/drawing/2010/main" val="0"/>
+              </a:ext>
+            </a:extLst>
+          </a:blip>
+          <a:stretch>
+            <a:fillRect/>
+          </a:stretch>
+        </p:blipFill>
+        <p:spPr>
+          <a:xfrm rot="0">
+            <a:off x="6828155" y="3789680"/>
+            <a:ext cx="4129405" cy="1310005"/>
+          </a:xfrm>
+          <a:prstGeom prst="roundRect"/>
+          <a:solidFill>
+            <a:srgbClr val="EDEDED"/>
+          </a:solidFill>
+        </p:spPr>
+      </p:pic>
+      <p:sp>
+        <p:nvSpPr>
+          <p:cNvPr id="100" name="텍스트 상자 7"/>
+          <p:cNvSpPr txBox="1">
+            <a:spLocks/>
+          </p:cNvSpPr>
+          <p:nvPr/>
+        </p:nvSpPr>
+        <p:spPr>
+          <a:xfrm rot="0">
+            <a:off x="6822440" y="5224145"/>
+            <a:ext cx="4126230" cy="954405"/>
+          </a:xfrm>
+          <a:prstGeom prst="rect"/>
+          <a:noFill/>
+          <a:ln w="0">
+            <a:noFill/>
+            <a:prstDash/>
+          </a:ln>
+        </p:spPr>
+        <p:txBody>
+          <a:bodyPr wrap="square" lIns="89535" tIns="46355" rIns="89535" bIns="46355" numCol="1" vert="horz" anchor="t">
+            <a:spAutoFit/>
+          </a:bodyPr>
+          <a:lstStyle/>
+          <a:p>
+            <a:pPr marL="0" indent="0" rtl="0" algn="l" defTabSz="914400" eaLnBrk="1" latinLnBrk="0" hangingPunct="1">
+              <a:buFontTx/>
+              <a:buNone/>
+            </a:pPr>
+            <a:r>
+              <a:rPr lang="ko-KR" sz="2000" b="1">
+                <a:solidFill>
+                  <a:srgbClr val="0611F2"/>
+                </a:solidFill>
+                <a:latin typeface="맑은 고딕" charset="0"/>
+                <a:ea typeface="맑은 고딕" charset="0"/>
+              </a:rPr>
+              <a:t>3</a:t>
+            </a:r>
+            <a:r>
+              <a:rPr lang="ko-KR" sz="2000" b="1">
+                <a:solidFill>
+                  <a:srgbClr val="0611F2"/>
+                </a:solidFill>
+                <a:latin typeface="맑은 고딕" charset="0"/>
+                <a:ea typeface="맑은 고딕" charset="0"/>
+              </a:rPr>
+              <a:t>1</a:t>
+            </a:r>
+            <a:r>
+              <a:rPr sz="2000" b="1">
+                <a:solidFill>
+                  <a:srgbClr val="0611F2"/>
+                </a:solidFill>
+                <a:latin typeface="맑은 고딕" charset="0"/>
+                <a:ea typeface="맑은 고딕" charset="0"/>
+              </a:rPr>
+              <a:t>.</a:t>
+            </a:r>
+            <a:r>
+              <a:rPr lang="ko-KR" sz="2000" b="1">
+                <a:solidFill>
+                  <a:srgbClr val="0611F2"/>
+                </a:solidFill>
+                <a:latin typeface="맑은 고딕" charset="0"/>
+                <a:ea typeface="맑은 고딕" charset="0"/>
+              </a:rPr>
+              <a:t> </a:t>
+            </a:r>
+            <a:r>
+              <a:rPr lang="ko-KR" sz="1800">
+                <a:latin typeface="맑은 고딕" charset="0"/>
+                <a:ea typeface="맑은 고딕" charset="0"/>
+              </a:rPr>
+              <a:t>그런 다음 Scout Robot </a:t>
+            </a:r>
+            <a:r>
+              <a:rPr lang="ko-KR" sz="1800">
+                <a:latin typeface="맑은 고딕" charset="0"/>
+                <a:ea typeface="맑은 고딕" charset="0"/>
+              </a:rPr>
+              <a:t>오브젝트에</a:t>
+            </a:r>
+            <a:r>
+              <a:rPr lang="ko-KR" sz="1800">
+                <a:latin typeface="맑은 고딕" charset="0"/>
+                <a:ea typeface="맑은 고딕" charset="0"/>
+              </a:rPr>
+              <a:t> </a:t>
+            </a:r>
+            <a:r>
+              <a:rPr lang="ko-KR" sz="1800">
+                <a:latin typeface="맑은 고딕" charset="0"/>
+                <a:ea typeface="맑은 고딕" charset="0"/>
+              </a:rPr>
+              <a:t>Rigidbody 컴포넌트를 </a:t>
+            </a:r>
+            <a:r>
+              <a:rPr lang="ko-KR" sz="1800">
+                <a:latin typeface="맑은 고딕" charset="0"/>
+                <a:ea typeface="맑은 고딕" charset="0"/>
+              </a:rPr>
+              <a:t>추가합니</a:t>
+            </a:r>
+            <a:r>
+              <a:rPr lang="ko-KR" sz="1800">
+                <a:latin typeface="맑은 고딕" charset="0"/>
+                <a:ea typeface="맑은 고딕" charset="0"/>
+              </a:rPr>
+              <a:t>다.</a:t>
             </a:r>
             <a:endParaRPr lang="ko-KR" altLang="en-US" sz="1800">
               <a:latin typeface="맑은 고딕" charset="0"/>

--- a/Assets/Physics/PPT Data/Physics Example.pptx
+++ b/Assets/Physics/PPT Data/Physics Example.pptx
@@ -2,7 +2,7 @@
 <file path=ppt/presentation.xml><?xml version="1.0" encoding="utf-8"?>
 <p:presentation xmlns:a="http://schemas.openxmlformats.org/drawingml/2006/main" xmlns:r="http://schemas.openxmlformats.org/officeDocument/2006/relationships" xmlns:p="http://schemas.openxmlformats.org/presentationml/2006/main" xmlns:p14="http://schemas.microsoft.com/office/powerpoint/2010/main" saveSubsetFonts="1" firstSlideNum="0">
   <p:sldMasterIdLst>
-    <p:sldMasterId id="2147485509" r:id="rId12"/>
+    <p:sldMasterId id="2147485515" r:id="rId12"/>
   </p:sldMasterIdLst>
   <p:notesMasterIdLst>
     <p:notesMasterId r:id="rId14"/>
@@ -17,7 +17,9 @@
     <p:sldId id="293" r:id="rId22"/>
     <p:sldId id="294" r:id="rId23"/>
     <p:sldId id="295" r:id="rId24"/>
-    <p:sldId id="287" r:id="rId25"/>
+    <p:sldId id="296" r:id="rId25"/>
+    <p:sldId id="297" r:id="rId26"/>
+    <p:sldId id="287" r:id="rId27"/>
   </p:sldIdLst>
   <p:sldSz cx="12192000" cy="6858000"/>
   <p:notesSz cx="6858000" cy="9144000"/>
@@ -6080,6 +6082,1483 @@
 </file>
 
 <file path=ppt/slides/slide10.xml><?xml version="1.0" encoding="utf-8"?>
+<p:sld xmlns:a="http://schemas.openxmlformats.org/drawingml/2006/main" xmlns:r="http://schemas.openxmlformats.org/officeDocument/2006/relationships" xmlns:p="http://schemas.openxmlformats.org/presentationml/2006/main">
+  <p:cSld>
+    <p:spTree>
+      <p:nvGrpSpPr>
+        <p:cNvPr id="1" name=""/>
+        <p:cNvGrpSpPr/>
+        <p:nvPr/>
+      </p:nvGrpSpPr>
+      <p:grpSpPr>
+        <a:xfrm>
+          <a:off x="0" y="0"/>
+          <a:ext cx="0" cy="0"/>
+          <a:chOff x="0" y="0"/>
+          <a:chExt cx="0" cy="0"/>
+        </a:xfrm>
+      </p:grpSpPr>
+      <p:sp>
+        <p:nvSpPr>
+          <p:cNvPr id="2" name="Rect 0"/>
+          <p:cNvSpPr txBox="1">
+            <a:spLocks/>
+          </p:cNvSpPr>
+          <p:nvPr/>
+        </p:nvSpPr>
+        <p:spPr>
+          <a:xfrm rot="0">
+            <a:off x="4236085" y="419735"/>
+            <a:ext cx="3717290" cy="478155"/>
+          </a:xfrm>
+          <a:prstGeom prst="rect"/>
+          <a:noFill/>
+          <a:ln w="0">
+            <a:noFill/>
+            <a:prstDash/>
+          </a:ln>
+        </p:spPr>
+        <p:txBody>
+          <a:bodyPr wrap="square" lIns="89535" tIns="46355" rIns="89535" bIns="46355" numCol="1" vert="horz" anchor="t">
+            <a:spAutoFit/>
+          </a:bodyPr>
+          <a:lstStyle/>
+          <a:p>
+            <a:pPr marL="0" indent="0" rtl="0" algn="ctr" defTabSz="914400" eaLnBrk="1" latinLnBrk="0" hangingPunct="1">
+              <a:buFontTx/>
+              <a:buNone/>
+            </a:pPr>
+            <a:r>
+              <a:rPr lang="ko-KR" sz="2500" b="1">
+                <a:solidFill>
+                  <a:schemeClr val="tx1"/>
+                </a:solidFill>
+                <a:latin typeface="나눔바른고딕" charset="0"/>
+                <a:ea typeface="나눔바른고딕" charset="0"/>
+              </a:rPr>
+              <a:t>열</a:t>
+            </a:r>
+            <a:r>
+              <a:rPr lang="ko-KR" sz="2500" b="1">
+                <a:solidFill>
+                  <a:schemeClr val="tx1"/>
+                </a:solidFill>
+                <a:latin typeface="나눔바른고딕" charset="0"/>
+                <a:ea typeface="나눔바른고딕" charset="0"/>
+              </a:rPr>
+              <a:t> 번째 튜토리얼</a:t>
+            </a:r>
+            <a:endParaRPr lang="ko-KR" altLang="en-US" sz="2500" b="1">
+              <a:solidFill>
+                <a:schemeClr val="tx1"/>
+              </a:solidFill>
+              <a:latin typeface="나눔바른고딕" charset="0"/>
+              <a:ea typeface="나눔바른고딕" charset="0"/>
+            </a:endParaRPr>
+          </a:p>
+        </p:txBody>
+      </p:sp>
+      <p:sp>
+        <p:nvSpPr>
+          <p:cNvPr id="72" name="Rect 0"/>
+          <p:cNvSpPr txBox="1">
+            <a:spLocks/>
+          </p:cNvSpPr>
+          <p:nvPr/>
+        </p:nvSpPr>
+        <p:spPr>
+          <a:xfrm rot="0">
+            <a:off x="1252220" y="2574290"/>
+            <a:ext cx="4131945" cy="954405"/>
+          </a:xfrm>
+          <a:prstGeom prst="rect"/>
+          <a:noFill/>
+          <a:ln w="0">
+            <a:noFill/>
+            <a:prstDash/>
+          </a:ln>
+        </p:spPr>
+        <p:txBody>
+          <a:bodyPr wrap="square" lIns="89535" tIns="46355" rIns="89535" bIns="46355" numCol="1" vert="horz" anchor="t">
+            <a:spAutoFit/>
+          </a:bodyPr>
+          <a:lstStyle/>
+          <a:p>
+            <a:pPr marL="0" indent="0" rtl="0" algn="l" defTabSz="914400" eaLnBrk="1" latinLnBrk="0" hangingPunct="1">
+              <a:buFontTx/>
+              <a:buNone/>
+            </a:pPr>
+            <a:r>
+              <a:rPr lang="ko-KR" sz="2000" b="1">
+                <a:solidFill>
+                  <a:srgbClr val="0611F2"/>
+                </a:solidFill>
+                <a:latin typeface="맑은 고딕" charset="0"/>
+                <a:ea typeface="맑은 고딕" charset="0"/>
+              </a:rPr>
+              <a:t>3</a:t>
+            </a:r>
+            <a:r>
+              <a:rPr lang="ko-KR" sz="2000" b="1">
+                <a:solidFill>
+                  <a:srgbClr val="0611F2"/>
+                </a:solidFill>
+                <a:latin typeface="맑은 고딕" charset="0"/>
+                <a:ea typeface="맑은 고딕" charset="0"/>
+              </a:rPr>
+              <a:t>2</a:t>
+            </a:r>
+            <a:r>
+              <a:rPr sz="2000" b="1">
+                <a:solidFill>
+                  <a:srgbClr val="0611F2"/>
+                </a:solidFill>
+                <a:latin typeface="맑은 고딕" charset="0"/>
+                <a:ea typeface="맑은 고딕" charset="0"/>
+              </a:rPr>
+              <a:t>.</a:t>
+            </a:r>
+            <a:r>
+              <a:rPr lang="ko-KR" sz="2000" b="1">
+                <a:solidFill>
+                  <a:srgbClr val="0611F2"/>
+                </a:solidFill>
+                <a:latin typeface="맑은 고딕" charset="0"/>
+                <a:ea typeface="맑은 고딕" charset="0"/>
+              </a:rPr>
+              <a:t> </a:t>
+            </a:r>
+            <a:r>
+              <a:rPr lang="ko-KR" sz="1800">
+                <a:latin typeface="맑은 고딕" charset="0"/>
+                <a:ea typeface="맑은 고딕" charset="0"/>
+              </a:rPr>
+              <a:t>그다음으로 Billiard Ball (Three) </a:t>
+            </a:r>
+            <a:r>
+              <a:rPr lang="ko-KR" sz="1800">
+                <a:latin typeface="맑은 고딕" charset="0"/>
+                <a:ea typeface="맑은 고딕" charset="0"/>
+              </a:rPr>
+              <a:t>오브젝트의</a:t>
+            </a:r>
+            <a:r>
+              <a:rPr lang="ko-KR" sz="1800">
+                <a:latin typeface="맑은 고딕" charset="0"/>
+                <a:ea typeface="맑은 고딕" charset="0"/>
+              </a:rPr>
+              <a:t> </a:t>
+            </a:r>
+            <a:r>
+              <a:rPr lang="ko-KR" sz="1800">
+                <a:latin typeface="맑은 고딕" charset="0"/>
+                <a:ea typeface="맑은 고딕" charset="0"/>
+              </a:rPr>
+              <a:t>Tag를</a:t>
+            </a:r>
+            <a:r>
+              <a:rPr lang="ko-KR" sz="1800">
+                <a:latin typeface="맑은 고딕" charset="0"/>
+                <a:ea typeface="맑은 고딕" charset="0"/>
+              </a:rPr>
+              <a:t> Billiard Ball로 </a:t>
+            </a:r>
+            <a:r>
+              <a:rPr lang="ko-KR" sz="1800">
+                <a:latin typeface="맑은 고딕" charset="0"/>
+                <a:ea typeface="맑은 고딕" charset="0"/>
+              </a:rPr>
+              <a:t>설정합니다.</a:t>
+            </a:r>
+            <a:endParaRPr lang="ko-KR" altLang="en-US" sz="1800">
+              <a:latin typeface="맑은 고딕" charset="0"/>
+              <a:ea typeface="맑은 고딕" charset="0"/>
+            </a:endParaRPr>
+          </a:p>
+        </p:txBody>
+      </p:sp>
+      <p:sp>
+        <p:nvSpPr>
+          <p:cNvPr id="93" name="Rect 0"/>
+          <p:cNvSpPr txBox="1">
+            <a:spLocks/>
+          </p:cNvSpPr>
+          <p:nvPr/>
+        </p:nvSpPr>
+        <p:spPr>
+          <a:xfrm rot="0">
+            <a:off x="1246505" y="4946015"/>
+            <a:ext cx="4146550" cy="1231265"/>
+          </a:xfrm>
+          <a:prstGeom prst="rect"/>
+          <a:noFill/>
+          <a:ln w="0">
+            <a:noFill/>
+            <a:prstDash/>
+          </a:ln>
+        </p:spPr>
+        <p:txBody>
+          <a:bodyPr wrap="square" lIns="89535" tIns="46355" rIns="89535" bIns="46355" numCol="1" vert="horz" anchor="t">
+            <a:spAutoFit/>
+          </a:bodyPr>
+          <a:lstStyle/>
+          <a:p>
+            <a:pPr marL="0" indent="0" rtl="0" algn="l" defTabSz="914400" eaLnBrk="1" latinLnBrk="0" hangingPunct="1">
+              <a:buFontTx/>
+              <a:buNone/>
+            </a:pPr>
+            <a:r>
+              <a:rPr lang="ko-KR" sz="2000" b="1">
+                <a:solidFill>
+                  <a:srgbClr val="0611F2"/>
+                </a:solidFill>
+                <a:latin typeface="맑은 고딕" charset="0"/>
+                <a:ea typeface="맑은 고딕" charset="0"/>
+              </a:rPr>
+              <a:t>3</a:t>
+            </a:r>
+            <a:r>
+              <a:rPr lang="ko-KR" sz="2000" b="1">
+                <a:solidFill>
+                  <a:srgbClr val="0611F2"/>
+                </a:solidFill>
+                <a:latin typeface="맑은 고딕" charset="0"/>
+                <a:ea typeface="맑은 고딕" charset="0"/>
+              </a:rPr>
+              <a:t>3</a:t>
+            </a:r>
+            <a:r>
+              <a:rPr sz="2000" b="1">
+                <a:solidFill>
+                  <a:srgbClr val="0611F2"/>
+                </a:solidFill>
+                <a:latin typeface="맑은 고딕" charset="0"/>
+                <a:ea typeface="맑은 고딕" charset="0"/>
+              </a:rPr>
+              <a:t>.</a:t>
+            </a:r>
+            <a:r>
+              <a:rPr lang="ko-KR" sz="2000" b="1">
+                <a:solidFill>
+                  <a:srgbClr val="0611F2"/>
+                </a:solidFill>
+                <a:latin typeface="맑은 고딕" charset="0"/>
+                <a:ea typeface="맑은 고딕" charset="0"/>
+              </a:rPr>
+              <a:t> </a:t>
+            </a:r>
+            <a:r>
+              <a:rPr lang="ko-KR" sz="1800">
+                <a:latin typeface="맑은 고딕" charset="0"/>
+                <a:ea typeface="맑은 고딕" charset="0"/>
+              </a:rPr>
+              <a:t>그러고 나서 Project 폴더에 있는 </a:t>
+            </a:r>
+            <a:r>
+              <a:rPr lang="ko-KR" sz="1800">
+                <a:latin typeface="맑은 고딕" charset="0"/>
+                <a:ea typeface="맑은 고딕" charset="0"/>
+              </a:rPr>
+              <a:t>Mo</a:t>
+            </a:r>
+            <a:r>
+              <a:rPr lang="ko-KR" sz="1800">
+                <a:latin typeface="맑은 고딕" charset="0"/>
+                <a:ea typeface="맑은 고딕" charset="0"/>
+              </a:rPr>
+              <a:t>del</a:t>
+            </a:r>
+            <a:r>
+              <a:rPr lang="ko-KR" sz="1800">
+                <a:latin typeface="맑은 고딕" charset="0"/>
+                <a:ea typeface="맑은 고딕" charset="0"/>
+              </a:rPr>
+              <a:t> 폴더에 King 모델을 월드 </a:t>
+            </a:r>
+            <a:r>
+              <a:rPr lang="ko-KR" sz="1800">
+                <a:latin typeface="맑은 고딕" charset="0"/>
+                <a:ea typeface="맑은 고딕" charset="0"/>
+              </a:rPr>
+              <a:t>공간</a:t>
+            </a:r>
+            <a:r>
+              <a:rPr lang="ko-KR" sz="1800">
+                <a:latin typeface="맑은 고딕" charset="0"/>
+                <a:ea typeface="맑은 고딕" charset="0"/>
+              </a:rPr>
+              <a:t>에</a:t>
+            </a:r>
+            <a:r>
+              <a:rPr lang="ko-KR" sz="1800">
+                <a:latin typeface="맑은 고딕" charset="0"/>
+                <a:ea typeface="맑은 고딕" charset="0"/>
+              </a:rPr>
+              <a:t> </a:t>
+            </a:r>
+            <a:r>
+              <a:rPr lang="ko-KR" sz="1800">
+                <a:latin typeface="맑은 고딕" charset="0"/>
+                <a:ea typeface="맑은 고딕" charset="0"/>
+              </a:rPr>
+              <a:t>배치한 다음 First Pillar 라는 </a:t>
+            </a:r>
+            <a:r>
+              <a:rPr lang="ko-KR" sz="1800">
+                <a:latin typeface="맑은 고딕" charset="0"/>
+                <a:ea typeface="맑은 고딕" charset="0"/>
+              </a:rPr>
+              <a:t>이름으</a:t>
+            </a:r>
+            <a:r>
+              <a:rPr lang="ko-KR" sz="1800">
+                <a:latin typeface="맑은 고딕" charset="0"/>
+                <a:ea typeface="맑은 고딕" charset="0"/>
+              </a:rPr>
+              <a:t>로</a:t>
+            </a:r>
+            <a:r>
+              <a:rPr lang="ko-KR" sz="1800">
+                <a:latin typeface="맑은 고딕" charset="0"/>
+                <a:ea typeface="맑은 고딕" charset="0"/>
+              </a:rPr>
+              <a:t> </a:t>
+            </a:r>
+            <a:r>
+              <a:rPr lang="ko-KR" sz="1800">
+                <a:latin typeface="맑은 고딕" charset="0"/>
+                <a:ea typeface="맑은 고딕" charset="0"/>
+              </a:rPr>
+              <a:t>정의합니다.</a:t>
+            </a:r>
+            <a:endParaRPr lang="ko-KR" altLang="en-US" sz="1800">
+              <a:latin typeface="맑은 고딕" charset="0"/>
+              <a:ea typeface="맑은 고딕" charset="0"/>
+            </a:endParaRPr>
+          </a:p>
+        </p:txBody>
+      </p:sp>
+      <p:sp>
+        <p:nvSpPr>
+          <p:cNvPr id="100" name="Rect 0"/>
+          <p:cNvSpPr txBox="1">
+            <a:spLocks/>
+          </p:cNvSpPr>
+          <p:nvPr/>
+        </p:nvSpPr>
+        <p:spPr>
+          <a:xfrm rot="0">
+            <a:off x="6813550" y="4388485"/>
+            <a:ext cx="4144010" cy="1784985"/>
+          </a:xfrm>
+          <a:prstGeom prst="rect"/>
+          <a:noFill/>
+          <a:ln w="0">
+            <a:noFill/>
+            <a:prstDash/>
+          </a:ln>
+        </p:spPr>
+        <p:txBody>
+          <a:bodyPr wrap="square" lIns="89535" tIns="46355" rIns="89535" bIns="46355" numCol="1" vert="horz" anchor="t">
+            <a:spAutoFit/>
+          </a:bodyPr>
+          <a:lstStyle/>
+          <a:p>
+            <a:pPr marL="0" indent="0" rtl="0" algn="l" defTabSz="914400" eaLnBrk="1" latinLnBrk="0" hangingPunct="1">
+              <a:buFontTx/>
+              <a:buNone/>
+            </a:pPr>
+            <a:r>
+              <a:rPr lang="ko-KR" sz="2000" b="1">
+                <a:solidFill>
+                  <a:srgbClr val="0611F2"/>
+                </a:solidFill>
+                <a:latin typeface="맑은 고딕" charset="0"/>
+                <a:ea typeface="맑은 고딕" charset="0"/>
+              </a:rPr>
+              <a:t>34</a:t>
+            </a:r>
+            <a:r>
+              <a:rPr sz="2000" b="1">
+                <a:solidFill>
+                  <a:srgbClr val="0611F2"/>
+                </a:solidFill>
+                <a:latin typeface="맑은 고딕" charset="0"/>
+                <a:ea typeface="맑은 고딕" charset="0"/>
+              </a:rPr>
+              <a:t>.</a:t>
+            </a:r>
+            <a:r>
+              <a:rPr lang="ko-KR" sz="2000" b="1">
+                <a:solidFill>
+                  <a:srgbClr val="0611F2"/>
+                </a:solidFill>
+                <a:latin typeface="맑은 고딕" charset="0"/>
+                <a:ea typeface="맑은 고딕" charset="0"/>
+              </a:rPr>
+              <a:t> </a:t>
+            </a:r>
+            <a:r>
+              <a:rPr lang="ko-KR" sz="1800">
+                <a:latin typeface="맑은 고딕" charset="0"/>
+                <a:ea typeface="맑은 고딕" charset="0"/>
+              </a:rPr>
+              <a:t>이제 Scout Robot </a:t>
+            </a:r>
+            <a:r>
+              <a:rPr lang="ko-KR" sz="1800">
+                <a:latin typeface="맑은 고딕" charset="0"/>
+                <a:ea typeface="맑은 고딕" charset="0"/>
+              </a:rPr>
+              <a:t>오브젝트의</a:t>
+            </a:r>
+            <a:r>
+              <a:rPr lang="ko-KR" sz="1800">
+                <a:latin typeface="맑은 고딕" charset="0"/>
+                <a:ea typeface="맑은 고딕" charset="0"/>
+              </a:rPr>
+              <a:t> </a:t>
+            </a:r>
+            <a:r>
+              <a:rPr lang="ko-KR" sz="1800">
+                <a:latin typeface="맑은 고딕" charset="0"/>
+                <a:ea typeface="맑은 고딕" charset="0"/>
+              </a:rPr>
+              <a:t>Rigidbody</a:t>
+            </a:r>
+            <a:r>
+              <a:rPr lang="ko-KR" sz="1800">
+                <a:latin typeface="맑은 고딕" charset="0"/>
+                <a:ea typeface="맑은 고딕" charset="0"/>
+              </a:rPr>
+              <a:t> 컴포넌트에 Freeze Position </a:t>
+            </a:r>
+            <a:r>
+              <a:rPr lang="ko-KR" sz="1800">
+                <a:latin typeface="맑은 고딕" charset="0"/>
+                <a:ea typeface="맑은 고딕" charset="0"/>
+              </a:rPr>
+              <a:t>Y</a:t>
+            </a:r>
+            <a:r>
+              <a:rPr lang="ko-KR" sz="1800">
+                <a:latin typeface="맑은 고딕" charset="0"/>
+                <a:ea typeface="맑은 고딕" charset="0"/>
+              </a:rPr>
+              <a:t> 값을 활성화합니다.</a:t>
+            </a:r>
+            <a:endParaRPr lang="ko-KR" altLang="en-US" sz="1800">
+              <a:latin typeface="맑은 고딕" charset="0"/>
+              <a:ea typeface="맑은 고딕" charset="0"/>
+            </a:endParaRPr>
+          </a:p>
+          <a:p>
+            <a:pPr marL="0" indent="0" rtl="0" algn="l" defTabSz="914400" eaLnBrk="1" latinLnBrk="0" hangingPunct="1">
+              <a:buFontTx/>
+              <a:buNone/>
+            </a:pPr>
+            <a:endParaRPr lang="ko-KR" altLang="en-US" sz="1800">
+              <a:latin typeface="맑은 고딕" charset="0"/>
+              <a:ea typeface="맑은 고딕" charset="0"/>
+            </a:endParaRPr>
+          </a:p>
+          <a:p>
+            <a:pPr marL="0" indent="0" rtl="0" algn="l" defTabSz="914400" eaLnBrk="1" latinLnBrk="0" hangingPunct="1">
+              <a:buFontTx/>
+              <a:buNone/>
+            </a:pPr>
+            <a:r>
+              <a:rPr lang="ko-KR" sz="1800">
+                <a:latin typeface="맑은 고딕" charset="0"/>
+                <a:ea typeface="맑은 고딕" charset="0"/>
+              </a:rPr>
+              <a:t>그리고</a:t>
+            </a:r>
+            <a:r>
+              <a:rPr lang="ko-KR" sz="1800">
+                <a:latin typeface="맑은 고딕" charset="0"/>
+                <a:ea typeface="맑은 고딕" charset="0"/>
+              </a:rPr>
+              <a:t> </a:t>
+            </a:r>
+            <a:r>
+              <a:rPr lang="ko-KR" sz="1800">
+                <a:latin typeface="맑은 고딕" charset="0"/>
+                <a:ea typeface="맑은 고딕" charset="0"/>
+              </a:rPr>
+              <a:t>Freeze Rotation X, Y, Z 값을 </a:t>
+            </a:r>
+            <a:r>
+              <a:rPr lang="ko-KR" sz="1800">
+                <a:latin typeface="맑은 고딕" charset="0"/>
+                <a:ea typeface="맑은 고딕" charset="0"/>
+              </a:rPr>
+              <a:t>활성화합니</a:t>
+            </a:r>
+            <a:r>
+              <a:rPr lang="ko-KR" sz="1800">
+                <a:latin typeface="맑은 고딕" charset="0"/>
+                <a:ea typeface="맑은 고딕" charset="0"/>
+              </a:rPr>
+              <a:t>다.</a:t>
+            </a:r>
+            <a:endParaRPr lang="ko-KR" altLang="en-US" sz="1800">
+              <a:latin typeface="맑은 고딕" charset="0"/>
+              <a:ea typeface="맑은 고딕" charset="0"/>
+            </a:endParaRPr>
+          </a:p>
+        </p:txBody>
+      </p:sp>
+      <p:pic>
+        <p:nvPicPr>
+          <p:cNvPr id="101" name="그림 1" descr="C:/Users/Admin1/AppData/Roaming/PolarisOffice/ETemp/7724_7078360/fImage508122541.png"/>
+          <p:cNvPicPr>
+            <a:picLocks noChangeAspect="1"/>
+          </p:cNvPicPr>
+          <p:nvPr/>
+        </p:nvPicPr>
+        <p:blipFill rotWithShape="1">
+          <a:blip r:embed="rId2" cstate="print">
+            <a:extLst>
+              <a:ext uri="{28A0092B-C50C-407E-A947-70E740481C1C}">
+                <a14:useLocalDpi xmlns:a14="http://schemas.microsoft.com/office/drawing/2010/main" val="0"/>
+              </a:ext>
+            </a:extLst>
+          </a:blip>
+          <a:stretch>
+            <a:fillRect/>
+          </a:stretch>
+        </p:blipFill>
+        <p:spPr>
+          <a:xfrm rot="0">
+            <a:off x="1247775" y="1455420"/>
+            <a:ext cx="4128135" cy="1008380"/>
+          </a:xfrm>
+          <a:prstGeom prst="roundRect"/>
+          <a:solidFill>
+            <a:srgbClr val="EDEDED"/>
+          </a:solidFill>
+        </p:spPr>
+      </p:pic>
+      <p:pic>
+        <p:nvPicPr>
+          <p:cNvPr id="102" name="그림 4" descr="C:/Users/Admin1/AppData/Roaming/PolarisOffice/ETemp/7724_7078360/fImage79002268467.png"/>
+          <p:cNvPicPr>
+            <a:picLocks noChangeAspect="1"/>
+          </p:cNvPicPr>
+          <p:nvPr/>
+        </p:nvPicPr>
+        <p:blipFill rotWithShape="1">
+          <a:blip r:embed="rId3" cstate="print">
+            <a:extLst>
+              <a:ext uri="{28A0092B-C50C-407E-A947-70E740481C1C}">
+                <a14:useLocalDpi xmlns:a14="http://schemas.microsoft.com/office/drawing/2010/main" val="0"/>
+              </a:ext>
+            </a:extLst>
+          </a:blip>
+          <a:stretch>
+            <a:fillRect/>
+          </a:stretch>
+        </p:blipFill>
+        <p:spPr>
+          <a:xfrm rot="0">
+            <a:off x="1247140" y="3692525"/>
+            <a:ext cx="1355090" cy="1143000"/>
+          </a:xfrm>
+          <a:prstGeom prst="roundRect"/>
+          <a:solidFill>
+            <a:srgbClr val="EDEDED"/>
+          </a:solidFill>
+        </p:spPr>
+      </p:pic>
+      <p:pic>
+        <p:nvPicPr>
+          <p:cNvPr id="103" name="그림 5" descr="C:/Users/Admin1/AppData/Roaming/PolarisOffice/ETemp/7724_7078360/fImage78992276334.png"/>
+          <p:cNvPicPr>
+            <a:picLocks noChangeAspect="1"/>
+          </p:cNvPicPr>
+          <p:nvPr/>
+        </p:nvPicPr>
+        <p:blipFill rotWithShape="1">
+          <a:blip r:embed="rId4" cstate="print">
+            <a:extLst>
+              <a:ext uri="{28A0092B-C50C-407E-A947-70E740481C1C}">
+                <a14:useLocalDpi xmlns:a14="http://schemas.microsoft.com/office/drawing/2010/main" val="0"/>
+              </a:ext>
+            </a:extLst>
+          </a:blip>
+          <a:stretch>
+            <a:fillRect/>
+          </a:stretch>
+        </p:blipFill>
+        <p:spPr>
+          <a:xfrm rot="0">
+            <a:off x="2747645" y="3695065"/>
+            <a:ext cx="2636520" cy="1129030"/>
+          </a:xfrm>
+          <a:prstGeom prst="roundRect"/>
+          <a:solidFill>
+            <a:srgbClr val="EDEDED"/>
+          </a:solidFill>
+        </p:spPr>
+      </p:pic>
+      <p:cxnSp>
+        <p:nvCxnSpPr>
+          <p:cNvPr id="104" name="도형 12"/>
+          <p:cNvCxnSpPr/>
+          <p:nvPr/>
+        </p:nvCxnSpPr>
+        <p:spPr>
+          <a:xfrm rot="0" flipH="1">
+            <a:off x="2171065" y="4168775"/>
+            <a:ext cx="1464945" cy="612140"/>
+          </a:xfrm>
+          <a:prstGeom prst="straightConnector1"/>
+          <a:ln w="6350" cap="flat" cmpd="sng">
+            <a:prstDash/>
+            <a:headEnd type="none" w="med" len="med"/>
+            <a:tailEnd type="triangle" w="med" len="med"/>
+          </a:ln>
+        </p:spPr>
+        <p:style>
+          <a:lnRef idx="1">
+            <a:schemeClr val="accent1"/>
+          </a:lnRef>
+          <a:fillRef idx="0">
+            <a:schemeClr val="accent1"/>
+          </a:fillRef>
+          <a:effectRef idx="0">
+            <a:schemeClr val="accent1"/>
+          </a:effectRef>
+          <a:fontRef idx="minor">
+            <a:schemeClr val="tx1"/>
+          </a:fontRef>
+        </p:style>
+      </p:cxnSp>
+      <p:pic>
+        <p:nvPicPr>
+          <p:cNvPr id="105" name="그림 13" descr="C:/Users/Admin1/AppData/Roaming/PolarisOffice/ETemp/7724_7078360/fImage131962316500.png"/>
+          <p:cNvPicPr>
+            <a:picLocks noChangeAspect="1"/>
+          </p:cNvPicPr>
+          <p:nvPr/>
+        </p:nvPicPr>
+        <p:blipFill rotWithShape="1">
+          <a:blip r:embed="rId5" cstate="print">
+            <a:extLst>
+              <a:ext uri="{28A0092B-C50C-407E-A947-70E740481C1C}">
+                <a14:useLocalDpi xmlns:a14="http://schemas.microsoft.com/office/drawing/2010/main" val="0"/>
+              </a:ext>
+            </a:extLst>
+          </a:blip>
+          <a:stretch>
+            <a:fillRect/>
+          </a:stretch>
+        </p:blipFill>
+        <p:spPr>
+          <a:xfrm rot="0">
+            <a:off x="6820535" y="1447165"/>
+            <a:ext cx="4128135" cy="2765425"/>
+          </a:xfrm>
+          <a:prstGeom prst="roundRect"/>
+          <a:solidFill>
+            <a:srgbClr val="EDEDED"/>
+          </a:solidFill>
+        </p:spPr>
+      </p:pic>
+    </p:spTree>
+  </p:cSld>
+  <p:clrMapOvr>
+    <a:masterClrMapping/>
+  </p:clrMapOvr>
+  <mc:AlternateContent xmlns:mc="http://schemas.openxmlformats.org/markup-compatibility/2006">
+    <mc:Choice xmlns:p14="http://schemas.microsoft.com/office/powerpoint/2010/main" Requires="p14">
+      <p:transition spd="slow" p14:dur="1000"/>
+    </mc:Choice>
+    <mc:Fallback>
+      <p:transition spd="slow"/>
+    </mc:Fallback>
+  </mc:AlternateContent>
+  <p:timing>
+    <p:tnLst>
+      <p:par>
+        <p:cTn id="1" dur="indefinite" restart="never" nodeType="tmRoot"/>
+      </p:par>
+    </p:tnLst>
+  </p:timing>
+</p:sld>
+</file>
+
+<file path=ppt/slides/slide11.xml><?xml version="1.0" encoding="utf-8"?>
+<p:sld xmlns:a="http://schemas.openxmlformats.org/drawingml/2006/main" xmlns:r="http://schemas.openxmlformats.org/officeDocument/2006/relationships" xmlns:p="http://schemas.openxmlformats.org/presentationml/2006/main">
+  <p:cSld>
+    <p:spTree>
+      <p:nvGrpSpPr>
+        <p:cNvPr id="1" name=""/>
+        <p:cNvGrpSpPr/>
+        <p:nvPr/>
+      </p:nvGrpSpPr>
+      <p:grpSpPr>
+        <a:xfrm>
+          <a:off x="0" y="0"/>
+          <a:ext cx="0" cy="0"/>
+          <a:chOff x="0" y="0"/>
+          <a:chExt cx="0" cy="0"/>
+        </a:xfrm>
+      </p:grpSpPr>
+      <p:sp>
+        <p:nvSpPr>
+          <p:cNvPr id="2" name="Rect 0"/>
+          <p:cNvSpPr txBox="1">
+            <a:spLocks/>
+          </p:cNvSpPr>
+          <p:nvPr/>
+        </p:nvSpPr>
+        <p:spPr>
+          <a:xfrm rot="0">
+            <a:off x="4236085" y="419735"/>
+            <a:ext cx="3717290" cy="478155"/>
+          </a:xfrm>
+          <a:prstGeom prst="rect"/>
+          <a:noFill/>
+          <a:ln w="0">
+            <a:noFill/>
+            <a:prstDash/>
+          </a:ln>
+        </p:spPr>
+        <p:txBody>
+          <a:bodyPr wrap="square" lIns="89535" tIns="46355" rIns="89535" bIns="46355" numCol="1" vert="horz" anchor="t">
+            <a:spAutoFit/>
+          </a:bodyPr>
+          <a:lstStyle/>
+          <a:p>
+            <a:pPr marL="0" indent="0" rtl="0" algn="ctr" defTabSz="914400" eaLnBrk="1" latinLnBrk="0" hangingPunct="1">
+              <a:buFontTx/>
+              <a:buNone/>
+            </a:pPr>
+            <a:r>
+              <a:rPr lang="ko-KR" sz="2500" b="1">
+                <a:solidFill>
+                  <a:schemeClr val="tx1"/>
+                </a:solidFill>
+                <a:latin typeface="나눔바른고딕" charset="0"/>
+                <a:ea typeface="나눔바른고딕" charset="0"/>
+              </a:rPr>
+              <a:t>열한</a:t>
+            </a:r>
+            <a:r>
+              <a:rPr lang="ko-KR" sz="2500" b="1">
+                <a:solidFill>
+                  <a:schemeClr val="tx1"/>
+                </a:solidFill>
+                <a:latin typeface="나눔바른고딕" charset="0"/>
+                <a:ea typeface="나눔바른고딕" charset="0"/>
+              </a:rPr>
+              <a:t> 번째 튜토리얼</a:t>
+            </a:r>
+            <a:endParaRPr lang="ko-KR" altLang="en-US" sz="2500" b="1">
+              <a:solidFill>
+                <a:schemeClr val="tx1"/>
+              </a:solidFill>
+              <a:latin typeface="나눔바른고딕" charset="0"/>
+              <a:ea typeface="나눔바른고딕" charset="0"/>
+            </a:endParaRPr>
+          </a:p>
+        </p:txBody>
+      </p:sp>
+      <p:sp>
+        <p:nvSpPr>
+          <p:cNvPr id="72" name="Rect 0"/>
+          <p:cNvSpPr txBox="1">
+            <a:spLocks/>
+          </p:cNvSpPr>
+          <p:nvPr/>
+        </p:nvSpPr>
+        <p:spPr>
+          <a:xfrm rot="0">
+            <a:off x="1252220" y="2832735"/>
+            <a:ext cx="4131945" cy="677545"/>
+          </a:xfrm>
+          <a:prstGeom prst="rect"/>
+          <a:noFill/>
+          <a:ln w="0">
+            <a:noFill/>
+            <a:prstDash/>
+          </a:ln>
+        </p:spPr>
+        <p:txBody>
+          <a:bodyPr wrap="square" lIns="89535" tIns="46355" rIns="89535" bIns="46355" numCol="1" vert="horz" anchor="t">
+            <a:spAutoFit/>
+          </a:bodyPr>
+          <a:lstStyle/>
+          <a:p>
+            <a:pPr marL="0" indent="0" rtl="0" algn="l" defTabSz="914400" eaLnBrk="1" latinLnBrk="0" hangingPunct="1">
+              <a:buFontTx/>
+              <a:buNone/>
+            </a:pPr>
+            <a:r>
+              <a:rPr lang="ko-KR" sz="2000" b="1">
+                <a:solidFill>
+                  <a:srgbClr val="0611F2"/>
+                </a:solidFill>
+                <a:latin typeface="맑은 고딕" charset="0"/>
+                <a:ea typeface="맑은 고딕" charset="0"/>
+              </a:rPr>
+              <a:t>35</a:t>
+            </a:r>
+            <a:r>
+              <a:rPr sz="2000" b="1">
+                <a:solidFill>
+                  <a:srgbClr val="0611F2"/>
+                </a:solidFill>
+                <a:latin typeface="맑은 고딕" charset="0"/>
+                <a:ea typeface="맑은 고딕" charset="0"/>
+              </a:rPr>
+              <a:t>.</a:t>
+            </a:r>
+            <a:r>
+              <a:rPr lang="ko-KR" sz="2000" b="1">
+                <a:solidFill>
+                  <a:srgbClr val="0611F2"/>
+                </a:solidFill>
+                <a:latin typeface="맑은 고딕" charset="0"/>
+                <a:ea typeface="맑은 고딕" charset="0"/>
+              </a:rPr>
+              <a:t> </a:t>
+            </a:r>
+            <a:r>
+              <a:rPr lang="ko-KR" sz="1800">
+                <a:latin typeface="맑은 고딕" charset="0"/>
+                <a:ea typeface="맑은 고딕" charset="0"/>
+              </a:rPr>
+              <a:t>그런 다음 First Pillar </a:t>
+            </a:r>
+            <a:r>
+              <a:rPr lang="ko-KR" sz="1800">
+                <a:latin typeface="맑은 고딕" charset="0"/>
+                <a:ea typeface="맑은 고딕" charset="0"/>
+              </a:rPr>
+              <a:t>오브젝트의</a:t>
+            </a:r>
+            <a:r>
+              <a:rPr lang="ko-KR" sz="1800">
+                <a:latin typeface="맑은 고딕" charset="0"/>
+                <a:ea typeface="맑은 고딕" charset="0"/>
+              </a:rPr>
+              <a:t> </a:t>
+            </a:r>
+            <a:r>
+              <a:rPr lang="ko-KR" sz="1800">
+                <a:latin typeface="맑은 고딕" charset="0"/>
+                <a:ea typeface="맑은 고딕" charset="0"/>
+              </a:rPr>
+              <a:t>Tag를</a:t>
+            </a:r>
+            <a:r>
+              <a:rPr lang="ko-KR" sz="1800">
+                <a:latin typeface="맑은 고딕" charset="0"/>
+                <a:ea typeface="맑은 고딕" charset="0"/>
+              </a:rPr>
+              <a:t> </a:t>
+            </a:r>
+            <a:r>
+              <a:rPr lang="ko-KR" sz="1800">
+                <a:latin typeface="맑은 고딕" charset="0"/>
+                <a:ea typeface="맑은 고딕" charset="0"/>
+              </a:rPr>
+              <a:t>Pillar</a:t>
+            </a:r>
+            <a:r>
+              <a:rPr lang="ko-KR" sz="1800">
+                <a:latin typeface="맑은 고딕" charset="0"/>
+                <a:ea typeface="맑은 고딕" charset="0"/>
+              </a:rPr>
+              <a:t>로 </a:t>
+            </a:r>
+            <a:r>
+              <a:rPr lang="ko-KR" sz="1800">
+                <a:latin typeface="맑은 고딕" charset="0"/>
+                <a:ea typeface="맑은 고딕" charset="0"/>
+              </a:rPr>
+              <a:t>설정합니다.</a:t>
+            </a:r>
+            <a:endParaRPr lang="ko-KR" altLang="en-US" sz="1800">
+              <a:latin typeface="맑은 고딕" charset="0"/>
+              <a:ea typeface="맑은 고딕" charset="0"/>
+            </a:endParaRPr>
+          </a:p>
+        </p:txBody>
+      </p:sp>
+      <p:sp>
+        <p:nvSpPr>
+          <p:cNvPr id="93" name="Rect 0"/>
+          <p:cNvSpPr txBox="1">
+            <a:spLocks/>
+          </p:cNvSpPr>
+          <p:nvPr/>
+        </p:nvSpPr>
+        <p:spPr>
+          <a:xfrm rot="0">
+            <a:off x="1246505" y="4946015"/>
+            <a:ext cx="4129405" cy="1231265"/>
+          </a:xfrm>
+          <a:prstGeom prst="rect"/>
+          <a:noFill/>
+          <a:ln w="0">
+            <a:noFill/>
+            <a:prstDash/>
+          </a:ln>
+        </p:spPr>
+        <p:txBody>
+          <a:bodyPr wrap="square" lIns="89535" tIns="46355" rIns="89535" bIns="46355" numCol="1" vert="horz" anchor="t">
+            <a:spAutoFit/>
+          </a:bodyPr>
+          <a:lstStyle/>
+          <a:p>
+            <a:pPr marL="0" indent="0" rtl="0" algn="l" defTabSz="914400" eaLnBrk="1" latinLnBrk="0" hangingPunct="1">
+              <a:buFontTx/>
+              <a:buNone/>
+            </a:pPr>
+            <a:r>
+              <a:rPr lang="ko-KR" sz="2000" b="1">
+                <a:solidFill>
+                  <a:srgbClr val="0611F2"/>
+                </a:solidFill>
+                <a:latin typeface="맑은 고딕" charset="0"/>
+                <a:ea typeface="맑은 고딕" charset="0"/>
+              </a:rPr>
+              <a:t>36</a:t>
+            </a:r>
+            <a:r>
+              <a:rPr sz="2000" b="1">
+                <a:solidFill>
+                  <a:srgbClr val="0611F2"/>
+                </a:solidFill>
+                <a:latin typeface="맑은 고딕" charset="0"/>
+                <a:ea typeface="맑은 고딕" charset="0"/>
+              </a:rPr>
+              <a:t>.</a:t>
+            </a:r>
+            <a:r>
+              <a:rPr lang="ko-KR" sz="2000" b="1">
+                <a:solidFill>
+                  <a:srgbClr val="0611F2"/>
+                </a:solidFill>
+                <a:latin typeface="맑은 고딕" charset="0"/>
+                <a:ea typeface="맑은 고딕" charset="0"/>
+              </a:rPr>
+              <a:t> </a:t>
+            </a:r>
+            <a:r>
+              <a:rPr lang="ko-KR" sz="1800">
+                <a:latin typeface="맑은 고딕" charset="0"/>
+                <a:ea typeface="맑은 고딕" charset="0"/>
+              </a:rPr>
+              <a:t>그다음으로 Project 폴더에 있는 </a:t>
+            </a:r>
+            <a:r>
+              <a:rPr lang="ko-KR" sz="1800">
+                <a:latin typeface="맑은 고딕" charset="0"/>
+                <a:ea typeface="맑은 고딕" charset="0"/>
+              </a:rPr>
+              <a:t>Mo</a:t>
+            </a:r>
+            <a:r>
+              <a:rPr lang="ko-KR" sz="1800">
+                <a:latin typeface="맑은 고딕" charset="0"/>
+                <a:ea typeface="맑은 고딕" charset="0"/>
+              </a:rPr>
+              <a:t>del</a:t>
+            </a:r>
+            <a:r>
+              <a:rPr lang="ko-KR" sz="1800">
+                <a:latin typeface="맑은 고딕" charset="0"/>
+                <a:ea typeface="맑은 고딕" charset="0"/>
+              </a:rPr>
+              <a:t> 폴더에 King 모델을 월드 </a:t>
+            </a:r>
+            <a:r>
+              <a:rPr lang="ko-KR" sz="1800">
+                <a:latin typeface="맑은 고딕" charset="0"/>
+                <a:ea typeface="맑은 고딕" charset="0"/>
+              </a:rPr>
+              <a:t>공간</a:t>
+            </a:r>
+            <a:r>
+              <a:rPr lang="ko-KR" sz="1800">
+                <a:latin typeface="맑은 고딕" charset="0"/>
+                <a:ea typeface="맑은 고딕" charset="0"/>
+              </a:rPr>
+              <a:t>에</a:t>
+            </a:r>
+            <a:r>
+              <a:rPr lang="ko-KR" sz="1800">
+                <a:latin typeface="맑은 고딕" charset="0"/>
+                <a:ea typeface="맑은 고딕" charset="0"/>
+              </a:rPr>
+              <a:t> </a:t>
+            </a:r>
+            <a:r>
+              <a:rPr lang="ko-KR" sz="1800">
+                <a:latin typeface="맑은 고딕" charset="0"/>
+                <a:ea typeface="맑은 고딕" charset="0"/>
+              </a:rPr>
+              <a:t>배치한 다음 Second Pillar </a:t>
+            </a:r>
+            <a:r>
+              <a:rPr lang="ko-KR" sz="1800">
+                <a:latin typeface="맑은 고딕" charset="0"/>
+                <a:ea typeface="맑은 고딕" charset="0"/>
+              </a:rPr>
+              <a:t>라는</a:t>
+            </a:r>
+            <a:r>
+              <a:rPr lang="ko-KR" sz="1800">
+                <a:latin typeface="맑은 고딕" charset="0"/>
+                <a:ea typeface="맑은 고딕" charset="0"/>
+              </a:rPr>
+              <a:t> 이름으</a:t>
+            </a:r>
+            <a:r>
+              <a:rPr lang="ko-KR" sz="1800">
+                <a:latin typeface="맑은 고딕" charset="0"/>
+                <a:ea typeface="맑은 고딕" charset="0"/>
+              </a:rPr>
+              <a:t>로 </a:t>
+            </a:r>
+            <a:r>
+              <a:rPr lang="ko-KR" sz="1800">
+                <a:latin typeface="맑은 고딕" charset="0"/>
+                <a:ea typeface="맑은 고딕" charset="0"/>
+              </a:rPr>
+              <a:t>정의합니다.</a:t>
+            </a:r>
+            <a:endParaRPr lang="ko-KR" altLang="en-US" sz="1800">
+              <a:latin typeface="맑은 고딕" charset="0"/>
+              <a:ea typeface="맑은 고딕" charset="0"/>
+            </a:endParaRPr>
+          </a:p>
+        </p:txBody>
+      </p:sp>
+      <p:sp>
+        <p:nvSpPr>
+          <p:cNvPr id="100" name="Rect 0"/>
+          <p:cNvSpPr txBox="1">
+            <a:spLocks/>
+          </p:cNvSpPr>
+          <p:nvPr/>
+        </p:nvSpPr>
+        <p:spPr>
+          <a:xfrm rot="0">
+            <a:off x="6813550" y="3148965"/>
+            <a:ext cx="4152265" cy="677545"/>
+          </a:xfrm>
+          <a:prstGeom prst="rect"/>
+          <a:noFill/>
+          <a:ln w="0">
+            <a:noFill/>
+            <a:prstDash/>
+          </a:ln>
+        </p:spPr>
+        <p:txBody>
+          <a:bodyPr wrap="square" lIns="89535" tIns="46355" rIns="89535" bIns="46355" numCol="1" vert="horz" anchor="t">
+            <a:spAutoFit/>
+          </a:bodyPr>
+          <a:lstStyle/>
+          <a:p>
+            <a:pPr marL="0" indent="0" rtl="0" algn="l" defTabSz="914400" eaLnBrk="1" latinLnBrk="0" hangingPunct="1">
+              <a:buFontTx/>
+              <a:buNone/>
+            </a:pPr>
+            <a:r>
+              <a:rPr lang="ko-KR" sz="2000" b="1">
+                <a:solidFill>
+                  <a:srgbClr val="0611F2"/>
+                </a:solidFill>
+                <a:latin typeface="맑은 고딕" charset="0"/>
+                <a:ea typeface="맑은 고딕" charset="0"/>
+              </a:rPr>
+              <a:t>37</a:t>
+            </a:r>
+            <a:r>
+              <a:rPr sz="2000" b="1">
+                <a:solidFill>
+                  <a:srgbClr val="0611F2"/>
+                </a:solidFill>
+                <a:latin typeface="맑은 고딕" charset="0"/>
+                <a:ea typeface="맑은 고딕" charset="0"/>
+              </a:rPr>
+              <a:t>.</a:t>
+            </a:r>
+            <a:r>
+              <a:rPr lang="ko-KR" sz="2000" b="1">
+                <a:solidFill>
+                  <a:srgbClr val="0611F2"/>
+                </a:solidFill>
+                <a:latin typeface="맑은 고딕" charset="0"/>
+                <a:ea typeface="맑은 고딕" charset="0"/>
+              </a:rPr>
+              <a:t> </a:t>
+            </a:r>
+            <a:r>
+              <a:rPr lang="ko-KR" sz="1800">
+                <a:latin typeface="맑은 고딕" charset="0"/>
+                <a:ea typeface="맑은 고딕" charset="0"/>
+              </a:rPr>
+              <a:t>그러고 나서 Fisrt Pillar </a:t>
+            </a:r>
+            <a:r>
+              <a:rPr lang="ko-KR" sz="1800">
+                <a:latin typeface="맑은 고딕" charset="0"/>
+                <a:ea typeface="맑은 고딕" charset="0"/>
+              </a:rPr>
+              <a:t>오브젝트의</a:t>
+            </a:r>
+            <a:r>
+              <a:rPr lang="ko-KR" sz="1800">
+                <a:latin typeface="맑은 고딕" charset="0"/>
+                <a:ea typeface="맑은 고딕" charset="0"/>
+              </a:rPr>
+              <a:t> </a:t>
+            </a:r>
+            <a:r>
+              <a:rPr lang="ko-KR" sz="1800">
+                <a:latin typeface="맑은 고딕" charset="0"/>
+                <a:ea typeface="맑은 고딕" charset="0"/>
+              </a:rPr>
+              <a:t>위치 값을 설정합니다.</a:t>
+            </a:r>
+            <a:endParaRPr lang="ko-KR" altLang="en-US" sz="1800">
+              <a:latin typeface="맑은 고딕" charset="0"/>
+              <a:ea typeface="맑은 고딕" charset="0"/>
+            </a:endParaRPr>
+          </a:p>
+        </p:txBody>
+      </p:sp>
+      <p:pic>
+        <p:nvPicPr>
+          <p:cNvPr id="103" name="Picture " descr="C:/Users/Admin1/AppData/Roaming/PolarisOffice/ETemp/7724_7078360/fImage78992389169.png"/>
+          <p:cNvPicPr>
+            <a:picLocks noChangeAspect="1"/>
+          </p:cNvPicPr>
+          <p:nvPr/>
+        </p:nvPicPr>
+        <p:blipFill rotWithShape="1">
+          <a:blip r:embed="rId2" cstate="print">
+            <a:extLst>
+              <a:ext uri="{28A0092B-C50C-407E-A947-70E740481C1C}">
+                <a14:useLocalDpi xmlns:a14="http://schemas.microsoft.com/office/drawing/2010/main" val="0"/>
+              </a:ext>
+            </a:extLst>
+          </a:blip>
+          <a:stretch>
+            <a:fillRect/>
+          </a:stretch>
+        </p:blipFill>
+        <p:spPr>
+          <a:xfrm rot="0">
+            <a:off x="2747645" y="3660775"/>
+            <a:ext cx="2619375" cy="1163320"/>
+          </a:xfrm>
+          <a:prstGeom prst="roundRect"/>
+          <a:solidFill>
+            <a:srgbClr val="EDEDED"/>
+          </a:solidFill>
+        </p:spPr>
+      </p:pic>
+      <p:pic>
+        <p:nvPicPr>
+          <p:cNvPr id="106" name="그림 16" descr="C:/Users/Admin1/AppData/Roaming/PolarisOffice/ETemp/7724_7078360/fImage74682415724.png"/>
+          <p:cNvPicPr>
+            <a:picLocks noChangeAspect="1"/>
+          </p:cNvPicPr>
+          <p:nvPr/>
+        </p:nvPicPr>
+        <p:blipFill rotWithShape="1">
+          <a:blip r:embed="rId3" cstate="print">
+            <a:extLst>
+              <a:ext uri="{28A0092B-C50C-407E-A947-70E740481C1C}">
+                <a14:useLocalDpi xmlns:a14="http://schemas.microsoft.com/office/drawing/2010/main" val="0"/>
+              </a:ext>
+            </a:extLst>
+          </a:blip>
+          <a:stretch>
+            <a:fillRect/>
+          </a:stretch>
+        </p:blipFill>
+        <p:spPr>
+          <a:xfrm rot="0">
+            <a:off x="1250950" y="1455420"/>
+            <a:ext cx="4124960" cy="1284605"/>
+          </a:xfrm>
+          <a:prstGeom prst="roundRect"/>
+          <a:solidFill>
+            <a:srgbClr val="EDEDED"/>
+          </a:solidFill>
+        </p:spPr>
+      </p:pic>
+      <p:pic>
+        <p:nvPicPr>
+          <p:cNvPr id="107" name="그림 19" descr="C:/Users/Admin1/AppData/Roaming/PolarisOffice/ETemp/7724_7078360/fImage84422421478.png"/>
+          <p:cNvPicPr>
+            <a:picLocks noChangeAspect="1"/>
+          </p:cNvPicPr>
+          <p:nvPr/>
+        </p:nvPicPr>
+        <p:blipFill rotWithShape="1">
+          <a:blip r:embed="rId4" cstate="print">
+            <a:extLst>
+              <a:ext uri="{28A0092B-C50C-407E-A947-70E740481C1C}">
+                <a14:useLocalDpi xmlns:a14="http://schemas.microsoft.com/office/drawing/2010/main" val="0"/>
+              </a:ext>
+            </a:extLst>
+          </a:blip>
+          <a:stretch>
+            <a:fillRect/>
+          </a:stretch>
+        </p:blipFill>
+        <p:spPr>
+          <a:xfrm rot="0">
+            <a:off x="1250315" y="3660775"/>
+            <a:ext cx="1377950" cy="1163320"/>
+          </a:xfrm>
+          <a:prstGeom prst="roundRect"/>
+          <a:solidFill>
+            <a:srgbClr val="EDEDED"/>
+          </a:solidFill>
+        </p:spPr>
+      </p:pic>
+      <p:cxnSp>
+        <p:nvCxnSpPr>
+          <p:cNvPr id="104" name="Rect 0"/>
+          <p:cNvCxnSpPr/>
+          <p:nvPr/>
+        </p:nvCxnSpPr>
+        <p:spPr>
+          <a:xfrm rot="0" flipH="1">
+            <a:off x="2308860" y="4168775"/>
+            <a:ext cx="1327150" cy="577850"/>
+          </a:xfrm>
+          <a:prstGeom prst="straightConnector1"/>
+          <a:ln w="6350" cap="flat" cmpd="sng">
+            <a:prstDash/>
+            <a:headEnd type="none" w="med" len="med"/>
+            <a:tailEnd type="triangle" w="med" len="med"/>
+          </a:ln>
+        </p:spPr>
+        <p:style>
+          <a:lnRef idx="1">
+            <a:schemeClr val="accent1"/>
+          </a:lnRef>
+          <a:fillRef idx="0">
+            <a:schemeClr val="accent1"/>
+          </a:fillRef>
+          <a:effectRef idx="0">
+            <a:schemeClr val="accent1"/>
+          </a:effectRef>
+          <a:fontRef idx="minor">
+            <a:schemeClr val="tx1"/>
+          </a:fontRef>
+        </p:style>
+      </p:cxnSp>
+      <p:pic>
+        <p:nvPicPr>
+          <p:cNvPr id="108" name="그림 22" descr="C:/Users/Admin1/AppData/Roaming/PolarisOffice/ETemp/7724_7078360/fImage136382439358.png"/>
+          <p:cNvPicPr>
+            <a:picLocks noChangeAspect="1"/>
+          </p:cNvPicPr>
+          <p:nvPr/>
+        </p:nvPicPr>
+        <p:blipFill rotWithShape="1">
+          <a:blip r:embed="rId5" cstate="print">
+            <a:extLst>
+              <a:ext uri="{28A0092B-C50C-407E-A947-70E740481C1C}">
+                <a14:useLocalDpi xmlns:a14="http://schemas.microsoft.com/office/drawing/2010/main" val="0"/>
+              </a:ext>
+            </a:extLst>
+          </a:blip>
+          <a:stretch>
+            <a:fillRect/>
+          </a:stretch>
+        </p:blipFill>
+        <p:spPr>
+          <a:xfrm rot="0">
+            <a:off x="6822440" y="1443355"/>
+            <a:ext cx="4135120" cy="1614805"/>
+          </a:xfrm>
+          <a:prstGeom prst="roundRect"/>
+          <a:solidFill>
+            <a:srgbClr val="EDEDED"/>
+          </a:solidFill>
+        </p:spPr>
+      </p:pic>
+      <p:pic>
+        <p:nvPicPr>
+          <p:cNvPr id="109" name="그림 25" descr="C:/Users/Admin1/AppData/Roaming/PolarisOffice/ETemp/7724_7078360/fImage48931881478.png"/>
+          <p:cNvPicPr>
+            <a:picLocks noChangeAspect="1"/>
+          </p:cNvPicPr>
+          <p:nvPr/>
+        </p:nvPicPr>
+        <p:blipFill rotWithShape="1">
+          <a:blip r:embed="rId6" cstate="hqprint">
+            <a:extLst>
+              <a:ext uri="{28A0092B-C50C-407E-A947-70E740481C1C}">
+                <a14:useLocalDpi xmlns:a14="http://schemas.microsoft.com/office/drawing/2010/main"/>
+              </a:ext>
+            </a:extLst>
+          </a:blip>
+          <a:stretch>
+            <a:fillRect/>
+          </a:stretch>
+        </p:blipFill>
+        <p:spPr>
+          <a:xfrm rot="0">
+            <a:off x="6814185" y="3953510"/>
+            <a:ext cx="4152900" cy="1421765"/>
+          </a:xfrm>
+          <a:prstGeom prst="roundRect"/>
+          <a:solidFill>
+            <a:srgbClr val="EDEDED"/>
+          </a:solidFill>
+        </p:spPr>
+      </p:pic>
+      <p:sp>
+        <p:nvSpPr>
+          <p:cNvPr id="110" name="텍스트 상자 26"/>
+          <p:cNvSpPr txBox="1">
+            <a:spLocks/>
+          </p:cNvSpPr>
+          <p:nvPr/>
+        </p:nvSpPr>
+        <p:spPr>
+          <a:xfrm rot="0">
+            <a:off x="6816090" y="5502910"/>
+            <a:ext cx="4149725" cy="677545"/>
+          </a:xfrm>
+          <a:prstGeom prst="rect"/>
+          <a:noFill/>
+          <a:ln w="0">
+            <a:noFill/>
+            <a:prstDash/>
+          </a:ln>
+        </p:spPr>
+        <p:txBody>
+          <a:bodyPr wrap="square" lIns="89535" tIns="46355" rIns="89535" bIns="46355" numCol="1" vert="horz" anchor="t">
+            <a:spAutoFit/>
+          </a:bodyPr>
+          <a:lstStyle/>
+          <a:p>
+            <a:pPr marL="0" indent="0" rtl="0" algn="l" defTabSz="914400" eaLnBrk="1" latinLnBrk="0" hangingPunct="1">
+              <a:buFontTx/>
+              <a:buNone/>
+            </a:pPr>
+            <a:r>
+              <a:rPr lang="ko-KR" sz="2000" b="1">
+                <a:solidFill>
+                  <a:srgbClr val="0611F2"/>
+                </a:solidFill>
+                <a:latin typeface="맑은 고딕" charset="0"/>
+                <a:ea typeface="맑은 고딕" charset="0"/>
+              </a:rPr>
+              <a:t>3</a:t>
+            </a:r>
+            <a:r>
+              <a:rPr lang="ko-KR" sz="2000" b="1">
+                <a:solidFill>
+                  <a:srgbClr val="0611F2"/>
+                </a:solidFill>
+                <a:latin typeface="맑은 고딕" charset="0"/>
+                <a:ea typeface="맑은 고딕" charset="0"/>
+              </a:rPr>
+              <a:t>8</a:t>
+            </a:r>
+            <a:r>
+              <a:rPr sz="2000" b="1">
+                <a:solidFill>
+                  <a:srgbClr val="0611F2"/>
+                </a:solidFill>
+                <a:latin typeface="맑은 고딕" charset="0"/>
+                <a:ea typeface="맑은 고딕" charset="0"/>
+              </a:rPr>
+              <a:t>.</a:t>
+            </a:r>
+            <a:r>
+              <a:rPr lang="ko-KR" sz="2000" b="1">
+                <a:solidFill>
+                  <a:srgbClr val="0611F2"/>
+                </a:solidFill>
+                <a:latin typeface="맑은 고딕" charset="0"/>
+                <a:ea typeface="맑은 고딕" charset="0"/>
+              </a:rPr>
+              <a:t> </a:t>
+            </a:r>
+            <a:r>
+              <a:rPr lang="ko-KR" sz="1800">
+                <a:latin typeface="맑은 고딕" charset="0"/>
+                <a:ea typeface="맑은 고딕" charset="0"/>
+              </a:rPr>
+              <a:t>이제 First Pillar 오브젝트에 Mesh </a:t>
+            </a:r>
+            <a:r>
+              <a:rPr lang="ko-KR" sz="1800">
+                <a:latin typeface="맑은 고딕" charset="0"/>
+                <a:ea typeface="맑은 고딕" charset="0"/>
+              </a:rPr>
+              <a:t>Collider</a:t>
+            </a:r>
+            <a:r>
+              <a:rPr lang="ko-KR" sz="1800">
+                <a:latin typeface="맑은 고딕" charset="0"/>
+                <a:ea typeface="맑은 고딕" charset="0"/>
+              </a:rPr>
+              <a:t> </a:t>
+            </a:r>
+            <a:r>
+              <a:rPr lang="ko-KR" sz="1800">
+                <a:latin typeface="맑은 고딕" charset="0"/>
+                <a:ea typeface="맑은 고딕" charset="0"/>
+              </a:rPr>
+              <a:t>컴포넌트를</a:t>
+            </a:r>
+            <a:r>
+              <a:rPr lang="ko-KR" sz="1800">
+                <a:latin typeface="맑은 고딕" charset="0"/>
+                <a:ea typeface="맑은 고딕" charset="0"/>
+              </a:rPr>
+              <a:t> 추가합니다.</a:t>
+            </a:r>
+            <a:endParaRPr lang="ko-KR" altLang="en-US" sz="1800">
+              <a:latin typeface="맑은 고딕" charset="0"/>
+              <a:ea typeface="맑은 고딕" charset="0"/>
+            </a:endParaRPr>
+          </a:p>
+        </p:txBody>
+      </p:sp>
+    </p:spTree>
+  </p:cSld>
+  <p:clrMapOvr>
+    <a:masterClrMapping/>
+  </p:clrMapOvr>
+  <mc:AlternateContent xmlns:mc="http://schemas.openxmlformats.org/markup-compatibility/2006">
+    <mc:Choice xmlns:p14="http://schemas.microsoft.com/office/powerpoint/2010/main" Requires="p14">
+      <p:transition spd="slow" p14:dur="1000"/>
+    </mc:Choice>
+    <mc:Fallback>
+      <p:transition spd="slow"/>
+    </mc:Fallback>
+  </mc:AlternateContent>
+  <p:timing>
+    <p:tnLst>
+      <p:par>
+        <p:cTn id="1" dur="indefinite" restart="never" nodeType="tmRoot"/>
+      </p:par>
+    </p:tnLst>
+  </p:timing>
+</p:sld>
+</file>
+
+<file path=ppt/slides/slide12.xml><?xml version="1.0" encoding="utf-8"?>
 <p:sld xmlns:a="http://schemas.openxmlformats.org/drawingml/2006/main" xmlns:r="http://schemas.openxmlformats.org/officeDocument/2006/relationships" xmlns:p="http://schemas.openxmlformats.org/presentationml/2006/main" xmlns:p14="http://schemas.microsoft.com/office/powerpoint/2010/main">
   <p:cSld>
     <p:spTree>

--- a/Assets/Physics/PPT Data/Physics Example.pptx
+++ b/Assets/Physics/PPT Data/Physics Example.pptx
@@ -2,7 +2,7 @@
 <file path=ppt/presentation.xml><?xml version="1.0" encoding="utf-8"?>
 <p:presentation xmlns:a="http://schemas.openxmlformats.org/drawingml/2006/main" xmlns:r="http://schemas.openxmlformats.org/officeDocument/2006/relationships" xmlns:p="http://schemas.openxmlformats.org/presentationml/2006/main" xmlns:p14="http://schemas.microsoft.com/office/powerpoint/2010/main" saveSubsetFonts="1" firstSlideNum="0">
   <p:sldMasterIdLst>
-    <p:sldMasterId id="2147485515" r:id="rId12"/>
+    <p:sldMasterId id="2147485524" r:id="rId12"/>
   </p:sldMasterIdLst>
   <p:notesMasterIdLst>
     <p:notesMasterId r:id="rId14"/>
@@ -19,7 +19,9 @@
     <p:sldId id="295" r:id="rId24"/>
     <p:sldId id="296" r:id="rId25"/>
     <p:sldId id="297" r:id="rId26"/>
-    <p:sldId id="287" r:id="rId27"/>
+    <p:sldId id="298" r:id="rId27"/>
+    <p:sldId id="299" r:id="rId28"/>
+    <p:sldId id="287" r:id="rId29"/>
   </p:sldIdLst>
   <p:sldSz cx="12192000" cy="6858000"/>
   <p:notesSz cx="6858000" cy="9144000"/>
@@ -7559,6 +7561,1029 @@
 </file>
 
 <file path=ppt/slides/slide12.xml><?xml version="1.0" encoding="utf-8"?>
+<p:sld xmlns:a="http://schemas.openxmlformats.org/drawingml/2006/main" xmlns:r="http://schemas.openxmlformats.org/officeDocument/2006/relationships" xmlns:p="http://schemas.openxmlformats.org/presentationml/2006/main" xmlns:p14="http://schemas.microsoft.com/office/powerpoint/2010/main">
+  <p:cSld>
+    <p:spTree>
+      <p:nvGrpSpPr>
+        <p:cNvPr id="1" name=""/>
+        <p:cNvGrpSpPr/>
+        <p:nvPr/>
+      </p:nvGrpSpPr>
+      <p:grpSpPr>
+        <a:xfrm>
+          <a:off x="0" y="0"/>
+          <a:ext cx="0" cy="0"/>
+          <a:chOff x="0" y="0"/>
+          <a:chExt cx="0" cy="0"/>
+        </a:xfrm>
+      </p:grpSpPr>
+      <p:sp>
+        <p:nvSpPr>
+          <p:cNvPr id="2" name="Rect 0"/>
+          <p:cNvSpPr txBox="1">
+            <a:spLocks/>
+          </p:cNvSpPr>
+          <p:nvPr/>
+        </p:nvSpPr>
+        <p:spPr>
+          <a:xfrm rot="0">
+            <a:off x="4236085" y="419735"/>
+            <a:ext cx="3717925" cy="478155"/>
+          </a:xfrm>
+          <a:prstGeom prst="rect"/>
+          <a:noFill/>
+          <a:ln w="0">
+            <a:noFill/>
+            <a:prstDash/>
+          </a:ln>
+        </p:spPr>
+        <p:txBody>
+          <a:bodyPr wrap="square" lIns="89535" tIns="46355" rIns="89535" bIns="46355" numCol="1" vert="horz" anchor="t">
+            <a:spAutoFit/>
+          </a:bodyPr>
+          <a:lstStyle/>
+          <a:p>
+            <a:pPr marL="0" indent="0" rtl="0" algn="ctr" defTabSz="914400" eaLnBrk="1" latinLnBrk="0" hangingPunct="1">
+              <a:buFontTx/>
+              <a:buNone/>
+            </a:pPr>
+            <a:r>
+              <a:rPr lang="ko-KR" sz="2500" b="1">
+                <a:solidFill>
+                  <a:schemeClr val="tx1"/>
+                </a:solidFill>
+                <a:latin typeface="나눔바른고딕" charset="0"/>
+                <a:ea typeface="나눔바른고딕" charset="0"/>
+              </a:rPr>
+              <a:t>열두</a:t>
+            </a:r>
+            <a:r>
+              <a:rPr lang="ko-KR" sz="2500" b="1">
+                <a:solidFill>
+                  <a:schemeClr val="tx1"/>
+                </a:solidFill>
+                <a:latin typeface="나눔바른고딕" charset="0"/>
+                <a:ea typeface="나눔바른고딕" charset="0"/>
+              </a:rPr>
+              <a:t> 번째 튜토리얼</a:t>
+            </a:r>
+            <a:endParaRPr lang="ko-KR" altLang="en-US" sz="2500" b="1">
+              <a:solidFill>
+                <a:schemeClr val="tx1"/>
+              </a:solidFill>
+              <a:latin typeface="나눔바른고딕" charset="0"/>
+              <a:ea typeface="나눔바른고딕" charset="0"/>
+            </a:endParaRPr>
+          </a:p>
+        </p:txBody>
+      </p:sp>
+      <p:sp>
+        <p:nvSpPr>
+          <p:cNvPr id="93" name="Rect 0"/>
+          <p:cNvSpPr txBox="1">
+            <a:spLocks/>
+          </p:cNvSpPr>
+          <p:nvPr/>
+        </p:nvSpPr>
+        <p:spPr>
+          <a:xfrm rot="0">
+            <a:off x="1237615" y="4092575"/>
+            <a:ext cx="4121150" cy="2061845"/>
+          </a:xfrm>
+          <a:prstGeom prst="rect"/>
+          <a:noFill/>
+          <a:ln w="0">
+            <a:noFill/>
+            <a:prstDash/>
+          </a:ln>
+        </p:spPr>
+        <p:txBody>
+          <a:bodyPr wrap="square" lIns="89535" tIns="46355" rIns="89535" bIns="46355" numCol="1" vert="horz" anchor="t">
+            <a:spAutoFit/>
+          </a:bodyPr>
+          <a:lstStyle/>
+          <a:p>
+            <a:pPr marL="0" indent="0" rtl="0" algn="l" defTabSz="914400" eaLnBrk="1" latinLnBrk="0" hangingPunct="1">
+              <a:buFontTx/>
+              <a:buNone/>
+            </a:pPr>
+            <a:r>
+              <a:rPr lang="ko-KR" sz="2000" b="1">
+                <a:solidFill>
+                  <a:srgbClr val="0611F2"/>
+                </a:solidFill>
+                <a:latin typeface="맑은 고딕" charset="0"/>
+                <a:ea typeface="맑은 고딕" charset="0"/>
+              </a:rPr>
+              <a:t>39</a:t>
+            </a:r>
+            <a:r>
+              <a:rPr sz="2000" b="1">
+                <a:solidFill>
+                  <a:srgbClr val="0611F2"/>
+                </a:solidFill>
+                <a:latin typeface="맑은 고딕" charset="0"/>
+                <a:ea typeface="맑은 고딕" charset="0"/>
+              </a:rPr>
+              <a:t>.</a:t>
+            </a:r>
+            <a:r>
+              <a:rPr lang="ko-KR" sz="2000" b="1">
+                <a:solidFill>
+                  <a:srgbClr val="0611F2"/>
+                </a:solidFill>
+                <a:latin typeface="맑은 고딕" charset="0"/>
+                <a:ea typeface="맑은 고딕" charset="0"/>
+              </a:rPr>
+              <a:t> </a:t>
+            </a:r>
+            <a:r>
+              <a:rPr lang="ko-KR" sz="1800">
+                <a:latin typeface="맑은 고딕" charset="0"/>
+                <a:ea typeface="맑은 고딕" charset="0"/>
+              </a:rPr>
+              <a:t>그리고 RobotControl </a:t>
+            </a:r>
+            <a:r>
+              <a:rPr lang="ko-KR" sz="1800">
+                <a:latin typeface="맑은 고딕" charset="0"/>
+                <a:ea typeface="맑은 고딕" charset="0"/>
+              </a:rPr>
+              <a:t>스크립트를 </a:t>
+            </a:r>
+            <a:r>
+              <a:rPr lang="ko-KR" sz="1800">
+                <a:latin typeface="맑은 고딕" charset="0"/>
+                <a:ea typeface="맑은 고딕" charset="0"/>
+              </a:rPr>
+              <a:t>선택한</a:t>
+            </a:r>
+            <a:r>
+              <a:rPr lang="ko-KR" sz="1800">
+                <a:latin typeface="맑은 고딕" charset="0"/>
+                <a:ea typeface="맑은 고딕" charset="0"/>
+              </a:rPr>
+              <a:t> </a:t>
+            </a:r>
+            <a:r>
+              <a:rPr lang="ko-KR" sz="1800">
+                <a:latin typeface="맑은 고딕" charset="0"/>
+                <a:ea typeface="맑은 고딕" charset="0"/>
+              </a:rPr>
+              <a:t>다음 float 변수와 int 변수를 </a:t>
+            </a:r>
+            <a:r>
+              <a:rPr lang="ko-KR" sz="1800">
+                <a:latin typeface="맑은 고딕" charset="0"/>
+                <a:ea typeface="맑은 고딕" charset="0"/>
+              </a:rPr>
+              <a:t>선언합니</a:t>
+            </a:r>
+            <a:r>
+              <a:rPr lang="ko-KR" sz="1800">
+                <a:latin typeface="맑은 고딕" charset="0"/>
+                <a:ea typeface="맑은 고딕" charset="0"/>
+              </a:rPr>
+              <a:t>다.</a:t>
+            </a:r>
+            <a:endParaRPr lang="ko-KR" altLang="en-US" sz="1800">
+              <a:latin typeface="맑은 고딕" charset="0"/>
+              <a:ea typeface="맑은 고딕" charset="0"/>
+            </a:endParaRPr>
+          </a:p>
+          <a:p>
+            <a:pPr marL="0" indent="0" rtl="0" algn="l" defTabSz="914400" eaLnBrk="1" latinLnBrk="0" hangingPunct="1">
+              <a:buFontTx/>
+              <a:buNone/>
+            </a:pPr>
+            <a:endParaRPr lang="ko-KR" altLang="en-US" sz="1800">
+              <a:latin typeface="맑은 고딕" charset="0"/>
+              <a:ea typeface="맑은 고딕" charset="0"/>
+            </a:endParaRPr>
+          </a:p>
+          <a:p>
+            <a:pPr marL="0" indent="0" rtl="0" algn="l" defTabSz="914400" eaLnBrk="1" latinLnBrk="0" hangingPunct="1">
+              <a:buFontTx/>
+              <a:buNone/>
+            </a:pPr>
+            <a:r>
+              <a:rPr lang="ko-KR" sz="1800">
+                <a:latin typeface="맑은 고딕" charset="0"/>
+                <a:ea typeface="맑은 고딕" charset="0"/>
+              </a:rPr>
+              <a:t>그</a:t>
+            </a:r>
+            <a:r>
+              <a:rPr lang="ko-KR" sz="1800">
+                <a:latin typeface="맑은 고딕" charset="0"/>
+                <a:ea typeface="맑은 고딕" charset="0"/>
+              </a:rPr>
+              <a:t>런</a:t>
+            </a:r>
+            <a:r>
+              <a:rPr lang="ko-KR" sz="1800">
+                <a:latin typeface="맑은 고딕" charset="0"/>
+                <a:ea typeface="맑은 고딕" charset="0"/>
+              </a:rPr>
+              <a:t> </a:t>
+            </a:r>
+            <a:r>
+              <a:rPr lang="ko-KR" sz="1800">
+                <a:latin typeface="맑은 고딕" charset="0"/>
+                <a:ea typeface="맑은 고딕" charset="0"/>
+              </a:rPr>
+              <a:t>다음 Vector3 변수와 Rigidbody </a:t>
+            </a:r>
+            <a:r>
+              <a:rPr lang="ko-KR" sz="1800">
+                <a:latin typeface="맑은 고딕" charset="0"/>
+                <a:ea typeface="맑은 고딕" charset="0"/>
+              </a:rPr>
+              <a:t>변수</a:t>
+            </a:r>
+            <a:r>
+              <a:rPr lang="ko-KR" sz="1800">
+                <a:latin typeface="맑은 고딕" charset="0"/>
+                <a:ea typeface="맑은 고딕" charset="0"/>
+              </a:rPr>
+              <a:t>를</a:t>
+            </a:r>
+            <a:r>
+              <a:rPr lang="ko-KR" sz="1800">
+                <a:latin typeface="맑은 고딕" charset="0"/>
+                <a:ea typeface="맑은 고딕" charset="0"/>
+              </a:rPr>
+              <a:t> </a:t>
+            </a:r>
+            <a:r>
+              <a:rPr lang="ko-KR" sz="1800">
+                <a:latin typeface="맑은 고딕" charset="0"/>
+                <a:ea typeface="맑은 고딕" charset="0"/>
+              </a:rPr>
+              <a:t>선언하고 Collider 변수를 </a:t>
+            </a:r>
+            <a:r>
+              <a:rPr lang="ko-KR" sz="1800">
+                <a:latin typeface="맑은 고딕" charset="0"/>
+                <a:ea typeface="맑은 고딕" charset="0"/>
+              </a:rPr>
+              <a:t>배열</a:t>
+            </a:r>
+            <a:r>
+              <a:rPr lang="ko-KR" sz="1800">
+                <a:latin typeface="맑은 고딕" charset="0"/>
+                <a:ea typeface="맑은 고딕" charset="0"/>
+              </a:rPr>
+              <a:t>로</a:t>
+            </a:r>
+            <a:r>
+              <a:rPr lang="ko-KR" sz="1800">
+                <a:latin typeface="맑은 고딕" charset="0"/>
+                <a:ea typeface="맑은 고딕" charset="0"/>
+              </a:rPr>
+              <a:t> </a:t>
+            </a:r>
+            <a:r>
+              <a:rPr lang="ko-KR" sz="1800">
+                <a:latin typeface="맑은 고딕" charset="0"/>
+                <a:ea typeface="맑은 고딕" charset="0"/>
+              </a:rPr>
+              <a:t>선언합니다.</a:t>
+            </a:r>
+            <a:endParaRPr lang="ko-KR" altLang="en-US" sz="1800">
+              <a:latin typeface="맑은 고딕" charset="0"/>
+              <a:ea typeface="맑은 고딕" charset="0"/>
+            </a:endParaRPr>
+          </a:p>
+        </p:txBody>
+      </p:sp>
+      <p:sp>
+        <p:nvSpPr>
+          <p:cNvPr id="110" name="Rect 0"/>
+          <p:cNvSpPr txBox="1">
+            <a:spLocks/>
+          </p:cNvSpPr>
+          <p:nvPr/>
+        </p:nvSpPr>
+        <p:spPr>
+          <a:xfrm rot="0">
+            <a:off x="6822440" y="2807335"/>
+            <a:ext cx="4126230" cy="954405"/>
+          </a:xfrm>
+          <a:prstGeom prst="rect"/>
+          <a:noFill/>
+          <a:ln w="0">
+            <a:noFill/>
+            <a:prstDash/>
+          </a:ln>
+        </p:spPr>
+        <p:txBody>
+          <a:bodyPr wrap="square" lIns="89535" tIns="46355" rIns="89535" bIns="46355" numCol="1" vert="horz" anchor="t">
+            <a:spAutoFit/>
+          </a:bodyPr>
+          <a:lstStyle/>
+          <a:p>
+            <a:pPr marL="0" indent="0" rtl="0" algn="l" defTabSz="914400" eaLnBrk="1" latinLnBrk="0" hangingPunct="1">
+              <a:buFontTx/>
+              <a:buNone/>
+            </a:pPr>
+            <a:r>
+              <a:rPr lang="ko-KR" sz="2000" b="1">
+                <a:solidFill>
+                  <a:srgbClr val="0611F2"/>
+                </a:solidFill>
+                <a:latin typeface="맑은 고딕" charset="0"/>
+                <a:ea typeface="맑은 고딕" charset="0"/>
+              </a:rPr>
+              <a:t>4</a:t>
+            </a:r>
+            <a:r>
+              <a:rPr lang="ko-KR" sz="2000" b="1">
+                <a:solidFill>
+                  <a:srgbClr val="0611F2"/>
+                </a:solidFill>
+                <a:latin typeface="맑은 고딕" charset="0"/>
+                <a:ea typeface="맑은 고딕" charset="0"/>
+              </a:rPr>
+              <a:t>0</a:t>
+            </a:r>
+            <a:r>
+              <a:rPr sz="2000" b="1">
+                <a:solidFill>
+                  <a:srgbClr val="0611F2"/>
+                </a:solidFill>
+                <a:latin typeface="맑은 고딕" charset="0"/>
+                <a:ea typeface="맑은 고딕" charset="0"/>
+              </a:rPr>
+              <a:t>.</a:t>
+            </a:r>
+            <a:r>
+              <a:rPr lang="ko-KR" sz="2000" b="1">
+                <a:solidFill>
+                  <a:srgbClr val="0611F2"/>
+                </a:solidFill>
+                <a:latin typeface="맑은 고딕" charset="0"/>
+                <a:ea typeface="맑은 고딕" charset="0"/>
+              </a:rPr>
+              <a:t> </a:t>
+            </a:r>
+            <a:r>
+              <a:rPr lang="ko-KR" sz="1800">
+                <a:latin typeface="맑은 고딕" charset="0"/>
+                <a:ea typeface="맑은 고딕" charset="0"/>
+              </a:rPr>
+              <a:t>그다음 Start( ) 함수에서 마우스의 </a:t>
+            </a:r>
+            <a:r>
+              <a:rPr lang="ko-KR" sz="1800">
+                <a:latin typeface="맑은 고딕" charset="0"/>
+                <a:ea typeface="맑은 고딕" charset="0"/>
+              </a:rPr>
+              <a:t>커서를</a:t>
+            </a:r>
+            <a:r>
+              <a:rPr lang="ko-KR" sz="1800">
+                <a:latin typeface="맑은 고딕" charset="0"/>
+                <a:ea typeface="맑은 고딕" charset="0"/>
+              </a:rPr>
+              <a:t> </a:t>
+            </a:r>
+            <a:r>
+              <a:rPr lang="ko-KR" sz="1800">
+                <a:latin typeface="맑은 고딕" charset="0"/>
+                <a:ea typeface="맑은 고딕" charset="0"/>
+              </a:rPr>
+              <a:t>비활성화한 다음 마우스를 </a:t>
+            </a:r>
+            <a:r>
+              <a:rPr lang="ko-KR" sz="1800">
+                <a:latin typeface="맑은 고딕" charset="0"/>
+                <a:ea typeface="맑은 고딕" charset="0"/>
+              </a:rPr>
+              <a:t>잠금</a:t>
+            </a:r>
+            <a:r>
+              <a:rPr lang="ko-KR" sz="1800">
+                <a:latin typeface="맑은 고딕" charset="0"/>
+                <a:ea typeface="맑은 고딕" charset="0"/>
+              </a:rPr>
+              <a:t>하도록</a:t>
+            </a:r>
+            <a:r>
+              <a:rPr lang="ko-KR" sz="1800">
+                <a:latin typeface="맑은 고딕" charset="0"/>
+                <a:ea typeface="맑은 고딕" charset="0"/>
+              </a:rPr>
+              <a:t> </a:t>
+            </a:r>
+            <a:r>
+              <a:rPr lang="ko-KR" sz="1800">
+                <a:latin typeface="맑은 고딕" charset="0"/>
+                <a:ea typeface="맑은 고딕" charset="0"/>
+              </a:rPr>
+              <a:t>설정합니다.</a:t>
+            </a:r>
+            <a:endParaRPr lang="ko-KR" altLang="en-US" sz="1800">
+              <a:latin typeface="맑은 고딕" charset="0"/>
+              <a:ea typeface="맑은 고딕" charset="0"/>
+            </a:endParaRPr>
+          </a:p>
+        </p:txBody>
+      </p:sp>
+      <p:pic>
+        <p:nvPicPr>
+          <p:cNvPr id="112" name="그림 7"/>
+          <p:cNvPicPr>
+            <a:picLocks noChangeAspect="1"/>
+          </p:cNvPicPr>
+          <p:nvPr/>
+        </p:nvPicPr>
+        <p:blipFill rotWithShape="1">
+          <a:blip r:embed="rId2" cstate="print">
+            <a:extLst>
+              <a:ext uri="{28A0092B-C50C-407E-A947-70E740481C1C}">
+                <a14:useLocalDpi xmlns:a14="http://schemas.microsoft.com/office/drawing/2010/main" val="0"/>
+              </a:ext>
+            </a:extLst>
+          </a:blip>
+          <a:stretch>
+            <a:fillRect/>
+          </a:stretch>
+        </p:blipFill>
+        <p:spPr>
+          <a:xfrm rot="0">
+            <a:off x="6822440" y="1455420"/>
+            <a:ext cx="4131945" cy="1266825"/>
+          </a:xfrm>
+          <a:prstGeom prst="roundRect"/>
+          <a:solidFill>
+            <a:srgbClr val="EDEDED"/>
+          </a:solidFill>
+        </p:spPr>
+      </p:pic>
+      <p:pic>
+        <p:nvPicPr>
+          <p:cNvPr id="113" name="그림 10"/>
+          <p:cNvPicPr>
+            <a:picLocks noChangeAspect="1"/>
+          </p:cNvPicPr>
+          <p:nvPr/>
+        </p:nvPicPr>
+        <p:blipFill rotWithShape="1">
+          <a:blip r:embed="rId3" cstate="print">
+            <a:extLst>
+              <a:ext uri="{28A0092B-C50C-407E-A947-70E740481C1C}">
+                <a14:useLocalDpi xmlns:a14="http://schemas.microsoft.com/office/drawing/2010/main" val="0"/>
+              </a:ext>
+            </a:extLst>
+          </a:blip>
+          <a:stretch>
+            <a:fillRect/>
+          </a:stretch>
+        </p:blipFill>
+        <p:spPr>
+          <a:xfrm rot="0">
+            <a:off x="1249045" y="1447165"/>
+            <a:ext cx="4117975" cy="2493645"/>
+          </a:xfrm>
+          <a:prstGeom prst="roundRect"/>
+          <a:solidFill>
+            <a:srgbClr val="EDEDED"/>
+          </a:solidFill>
+        </p:spPr>
+      </p:pic>
+      <p:sp>
+        <p:nvSpPr>
+          <p:cNvPr id="115" name="텍스트 상자 16"/>
+          <p:cNvSpPr txBox="1">
+            <a:spLocks/>
+          </p:cNvSpPr>
+          <p:nvPr/>
+        </p:nvSpPr>
+        <p:spPr>
+          <a:xfrm rot="0">
+            <a:off x="6813550" y="5204460"/>
+            <a:ext cx="4141470" cy="955040"/>
+          </a:xfrm>
+          <a:prstGeom prst="rect"/>
+          <a:noFill/>
+          <a:ln w="0">
+            <a:noFill/>
+            <a:prstDash/>
+          </a:ln>
+        </p:spPr>
+        <p:txBody>
+          <a:bodyPr wrap="square" lIns="89535" tIns="46355" rIns="89535" bIns="46355" numCol="1" vert="horz" anchor="t">
+            <a:spAutoFit/>
+          </a:bodyPr>
+          <a:lstStyle/>
+          <a:p>
+            <a:pPr marL="0" indent="0" rtl="0" algn="l" defTabSz="914400" eaLnBrk="1" latinLnBrk="0" hangingPunct="1">
+              <a:buFontTx/>
+              <a:buNone/>
+            </a:pPr>
+            <a:r>
+              <a:rPr lang="ko-KR" sz="2000" b="1">
+                <a:solidFill>
+                  <a:srgbClr val="0611F2"/>
+                </a:solidFill>
+                <a:latin typeface="맑은 고딕" charset="0"/>
+                <a:ea typeface="맑은 고딕" charset="0"/>
+              </a:rPr>
+              <a:t>41</a:t>
+            </a:r>
+            <a:r>
+              <a:rPr sz="2000" b="1">
+                <a:solidFill>
+                  <a:srgbClr val="0611F2"/>
+                </a:solidFill>
+                <a:latin typeface="맑은 고딕" charset="0"/>
+                <a:ea typeface="맑은 고딕" charset="0"/>
+              </a:rPr>
+              <a:t>.</a:t>
+            </a:r>
+            <a:r>
+              <a:rPr lang="ko-KR" sz="2000" b="1">
+                <a:solidFill>
+                  <a:srgbClr val="0611F2"/>
+                </a:solidFill>
+                <a:latin typeface="맑은 고딕" charset="0"/>
+                <a:ea typeface="맑은 고딕" charset="0"/>
+              </a:rPr>
+              <a:t> </a:t>
+            </a:r>
+            <a:r>
+              <a:rPr lang="ko-KR" sz="1800">
+                <a:latin typeface="맑은 고딕" charset="0"/>
+                <a:ea typeface="맑은 고딕" charset="0"/>
+              </a:rPr>
+              <a:t>그러고 나서 Update( ) 함수에서 </a:t>
+            </a:r>
+            <a:r>
+              <a:rPr lang="ko-KR" sz="1800">
+                <a:latin typeface="맑은 고딕" charset="0"/>
+                <a:ea typeface="맑은 고딕" charset="0"/>
+              </a:rPr>
+              <a:t>키</a:t>
+            </a:r>
+            <a:r>
+              <a:rPr lang="ko-KR" sz="1800">
+                <a:latin typeface="맑은 고딕" charset="0"/>
+                <a:ea typeface="맑은 고딕" charset="0"/>
+              </a:rPr>
+              <a:t> 입력에 따라 direction 변수의 속성 </a:t>
+            </a:r>
+            <a:r>
+              <a:rPr lang="ko-KR" sz="1800">
+                <a:latin typeface="맑은 고딕" charset="0"/>
+                <a:ea typeface="맑은 고딕" charset="0"/>
+              </a:rPr>
+              <a:t>값을</a:t>
+            </a:r>
+            <a:r>
+              <a:rPr lang="ko-KR" sz="1800">
+                <a:latin typeface="맑은 고딕" charset="0"/>
+                <a:ea typeface="맑은 고딕" charset="0"/>
+              </a:rPr>
+              <a:t> 설정합니다.</a:t>
+            </a:r>
+            <a:endParaRPr lang="ko-KR" altLang="en-US" sz="1800">
+              <a:latin typeface="맑은 고딕" charset="0"/>
+              <a:ea typeface="맑은 고딕" charset="0"/>
+            </a:endParaRPr>
+          </a:p>
+        </p:txBody>
+      </p:sp>
+      <p:pic>
+        <p:nvPicPr>
+          <p:cNvPr id="116" name="그림 17"/>
+          <p:cNvPicPr>
+            <a:picLocks noChangeAspect="1"/>
+          </p:cNvPicPr>
+          <p:nvPr/>
+        </p:nvPicPr>
+        <p:blipFill rotWithShape="1">
+          <a:blip r:embed="rId4" cstate="print">
+            <a:extLst>
+              <a:ext uri="{28A0092B-C50C-407E-A947-70E740481C1C}">
+                <a14:useLocalDpi xmlns:a14="http://schemas.microsoft.com/office/drawing/2010/main" val="0"/>
+              </a:ext>
+            </a:extLst>
+          </a:blip>
+          <a:stretch>
+            <a:fillRect/>
+          </a:stretch>
+        </p:blipFill>
+        <p:spPr>
+          <a:xfrm rot="0">
+            <a:off x="6820535" y="3870325"/>
+            <a:ext cx="4125595" cy="1247775"/>
+          </a:xfrm>
+          <a:prstGeom prst="roundRect"/>
+          <a:solidFill>
+            <a:srgbClr val="EDEDED"/>
+          </a:solidFill>
+        </p:spPr>
+      </p:pic>
+    </p:spTree>
+  </p:cSld>
+  <p:clrMapOvr>
+    <a:masterClrMapping/>
+  </p:clrMapOvr>
+  <mc:AlternateContent xmlns:mc="http://schemas.openxmlformats.org/markup-compatibility/2006">
+    <mc:Choice xmlns:p14="http://schemas.microsoft.com/office/powerpoint/2010/main" Requires="p14">
+      <p:transition spd="slow" p14:dur="1000"/>
+    </mc:Choice>
+    <mc:Fallback>
+      <p:transition spd="slow"/>
+    </mc:Fallback>
+  </mc:AlternateContent>
+  <p:timing>
+    <p:tnLst>
+      <p:par>
+        <p:cTn id="1" dur="indefinite" restart="never" nodeType="tmRoot"/>
+      </p:par>
+    </p:tnLst>
+  </p:timing>
+</p:sld>
+</file>
+
+<file path=ppt/slides/slide13.xml><?xml version="1.0" encoding="utf-8"?>
+<p:sld xmlns:a="http://schemas.openxmlformats.org/drawingml/2006/main" xmlns:r="http://schemas.openxmlformats.org/officeDocument/2006/relationships" xmlns:p="http://schemas.openxmlformats.org/presentationml/2006/main">
+  <p:cSld>
+    <p:spTree>
+      <p:nvGrpSpPr>
+        <p:cNvPr id="1" name=""/>
+        <p:cNvGrpSpPr/>
+        <p:nvPr/>
+      </p:nvGrpSpPr>
+      <p:grpSpPr>
+        <a:xfrm>
+          <a:off x="0" y="0"/>
+          <a:ext cx="0" cy="0"/>
+          <a:chOff x="0" y="0"/>
+          <a:chExt cx="0" cy="0"/>
+        </a:xfrm>
+      </p:grpSpPr>
+      <p:sp>
+        <p:nvSpPr>
+          <p:cNvPr id="2" name="Rect 0"/>
+          <p:cNvSpPr txBox="1">
+            <a:spLocks/>
+          </p:cNvSpPr>
+          <p:nvPr/>
+        </p:nvSpPr>
+        <p:spPr>
+          <a:xfrm rot="0">
+            <a:off x="4236085" y="419735"/>
+            <a:ext cx="3718560" cy="478155"/>
+          </a:xfrm>
+          <a:prstGeom prst="rect"/>
+          <a:noFill/>
+          <a:ln w="0">
+            <a:noFill/>
+            <a:prstDash/>
+          </a:ln>
+        </p:spPr>
+        <p:txBody>
+          <a:bodyPr wrap="square" lIns="89535" tIns="46355" rIns="89535" bIns="46355" numCol="1" vert="horz" anchor="t">
+            <a:spAutoFit/>
+          </a:bodyPr>
+          <a:lstStyle/>
+          <a:p>
+            <a:pPr marL="0" indent="0" rtl="0" algn="ctr" defTabSz="914400" eaLnBrk="1" latinLnBrk="0" hangingPunct="1">
+              <a:buFontTx/>
+              <a:buNone/>
+            </a:pPr>
+            <a:r>
+              <a:rPr lang="ko-KR" sz="2500" b="1">
+                <a:solidFill>
+                  <a:schemeClr val="tx1"/>
+                </a:solidFill>
+                <a:latin typeface="나눔바른고딕" charset="0"/>
+                <a:ea typeface="나눔바른고딕" charset="0"/>
+              </a:rPr>
+              <a:t>열세</a:t>
+            </a:r>
+            <a:r>
+              <a:rPr lang="ko-KR" sz="2500" b="1">
+                <a:solidFill>
+                  <a:schemeClr val="tx1"/>
+                </a:solidFill>
+                <a:latin typeface="나눔바른고딕" charset="0"/>
+                <a:ea typeface="나눔바른고딕" charset="0"/>
+              </a:rPr>
+              <a:t> 번째 튜토리얼</a:t>
+            </a:r>
+            <a:endParaRPr lang="ko-KR" altLang="en-US" sz="2500" b="1">
+              <a:solidFill>
+                <a:schemeClr val="tx1"/>
+              </a:solidFill>
+              <a:latin typeface="나눔바른고딕" charset="0"/>
+              <a:ea typeface="나눔바른고딕" charset="0"/>
+            </a:endParaRPr>
+          </a:p>
+        </p:txBody>
+      </p:sp>
+      <p:sp>
+        <p:nvSpPr>
+          <p:cNvPr id="93" name="Rect 0"/>
+          <p:cNvSpPr txBox="1">
+            <a:spLocks/>
+          </p:cNvSpPr>
+          <p:nvPr/>
+        </p:nvSpPr>
+        <p:spPr>
+          <a:xfrm rot="0">
+            <a:off x="1246505" y="3816985"/>
+            <a:ext cx="4129405" cy="2338705"/>
+          </a:xfrm>
+          <a:prstGeom prst="rect"/>
+          <a:noFill/>
+          <a:ln w="0">
+            <a:noFill/>
+            <a:prstDash/>
+          </a:ln>
+        </p:spPr>
+        <p:txBody>
+          <a:bodyPr wrap="square" lIns="89535" tIns="46355" rIns="89535" bIns="46355" numCol="1" vert="horz" anchor="t">
+            <a:spAutoFit/>
+          </a:bodyPr>
+          <a:lstStyle/>
+          <a:p>
+            <a:pPr marL="0" indent="0" rtl="0" algn="l" defTabSz="914400" eaLnBrk="1" latinLnBrk="0" hangingPunct="1">
+              <a:buFontTx/>
+              <a:buNone/>
+            </a:pPr>
+            <a:r>
+              <a:rPr lang="ko-KR" sz="2000" b="1">
+                <a:solidFill>
+                  <a:srgbClr val="0611F2"/>
+                </a:solidFill>
+                <a:latin typeface="맑은 고딕" charset="0"/>
+                <a:ea typeface="맑은 고딕" charset="0"/>
+              </a:rPr>
+              <a:t>4</a:t>
+            </a:r>
+            <a:r>
+              <a:rPr lang="ko-KR" sz="2000" b="1">
+                <a:solidFill>
+                  <a:srgbClr val="0611F2"/>
+                </a:solidFill>
+                <a:latin typeface="맑은 고딕" charset="0"/>
+                <a:ea typeface="맑은 고딕" charset="0"/>
+              </a:rPr>
+              <a:t>2</a:t>
+            </a:r>
+            <a:r>
+              <a:rPr sz="2000" b="1">
+                <a:solidFill>
+                  <a:srgbClr val="0611F2"/>
+                </a:solidFill>
+                <a:latin typeface="맑은 고딕" charset="0"/>
+                <a:ea typeface="맑은 고딕" charset="0"/>
+              </a:rPr>
+              <a:t>.</a:t>
+            </a:r>
+            <a:r>
+              <a:rPr lang="ko-KR" sz="2000" b="1">
+                <a:solidFill>
+                  <a:srgbClr val="0611F2"/>
+                </a:solidFill>
+                <a:latin typeface="맑은 고딕" charset="0"/>
+                <a:ea typeface="맑은 고딕" charset="0"/>
+              </a:rPr>
+              <a:t> </a:t>
+            </a:r>
+            <a:r>
+              <a:rPr lang="ko-KR" sz="1800">
+                <a:latin typeface="맑은 고딕" charset="0"/>
+                <a:ea typeface="맑은 고딕" charset="0"/>
+              </a:rPr>
+              <a:t>이제 Detection( ) </a:t>
+            </a:r>
+            <a:r>
+              <a:rPr lang="ko-KR" sz="1800">
+                <a:latin typeface="맑은 고딕" charset="0"/>
+                <a:ea typeface="맑은 고딕" charset="0"/>
+              </a:rPr>
+              <a:t>함수를 </a:t>
+            </a:r>
+            <a:r>
+              <a:rPr lang="ko-KR" sz="1800">
+                <a:latin typeface="맑은 고딕" charset="0"/>
+                <a:ea typeface="맑은 고딕" charset="0"/>
+              </a:rPr>
+              <a:t>선언하고</a:t>
+            </a:r>
+            <a:r>
+              <a:rPr lang="ko-KR" sz="1800">
+                <a:latin typeface="맑은 고딕" charset="0"/>
+                <a:ea typeface="맑은 고딕" charset="0"/>
+              </a:rPr>
+              <a:t> colliders 배열에 원 범위에 </a:t>
+            </a:r>
+            <a:r>
+              <a:rPr lang="ko-KR" sz="1800">
+                <a:latin typeface="맑은 고딕" charset="0"/>
+                <a:ea typeface="맑은 고딕" charset="0"/>
+              </a:rPr>
+              <a:t>있는</a:t>
+            </a:r>
+            <a:r>
+              <a:rPr lang="ko-KR" sz="1800">
+                <a:latin typeface="맑은 고딕" charset="0"/>
+                <a:ea typeface="맑은 고딕" charset="0"/>
+              </a:rPr>
+              <a:t> </a:t>
+            </a:r>
+            <a:r>
+              <a:rPr lang="ko-KR" sz="1800">
+                <a:latin typeface="맑은 고딕" charset="0"/>
+                <a:ea typeface="맑은 고딕" charset="0"/>
+              </a:rPr>
+              <a:t>게임 오브젝트를 검출합니다.</a:t>
+            </a:r>
+            <a:endParaRPr lang="ko-KR" altLang="en-US" sz="1800">
+              <a:latin typeface="맑은 고딕" charset="0"/>
+              <a:ea typeface="맑은 고딕" charset="0"/>
+            </a:endParaRPr>
+          </a:p>
+          <a:p>
+            <a:pPr marL="0" indent="0" rtl="0" algn="l" defTabSz="914400" eaLnBrk="1" latinLnBrk="0" hangingPunct="1">
+              <a:buFontTx/>
+              <a:buNone/>
+            </a:pPr>
+            <a:endParaRPr lang="ko-KR" altLang="en-US" sz="1800">
+              <a:latin typeface="맑은 고딕" charset="0"/>
+              <a:ea typeface="맑은 고딕" charset="0"/>
+            </a:endParaRPr>
+          </a:p>
+          <a:p>
+            <a:pPr marL="0" indent="0" rtl="0" algn="l" defTabSz="914400" eaLnBrk="1" latinLnBrk="0" hangingPunct="1">
+              <a:buFontTx/>
+              <a:buNone/>
+            </a:pPr>
+            <a:r>
+              <a:rPr lang="ko-KR" sz="1800">
+                <a:latin typeface="맑은 고딕" charset="0"/>
+                <a:ea typeface="맑은 고딕" charset="0"/>
+              </a:rPr>
+              <a:t>그리고</a:t>
+            </a:r>
+            <a:r>
+              <a:rPr lang="ko-KR" sz="1800">
+                <a:latin typeface="맑은 고딕" charset="0"/>
+                <a:ea typeface="맑은 고딕" charset="0"/>
+              </a:rPr>
+              <a:t> </a:t>
+            </a:r>
+            <a:r>
+              <a:rPr lang="ko-KR" sz="1800">
+                <a:latin typeface="맑은 고딕" charset="0"/>
+                <a:ea typeface="맑은 고딕" charset="0"/>
+              </a:rPr>
+              <a:t>Billiard Ball</a:t>
+            </a:r>
+            <a:r>
+              <a:rPr lang="ko-KR" sz="1800">
+                <a:latin typeface="맑은 고딕" charset="0"/>
+                <a:ea typeface="맑은 고딕" charset="0"/>
+              </a:rPr>
+              <a:t> 이라는 태그를 </a:t>
+            </a:r>
+            <a:r>
+              <a:rPr lang="ko-KR" sz="1800">
+                <a:latin typeface="맑은 고딕" charset="0"/>
+                <a:ea typeface="맑은 고딕" charset="0"/>
+              </a:rPr>
+              <a:t>가진</a:t>
+            </a:r>
+            <a:r>
+              <a:rPr lang="ko-KR" sz="1800">
+                <a:latin typeface="맑은 고딕" charset="0"/>
+                <a:ea typeface="맑은 고딕" charset="0"/>
+              </a:rPr>
+              <a:t> 게임 </a:t>
+            </a:r>
+            <a:r>
+              <a:rPr lang="ko-KR" sz="1800">
+                <a:latin typeface="맑은 고딕" charset="0"/>
+                <a:ea typeface="맑은 고딕" charset="0"/>
+              </a:rPr>
+              <a:t>오브젝트가 있다면 </a:t>
+            </a:r>
+            <a:r>
+              <a:rPr lang="ko-KR" sz="1800">
+                <a:latin typeface="맑은 고딕" charset="0"/>
+                <a:ea typeface="맑은 고딕" charset="0"/>
+              </a:rPr>
+              <a:t>AddForceMessage(</a:t>
+            </a:r>
+            <a:r>
+              <a:rPr lang="ko-KR" sz="1800">
+                <a:latin typeface="맑은 고딕" charset="0"/>
+                <a:ea typeface="맑은 고딕" charset="0"/>
+              </a:rPr>
+              <a:t> </a:t>
+            </a:r>
+            <a:r>
+              <a:rPr lang="ko-KR" sz="1800">
+                <a:latin typeface="맑은 고딕" charset="0"/>
+                <a:ea typeface="맑은 고딕" charset="0"/>
+              </a:rPr>
+              <a:t>) 함수를 </a:t>
+            </a:r>
+            <a:r>
+              <a:rPr lang="ko-KR" sz="1800">
+                <a:latin typeface="맑은 고딕" charset="0"/>
+                <a:ea typeface="맑은 고딕" charset="0"/>
+              </a:rPr>
+              <a:t>호출하도</a:t>
+            </a:r>
+            <a:r>
+              <a:rPr lang="ko-KR" sz="1800">
+                <a:latin typeface="맑은 고딕" charset="0"/>
+                <a:ea typeface="맑은 고딕" charset="0"/>
+              </a:rPr>
+              <a:t>록</a:t>
+            </a:r>
+            <a:r>
+              <a:rPr lang="ko-KR" sz="1800">
+                <a:latin typeface="맑은 고딕" charset="0"/>
+                <a:ea typeface="맑은 고딕" charset="0"/>
+              </a:rPr>
+              <a:t> </a:t>
+            </a:r>
+            <a:r>
+              <a:rPr lang="ko-KR" sz="1800">
+                <a:latin typeface="맑은 고딕" charset="0"/>
+                <a:ea typeface="맑은 고딕" charset="0"/>
+              </a:rPr>
+              <a:t>선언합니다.</a:t>
+            </a:r>
+            <a:endParaRPr lang="ko-KR" altLang="en-US" sz="1800">
+              <a:latin typeface="맑은 고딕" charset="0"/>
+              <a:ea typeface="맑은 고딕" charset="0"/>
+            </a:endParaRPr>
+          </a:p>
+        </p:txBody>
+      </p:sp>
+      <p:pic>
+        <p:nvPicPr>
+          <p:cNvPr id="94" name="그림 7" descr="C:/Users/Admin1/AppData/Roaming/PolarisOffice/ETemp/7252_14479208/fImage7516025341.png"/>
+          <p:cNvPicPr>
+            <a:picLocks noChangeAspect="1"/>
+          </p:cNvPicPr>
+          <p:nvPr/>
+        </p:nvPicPr>
+        <p:blipFill rotWithShape="1">
+          <a:blip r:embed="rId2" cstate="print">
+            <a:extLst>
+              <a:ext uri="{28A0092B-C50C-407E-A947-70E740481C1C}">
+                <a14:useLocalDpi xmlns:a14="http://schemas.microsoft.com/office/drawing/2010/main" val="0"/>
+              </a:ext>
+            </a:extLst>
+          </a:blip>
+          <a:stretch>
+            <a:fillRect/>
+          </a:stretch>
+        </p:blipFill>
+        <p:spPr>
+          <a:xfrm rot="0">
+            <a:off x="1249045" y="1447165"/>
+            <a:ext cx="4117975" cy="2248535"/>
+          </a:xfrm>
+          <a:prstGeom prst="roundRect"/>
+          <a:solidFill>
+            <a:srgbClr val="EDEDED"/>
+          </a:solidFill>
+        </p:spPr>
+      </p:pic>
+    </p:spTree>
+  </p:cSld>
+  <p:clrMapOvr>
+    <a:masterClrMapping/>
+  </p:clrMapOvr>
+  <mc:AlternateContent xmlns:mc="http://schemas.openxmlformats.org/markup-compatibility/2006">
+    <mc:Choice xmlns:p14="http://schemas.microsoft.com/office/powerpoint/2010/main" Requires="p14">
+      <p:transition spd="slow" p14:dur="1000"/>
+    </mc:Choice>
+    <mc:Fallback>
+      <p:transition spd="slow"/>
+    </mc:Fallback>
+  </mc:AlternateContent>
+  <p:timing>
+    <p:tnLst>
+      <p:par>
+        <p:cTn id="1" dur="indefinite" restart="never" nodeType="tmRoot"/>
+      </p:par>
+    </p:tnLst>
+  </p:timing>
+</p:sld>
+</file>
+
+<file path=ppt/slides/slide14.xml><?xml version="1.0" encoding="utf-8"?>
 <p:sld xmlns:a="http://schemas.openxmlformats.org/drawingml/2006/main" xmlns:r="http://schemas.openxmlformats.org/officeDocument/2006/relationships" xmlns:p="http://schemas.openxmlformats.org/presentationml/2006/main" xmlns:p14="http://schemas.microsoft.com/office/powerpoint/2010/main">
   <p:cSld>
     <p:spTree>

--- a/Assets/Physics/PPT Data/Physics Example.pptx
+++ b/Assets/Physics/PPT Data/Physics Example.pptx
@@ -2,7 +2,7 @@
 <file path=ppt/presentation.xml><?xml version="1.0" encoding="utf-8"?>
 <p:presentation xmlns:a="http://schemas.openxmlformats.org/drawingml/2006/main" xmlns:r="http://schemas.openxmlformats.org/officeDocument/2006/relationships" xmlns:p="http://schemas.openxmlformats.org/presentationml/2006/main" xmlns:p14="http://schemas.microsoft.com/office/powerpoint/2010/main" saveSubsetFonts="1" firstSlideNum="0">
   <p:sldMasterIdLst>
-    <p:sldMasterId id="2147485586" r:id="rId12"/>
+    <p:sldMasterId id="2147485590" r:id="rId12"/>
   </p:sldMasterIdLst>
   <p:notesMasterIdLst>
     <p:notesMasterId r:id="rId14"/>
@@ -19,11 +19,12 @@
     <p:sldId id="295" r:id="rId24"/>
     <p:sldId id="297" r:id="rId25"/>
     <p:sldId id="298" r:id="rId26"/>
-    <p:sldId id="299" r:id="rId27"/>
-    <p:sldId id="300" r:id="rId28"/>
-    <p:sldId id="301" r:id="rId29"/>
-    <p:sldId id="287" r:id="rId30"/>
-    <p:sldId id="302" r:id="rId31"/>
+    <p:sldId id="303" r:id="rId27"/>
+    <p:sldId id="299" r:id="rId28"/>
+    <p:sldId id="300" r:id="rId29"/>
+    <p:sldId id="301" r:id="rId30"/>
+    <p:sldId id="287" r:id="rId31"/>
+    <p:sldId id="302" r:id="rId32"/>
   </p:sldIdLst>
   <p:sldSz cx="12192000" cy="6858000"/>
   <p:notesSz cx="6858000" cy="9144000"/>
@@ -7616,7 +7617,7 @@
       </p:grpSpPr>
       <p:sp>
         <p:nvSpPr>
-          <p:cNvPr id="2" name="Rect 0"/>
+          <p:cNvPr id="2" name="텍스트 상자 2"/>
           <p:cNvSpPr txBox="1">
             <a:spLocks/>
           </p:cNvSpPr>
@@ -7624,8 +7625,8 @@
         </p:nvSpPr>
         <p:spPr>
           <a:xfrm rot="0">
-            <a:off x="4236085" y="419735"/>
-            <a:ext cx="3718560" cy="478155"/>
+            <a:off x="4339590" y="441960"/>
+            <a:ext cx="3509010" cy="478790"/>
           </a:xfrm>
           <a:prstGeom prst="rect"/>
           <a:noFill/>
@@ -7635,7 +7636,7 @@
           </a:ln>
         </p:spPr>
         <p:txBody>
-          <a:bodyPr wrap="square" lIns="89535" tIns="46355" rIns="89535" bIns="46355" numCol="1" vert="horz" anchor="t">
+          <a:bodyPr wrap="square" lIns="89535" tIns="46355" rIns="89535" bIns="46355" vert="horz" anchor="t">
             <a:spAutoFit/>
           </a:bodyPr>
           <a:lstStyle/>
@@ -7645,24 +7646,24 @@
               <a:buNone/>
             </a:pPr>
             <a:r>
-              <a:rPr lang="ko-KR" sz="2500" b="1">
+              <a:rPr sz="2500" b="1">
                 <a:solidFill>
                   <a:schemeClr val="tx1"/>
                 </a:solidFill>
                 <a:latin typeface="나눔바른고딕" charset="0"/>
                 <a:ea typeface="나눔바른고딕" charset="0"/>
               </a:rPr>
-              <a:t>열두</a:t>
-            </a:r>
-            <a:r>
-              <a:rPr lang="ko-KR" sz="2500" b="1">
+              <a:t>Space</a:t>
+            </a:r>
+            <a:r>
+              <a:rPr sz="2500" b="1">
                 <a:solidFill>
                   <a:schemeClr val="tx1"/>
                 </a:solidFill>
                 <a:latin typeface="나눔바른고딕" charset="0"/>
                 <a:ea typeface="나눔바른고딕" charset="0"/>
               </a:rPr>
-              <a:t> 번째 튜토리얼</a:t>
+              <a:t> Conversion</a:t>
             </a:r>
             <a:endParaRPr lang="ko-KR" altLang="en-US" sz="2500" b="1">
               <a:solidFill>
@@ -7676,7 +7677,7 @@
       </p:sp>
       <p:sp>
         <p:nvSpPr>
-          <p:cNvPr id="72" name="Rect 0"/>
+          <p:cNvPr id="3" name="텍스트 상자 3"/>
           <p:cNvSpPr txBox="1">
             <a:spLocks/>
           </p:cNvSpPr>
@@ -7684,8 +7685,8 @@
         </p:nvSpPr>
         <p:spPr>
           <a:xfrm rot="0">
-            <a:off x="1243330" y="2573655"/>
-            <a:ext cx="4133215" cy="677545"/>
+            <a:off x="1222375" y="1445895"/>
+            <a:ext cx="4157345" cy="1201420"/>
           </a:xfrm>
           <a:prstGeom prst="rect"/>
           <a:noFill/>
@@ -7695,7 +7696,7 @@
           </a:ln>
         </p:spPr>
         <p:txBody>
-          <a:bodyPr wrap="square" lIns="89535" tIns="46355" rIns="89535" bIns="46355" numCol="1" vert="horz" anchor="t">
+          <a:bodyPr wrap="square" lIns="89535" tIns="46355" rIns="89535" bIns="46355" vert="horz" anchor="t">
             <a:spAutoFit/>
           </a:bodyPr>
           <a:lstStyle/>
@@ -7705,69 +7706,60 @@
               <a:buNone/>
             </a:pPr>
             <a:r>
-              <a:rPr lang="ko-KR" sz="2000" b="1">
-                <a:solidFill>
-                  <a:srgbClr val="0611F2"/>
-                </a:solidFill>
-                <a:latin typeface="맑은 고딕" charset="0"/>
-                <a:ea typeface="맑은 고딕" charset="0"/>
-              </a:rPr>
-              <a:t>38</a:t>
-            </a:r>
-            <a:r>
-              <a:rPr sz="2000" b="1">
-                <a:solidFill>
-                  <a:srgbClr val="0611F2"/>
-                </a:solidFill>
-                <a:latin typeface="맑은 고딕" charset="0"/>
-                <a:ea typeface="맑은 고딕" charset="0"/>
-              </a:rPr>
-              <a:t>.</a:t>
-            </a:r>
-            <a:r>
-              <a:rPr lang="ko-KR" sz="2000" b="1">
-                <a:solidFill>
-                  <a:srgbClr val="0611F2"/>
-                </a:solidFill>
+              <a:rPr sz="1800">
+                <a:latin typeface="맑은 고딕" charset="0"/>
+                <a:ea typeface="맑은 고딕" charset="0"/>
+              </a:rPr>
+              <a:t>ScreenPointToRay(</a:t>
+            </a:r>
+            <a:r>
+              <a:rPr sz="1800">
+                <a:latin typeface="맑은 고딕" charset="0"/>
+                <a:ea typeface="맑은 고딕" charset="0"/>
+              </a:rPr>
+              <a:t> ) 함수는 스크린 </a:t>
+            </a:r>
+            <a:r>
+              <a:rPr sz="1800">
+                <a:latin typeface="맑은 고딕" charset="0"/>
+                <a:ea typeface="맑은 고딕" charset="0"/>
+              </a:rPr>
+              <a:t>공간의</a:t>
+            </a:r>
+            <a:r>
+              <a:rPr sz="1800">
+                <a:latin typeface="맑은 고딕" charset="0"/>
+                <a:ea typeface="맑은 고딕" charset="0"/>
+              </a:rPr>
+              <a:t> 좌표를 월드 공간의 좌표로 </a:t>
+            </a:r>
+            <a:r>
+              <a:rPr sz="1800">
+                <a:latin typeface="맑은 고딕" charset="0"/>
+                <a:ea typeface="맑은 고딕" charset="0"/>
+              </a:rPr>
+              <a:t>변환하여</a:t>
+            </a:r>
+            <a:r>
+              <a:rPr sz="1800">
+                <a:latin typeface="맑은 고딕" charset="0"/>
+                <a:ea typeface="맑은 고딕" charset="0"/>
+              </a:rPr>
+              <a:t> 시작점으로 설정하는 </a:t>
+            </a:r>
+            <a:r>
+              <a:rPr sz="1800">
+                <a:latin typeface="맑은 고딕" charset="0"/>
+                <a:ea typeface="맑은 고딕" charset="0"/>
+              </a:rPr>
+              <a:t>함수입니다.</a:t>
+            </a:r>
+            <a:r>
+              <a:rPr sz="1800">
                 <a:latin typeface="맑은 고딕" charset="0"/>
                 <a:ea typeface="맑은 고딕" charset="0"/>
               </a:rPr>
               <a:t> </a:t>
-            </a:r>
-            <a:r>
-              <a:rPr lang="ko-KR" sz="1800">
-                <a:latin typeface="맑은 고딕" charset="0"/>
-                <a:ea typeface="맑은 고딕" charset="0"/>
-              </a:rPr>
-              <a:t>이제 Second Pillar 오브젝트의 </a:t>
-            </a:r>
-            <a:r>
-              <a:rPr lang="ko-KR" sz="1800">
-                <a:latin typeface="맑은 고딕" charset="0"/>
-                <a:ea typeface="맑은 고딕" charset="0"/>
-              </a:rPr>
-              <a:t>Tag를</a:t>
-            </a:r>
-            <a:r>
-              <a:rPr lang="ko-KR" sz="1800">
-                <a:latin typeface="맑은 고딕" charset="0"/>
-                <a:ea typeface="맑은 고딕" charset="0"/>
-              </a:rPr>
-              <a:t> </a:t>
-            </a:r>
-            <a:r>
-              <a:rPr lang="ko-KR" sz="1800">
-                <a:latin typeface="맑은 고딕" charset="0"/>
-                <a:ea typeface="맑은 고딕" charset="0"/>
-              </a:rPr>
-              <a:t>Pillar로</a:t>
-            </a:r>
-            <a:r>
-              <a:rPr lang="ko-KR" sz="1800">
-                <a:latin typeface="맑은 고딕" charset="0"/>
-                <a:ea typeface="맑은 고딕" charset="0"/>
-              </a:rPr>
-              <a:t> 설정합니다.</a:t>
             </a:r>
             <a:endParaRPr lang="ko-KR" altLang="en-US" sz="1800">
               <a:latin typeface="맑은 고딕" charset="0"/>
@@ -7778,7 +7770,7 @@
       </p:sp>
       <p:sp>
         <p:nvSpPr>
-          <p:cNvPr id="110" name="Rect 0"/>
+          <p:cNvPr id="4" name="텍스트 상자 4"/>
           <p:cNvSpPr txBox="1">
             <a:spLocks/>
           </p:cNvSpPr>
@@ -7786,8 +7778,8 @@
         </p:nvSpPr>
         <p:spPr>
           <a:xfrm rot="0">
-            <a:off x="1240790" y="5226685"/>
-            <a:ext cx="4136390" cy="954405"/>
+            <a:off x="1214120" y="5578475"/>
+            <a:ext cx="4157345" cy="647700"/>
           </a:xfrm>
           <a:prstGeom prst="rect"/>
           <a:noFill/>
@@ -7797,7 +7789,7 @@
           </a:ln>
         </p:spPr>
         <p:txBody>
-          <a:bodyPr wrap="square" lIns="89535" tIns="46355" rIns="89535" bIns="46355" numCol="1" vert="horz" anchor="t">
+          <a:bodyPr wrap="square" lIns="89535" tIns="46355" rIns="89535" bIns="46355" vert="horz" anchor="t">
             <a:spAutoFit/>
           </a:bodyPr>
           <a:lstStyle/>
@@ -7807,114 +7799,32 @@
               <a:buNone/>
             </a:pPr>
             <a:r>
-              <a:rPr lang="ko-KR" sz="2000" b="1">
-                <a:solidFill>
-                  <a:srgbClr val="0611F2"/>
-                </a:solidFill>
-                <a:latin typeface="맑은 고딕" charset="0"/>
-                <a:ea typeface="맑은 고딕" charset="0"/>
-              </a:rPr>
-              <a:t>3</a:t>
-            </a:r>
-            <a:r>
-              <a:rPr lang="ko-KR" sz="2000" b="1">
-                <a:solidFill>
-                  <a:srgbClr val="0611F2"/>
-                </a:solidFill>
-                <a:latin typeface="맑은 고딕" charset="0"/>
-                <a:ea typeface="맑은 고딕" charset="0"/>
-              </a:rPr>
-              <a:t>9</a:t>
-            </a:r>
-            <a:r>
-              <a:rPr sz="2000" b="1">
-                <a:solidFill>
-                  <a:srgbClr val="0611F2"/>
-                </a:solidFill>
-                <a:latin typeface="맑은 고딕" charset="0"/>
-                <a:ea typeface="맑은 고딕" charset="0"/>
-              </a:rPr>
-              <a:t>.</a:t>
-            </a:r>
-            <a:r>
-              <a:rPr lang="ko-KR" sz="2000" b="1">
-                <a:solidFill>
-                  <a:srgbClr val="0611F2"/>
-                </a:solidFill>
-                <a:latin typeface="맑은 고딕" charset="0"/>
-                <a:ea typeface="맑은 고딕" charset="0"/>
-              </a:rPr>
-              <a:t> </a:t>
-            </a:r>
-            <a:r>
-              <a:rPr lang="ko-KR" sz="1800">
-                <a:latin typeface="맑은 고딕" charset="0"/>
-                <a:ea typeface="맑은 고딕" charset="0"/>
-              </a:rPr>
-              <a:t>그리고 BilliardBall </a:t>
-            </a:r>
-            <a:r>
-              <a:rPr lang="ko-KR" sz="1800">
-                <a:latin typeface="맑은 고딕" charset="0"/>
-                <a:ea typeface="맑은 고딕" charset="0"/>
-              </a:rPr>
-              <a:t>스크립트에서 </a:t>
-            </a:r>
-            <a:r>
-              <a:rPr lang="ko-KR" sz="1800">
-                <a:latin typeface="맑은 고딕" charset="0"/>
-                <a:ea typeface="맑은 고딕" charset="0"/>
-              </a:rPr>
-              <a:t>Vector3</a:t>
-            </a:r>
-            <a:r>
-              <a:rPr lang="ko-KR" sz="1800">
-                <a:latin typeface="맑은 고딕" charset="0"/>
-                <a:ea typeface="맑은 고딕" charset="0"/>
-              </a:rPr>
-              <a:t> 변수와 float 변수</a:t>
-            </a:r>
-            <a:r>
-              <a:rPr lang="ko-KR" sz="1800">
-                <a:latin typeface="맑은 고딕" charset="0"/>
-                <a:ea typeface="맑은 고딕" charset="0"/>
-              </a:rPr>
-              <a:t>를 </a:t>
-            </a:r>
-            <a:r>
-              <a:rPr lang="ko-KR" sz="1800">
-                <a:latin typeface="맑은 고딕" charset="0"/>
-                <a:ea typeface="맑은 고딕" charset="0"/>
-              </a:rPr>
-              <a:t>선언한 </a:t>
-            </a:r>
-            <a:r>
-              <a:rPr lang="ko-KR" sz="1800">
-                <a:latin typeface="맑은 고딕" charset="0"/>
-                <a:ea typeface="맑은 고딕" charset="0"/>
-              </a:rPr>
-              <a:t>다</a:t>
-            </a:r>
-            <a:r>
-              <a:rPr lang="ko-KR" sz="1800">
-                <a:latin typeface="맑은 고딕" charset="0"/>
-                <a:ea typeface="맑은 고딕" charset="0"/>
-              </a:rPr>
-              <a:t>음</a:t>
-            </a:r>
-            <a:r>
-              <a:rPr lang="ko-KR" sz="1800">
-                <a:latin typeface="맑은 고딕" charset="0"/>
-                <a:ea typeface="맑은 고딕" charset="0"/>
-              </a:rPr>
-              <a:t> Rigidbody 변수를 선언합니</a:t>
-            </a:r>
-            <a:r>
-              <a:rPr lang="ko-KR" sz="1800">
-                <a:latin typeface="맑은 고딕" charset="0"/>
-                <a:ea typeface="맑은 고딕" charset="0"/>
-              </a:rPr>
-              <a:t>다.</a:t>
+              <a:rPr sz="1800">
+                <a:latin typeface="맑은 고딕" charset="0"/>
+                <a:ea typeface="맑은 고딕" charset="0"/>
+              </a:rPr>
+              <a:t>방향은</a:t>
+            </a:r>
+            <a:r>
+              <a:rPr sz="1800">
+                <a:latin typeface="맑은 고딕" charset="0"/>
+                <a:ea typeface="맑은 고딕" charset="0"/>
+              </a:rPr>
+              <a:t> 카메라가 비추는 방향으로 </a:t>
+            </a:r>
+            <a:r>
+              <a:rPr sz="1800">
+                <a:latin typeface="맑은 고딕" charset="0"/>
+                <a:ea typeface="맑은 고딕" charset="0"/>
+              </a:rPr>
+              <a:t>설정된</a:t>
+            </a:r>
+            <a:r>
+              <a:rPr sz="1800">
+                <a:latin typeface="맑은 고딕" charset="0"/>
+                <a:ea typeface="맑은 고딕" charset="0"/>
+              </a:rPr>
+              <a:t> 광선 객체를 반환합니다.</a:t>
             </a:r>
             <a:endParaRPr lang="ko-KR" altLang="en-US" sz="1800">
               <a:latin typeface="맑은 고딕" charset="0"/>
@@ -7925,17 +7835,17 @@
       </p:sp>
       <p:pic>
         <p:nvPicPr>
-          <p:cNvPr id="113" name="그림 5" descr="C:/Users/Admin1/AppData/Roaming/PolarisOffice/ETemp/32532_17057424/fImage780423441.png"/>
+          <p:cNvPr id="5" name="그림 5" descr="C:/Users/Admin1/AppData/Roaming/PolarisOffice/ETemp/14652_10160224/fImage7412327341.png"/>
           <p:cNvPicPr>
             <a:picLocks noChangeAspect="1"/>
           </p:cNvPicPr>
           <p:nvPr/>
         </p:nvPicPr>
         <p:blipFill rotWithShape="1">
-          <a:blip r:embed="rId2" cstate="print">
+          <a:blip r:embed="rId2" cstate="hqprint">
             <a:extLst>
               <a:ext uri="{28A0092B-C50C-407E-A947-70E740481C1C}">
-                <a14:useLocalDpi xmlns:a14="http://schemas.microsoft.com/office/drawing/2010/main" val="0"/>
+                <a14:useLocalDpi xmlns:a14="http://schemas.microsoft.com/office/drawing/2010/main"/>
               </a:ext>
             </a:extLst>
           </a:blip>
@@ -7945,8 +7855,8 @@
         </p:blipFill>
         <p:spPr>
           <a:xfrm rot="0">
-            <a:off x="1237615" y="1454785"/>
-            <a:ext cx="4138295" cy="1035050"/>
+            <a:off x="1213485" y="2818130"/>
+            <a:ext cx="4156710" cy="2553335"/>
           </a:xfrm>
           <a:prstGeom prst="roundRect"/>
           <a:solidFill>
@@ -7956,17 +7866,17 @@
       </p:pic>
       <p:pic>
         <p:nvPicPr>
-          <p:cNvPr id="115" name="그림 11" descr="C:/Users/Admin1/AppData/Roaming/PolarisOffice/ETemp/32532_17057424/fImage600072368467.png"/>
+          <p:cNvPr id="6" name="그림 6" descr="C:/Users/Admin1/AppData/Roaming/PolarisOffice/ETemp/14652_10160224/fImage577502748467.png"/>
           <p:cNvPicPr>
             <a:picLocks noChangeAspect="1"/>
           </p:cNvPicPr>
           <p:nvPr/>
         </p:nvPicPr>
         <p:blipFill rotWithShape="1">
-          <a:blip r:embed="rId3" cstate="print">
+          <a:blip r:embed="rId3" cstate="hqprint">
             <a:extLst>
               <a:ext uri="{28A0092B-C50C-407E-A947-70E740481C1C}">
-                <a14:useLocalDpi xmlns:a14="http://schemas.microsoft.com/office/drawing/2010/main" val="0"/>
+                <a14:useLocalDpi xmlns:a14="http://schemas.microsoft.com/office/drawing/2010/main"/>
               </a:ext>
             </a:extLst>
           </a:blip>
@@ -7976,8 +7886,8 @@
         </p:blipFill>
         <p:spPr>
           <a:xfrm rot="0">
-            <a:off x="1249045" y="3393440"/>
-            <a:ext cx="4117975" cy="1740535"/>
+            <a:off x="6816725" y="2875915"/>
+            <a:ext cx="4149725" cy="1965960"/>
           </a:xfrm>
           <a:prstGeom prst="roundRect"/>
           <a:solidFill>
@@ -7987,7 +7897,7 @@
       </p:pic>
       <p:sp>
         <p:nvSpPr>
-          <p:cNvPr id="116" name="텍스트 상자 14"/>
+          <p:cNvPr id="7" name="텍스트 상자 7"/>
           <p:cNvSpPr txBox="1">
             <a:spLocks/>
           </p:cNvSpPr>
@@ -7995,8 +7905,8 @@
         </p:nvSpPr>
         <p:spPr>
           <a:xfrm rot="0">
-            <a:off x="6816090" y="2720340"/>
-            <a:ext cx="4138295" cy="954405"/>
+            <a:off x="6816725" y="1457325"/>
+            <a:ext cx="4141470" cy="1201420"/>
           </a:xfrm>
           <a:prstGeom prst="rect"/>
           <a:noFill/>
@@ -8006,7 +7916,7 @@
           </a:ln>
         </p:spPr>
         <p:txBody>
-          <a:bodyPr wrap="square" lIns="89535" tIns="46355" rIns="89535" bIns="46355" numCol="1" vert="horz" anchor="t">
+          <a:bodyPr wrap="square" lIns="89535" tIns="46355" rIns="89535" bIns="46355" vert="horz" anchor="t">
             <a:spAutoFit/>
           </a:bodyPr>
           <a:lstStyle/>
@@ -8016,166 +7926,98 @@
               <a:buNone/>
             </a:pPr>
             <a:r>
-              <a:rPr lang="ko-KR" sz="2000" b="1">
-                <a:solidFill>
-                  <a:srgbClr val="0611F2"/>
-                </a:solidFill>
-                <a:latin typeface="맑은 고딕" charset="0"/>
-                <a:ea typeface="맑은 고딕" charset="0"/>
-              </a:rPr>
-              <a:t>4</a:t>
-            </a:r>
-            <a:r>
-              <a:rPr lang="ko-KR" sz="2000" b="1">
-                <a:solidFill>
-                  <a:srgbClr val="0611F2"/>
-                </a:solidFill>
-                <a:latin typeface="맑은 고딕" charset="0"/>
-                <a:ea typeface="맑은 고딕" charset="0"/>
-              </a:rPr>
-              <a:t>0</a:t>
-            </a:r>
-            <a:r>
-              <a:rPr sz="2000" b="1">
-                <a:solidFill>
-                  <a:srgbClr val="0611F2"/>
-                </a:solidFill>
-                <a:latin typeface="맑은 고딕" charset="0"/>
-                <a:ea typeface="맑은 고딕" charset="0"/>
-              </a:rPr>
-              <a:t>.</a:t>
-            </a:r>
-            <a:r>
-              <a:rPr lang="ko-KR" sz="2000" b="1">
-                <a:solidFill>
-                  <a:srgbClr val="0611F2"/>
-                </a:solidFill>
-                <a:latin typeface="맑은 고딕" charset="0"/>
-                <a:ea typeface="맑은 고딕" charset="0"/>
-              </a:rPr>
-              <a:t> </a:t>
-            </a:r>
-            <a:r>
-              <a:rPr lang="ko-KR" sz="1800">
-                <a:latin typeface="맑은 고딕" charset="0"/>
-                <a:ea typeface="맑은 고딕" charset="0"/>
-              </a:rPr>
-              <a:t>그런 다음 Update( ) 함수에서 </a:t>
-            </a:r>
-            <a:r>
-              <a:rPr lang="ko-KR" sz="1800">
-                <a:latin typeface="맑은 고딕" charset="0"/>
-                <a:ea typeface="맑은 고딕" charset="0"/>
-              </a:rPr>
-              <a:t>directi</a:t>
-            </a:r>
-            <a:r>
-              <a:rPr lang="ko-KR" sz="1800">
-                <a:latin typeface="맑은 고딕" charset="0"/>
-                <a:ea typeface="맑은 고딕" charset="0"/>
-              </a:rPr>
-              <a:t>on</a:t>
-            </a:r>
-            <a:r>
-              <a:rPr lang="ko-KR" sz="1800">
-                <a:latin typeface="맑은 고딕" charset="0"/>
-                <a:ea typeface="맑은 고딕" charset="0"/>
-              </a:rPr>
-              <a:t> 변수의 x와 y값을 키 입력에 </a:t>
-            </a:r>
-            <a:r>
-              <a:rPr lang="ko-KR" sz="1800">
-                <a:latin typeface="맑은 고딕" charset="0"/>
-                <a:ea typeface="맑은 고딕" charset="0"/>
-              </a:rPr>
-              <a:t>따라</a:t>
-            </a:r>
-            <a:r>
-              <a:rPr lang="ko-KR" sz="1800">
-                <a:latin typeface="맑은 고딕" charset="0"/>
-                <a:ea typeface="맑은 고딕" charset="0"/>
-              </a:rPr>
-              <a:t> </a:t>
-            </a:r>
-            <a:r>
-              <a:rPr lang="ko-KR" sz="1800">
-                <a:latin typeface="맑은 고딕" charset="0"/>
-                <a:ea typeface="맑은 고딕" charset="0"/>
-              </a:rPr>
-              <a:t>설정되도록 합니다.</a:t>
-            </a:r>
-            <a:endParaRPr lang="ko-KR" altLang="en-US" sz="1800">
+              <a:rPr sz="1800" b="0">
+                <a:solidFill>
+                  <a:schemeClr val="tx1"/>
+                </a:solidFill>
+                <a:latin typeface="맑은 고딕" charset="0"/>
+                <a:ea typeface="맑은 고딕" charset="0"/>
+              </a:rPr>
+              <a:t>스크린</a:t>
+            </a:r>
+            <a:r>
+              <a:rPr sz="1800" b="0">
+                <a:solidFill>
+                  <a:schemeClr val="tx1"/>
+                </a:solidFill>
+                <a:latin typeface="맑은 고딕" charset="0"/>
+                <a:ea typeface="맑은 고딕" charset="0"/>
+              </a:rPr>
+              <a:t> 공간에서 마우스를 입력했을 </a:t>
+            </a:r>
+            <a:r>
+              <a:rPr sz="1800" b="0">
+                <a:solidFill>
+                  <a:schemeClr val="tx1"/>
+                </a:solidFill>
+                <a:latin typeface="맑은 고딕" charset="0"/>
+                <a:ea typeface="맑은 고딕" charset="0"/>
+              </a:rPr>
+              <a:t>때</a:t>
+            </a:r>
+            <a:r>
+              <a:rPr sz="1800" b="0">
+                <a:solidFill>
+                  <a:schemeClr val="tx1"/>
+                </a:solidFill>
+                <a:latin typeface="맑은 고딕" charset="0"/>
+                <a:ea typeface="맑은 고딕" charset="0"/>
+              </a:rPr>
+              <a:t> 지정된 좌표 정보를 월드 공간의 </a:t>
+            </a:r>
+            <a:r>
+              <a:rPr sz="1800" b="0">
+                <a:solidFill>
+                  <a:schemeClr val="tx1"/>
+                </a:solidFill>
+                <a:latin typeface="맑은 고딕" charset="0"/>
+                <a:ea typeface="맑은 고딕" charset="0"/>
+              </a:rPr>
+              <a:t>위치로</a:t>
+            </a:r>
+            <a:r>
+              <a:rPr sz="1800" b="0">
+                <a:solidFill>
+                  <a:schemeClr val="tx1"/>
+                </a:solidFill>
+                <a:latin typeface="맑은 고딕" charset="0"/>
+                <a:ea typeface="맑은 고딕" charset="0"/>
+              </a:rPr>
+              <a:t> 변환한 다음 게임 오브젝트의 </a:t>
+            </a:r>
+            <a:r>
+              <a:rPr sz="1800" b="0">
+                <a:solidFill>
+                  <a:schemeClr val="tx1"/>
+                </a:solidFill>
+                <a:latin typeface="맑은 고딕" charset="0"/>
+                <a:ea typeface="맑은 고딕" charset="0"/>
+              </a:rPr>
+              <a:t>위치로</a:t>
+            </a:r>
+            <a:r>
+              <a:rPr sz="1800" b="0">
+                <a:solidFill>
+                  <a:schemeClr val="tx1"/>
+                </a:solidFill>
+                <a:latin typeface="맑은 고딕" charset="0"/>
+                <a:ea typeface="맑은 고딕" charset="0"/>
+              </a:rPr>
+              <a:t> 설정합니다. </a:t>
+            </a:r>
+            <a:endParaRPr lang="ko-KR" altLang="en-US" sz="1800" b="0">
+              <a:solidFill>
+                <a:schemeClr val="tx1"/>
+              </a:solidFill>
               <a:latin typeface="맑은 고딕" charset="0"/>
               <a:ea typeface="맑은 고딕" charset="0"/>
             </a:endParaRPr>
           </a:p>
         </p:txBody>
       </p:sp>
-      <p:pic>
-        <p:nvPicPr>
-          <p:cNvPr id="117" name="그림 16" descr="C:/Users/Admin1/AppData/Roaming/PolarisOffice/ETemp/32532_17057424/fImage443952396334.png"/>
-          <p:cNvPicPr>
-            <a:picLocks noChangeAspect="1"/>
-          </p:cNvPicPr>
-          <p:nvPr/>
-        </p:nvPicPr>
-        <p:blipFill rotWithShape="1">
-          <a:blip r:embed="rId4" cstate="print">
-            <a:extLst>
-              <a:ext uri="{28A0092B-C50C-407E-A947-70E740481C1C}">
-                <a14:useLocalDpi xmlns:a14="http://schemas.microsoft.com/office/drawing/2010/main" val="0"/>
-              </a:ext>
-            </a:extLst>
-          </a:blip>
-          <a:stretch>
-            <a:fillRect/>
-          </a:stretch>
-        </p:blipFill>
-        <p:spPr>
-          <a:xfrm rot="0">
-            <a:off x="6814820" y="1455420"/>
-            <a:ext cx="4150995" cy="1151890"/>
-          </a:xfrm>
-          <a:prstGeom prst="roundRect"/>
-          <a:solidFill>
-            <a:srgbClr val="EDEDED"/>
-          </a:solidFill>
-        </p:spPr>
-      </p:pic>
-      <p:pic>
-        <p:nvPicPr>
-          <p:cNvPr id="118" name="그림 22" descr="C:/Users/Admin1/AppData/Roaming/PolarisOffice/ETemp/32532_17057424/fImage409642416500.png"/>
-          <p:cNvPicPr>
-            <a:picLocks noChangeAspect="1"/>
-          </p:cNvPicPr>
-          <p:nvPr/>
-        </p:nvPicPr>
-        <p:blipFill rotWithShape="1">
-          <a:blip r:embed="rId5" cstate="print">
-            <a:extLst>
-              <a:ext uri="{28A0092B-C50C-407E-A947-70E740481C1C}">
-                <a14:useLocalDpi xmlns:a14="http://schemas.microsoft.com/office/drawing/2010/main" val="0"/>
-              </a:ext>
-            </a:extLst>
-          </a:blip>
-          <a:stretch>
-            <a:fillRect/>
-          </a:stretch>
-        </p:blipFill>
-        <p:spPr>
-          <a:xfrm rot="0">
-            <a:off x="6814820" y="3810000"/>
-            <a:ext cx="4148455" cy="1325880"/>
-          </a:xfrm>
-          <a:prstGeom prst="roundRect"/>
-          <a:solidFill>
-            <a:srgbClr val="EDEDED"/>
-          </a:solidFill>
-        </p:spPr>
-      </p:pic>
       <p:sp>
         <p:nvSpPr>
-          <p:cNvPr id="119" name="텍스트 상자 25"/>
+          <p:cNvPr id="8" name="텍스트 상자 8"/>
           <p:cNvSpPr txBox="1">
             <a:spLocks/>
           </p:cNvSpPr>
@@ -8183,8 +8025,8 @@
         </p:nvSpPr>
         <p:spPr>
           <a:xfrm rot="0">
-            <a:off x="6814820" y="5234305"/>
-            <a:ext cx="4139565" cy="954405"/>
+            <a:off x="6814820" y="5028565"/>
+            <a:ext cx="4143375" cy="1201420"/>
           </a:xfrm>
           <a:prstGeom prst="rect"/>
           <a:noFill/>
@@ -8194,7 +8036,7 @@
           </a:ln>
         </p:spPr>
         <p:txBody>
-          <a:bodyPr wrap="square" lIns="89535" tIns="46355" rIns="89535" bIns="46355" numCol="1" vert="horz" anchor="t">
+          <a:bodyPr wrap="square" lIns="89535" tIns="46355" rIns="89535" bIns="46355" vert="horz" anchor="t">
             <a:spAutoFit/>
           </a:bodyPr>
           <a:lstStyle/>
@@ -8204,83 +8046,60 @@
               <a:buNone/>
             </a:pPr>
             <a:r>
-              <a:rPr lang="ko-KR" sz="2000" b="1">
-                <a:solidFill>
-                  <a:srgbClr val="0611F2"/>
-                </a:solidFill>
-                <a:latin typeface="맑은 고딕" charset="0"/>
-                <a:ea typeface="맑은 고딕" charset="0"/>
-              </a:rPr>
-              <a:t>41</a:t>
-            </a:r>
-            <a:r>
-              <a:rPr sz="2000" b="1">
-                <a:solidFill>
-                  <a:srgbClr val="0611F2"/>
-                </a:solidFill>
-                <a:latin typeface="맑은 고딕" charset="0"/>
-                <a:ea typeface="맑은 고딕" charset="0"/>
-              </a:rPr>
-              <a:t>.</a:t>
-            </a:r>
-            <a:r>
-              <a:rPr lang="ko-KR" sz="2000" b="1">
-                <a:solidFill>
-                  <a:srgbClr val="0611F2"/>
-                </a:solidFill>
-                <a:latin typeface="맑은 고딕" charset="0"/>
-                <a:ea typeface="맑은 고딕" charset="0"/>
-              </a:rPr>
-              <a:t> </a:t>
-            </a:r>
-            <a:r>
-              <a:rPr lang="ko-KR" sz="1800">
-                <a:latin typeface="맑은 고딕" charset="0"/>
-                <a:ea typeface="맑은 고딕" charset="0"/>
-              </a:rPr>
-              <a:t>그다음으로 FixedUpdate( ) </a:t>
-            </a:r>
-            <a:r>
-              <a:rPr lang="ko-KR" sz="1800">
-                <a:latin typeface="맑은 고딕" charset="0"/>
-                <a:ea typeface="맑은 고딕" charset="0"/>
-              </a:rPr>
-              <a:t>함수에서</a:t>
-            </a:r>
-            <a:r>
-              <a:rPr lang="ko-KR" sz="1800">
-                <a:latin typeface="맑은 고딕" charset="0"/>
-                <a:ea typeface="맑은 고딕" charset="0"/>
-              </a:rPr>
-              <a:t> </a:t>
-            </a:r>
-            <a:r>
-              <a:rPr lang="ko-KR" sz="1800">
-                <a:latin typeface="맑은 고딕" charset="0"/>
-                <a:ea typeface="맑은 고딕" charset="0"/>
-              </a:rPr>
-              <a:t>AddForce(Vector3, </a:t>
-            </a:r>
-            <a:r>
-              <a:rPr lang="ko-KR" sz="1800">
-                <a:latin typeface="맑은 고딕" charset="0"/>
-                <a:ea typeface="맑은 고딕" charset="0"/>
-              </a:rPr>
-              <a:t>ForceMode)</a:t>
-            </a:r>
-            <a:r>
-              <a:rPr lang="ko-KR" sz="1800">
-                <a:latin typeface="맑은 고딕" charset="0"/>
-                <a:ea typeface="맑은 고딕" charset="0"/>
-              </a:rPr>
-              <a:t> 함수를 호출합니</a:t>
-            </a:r>
-            <a:r>
-              <a:rPr lang="ko-KR" sz="1800">
-                <a:latin typeface="맑은 고딕" charset="0"/>
-                <a:ea typeface="맑은 고딕" charset="0"/>
-              </a:rPr>
-              <a:t>다.</a:t>
+              <a:rPr sz="1800">
+                <a:latin typeface="맑은 고딕" charset="0"/>
+                <a:ea typeface="맑은 고딕" charset="0"/>
+              </a:rPr>
+              <a:t>3차원</a:t>
+            </a:r>
+            <a:r>
+              <a:rPr sz="1800">
+                <a:latin typeface="맑은 고딕" charset="0"/>
+                <a:ea typeface="맑은 고딕" charset="0"/>
+              </a:rPr>
+              <a:t> 공간에서 마우스로 게임 </a:t>
+            </a:r>
+            <a:r>
+              <a:rPr sz="1800">
+                <a:latin typeface="맑은 고딕" charset="0"/>
+                <a:ea typeface="맑은 고딕" charset="0"/>
+              </a:rPr>
+              <a:t>오브젝트를</a:t>
+            </a:r>
+            <a:r>
+              <a:rPr sz="1800">
+                <a:latin typeface="맑은 고딕" charset="0"/>
+                <a:ea typeface="맑은 고딕" charset="0"/>
+              </a:rPr>
+              <a:t> 선택하려면 스크린 공간의 </a:t>
+            </a:r>
+            <a:r>
+              <a:rPr sz="1800">
+                <a:latin typeface="맑은 고딕" charset="0"/>
+                <a:ea typeface="맑은 고딕" charset="0"/>
+              </a:rPr>
+              <a:t>위치를</a:t>
+            </a:r>
+            <a:r>
+              <a:rPr sz="1800">
+                <a:latin typeface="맑은 고딕" charset="0"/>
+                <a:ea typeface="맑은 고딕" charset="0"/>
+              </a:rPr>
+              <a:t> 월드 공간의 위치로 </a:t>
+            </a:r>
+            <a:r>
+              <a:rPr sz="1800">
+                <a:latin typeface="맑은 고딕" charset="0"/>
+                <a:ea typeface="맑은 고딕" charset="0"/>
+              </a:rPr>
+              <a:t>변환해주어야</a:t>
+            </a:r>
+            <a:r>
+              <a:rPr sz="1800">
+                <a:latin typeface="맑은 고딕" charset="0"/>
+                <a:ea typeface="맑은 고딕" charset="0"/>
+              </a:rPr>
+              <a:t> 합니다.</a:t>
             </a:r>
             <a:endParaRPr lang="ko-KR" altLang="en-US" sz="1800">
               <a:latin typeface="맑은 고딕" charset="0"/>
@@ -8313,7 +8132,7 @@
 </file>
 
 <file path=ppt/slides/slide13.xml><?xml version="1.0" encoding="utf-8"?>
-<p:sld xmlns:a="http://schemas.openxmlformats.org/drawingml/2006/main" xmlns:r="http://schemas.openxmlformats.org/officeDocument/2006/relationships" xmlns:p="http://schemas.openxmlformats.org/presentationml/2006/main">
+<p:sld xmlns:a="http://schemas.openxmlformats.org/drawingml/2006/main" xmlns:r="http://schemas.openxmlformats.org/officeDocument/2006/relationships" xmlns:p="http://schemas.openxmlformats.org/presentationml/2006/main" xmlns:p14="http://schemas.microsoft.com/office/powerpoint/2010/main">
   <p:cSld>
     <p:spTree>
       <p:nvGrpSpPr>
@@ -8367,7 +8186,7 @@
                 <a:latin typeface="나눔바른고딕" charset="0"/>
                 <a:ea typeface="나눔바른고딕" charset="0"/>
               </a:rPr>
-              <a:t>열세</a:t>
+              <a:t>열두</a:t>
             </a:r>
             <a:r>
               <a:rPr lang="ko-KR" sz="2500" b="1">
@@ -8385,6 +8204,108 @@
               </a:solidFill>
               <a:latin typeface="나눔바른고딕" charset="0"/>
               <a:ea typeface="나눔바른고딕" charset="0"/>
+            </a:endParaRPr>
+          </a:p>
+        </p:txBody>
+      </p:sp>
+      <p:sp>
+        <p:nvSpPr>
+          <p:cNvPr id="72" name="Rect 0"/>
+          <p:cNvSpPr txBox="1">
+            <a:spLocks/>
+          </p:cNvSpPr>
+          <p:nvPr/>
+        </p:nvSpPr>
+        <p:spPr>
+          <a:xfrm rot="0">
+            <a:off x="1243330" y="2573655"/>
+            <a:ext cx="4133215" cy="677545"/>
+          </a:xfrm>
+          <a:prstGeom prst="rect"/>
+          <a:noFill/>
+          <a:ln w="0">
+            <a:noFill/>
+            <a:prstDash/>
+          </a:ln>
+        </p:spPr>
+        <p:txBody>
+          <a:bodyPr wrap="square" lIns="89535" tIns="46355" rIns="89535" bIns="46355" numCol="1" vert="horz" anchor="t">
+            <a:spAutoFit/>
+          </a:bodyPr>
+          <a:lstStyle/>
+          <a:p>
+            <a:pPr marL="0" indent="0" rtl="0" algn="l" defTabSz="914400" eaLnBrk="1" latinLnBrk="0" hangingPunct="1">
+              <a:buFontTx/>
+              <a:buNone/>
+            </a:pPr>
+            <a:r>
+              <a:rPr lang="ko-KR" sz="2000" b="1">
+                <a:solidFill>
+                  <a:srgbClr val="0611F2"/>
+                </a:solidFill>
+                <a:latin typeface="맑은 고딕" charset="0"/>
+                <a:ea typeface="맑은 고딕" charset="0"/>
+              </a:rPr>
+              <a:t>38</a:t>
+            </a:r>
+            <a:r>
+              <a:rPr sz="2000" b="1">
+                <a:solidFill>
+                  <a:srgbClr val="0611F2"/>
+                </a:solidFill>
+                <a:latin typeface="맑은 고딕" charset="0"/>
+                <a:ea typeface="맑은 고딕" charset="0"/>
+              </a:rPr>
+              <a:t>.</a:t>
+            </a:r>
+            <a:r>
+              <a:rPr lang="ko-KR" sz="2000" b="1">
+                <a:solidFill>
+                  <a:srgbClr val="0611F2"/>
+                </a:solidFill>
+                <a:latin typeface="맑은 고딕" charset="0"/>
+                <a:ea typeface="맑은 고딕" charset="0"/>
+              </a:rPr>
+              <a:t> </a:t>
+            </a:r>
+            <a:r>
+              <a:rPr lang="ko-KR" sz="1800">
+                <a:latin typeface="맑은 고딕" charset="0"/>
+                <a:ea typeface="맑은 고딕" charset="0"/>
+              </a:rPr>
+              <a:t>이제 Second Pillar 오브젝트의 </a:t>
+            </a:r>
+            <a:r>
+              <a:rPr lang="ko-KR" sz="1800">
+                <a:latin typeface="맑은 고딕" charset="0"/>
+                <a:ea typeface="맑은 고딕" charset="0"/>
+              </a:rPr>
+              <a:t>Tag를</a:t>
+            </a:r>
+            <a:r>
+              <a:rPr lang="ko-KR" sz="1800">
+                <a:latin typeface="맑은 고딕" charset="0"/>
+                <a:ea typeface="맑은 고딕" charset="0"/>
+              </a:rPr>
+              <a:t> </a:t>
+            </a:r>
+            <a:r>
+              <a:rPr lang="ko-KR" sz="1800">
+                <a:latin typeface="맑은 고딕" charset="0"/>
+                <a:ea typeface="맑은 고딕" charset="0"/>
+              </a:rPr>
+              <a:t>Pillar로</a:t>
+            </a:r>
+            <a:r>
+              <a:rPr lang="ko-KR" sz="1800">
+                <a:latin typeface="맑은 고딕" charset="0"/>
+                <a:ea typeface="맑은 고딕" charset="0"/>
+              </a:rPr>
+              <a:t> 설정합니다.</a:t>
+            </a:r>
+            <a:endParaRPr lang="ko-KR" altLang="en-US" sz="1800">
+              <a:latin typeface="맑은 고딕" charset="0"/>
+              <a:ea typeface="맑은 고딕" charset="0"/>
             </a:endParaRPr>
           </a:p>
         </p:txBody>
@@ -8399,8 +8320,8 @@
         </p:nvSpPr>
         <p:spPr>
           <a:xfrm rot="0">
-            <a:off x="1240790" y="3850005"/>
-            <a:ext cx="4128770" cy="2338705"/>
+            <a:off x="1240790" y="5226685"/>
+            <a:ext cx="4136390" cy="954405"/>
           </a:xfrm>
           <a:prstGeom prst="rect"/>
           <a:noFill/>
@@ -8427,7 +8348,7 @@
                 <a:latin typeface="맑은 고딕" charset="0"/>
                 <a:ea typeface="맑은 고딕" charset="0"/>
               </a:rPr>
-              <a:t>4</a:t>
+              <a:t>3</a:t>
             </a:r>
             <a:r>
               <a:rPr lang="ko-KR" sz="2000" b="1">
@@ -8437,7 +8358,7 @@
                 <a:latin typeface="맑은 고딕" charset="0"/>
                 <a:ea typeface="맑은 고딕" charset="0"/>
               </a:rPr>
-              <a:t>2</a:t>
+              <a:t>9</a:t>
             </a:r>
             <a:r>
               <a:rPr sz="2000" b="1">
@@ -8464,482 +8385,81 @@
                 <a:latin typeface="맑은 고딕" charset="0"/>
                 <a:ea typeface="맑은 고딕" charset="0"/>
               </a:rPr>
-              <a:t>그러고 나서 </a:t>
-            </a:r>
-            <a:r>
-              <a:rPr lang="ko-KR" sz="1800">
-                <a:latin typeface="맑은 고딕" charset="0"/>
-                <a:ea typeface="맑은 고딕" charset="0"/>
-              </a:rPr>
-              <a:t>OnCollisionEnter( ) </a:t>
-            </a:r>
-            <a:r>
-              <a:rPr lang="ko-KR" sz="1800">
-                <a:latin typeface="맑은 고딕" charset="0"/>
-                <a:ea typeface="맑은 고딕" charset="0"/>
-              </a:rPr>
-              <a:t>함수에서</a:t>
-            </a:r>
-            <a:r>
-              <a:rPr lang="ko-KR" sz="1800">
-                <a:latin typeface="맑은 고딕" charset="0"/>
-                <a:ea typeface="맑은 고딕" charset="0"/>
-              </a:rPr>
-              <a:t> </a:t>
-            </a:r>
-            <a:r>
-              <a:rPr lang="ko-KR" sz="1800">
-                <a:latin typeface="맑은 고딕" charset="0"/>
-                <a:ea typeface="맑은 고딕" charset="0"/>
-              </a:rPr>
-              <a:t>충돌한 게임 오브젝트의 </a:t>
-            </a:r>
-            <a:r>
-              <a:rPr lang="ko-KR" sz="1800">
-                <a:latin typeface="맑은 고딕" charset="0"/>
-                <a:ea typeface="맑은 고딕" charset="0"/>
-              </a:rPr>
-              <a:t>태</a:t>
-            </a:r>
-            <a:r>
-              <a:rPr lang="ko-KR" sz="1800">
-                <a:latin typeface="맑은 고딕" charset="0"/>
-                <a:ea typeface="맑은 고딕" charset="0"/>
-              </a:rPr>
-              <a:t>그가</a:t>
-            </a:r>
-            <a:r>
-              <a:rPr lang="ko-KR" sz="1800">
-                <a:latin typeface="맑은 고딕" charset="0"/>
-                <a:ea typeface="맑은 고딕" charset="0"/>
-              </a:rPr>
-              <a:t> </a:t>
-            </a:r>
-            <a:r>
-              <a:rPr lang="ko-KR" sz="1800">
-                <a:latin typeface="맑은 고딕" charset="0"/>
-                <a:ea typeface="맑은 고딕" charset="0"/>
-              </a:rPr>
-              <a:t>Pillar라면 입사 벡터와 법선 </a:t>
-            </a:r>
-            <a:r>
-              <a:rPr lang="ko-KR" sz="1800">
-                <a:latin typeface="맑은 고딕" charset="0"/>
-                <a:ea typeface="맑은 고딕" charset="0"/>
-              </a:rPr>
-              <a:t>벡터</a:t>
-            </a:r>
-            <a:r>
-              <a:rPr lang="ko-KR" sz="1800">
-                <a:latin typeface="맑은 고딕" charset="0"/>
-                <a:ea typeface="맑은 고딕" charset="0"/>
-              </a:rPr>
-              <a:t>를</a:t>
-            </a:r>
-            <a:r>
-              <a:rPr lang="ko-KR" sz="1800">
-                <a:latin typeface="맑은 고딕" charset="0"/>
-                <a:ea typeface="맑은 고딕" charset="0"/>
-              </a:rPr>
-              <a:t> </a:t>
-            </a:r>
-            <a:r>
-              <a:rPr lang="ko-KR" sz="1800">
-                <a:latin typeface="맑은 고딕" charset="0"/>
-                <a:ea typeface="맑은 고딕" charset="0"/>
-              </a:rPr>
-              <a:t>구합니다.</a:t>
+              <a:t>그리고 BilliardBall </a:t>
+            </a:r>
+            <a:r>
+              <a:rPr lang="ko-KR" sz="1800">
+                <a:latin typeface="맑은 고딕" charset="0"/>
+                <a:ea typeface="맑은 고딕" charset="0"/>
+              </a:rPr>
+              <a:t>스크립트에서 </a:t>
+            </a:r>
+            <a:r>
+              <a:rPr lang="ko-KR" sz="1800">
+                <a:latin typeface="맑은 고딕" charset="0"/>
+                <a:ea typeface="맑은 고딕" charset="0"/>
+              </a:rPr>
+              <a:t>Vector3</a:t>
+            </a:r>
+            <a:r>
+              <a:rPr lang="ko-KR" sz="1800">
+                <a:latin typeface="맑은 고딕" charset="0"/>
+                <a:ea typeface="맑은 고딕" charset="0"/>
+              </a:rPr>
+              <a:t> 변수와 float 변수</a:t>
+            </a:r>
+            <a:r>
+              <a:rPr lang="ko-KR" sz="1800">
+                <a:latin typeface="맑은 고딕" charset="0"/>
+                <a:ea typeface="맑은 고딕" charset="0"/>
+              </a:rPr>
+              <a:t>를 </a:t>
+            </a:r>
+            <a:r>
+              <a:rPr lang="ko-KR" sz="1800">
+                <a:latin typeface="맑은 고딕" charset="0"/>
+                <a:ea typeface="맑은 고딕" charset="0"/>
+              </a:rPr>
+              <a:t>선언한 </a:t>
+            </a:r>
+            <a:r>
+              <a:rPr lang="ko-KR" sz="1800">
+                <a:latin typeface="맑은 고딕" charset="0"/>
+                <a:ea typeface="맑은 고딕" charset="0"/>
+              </a:rPr>
+              <a:t>다</a:t>
+            </a:r>
+            <a:r>
+              <a:rPr lang="ko-KR" sz="1800">
+                <a:latin typeface="맑은 고딕" charset="0"/>
+                <a:ea typeface="맑은 고딕" charset="0"/>
+              </a:rPr>
+              <a:t>음</a:t>
+            </a:r>
+            <a:r>
+              <a:rPr lang="ko-KR" sz="1800">
+                <a:latin typeface="맑은 고딕" charset="0"/>
+                <a:ea typeface="맑은 고딕" charset="0"/>
+              </a:rPr>
+              <a:t> Rigidbody 변수를 선언합니</a:t>
+            </a:r>
+            <a:r>
+              <a:rPr lang="ko-KR" sz="1800">
+                <a:latin typeface="맑은 고딕" charset="0"/>
+                <a:ea typeface="맑은 고딕" charset="0"/>
+              </a:rPr>
+              <a:t>다.</a:t>
             </a:r>
             <a:endParaRPr lang="ko-KR" altLang="en-US" sz="1800">
               <a:latin typeface="맑은 고딕" charset="0"/>
               <a:ea typeface="맑은 고딕" charset="0"/>
             </a:endParaRPr>
           </a:p>
-          <a:p>
-            <a:pPr marL="0" indent="0" rtl="0" algn="l" defTabSz="914400" eaLnBrk="1" latinLnBrk="0" hangingPunct="1">
-              <a:buFontTx/>
-              <a:buNone/>
-            </a:pPr>
-            <a:endParaRPr lang="ko-KR" altLang="en-US" sz="1800">
-              <a:latin typeface="맑은 고딕" charset="0"/>
-              <a:ea typeface="맑은 고딕" charset="0"/>
-            </a:endParaRPr>
-          </a:p>
-          <a:p>
-            <a:pPr marL="0" indent="0" rtl="0" algn="l" defTabSz="914400" eaLnBrk="1" latinLnBrk="0" hangingPunct="1">
-              <a:buFontTx/>
-              <a:buNone/>
-            </a:pPr>
-            <a:r>
-              <a:rPr lang="ko-KR" sz="1800">
-                <a:latin typeface="맑은 고딕" charset="0"/>
-                <a:ea typeface="맑은 고딕" charset="0"/>
-              </a:rPr>
-              <a:t>마</a:t>
-            </a:r>
-            <a:r>
-              <a:rPr lang="ko-KR" sz="1800">
-                <a:latin typeface="맑은 고딕" charset="0"/>
-                <a:ea typeface="맑은 고딕" charset="0"/>
-              </a:rPr>
-              <a:t>지막</a:t>
-            </a:r>
-            <a:r>
-              <a:rPr lang="ko-KR" sz="1800">
-                <a:latin typeface="맑은 고딕" charset="0"/>
-                <a:ea typeface="맑은 고딕" charset="0"/>
-              </a:rPr>
-              <a:t>으</a:t>
-            </a:r>
-            <a:r>
-              <a:rPr lang="ko-KR" sz="1800">
-                <a:latin typeface="맑은 고딕" charset="0"/>
-                <a:ea typeface="맑은 고딕" charset="0"/>
-              </a:rPr>
-              <a:t>로</a:t>
-            </a:r>
-            <a:r>
-              <a:rPr lang="ko-KR" sz="1800">
-                <a:latin typeface="맑은 고딕" charset="0"/>
-                <a:ea typeface="맑은 고딕" charset="0"/>
-              </a:rPr>
-              <a:t> </a:t>
-            </a:r>
-            <a:r>
-              <a:rPr lang="ko-KR" sz="1800">
-                <a:latin typeface="맑은 고딕" charset="0"/>
-                <a:ea typeface="맑은 고딕" charset="0"/>
-              </a:rPr>
-              <a:t>입사 벡터와 법선 벡터를 </a:t>
-            </a:r>
-            <a:r>
-              <a:rPr lang="ko-KR" sz="1800">
-                <a:latin typeface="맑은 고딕" charset="0"/>
-                <a:ea typeface="맑은 고딕" charset="0"/>
-              </a:rPr>
-              <a:t>계산</a:t>
-            </a:r>
-            <a:r>
-              <a:rPr lang="ko-KR" sz="1800">
-                <a:latin typeface="맑은 고딕" charset="0"/>
-                <a:ea typeface="맑은 고딕" charset="0"/>
-              </a:rPr>
-              <a:t>한</a:t>
-            </a:r>
-            <a:r>
-              <a:rPr lang="ko-KR" sz="1800">
-                <a:latin typeface="맑은 고딕" charset="0"/>
-                <a:ea typeface="맑은 고딕" charset="0"/>
-              </a:rPr>
-              <a:t> </a:t>
-            </a:r>
-            <a:r>
-              <a:rPr lang="ko-KR" sz="1800">
-                <a:latin typeface="맑은 고딕" charset="0"/>
-                <a:ea typeface="맑은 고딕" charset="0"/>
-              </a:rPr>
-              <a:t>반사 벡터와 speed 변수를 </a:t>
-            </a:r>
-            <a:r>
-              <a:rPr lang="ko-KR" sz="1800">
-                <a:latin typeface="맑은 고딕" charset="0"/>
-                <a:ea typeface="맑은 고딕" charset="0"/>
-              </a:rPr>
-              <a:t>곱</a:t>
-            </a:r>
-            <a:r>
-              <a:rPr lang="ko-KR" sz="1800">
-                <a:latin typeface="맑은 고딕" charset="0"/>
-                <a:ea typeface="맑은 고딕" charset="0"/>
-              </a:rPr>
-              <a:t>한</a:t>
-            </a:r>
-            <a:r>
-              <a:rPr lang="ko-KR" sz="1800">
-                <a:latin typeface="맑은 고딕" charset="0"/>
-                <a:ea typeface="맑은 고딕" charset="0"/>
-              </a:rPr>
-              <a:t> </a:t>
-            </a:r>
-            <a:r>
-              <a:rPr lang="ko-KR" sz="1800">
-                <a:latin typeface="맑은 고딕" charset="0"/>
-                <a:ea typeface="맑은 고딕" charset="0"/>
-              </a:rPr>
-              <a:t>다음 rigidBody에 넣어줍니다.</a:t>
-            </a:r>
-            <a:endParaRPr lang="ko-KR" altLang="en-US" sz="1800">
-              <a:latin typeface="맑은 고딕" charset="0"/>
-              <a:ea typeface="맑은 고딕" charset="0"/>
-            </a:endParaRPr>
-          </a:p>
-        </p:txBody>
-      </p:sp>
-      <p:sp>
-        <p:nvSpPr>
-          <p:cNvPr id="119" name="Rect 0"/>
-          <p:cNvSpPr txBox="1">
-            <a:spLocks/>
-          </p:cNvSpPr>
-          <p:nvPr/>
-        </p:nvSpPr>
-        <p:spPr>
-          <a:xfrm rot="0">
-            <a:off x="6805930" y="3849370"/>
-            <a:ext cx="4148455" cy="2338705"/>
-          </a:xfrm>
-          <a:prstGeom prst="rect"/>
-          <a:noFill/>
-          <a:ln w="0">
-            <a:noFill/>
-            <a:prstDash/>
-          </a:ln>
-        </p:spPr>
-        <p:txBody>
-          <a:bodyPr wrap="square" lIns="89535" tIns="46355" rIns="89535" bIns="46355" numCol="1" vert="horz" anchor="t">
-            <a:spAutoFit/>
-          </a:bodyPr>
-          <a:lstStyle/>
-          <a:p>
-            <a:pPr marL="0" indent="0" rtl="0" algn="l" defTabSz="914400" eaLnBrk="1" latinLnBrk="0" hangingPunct="1">
-              <a:buFontTx/>
-              <a:buNone/>
-            </a:pPr>
-            <a:r>
-              <a:rPr lang="ko-KR" sz="2000" b="1">
-                <a:solidFill>
-                  <a:srgbClr val="0611F2"/>
-                </a:solidFill>
-                <a:latin typeface="맑은 고딕" charset="0"/>
-                <a:ea typeface="맑은 고딕" charset="0"/>
-              </a:rPr>
-              <a:t>43</a:t>
-            </a:r>
-            <a:r>
-              <a:rPr sz="2000" b="1">
-                <a:solidFill>
-                  <a:srgbClr val="0611F2"/>
-                </a:solidFill>
-                <a:latin typeface="맑은 고딕" charset="0"/>
-                <a:ea typeface="맑은 고딕" charset="0"/>
-              </a:rPr>
-              <a:t>.</a:t>
-            </a:r>
-            <a:r>
-              <a:rPr lang="ko-KR" sz="2000" b="1">
-                <a:solidFill>
-                  <a:srgbClr val="0611F2"/>
-                </a:solidFill>
-                <a:latin typeface="맑은 고딕" charset="0"/>
-                <a:ea typeface="맑은 고딕" charset="0"/>
-              </a:rPr>
-              <a:t> </a:t>
-            </a:r>
-            <a:r>
-              <a:rPr lang="ko-KR" sz="1800">
-                <a:latin typeface="맑은 고딕" charset="0"/>
-                <a:ea typeface="맑은 고딕" charset="0"/>
-              </a:rPr>
-              <a:t>이제</a:t>
-            </a:r>
-            <a:r>
-              <a:rPr lang="ko-KR" sz="1800">
-                <a:latin typeface="맑은 고딕" charset="0"/>
-                <a:ea typeface="맑은 고딕" charset="0"/>
-              </a:rPr>
-              <a:t> OnCollisionStay( ) 함수에서 </a:t>
-            </a:r>
-            <a:r>
-              <a:rPr lang="ko-KR" sz="1800">
-                <a:latin typeface="맑은 고딕" charset="0"/>
-                <a:ea typeface="맑은 고딕" charset="0"/>
-              </a:rPr>
-              <a:t>충돌</a:t>
-            </a:r>
-            <a:r>
-              <a:rPr lang="ko-KR" sz="1800">
-                <a:latin typeface="맑은 고딕" charset="0"/>
-                <a:ea typeface="맑은 고딕" charset="0"/>
-              </a:rPr>
-              <a:t> </a:t>
-            </a:r>
-            <a:r>
-              <a:rPr lang="ko-KR" sz="1800">
-                <a:latin typeface="맑은 고딕" charset="0"/>
-                <a:ea typeface="맑은 고딕" charset="0"/>
-              </a:rPr>
-              <a:t>중인 게임 오브젝트의 태그가 </a:t>
-            </a:r>
-            <a:r>
-              <a:rPr lang="ko-KR" sz="1800">
-                <a:latin typeface="맑은 고딕" charset="0"/>
-                <a:ea typeface="맑은 고딕" charset="0"/>
-              </a:rPr>
-              <a:t>B</a:t>
-            </a:r>
-            <a:r>
-              <a:rPr lang="ko-KR" sz="1800">
-                <a:latin typeface="맑은 고딕" charset="0"/>
-                <a:ea typeface="맑은 고딕" charset="0"/>
-              </a:rPr>
-              <a:t>i</a:t>
-            </a:r>
-            <a:r>
-              <a:rPr lang="ko-KR" sz="1800">
-                <a:latin typeface="맑은 고딕" charset="0"/>
-                <a:ea typeface="맑은 고딕" charset="0"/>
-              </a:rPr>
-              <a:t>lliard</a:t>
-            </a:r>
-            <a:r>
-              <a:rPr lang="ko-KR" sz="1800">
-                <a:latin typeface="맑은 고딕" charset="0"/>
-                <a:ea typeface="맑은 고딕" charset="0"/>
-              </a:rPr>
-              <a:t> </a:t>
-            </a:r>
-            <a:r>
-              <a:rPr lang="ko-KR" sz="1800">
-                <a:latin typeface="맑은 고딕" charset="0"/>
-                <a:ea typeface="맑은 고딕" charset="0"/>
-              </a:rPr>
-              <a:t>Ball이라면 AddTorque( ) </a:t>
-            </a:r>
-            <a:r>
-              <a:rPr lang="ko-KR" sz="1800">
-                <a:latin typeface="맑은 고딕" charset="0"/>
-                <a:ea typeface="맑은 고딕" charset="0"/>
-              </a:rPr>
-              <a:t>함수</a:t>
-            </a:r>
-            <a:r>
-              <a:rPr lang="ko-KR" sz="1800">
-                <a:latin typeface="맑은 고딕" charset="0"/>
-                <a:ea typeface="맑은 고딕" charset="0"/>
-              </a:rPr>
-              <a:t>를</a:t>
-            </a:r>
-            <a:r>
-              <a:rPr lang="ko-KR" sz="1800">
-                <a:latin typeface="맑은 고딕" charset="0"/>
-                <a:ea typeface="맑은 고딕" charset="0"/>
-              </a:rPr>
-              <a:t> </a:t>
-            </a:r>
-            <a:r>
-              <a:rPr lang="ko-KR" sz="1800">
-                <a:latin typeface="맑은 고딕" charset="0"/>
-                <a:ea typeface="맑은 고딕" charset="0"/>
-              </a:rPr>
-              <a:t>호출합니다.</a:t>
-            </a:r>
-            <a:endParaRPr lang="ko-KR" altLang="en-US" sz="1800">
-              <a:latin typeface="맑은 고딕" charset="0"/>
-              <a:ea typeface="맑은 고딕" charset="0"/>
-            </a:endParaRPr>
-          </a:p>
-          <a:p>
-            <a:pPr marL="0" indent="0" rtl="0" algn="l" defTabSz="914400" eaLnBrk="1" latinLnBrk="0" hangingPunct="1">
-              <a:buFontTx/>
-              <a:buNone/>
-            </a:pPr>
-            <a:endParaRPr lang="ko-KR" altLang="en-US" sz="1800">
-              <a:latin typeface="맑은 고딕" charset="0"/>
-              <a:ea typeface="맑은 고딕" charset="0"/>
-            </a:endParaRPr>
-          </a:p>
-          <a:p>
-            <a:pPr marL="0" indent="0" rtl="0" algn="l" defTabSz="914400" eaLnBrk="1" latinLnBrk="0" hangingPunct="1">
-              <a:buFontTx/>
-              <a:buNone/>
-            </a:pPr>
-            <a:r>
-              <a:rPr lang="ko-KR" sz="1800">
-                <a:latin typeface="맑은 고딕" charset="0"/>
-                <a:ea typeface="맑은 고딕" charset="0"/>
-              </a:rPr>
-              <a:t>그리고</a:t>
-            </a:r>
-            <a:r>
-              <a:rPr lang="ko-KR" sz="1800">
-                <a:latin typeface="맑은 고딕" charset="0"/>
-                <a:ea typeface="맑은 고딕" charset="0"/>
-              </a:rPr>
-              <a:t> </a:t>
-            </a:r>
-            <a:r>
-              <a:rPr lang="ko-KR" sz="1800">
-                <a:latin typeface="맑은 고딕" charset="0"/>
-                <a:ea typeface="맑은 고딕" charset="0"/>
-              </a:rPr>
-              <a:t>물리적으로 회전할 방향 축과 </a:t>
-            </a:r>
-            <a:r>
-              <a:rPr lang="ko-KR" sz="1800">
-                <a:latin typeface="맑은 고딕" charset="0"/>
-                <a:ea typeface="맑은 고딕" charset="0"/>
-              </a:rPr>
-              <a:t>속도</a:t>
-            </a:r>
-            <a:r>
-              <a:rPr lang="ko-KR" sz="1800">
-                <a:latin typeface="맑은 고딕" charset="0"/>
-                <a:ea typeface="맑은 고딕" charset="0"/>
-              </a:rPr>
-              <a:t>를</a:t>
-            </a:r>
-            <a:r>
-              <a:rPr lang="ko-KR" sz="1800">
-                <a:latin typeface="맑은 고딕" charset="0"/>
-                <a:ea typeface="맑은 고딕" charset="0"/>
-              </a:rPr>
-              <a:t> </a:t>
-            </a:r>
-            <a:r>
-              <a:rPr lang="ko-KR" sz="1800">
-                <a:latin typeface="맑은 고딕" charset="0"/>
-                <a:ea typeface="맑은 고딕" charset="0"/>
-              </a:rPr>
-              <a:t>지정하고 순간적인 힘을 </a:t>
-            </a:r>
-            <a:r>
-              <a:rPr lang="ko-KR" sz="1800">
-                <a:latin typeface="맑은 고딕" charset="0"/>
-                <a:ea typeface="맑은 고딕" charset="0"/>
-              </a:rPr>
-              <a:t>사용하도</a:t>
-            </a:r>
-            <a:r>
-              <a:rPr lang="ko-KR" sz="1800">
-                <a:latin typeface="맑은 고딕" charset="0"/>
-                <a:ea typeface="맑은 고딕" charset="0"/>
-              </a:rPr>
-              <a:t>록</a:t>
-            </a:r>
-            <a:r>
-              <a:rPr lang="ko-KR" sz="1800">
-                <a:latin typeface="맑은 고딕" charset="0"/>
-                <a:ea typeface="맑은 고딕" charset="0"/>
-              </a:rPr>
-              <a:t> </a:t>
-            </a:r>
-            <a:r>
-              <a:rPr lang="ko-KR" sz="1800">
-                <a:latin typeface="맑은 고딕" charset="0"/>
-                <a:ea typeface="맑은 고딕" charset="0"/>
-              </a:rPr>
-              <a:t>설정합니다.</a:t>
-            </a:r>
-            <a:endParaRPr lang="ko-KR" altLang="en-US" sz="1800">
-              <a:latin typeface="맑은 고딕" charset="0"/>
-              <a:ea typeface="맑은 고딕" charset="0"/>
-            </a:endParaRPr>
-          </a:p>
         </p:txBody>
       </p:sp>
       <p:pic>
         <p:nvPicPr>
-          <p:cNvPr id="120" name="그림 26" descr="C:/Users/Admin1/AppData/Roaming/PolarisOffice/ETemp/32532_17057424/fImage677052529169.png"/>
+          <p:cNvPr id="113" name="그림 5"/>
           <p:cNvPicPr>
             <a:picLocks noChangeAspect="1"/>
           </p:cNvPicPr>
@@ -8959,8 +8479,8 @@
         </p:blipFill>
         <p:spPr>
           <a:xfrm rot="0">
-            <a:off x="1229995" y="1454785"/>
-            <a:ext cx="4148455" cy="2243455"/>
+            <a:off x="1237615" y="1454785"/>
+            <a:ext cx="4138295" cy="1035050"/>
           </a:xfrm>
           <a:prstGeom prst="roundRect"/>
           <a:solidFill>
@@ -8968,16 +8488,142 @@
           </a:solidFill>
         </p:spPr>
       </p:pic>
+      <p:sp>
+        <p:nvSpPr>
+          <p:cNvPr id="116" name="텍스트 상자 14"/>
+          <p:cNvSpPr txBox="1">
+            <a:spLocks/>
+          </p:cNvSpPr>
+          <p:nvPr/>
+        </p:nvSpPr>
+        <p:spPr>
+          <a:xfrm rot="0">
+            <a:off x="6816090" y="2720340"/>
+            <a:ext cx="4138295" cy="954405"/>
+          </a:xfrm>
+          <a:prstGeom prst="rect"/>
+          <a:noFill/>
+          <a:ln w="0">
+            <a:noFill/>
+            <a:prstDash/>
+          </a:ln>
+        </p:spPr>
+        <p:txBody>
+          <a:bodyPr wrap="square" lIns="89535" tIns="46355" rIns="89535" bIns="46355" numCol="1" vert="horz" anchor="t">
+            <a:spAutoFit/>
+          </a:bodyPr>
+          <a:lstStyle/>
+          <a:p>
+            <a:pPr marL="0" indent="0" rtl="0" algn="l" defTabSz="914400" eaLnBrk="1" latinLnBrk="0" hangingPunct="1">
+              <a:buFontTx/>
+              <a:buNone/>
+            </a:pPr>
+            <a:r>
+              <a:rPr lang="ko-KR" sz="2000" b="1">
+                <a:solidFill>
+                  <a:srgbClr val="0611F2"/>
+                </a:solidFill>
+                <a:latin typeface="맑은 고딕" charset="0"/>
+                <a:ea typeface="맑은 고딕" charset="0"/>
+              </a:rPr>
+              <a:t>4</a:t>
+            </a:r>
+            <a:r>
+              <a:rPr lang="ko-KR" sz="2000" b="1">
+                <a:solidFill>
+                  <a:srgbClr val="0611F2"/>
+                </a:solidFill>
+                <a:latin typeface="맑은 고딕" charset="0"/>
+                <a:ea typeface="맑은 고딕" charset="0"/>
+              </a:rPr>
+              <a:t>0</a:t>
+            </a:r>
+            <a:r>
+              <a:rPr sz="2000" b="1">
+                <a:solidFill>
+                  <a:srgbClr val="0611F2"/>
+                </a:solidFill>
+                <a:latin typeface="맑은 고딕" charset="0"/>
+                <a:ea typeface="맑은 고딕" charset="0"/>
+              </a:rPr>
+              <a:t>.</a:t>
+            </a:r>
+            <a:r>
+              <a:rPr lang="ko-KR" sz="2000" b="1">
+                <a:solidFill>
+                  <a:srgbClr val="0611F2"/>
+                </a:solidFill>
+                <a:latin typeface="맑은 고딕" charset="0"/>
+                <a:ea typeface="맑은 고딕" charset="0"/>
+              </a:rPr>
+              <a:t> </a:t>
+            </a:r>
+            <a:r>
+              <a:rPr lang="ko-KR" sz="1800">
+                <a:latin typeface="맑은 고딕" charset="0"/>
+                <a:ea typeface="맑은 고딕" charset="0"/>
+              </a:rPr>
+              <a:t>그런 다음 Update( ) 함수에서 </a:t>
+            </a:r>
+            <a:r>
+              <a:rPr lang="ko-KR" sz="1800">
+                <a:latin typeface="맑은 고딕" charset="0"/>
+                <a:ea typeface="맑은 고딕" charset="0"/>
+              </a:rPr>
+              <a:t>directi</a:t>
+            </a:r>
+            <a:r>
+              <a:rPr lang="ko-KR" sz="1800">
+                <a:latin typeface="맑은 고딕" charset="0"/>
+                <a:ea typeface="맑은 고딕" charset="0"/>
+              </a:rPr>
+              <a:t>on</a:t>
+            </a:r>
+            <a:r>
+              <a:rPr lang="ko-KR" sz="1800">
+                <a:latin typeface="맑은 고딕" charset="0"/>
+                <a:ea typeface="맑은 고딕" charset="0"/>
+              </a:rPr>
+              <a:t> 변수의 x와 y값을 키 입력에 </a:t>
+            </a:r>
+            <a:r>
+              <a:rPr lang="ko-KR" sz="1800">
+                <a:latin typeface="맑은 고딕" charset="0"/>
+                <a:ea typeface="맑은 고딕" charset="0"/>
+              </a:rPr>
+              <a:t>따라</a:t>
+            </a:r>
+            <a:r>
+              <a:rPr lang="ko-KR" sz="1800">
+                <a:latin typeface="맑은 고딕" charset="0"/>
+                <a:ea typeface="맑은 고딕" charset="0"/>
+              </a:rPr>
+              <a:t> </a:t>
+            </a:r>
+            <a:r>
+              <a:rPr lang="ko-KR" sz="1800">
+                <a:latin typeface="맑은 고딕" charset="0"/>
+                <a:ea typeface="맑은 고딕" charset="0"/>
+              </a:rPr>
+              <a:t>설정되도록 합니다.</a:t>
+            </a:r>
+            <a:endParaRPr lang="ko-KR" altLang="en-US" sz="1800">
+              <a:latin typeface="맑은 고딕" charset="0"/>
+              <a:ea typeface="맑은 고딕" charset="0"/>
+            </a:endParaRPr>
+          </a:p>
+        </p:txBody>
+      </p:sp>
       <p:pic>
         <p:nvPicPr>
-          <p:cNvPr id="121" name="그림 29" descr="C:/Users/Admin1/AppData/Roaming/PolarisOffice/ETemp/32532_17057424/fImage514632535724.png"/>
+          <p:cNvPr id="117" name="그림 16"/>
           <p:cNvPicPr>
             <a:picLocks noChangeAspect="1"/>
           </p:cNvPicPr>
           <p:nvPr/>
         </p:nvPicPr>
         <p:blipFill rotWithShape="1">
-          <a:blip r:embed="rId3" cstate="print">
+          <a:blip r:embed="rId4" cstate="print">
             <a:extLst>
               <a:ext uri="{28A0092B-C50C-407E-A947-70E740481C1C}">
                 <a14:useLocalDpi xmlns:a14="http://schemas.microsoft.com/office/drawing/2010/main" val="0"/>
@@ -8990,8 +8636,186 @@
         </p:blipFill>
         <p:spPr>
           <a:xfrm rot="0">
-            <a:off x="6814820" y="1454785"/>
-            <a:ext cx="4148455" cy="2234565"/>
+            <a:off x="6814820" y="1455420"/>
+            <a:ext cx="4150995" cy="1151890"/>
+          </a:xfrm>
+          <a:prstGeom prst="roundRect"/>
+          <a:solidFill>
+            <a:srgbClr val="EDEDED"/>
+          </a:solidFill>
+        </p:spPr>
+      </p:pic>
+      <p:pic>
+        <p:nvPicPr>
+          <p:cNvPr id="118" name="그림 22"/>
+          <p:cNvPicPr>
+            <a:picLocks noChangeAspect="1"/>
+          </p:cNvPicPr>
+          <p:nvPr/>
+        </p:nvPicPr>
+        <p:blipFill rotWithShape="1">
+          <a:blip r:embed="rId5" cstate="print">
+            <a:extLst>
+              <a:ext uri="{28A0092B-C50C-407E-A947-70E740481C1C}">
+                <a14:useLocalDpi xmlns:a14="http://schemas.microsoft.com/office/drawing/2010/main" val="0"/>
+              </a:ext>
+            </a:extLst>
+          </a:blip>
+          <a:stretch>
+            <a:fillRect/>
+          </a:stretch>
+        </p:blipFill>
+        <p:spPr>
+          <a:xfrm rot="0">
+            <a:off x="6814820" y="3810000"/>
+            <a:ext cx="4148455" cy="1325880"/>
+          </a:xfrm>
+          <a:prstGeom prst="roundRect"/>
+          <a:solidFill>
+            <a:srgbClr val="EDEDED"/>
+          </a:solidFill>
+        </p:spPr>
+      </p:pic>
+      <p:sp>
+        <p:nvSpPr>
+          <p:cNvPr id="119" name="텍스트 상자 25"/>
+          <p:cNvSpPr txBox="1">
+            <a:spLocks/>
+          </p:cNvSpPr>
+          <p:nvPr/>
+        </p:nvSpPr>
+        <p:spPr>
+          <a:xfrm rot="0">
+            <a:off x="6814820" y="5234305"/>
+            <a:ext cx="4139565" cy="954405"/>
+          </a:xfrm>
+          <a:prstGeom prst="rect"/>
+          <a:noFill/>
+          <a:ln w="0">
+            <a:noFill/>
+            <a:prstDash/>
+          </a:ln>
+        </p:spPr>
+        <p:txBody>
+          <a:bodyPr wrap="square" lIns="89535" tIns="46355" rIns="89535" bIns="46355" numCol="1" vert="horz" anchor="t">
+            <a:spAutoFit/>
+          </a:bodyPr>
+          <a:lstStyle/>
+          <a:p>
+            <a:pPr marL="0" indent="0" rtl="0" algn="l" defTabSz="914400" eaLnBrk="1" latinLnBrk="0" hangingPunct="1">
+              <a:buFontTx/>
+              <a:buNone/>
+            </a:pPr>
+            <a:r>
+              <a:rPr lang="ko-KR" sz="2000" b="1">
+                <a:solidFill>
+                  <a:srgbClr val="0611F2"/>
+                </a:solidFill>
+                <a:latin typeface="맑은 고딕" charset="0"/>
+                <a:ea typeface="맑은 고딕" charset="0"/>
+              </a:rPr>
+              <a:t>41</a:t>
+            </a:r>
+            <a:r>
+              <a:rPr sz="2000" b="1">
+                <a:solidFill>
+                  <a:srgbClr val="0611F2"/>
+                </a:solidFill>
+                <a:latin typeface="맑은 고딕" charset="0"/>
+                <a:ea typeface="맑은 고딕" charset="0"/>
+              </a:rPr>
+              <a:t>.</a:t>
+            </a:r>
+            <a:r>
+              <a:rPr lang="ko-KR" sz="2000" b="1">
+                <a:solidFill>
+                  <a:srgbClr val="0611F2"/>
+                </a:solidFill>
+                <a:latin typeface="맑은 고딕" charset="0"/>
+                <a:ea typeface="맑은 고딕" charset="0"/>
+              </a:rPr>
+              <a:t> </a:t>
+            </a:r>
+            <a:r>
+              <a:rPr lang="ko-KR" sz="1800">
+                <a:latin typeface="맑은 고딕" charset="0"/>
+                <a:ea typeface="맑은 고딕" charset="0"/>
+              </a:rPr>
+              <a:t>그다음으로 FixedUpdate( ) </a:t>
+            </a:r>
+            <a:r>
+              <a:rPr lang="ko-KR" sz="1800">
+                <a:latin typeface="맑은 고딕" charset="0"/>
+                <a:ea typeface="맑은 고딕" charset="0"/>
+              </a:rPr>
+              <a:t>함수에서</a:t>
+            </a:r>
+            <a:r>
+              <a:rPr lang="ko-KR" sz="1800">
+                <a:latin typeface="맑은 고딕" charset="0"/>
+                <a:ea typeface="맑은 고딕" charset="0"/>
+              </a:rPr>
+              <a:t> </a:t>
+            </a:r>
+            <a:r>
+              <a:rPr lang="ko-KR" sz="1800">
+                <a:latin typeface="맑은 고딕" charset="0"/>
+                <a:ea typeface="맑은 고딕" charset="0"/>
+              </a:rPr>
+              <a:t>AddForce(Vector3, </a:t>
+            </a:r>
+            <a:r>
+              <a:rPr lang="ko-KR" sz="1800">
+                <a:latin typeface="맑은 고딕" charset="0"/>
+                <a:ea typeface="맑은 고딕" charset="0"/>
+              </a:rPr>
+              <a:t>ForceMode)</a:t>
+            </a:r>
+            <a:r>
+              <a:rPr lang="ko-KR" sz="1800">
+                <a:latin typeface="맑은 고딕" charset="0"/>
+                <a:ea typeface="맑은 고딕" charset="0"/>
+              </a:rPr>
+              <a:t> 함수를 호출합니</a:t>
+            </a:r>
+            <a:r>
+              <a:rPr lang="ko-KR" sz="1800">
+                <a:latin typeface="맑은 고딕" charset="0"/>
+                <a:ea typeface="맑은 고딕" charset="0"/>
+              </a:rPr>
+              <a:t>다.</a:t>
+            </a:r>
+            <a:endParaRPr lang="ko-KR" altLang="en-US" sz="1800">
+              <a:latin typeface="맑은 고딕" charset="0"/>
+              <a:ea typeface="맑은 고딕" charset="0"/>
+            </a:endParaRPr>
+          </a:p>
+        </p:txBody>
+      </p:sp>
+      <p:pic>
+        <p:nvPicPr>
+          <p:cNvPr id="120" name="그림 1" descr="C:/Users/Admin1/AppData/Roaming/PolarisOffice/ETemp/35412_10736080/fImage5874818941.png"/>
+          <p:cNvPicPr>
+            <a:picLocks noChangeAspect="1"/>
+          </p:cNvPicPr>
+          <p:nvPr/>
+        </p:nvPicPr>
+        <p:blipFill rotWithShape="1">
+          <a:blip r:embed="rId6" cstate="print">
+            <a:extLst>
+              <a:ext uri="{28A0092B-C50C-407E-A947-70E740481C1C}">
+                <a14:useLocalDpi xmlns:a14="http://schemas.microsoft.com/office/drawing/2010/main" val="0"/>
+              </a:ext>
+            </a:extLst>
+          </a:blip>
+          <a:stretch>
+            <a:fillRect/>
+          </a:stretch>
+        </p:blipFill>
+        <p:spPr>
+          <a:xfrm rot="0">
+            <a:off x="1243330" y="3436620"/>
+            <a:ext cx="4132580" cy="1663065"/>
           </a:xfrm>
           <a:prstGeom prst="roundRect"/>
           <a:solidFill>
@@ -9077,6 +8901,716 @@
                 <a:latin typeface="나눔바른고딕" charset="0"/>
                 <a:ea typeface="나눔바른고딕" charset="0"/>
               </a:rPr>
+              <a:t>열세</a:t>
+            </a:r>
+            <a:r>
+              <a:rPr lang="ko-KR" sz="2500" b="1">
+                <a:solidFill>
+                  <a:schemeClr val="tx1"/>
+                </a:solidFill>
+                <a:latin typeface="나눔바른고딕" charset="0"/>
+                <a:ea typeface="나눔바른고딕" charset="0"/>
+              </a:rPr>
+              <a:t> 번째 튜토리얼</a:t>
+            </a:r>
+            <a:endParaRPr lang="ko-KR" altLang="en-US" sz="2500" b="1">
+              <a:solidFill>
+                <a:schemeClr val="tx1"/>
+              </a:solidFill>
+              <a:latin typeface="나눔바른고딕" charset="0"/>
+              <a:ea typeface="나눔바른고딕" charset="0"/>
+            </a:endParaRPr>
+          </a:p>
+        </p:txBody>
+      </p:sp>
+      <p:sp>
+        <p:nvSpPr>
+          <p:cNvPr id="110" name="Rect 0"/>
+          <p:cNvSpPr txBox="1">
+            <a:spLocks/>
+          </p:cNvSpPr>
+          <p:nvPr/>
+        </p:nvSpPr>
+        <p:spPr>
+          <a:xfrm rot="0">
+            <a:off x="1240790" y="3850005"/>
+            <a:ext cx="4128770" cy="2338705"/>
+          </a:xfrm>
+          <a:prstGeom prst="rect"/>
+          <a:noFill/>
+          <a:ln w="0">
+            <a:noFill/>
+            <a:prstDash/>
+          </a:ln>
+        </p:spPr>
+        <p:txBody>
+          <a:bodyPr wrap="square" lIns="89535" tIns="46355" rIns="89535" bIns="46355" numCol="1" vert="horz" anchor="t">
+            <a:spAutoFit/>
+          </a:bodyPr>
+          <a:lstStyle/>
+          <a:p>
+            <a:pPr marL="0" indent="0" rtl="0" algn="l" defTabSz="914400" eaLnBrk="1" latinLnBrk="0" hangingPunct="1">
+              <a:buFontTx/>
+              <a:buNone/>
+            </a:pPr>
+            <a:r>
+              <a:rPr lang="ko-KR" sz="2000" b="1">
+                <a:solidFill>
+                  <a:srgbClr val="0611F2"/>
+                </a:solidFill>
+                <a:latin typeface="맑은 고딕" charset="0"/>
+                <a:ea typeface="맑은 고딕" charset="0"/>
+              </a:rPr>
+              <a:t>4</a:t>
+            </a:r>
+            <a:r>
+              <a:rPr lang="ko-KR" sz="2000" b="1">
+                <a:solidFill>
+                  <a:srgbClr val="0611F2"/>
+                </a:solidFill>
+                <a:latin typeface="맑은 고딕" charset="0"/>
+                <a:ea typeface="맑은 고딕" charset="0"/>
+              </a:rPr>
+              <a:t>2</a:t>
+            </a:r>
+            <a:r>
+              <a:rPr sz="2000" b="1">
+                <a:solidFill>
+                  <a:srgbClr val="0611F2"/>
+                </a:solidFill>
+                <a:latin typeface="맑은 고딕" charset="0"/>
+                <a:ea typeface="맑은 고딕" charset="0"/>
+              </a:rPr>
+              <a:t>.</a:t>
+            </a:r>
+            <a:r>
+              <a:rPr lang="ko-KR" sz="2000" b="1">
+                <a:solidFill>
+                  <a:srgbClr val="0611F2"/>
+                </a:solidFill>
+                <a:latin typeface="맑은 고딕" charset="0"/>
+                <a:ea typeface="맑은 고딕" charset="0"/>
+              </a:rPr>
+              <a:t> </a:t>
+            </a:r>
+            <a:r>
+              <a:rPr lang="ko-KR" sz="1800">
+                <a:latin typeface="맑은 고딕" charset="0"/>
+                <a:ea typeface="맑은 고딕" charset="0"/>
+              </a:rPr>
+              <a:t>그러고 나서 </a:t>
+            </a:r>
+            <a:r>
+              <a:rPr lang="ko-KR" sz="1800">
+                <a:latin typeface="맑은 고딕" charset="0"/>
+                <a:ea typeface="맑은 고딕" charset="0"/>
+              </a:rPr>
+              <a:t>OnCollisionEnter( ) </a:t>
+            </a:r>
+            <a:r>
+              <a:rPr lang="ko-KR" sz="1800">
+                <a:latin typeface="맑은 고딕" charset="0"/>
+                <a:ea typeface="맑은 고딕" charset="0"/>
+              </a:rPr>
+              <a:t>함수에서</a:t>
+            </a:r>
+            <a:r>
+              <a:rPr lang="ko-KR" sz="1800">
+                <a:latin typeface="맑은 고딕" charset="0"/>
+                <a:ea typeface="맑은 고딕" charset="0"/>
+              </a:rPr>
+              <a:t> </a:t>
+            </a:r>
+            <a:r>
+              <a:rPr lang="ko-KR" sz="1800">
+                <a:latin typeface="맑은 고딕" charset="0"/>
+                <a:ea typeface="맑은 고딕" charset="0"/>
+              </a:rPr>
+              <a:t>충돌한 게임 오브젝트의 </a:t>
+            </a:r>
+            <a:r>
+              <a:rPr lang="ko-KR" sz="1800">
+                <a:latin typeface="맑은 고딕" charset="0"/>
+                <a:ea typeface="맑은 고딕" charset="0"/>
+              </a:rPr>
+              <a:t>태</a:t>
+            </a:r>
+            <a:r>
+              <a:rPr lang="ko-KR" sz="1800">
+                <a:latin typeface="맑은 고딕" charset="0"/>
+                <a:ea typeface="맑은 고딕" charset="0"/>
+              </a:rPr>
+              <a:t>그가</a:t>
+            </a:r>
+            <a:r>
+              <a:rPr lang="ko-KR" sz="1800">
+                <a:latin typeface="맑은 고딕" charset="0"/>
+                <a:ea typeface="맑은 고딕" charset="0"/>
+              </a:rPr>
+              <a:t> </a:t>
+            </a:r>
+            <a:r>
+              <a:rPr lang="ko-KR" sz="1800">
+                <a:latin typeface="맑은 고딕" charset="0"/>
+                <a:ea typeface="맑은 고딕" charset="0"/>
+              </a:rPr>
+              <a:t>Pillar라면 입사 벡터와 법선 </a:t>
+            </a:r>
+            <a:r>
+              <a:rPr lang="ko-KR" sz="1800">
+                <a:latin typeface="맑은 고딕" charset="0"/>
+                <a:ea typeface="맑은 고딕" charset="0"/>
+              </a:rPr>
+              <a:t>벡터</a:t>
+            </a:r>
+            <a:r>
+              <a:rPr lang="ko-KR" sz="1800">
+                <a:latin typeface="맑은 고딕" charset="0"/>
+                <a:ea typeface="맑은 고딕" charset="0"/>
+              </a:rPr>
+              <a:t>를</a:t>
+            </a:r>
+            <a:r>
+              <a:rPr lang="ko-KR" sz="1800">
+                <a:latin typeface="맑은 고딕" charset="0"/>
+                <a:ea typeface="맑은 고딕" charset="0"/>
+              </a:rPr>
+              <a:t> </a:t>
+            </a:r>
+            <a:r>
+              <a:rPr lang="ko-KR" sz="1800">
+                <a:latin typeface="맑은 고딕" charset="0"/>
+                <a:ea typeface="맑은 고딕" charset="0"/>
+              </a:rPr>
+              <a:t>구합니다.</a:t>
+            </a:r>
+            <a:endParaRPr lang="ko-KR" altLang="en-US" sz="1800">
+              <a:latin typeface="맑은 고딕" charset="0"/>
+              <a:ea typeface="맑은 고딕" charset="0"/>
+            </a:endParaRPr>
+          </a:p>
+          <a:p>
+            <a:pPr marL="0" indent="0" rtl="0" algn="l" defTabSz="914400" eaLnBrk="1" latinLnBrk="0" hangingPunct="1">
+              <a:buFontTx/>
+              <a:buNone/>
+            </a:pPr>
+            <a:endParaRPr lang="ko-KR" altLang="en-US" sz="1800">
+              <a:latin typeface="맑은 고딕" charset="0"/>
+              <a:ea typeface="맑은 고딕" charset="0"/>
+            </a:endParaRPr>
+          </a:p>
+          <a:p>
+            <a:pPr marL="0" indent="0" rtl="0" algn="l" defTabSz="914400" eaLnBrk="1" latinLnBrk="0" hangingPunct="1">
+              <a:buFontTx/>
+              <a:buNone/>
+            </a:pPr>
+            <a:r>
+              <a:rPr lang="ko-KR" sz="1800">
+                <a:latin typeface="맑은 고딕" charset="0"/>
+                <a:ea typeface="맑은 고딕" charset="0"/>
+              </a:rPr>
+              <a:t>마</a:t>
+            </a:r>
+            <a:r>
+              <a:rPr lang="ko-KR" sz="1800">
+                <a:latin typeface="맑은 고딕" charset="0"/>
+                <a:ea typeface="맑은 고딕" charset="0"/>
+              </a:rPr>
+              <a:t>지막</a:t>
+            </a:r>
+            <a:r>
+              <a:rPr lang="ko-KR" sz="1800">
+                <a:latin typeface="맑은 고딕" charset="0"/>
+                <a:ea typeface="맑은 고딕" charset="0"/>
+              </a:rPr>
+              <a:t>으</a:t>
+            </a:r>
+            <a:r>
+              <a:rPr lang="ko-KR" sz="1800">
+                <a:latin typeface="맑은 고딕" charset="0"/>
+                <a:ea typeface="맑은 고딕" charset="0"/>
+              </a:rPr>
+              <a:t>로</a:t>
+            </a:r>
+            <a:r>
+              <a:rPr lang="ko-KR" sz="1800">
+                <a:latin typeface="맑은 고딕" charset="0"/>
+                <a:ea typeface="맑은 고딕" charset="0"/>
+              </a:rPr>
+              <a:t> </a:t>
+            </a:r>
+            <a:r>
+              <a:rPr lang="ko-KR" sz="1800">
+                <a:latin typeface="맑은 고딕" charset="0"/>
+                <a:ea typeface="맑은 고딕" charset="0"/>
+              </a:rPr>
+              <a:t>입사 벡터와 법선 벡터를 </a:t>
+            </a:r>
+            <a:r>
+              <a:rPr lang="ko-KR" sz="1800">
+                <a:latin typeface="맑은 고딕" charset="0"/>
+                <a:ea typeface="맑은 고딕" charset="0"/>
+              </a:rPr>
+              <a:t>계산</a:t>
+            </a:r>
+            <a:r>
+              <a:rPr lang="ko-KR" sz="1800">
+                <a:latin typeface="맑은 고딕" charset="0"/>
+                <a:ea typeface="맑은 고딕" charset="0"/>
+              </a:rPr>
+              <a:t>한</a:t>
+            </a:r>
+            <a:r>
+              <a:rPr lang="ko-KR" sz="1800">
+                <a:latin typeface="맑은 고딕" charset="0"/>
+                <a:ea typeface="맑은 고딕" charset="0"/>
+              </a:rPr>
+              <a:t> </a:t>
+            </a:r>
+            <a:r>
+              <a:rPr lang="ko-KR" sz="1800">
+                <a:latin typeface="맑은 고딕" charset="0"/>
+                <a:ea typeface="맑은 고딕" charset="0"/>
+              </a:rPr>
+              <a:t>반사 벡터와 speed 변수를 </a:t>
+            </a:r>
+            <a:r>
+              <a:rPr lang="ko-KR" sz="1800">
+                <a:latin typeface="맑은 고딕" charset="0"/>
+                <a:ea typeface="맑은 고딕" charset="0"/>
+              </a:rPr>
+              <a:t>곱</a:t>
+            </a:r>
+            <a:r>
+              <a:rPr lang="ko-KR" sz="1800">
+                <a:latin typeface="맑은 고딕" charset="0"/>
+                <a:ea typeface="맑은 고딕" charset="0"/>
+              </a:rPr>
+              <a:t>한</a:t>
+            </a:r>
+            <a:r>
+              <a:rPr lang="ko-KR" sz="1800">
+                <a:latin typeface="맑은 고딕" charset="0"/>
+                <a:ea typeface="맑은 고딕" charset="0"/>
+              </a:rPr>
+              <a:t> </a:t>
+            </a:r>
+            <a:r>
+              <a:rPr lang="ko-KR" sz="1800">
+                <a:latin typeface="맑은 고딕" charset="0"/>
+                <a:ea typeface="맑은 고딕" charset="0"/>
+              </a:rPr>
+              <a:t>다음 rigidBody에 넣어줍니다.</a:t>
+            </a:r>
+            <a:endParaRPr lang="ko-KR" altLang="en-US" sz="1800">
+              <a:latin typeface="맑은 고딕" charset="0"/>
+              <a:ea typeface="맑은 고딕" charset="0"/>
+            </a:endParaRPr>
+          </a:p>
+        </p:txBody>
+      </p:sp>
+      <p:sp>
+        <p:nvSpPr>
+          <p:cNvPr id="119" name="Rect 0"/>
+          <p:cNvSpPr txBox="1">
+            <a:spLocks/>
+          </p:cNvSpPr>
+          <p:nvPr/>
+        </p:nvSpPr>
+        <p:spPr>
+          <a:xfrm rot="0">
+            <a:off x="6805930" y="3849370"/>
+            <a:ext cx="4148455" cy="2338705"/>
+          </a:xfrm>
+          <a:prstGeom prst="rect"/>
+          <a:noFill/>
+          <a:ln w="0">
+            <a:noFill/>
+            <a:prstDash/>
+          </a:ln>
+        </p:spPr>
+        <p:txBody>
+          <a:bodyPr wrap="square" lIns="89535" tIns="46355" rIns="89535" bIns="46355" numCol="1" vert="horz" anchor="t">
+            <a:spAutoFit/>
+          </a:bodyPr>
+          <a:lstStyle/>
+          <a:p>
+            <a:pPr marL="0" indent="0" rtl="0" algn="l" defTabSz="914400" eaLnBrk="1" latinLnBrk="0" hangingPunct="1">
+              <a:buFontTx/>
+              <a:buNone/>
+            </a:pPr>
+            <a:r>
+              <a:rPr lang="ko-KR" sz="2000" b="1">
+                <a:solidFill>
+                  <a:srgbClr val="0611F2"/>
+                </a:solidFill>
+                <a:latin typeface="맑은 고딕" charset="0"/>
+                <a:ea typeface="맑은 고딕" charset="0"/>
+              </a:rPr>
+              <a:t>43</a:t>
+            </a:r>
+            <a:r>
+              <a:rPr sz="2000" b="1">
+                <a:solidFill>
+                  <a:srgbClr val="0611F2"/>
+                </a:solidFill>
+                <a:latin typeface="맑은 고딕" charset="0"/>
+                <a:ea typeface="맑은 고딕" charset="0"/>
+              </a:rPr>
+              <a:t>.</a:t>
+            </a:r>
+            <a:r>
+              <a:rPr lang="ko-KR" sz="2000" b="1">
+                <a:solidFill>
+                  <a:srgbClr val="0611F2"/>
+                </a:solidFill>
+                <a:latin typeface="맑은 고딕" charset="0"/>
+                <a:ea typeface="맑은 고딕" charset="0"/>
+              </a:rPr>
+              <a:t> </a:t>
+            </a:r>
+            <a:r>
+              <a:rPr lang="ko-KR" sz="1800">
+                <a:latin typeface="맑은 고딕" charset="0"/>
+                <a:ea typeface="맑은 고딕" charset="0"/>
+              </a:rPr>
+              <a:t>이제</a:t>
+            </a:r>
+            <a:r>
+              <a:rPr lang="ko-KR" sz="1800">
+                <a:latin typeface="맑은 고딕" charset="0"/>
+                <a:ea typeface="맑은 고딕" charset="0"/>
+              </a:rPr>
+              <a:t> OnCollisionStay( ) 함수에서 </a:t>
+            </a:r>
+            <a:r>
+              <a:rPr lang="ko-KR" sz="1800">
+                <a:latin typeface="맑은 고딕" charset="0"/>
+                <a:ea typeface="맑은 고딕" charset="0"/>
+              </a:rPr>
+              <a:t>충돌</a:t>
+            </a:r>
+            <a:r>
+              <a:rPr lang="ko-KR" sz="1800">
+                <a:latin typeface="맑은 고딕" charset="0"/>
+                <a:ea typeface="맑은 고딕" charset="0"/>
+              </a:rPr>
+              <a:t> </a:t>
+            </a:r>
+            <a:r>
+              <a:rPr lang="ko-KR" sz="1800">
+                <a:latin typeface="맑은 고딕" charset="0"/>
+                <a:ea typeface="맑은 고딕" charset="0"/>
+              </a:rPr>
+              <a:t>중인 게임 오브젝트의 태그가 </a:t>
+            </a:r>
+            <a:r>
+              <a:rPr lang="ko-KR" sz="1800">
+                <a:latin typeface="맑은 고딕" charset="0"/>
+                <a:ea typeface="맑은 고딕" charset="0"/>
+              </a:rPr>
+              <a:t>B</a:t>
+            </a:r>
+            <a:r>
+              <a:rPr lang="ko-KR" sz="1800">
+                <a:latin typeface="맑은 고딕" charset="0"/>
+                <a:ea typeface="맑은 고딕" charset="0"/>
+              </a:rPr>
+              <a:t>i</a:t>
+            </a:r>
+            <a:r>
+              <a:rPr lang="ko-KR" sz="1800">
+                <a:latin typeface="맑은 고딕" charset="0"/>
+                <a:ea typeface="맑은 고딕" charset="0"/>
+              </a:rPr>
+              <a:t>lliard</a:t>
+            </a:r>
+            <a:r>
+              <a:rPr lang="ko-KR" sz="1800">
+                <a:latin typeface="맑은 고딕" charset="0"/>
+                <a:ea typeface="맑은 고딕" charset="0"/>
+              </a:rPr>
+              <a:t> </a:t>
+            </a:r>
+            <a:r>
+              <a:rPr lang="ko-KR" sz="1800">
+                <a:latin typeface="맑은 고딕" charset="0"/>
+                <a:ea typeface="맑은 고딕" charset="0"/>
+              </a:rPr>
+              <a:t>Ball이라면 AddTorque( ) </a:t>
+            </a:r>
+            <a:r>
+              <a:rPr lang="ko-KR" sz="1800">
+                <a:latin typeface="맑은 고딕" charset="0"/>
+                <a:ea typeface="맑은 고딕" charset="0"/>
+              </a:rPr>
+              <a:t>함수</a:t>
+            </a:r>
+            <a:r>
+              <a:rPr lang="ko-KR" sz="1800">
+                <a:latin typeface="맑은 고딕" charset="0"/>
+                <a:ea typeface="맑은 고딕" charset="0"/>
+              </a:rPr>
+              <a:t>를</a:t>
+            </a:r>
+            <a:r>
+              <a:rPr lang="ko-KR" sz="1800">
+                <a:latin typeface="맑은 고딕" charset="0"/>
+                <a:ea typeface="맑은 고딕" charset="0"/>
+              </a:rPr>
+              <a:t> </a:t>
+            </a:r>
+            <a:r>
+              <a:rPr lang="ko-KR" sz="1800">
+                <a:latin typeface="맑은 고딕" charset="0"/>
+                <a:ea typeface="맑은 고딕" charset="0"/>
+              </a:rPr>
+              <a:t>호출합니다.</a:t>
+            </a:r>
+            <a:endParaRPr lang="ko-KR" altLang="en-US" sz="1800">
+              <a:latin typeface="맑은 고딕" charset="0"/>
+              <a:ea typeface="맑은 고딕" charset="0"/>
+            </a:endParaRPr>
+          </a:p>
+          <a:p>
+            <a:pPr marL="0" indent="0" rtl="0" algn="l" defTabSz="914400" eaLnBrk="1" latinLnBrk="0" hangingPunct="1">
+              <a:buFontTx/>
+              <a:buNone/>
+            </a:pPr>
+            <a:endParaRPr lang="ko-KR" altLang="en-US" sz="1800">
+              <a:latin typeface="맑은 고딕" charset="0"/>
+              <a:ea typeface="맑은 고딕" charset="0"/>
+            </a:endParaRPr>
+          </a:p>
+          <a:p>
+            <a:pPr marL="0" indent="0" rtl="0" algn="l" defTabSz="914400" eaLnBrk="1" latinLnBrk="0" hangingPunct="1">
+              <a:buFontTx/>
+              <a:buNone/>
+            </a:pPr>
+            <a:r>
+              <a:rPr lang="ko-KR" sz="1800">
+                <a:latin typeface="맑은 고딕" charset="0"/>
+                <a:ea typeface="맑은 고딕" charset="0"/>
+              </a:rPr>
+              <a:t>그리고</a:t>
+            </a:r>
+            <a:r>
+              <a:rPr lang="ko-KR" sz="1800">
+                <a:latin typeface="맑은 고딕" charset="0"/>
+                <a:ea typeface="맑은 고딕" charset="0"/>
+              </a:rPr>
+              <a:t> </a:t>
+            </a:r>
+            <a:r>
+              <a:rPr lang="ko-KR" sz="1800">
+                <a:latin typeface="맑은 고딕" charset="0"/>
+                <a:ea typeface="맑은 고딕" charset="0"/>
+              </a:rPr>
+              <a:t>물리적으로 회전할 방향 축과 </a:t>
+            </a:r>
+            <a:r>
+              <a:rPr lang="ko-KR" sz="1800">
+                <a:latin typeface="맑은 고딕" charset="0"/>
+                <a:ea typeface="맑은 고딕" charset="0"/>
+              </a:rPr>
+              <a:t>속도</a:t>
+            </a:r>
+            <a:r>
+              <a:rPr lang="ko-KR" sz="1800">
+                <a:latin typeface="맑은 고딕" charset="0"/>
+                <a:ea typeface="맑은 고딕" charset="0"/>
+              </a:rPr>
+              <a:t>를</a:t>
+            </a:r>
+            <a:r>
+              <a:rPr lang="ko-KR" sz="1800">
+                <a:latin typeface="맑은 고딕" charset="0"/>
+                <a:ea typeface="맑은 고딕" charset="0"/>
+              </a:rPr>
+              <a:t> </a:t>
+            </a:r>
+            <a:r>
+              <a:rPr lang="ko-KR" sz="1800">
+                <a:latin typeface="맑은 고딕" charset="0"/>
+                <a:ea typeface="맑은 고딕" charset="0"/>
+              </a:rPr>
+              <a:t>지정하고 순간적인 힘을 </a:t>
+            </a:r>
+            <a:r>
+              <a:rPr lang="ko-KR" sz="1800">
+                <a:latin typeface="맑은 고딕" charset="0"/>
+                <a:ea typeface="맑은 고딕" charset="0"/>
+              </a:rPr>
+              <a:t>사용하도</a:t>
+            </a:r>
+            <a:r>
+              <a:rPr lang="ko-KR" sz="1800">
+                <a:latin typeface="맑은 고딕" charset="0"/>
+                <a:ea typeface="맑은 고딕" charset="0"/>
+              </a:rPr>
+              <a:t>록</a:t>
+            </a:r>
+            <a:r>
+              <a:rPr lang="ko-KR" sz="1800">
+                <a:latin typeface="맑은 고딕" charset="0"/>
+                <a:ea typeface="맑은 고딕" charset="0"/>
+              </a:rPr>
+              <a:t> </a:t>
+            </a:r>
+            <a:r>
+              <a:rPr lang="ko-KR" sz="1800">
+                <a:latin typeface="맑은 고딕" charset="0"/>
+                <a:ea typeface="맑은 고딕" charset="0"/>
+              </a:rPr>
+              <a:t>설정합니다.</a:t>
+            </a:r>
+            <a:endParaRPr lang="ko-KR" altLang="en-US" sz="1800">
+              <a:latin typeface="맑은 고딕" charset="0"/>
+              <a:ea typeface="맑은 고딕" charset="0"/>
+            </a:endParaRPr>
+          </a:p>
+        </p:txBody>
+      </p:sp>
+      <p:pic>
+        <p:nvPicPr>
+          <p:cNvPr id="120" name="그림 26" descr="C:/Users/Admin1/AppData/Roaming/PolarisOffice/ETemp/32532_17057424/fImage677052529169.png"/>
+          <p:cNvPicPr>
+            <a:picLocks noChangeAspect="1"/>
+          </p:cNvPicPr>
+          <p:nvPr/>
+        </p:nvPicPr>
+        <p:blipFill rotWithShape="1">
+          <a:blip r:embed="rId2" cstate="print">
+            <a:extLst>
+              <a:ext uri="{28A0092B-C50C-407E-A947-70E740481C1C}">
+                <a14:useLocalDpi xmlns:a14="http://schemas.microsoft.com/office/drawing/2010/main" val="0"/>
+              </a:ext>
+            </a:extLst>
+          </a:blip>
+          <a:stretch>
+            <a:fillRect/>
+          </a:stretch>
+        </p:blipFill>
+        <p:spPr>
+          <a:xfrm rot="0">
+            <a:off x="1229995" y="1454785"/>
+            <a:ext cx="4148455" cy="2243455"/>
+          </a:xfrm>
+          <a:prstGeom prst="roundRect"/>
+          <a:solidFill>
+            <a:srgbClr val="EDEDED"/>
+          </a:solidFill>
+        </p:spPr>
+      </p:pic>
+      <p:pic>
+        <p:nvPicPr>
+          <p:cNvPr id="121" name="그림 29" descr="C:/Users/Admin1/AppData/Roaming/PolarisOffice/ETemp/32532_17057424/fImage514632535724.png"/>
+          <p:cNvPicPr>
+            <a:picLocks noChangeAspect="1"/>
+          </p:cNvPicPr>
+          <p:nvPr/>
+        </p:nvPicPr>
+        <p:blipFill rotWithShape="1">
+          <a:blip r:embed="rId3" cstate="print">
+            <a:extLst>
+              <a:ext uri="{28A0092B-C50C-407E-A947-70E740481C1C}">
+                <a14:useLocalDpi xmlns:a14="http://schemas.microsoft.com/office/drawing/2010/main" val="0"/>
+              </a:ext>
+            </a:extLst>
+          </a:blip>
+          <a:stretch>
+            <a:fillRect/>
+          </a:stretch>
+        </p:blipFill>
+        <p:spPr>
+          <a:xfrm rot="0">
+            <a:off x="6814820" y="1454785"/>
+            <a:ext cx="4148455" cy="2234565"/>
+          </a:xfrm>
+          <a:prstGeom prst="roundRect"/>
+          <a:solidFill>
+            <a:srgbClr val="EDEDED"/>
+          </a:solidFill>
+        </p:spPr>
+      </p:pic>
+    </p:spTree>
+  </p:cSld>
+  <p:clrMapOvr>
+    <a:masterClrMapping/>
+  </p:clrMapOvr>
+  <mc:AlternateContent xmlns:mc="http://schemas.openxmlformats.org/markup-compatibility/2006">
+    <mc:Choice xmlns:p14="http://schemas.microsoft.com/office/powerpoint/2010/main" Requires="p14">
+      <p:transition spd="slow" p14:dur="1000"/>
+    </mc:Choice>
+    <mc:Fallback>
+      <p:transition spd="slow"/>
+    </mc:Fallback>
+  </mc:AlternateContent>
+  <p:timing>
+    <p:tnLst>
+      <p:par>
+        <p:cTn id="1" dur="indefinite" restart="never" nodeType="tmRoot"/>
+      </p:par>
+    </p:tnLst>
+  </p:timing>
+</p:sld>
+</file>
+
+<file path=ppt/slides/slide15.xml><?xml version="1.0" encoding="utf-8"?>
+<p:sld xmlns:a="http://schemas.openxmlformats.org/drawingml/2006/main" xmlns:r="http://schemas.openxmlformats.org/officeDocument/2006/relationships" xmlns:p="http://schemas.openxmlformats.org/presentationml/2006/main">
+  <p:cSld>
+    <p:spTree>
+      <p:nvGrpSpPr>
+        <p:cNvPr id="1" name=""/>
+        <p:cNvGrpSpPr/>
+        <p:nvPr/>
+      </p:nvGrpSpPr>
+      <p:grpSpPr>
+        <a:xfrm>
+          <a:off x="0" y="0"/>
+          <a:ext cx="0" cy="0"/>
+          <a:chOff x="0" y="0"/>
+          <a:chExt cx="0" cy="0"/>
+        </a:xfrm>
+      </p:grpSpPr>
+      <p:sp>
+        <p:nvSpPr>
+          <p:cNvPr id="2" name="Rect 0"/>
+          <p:cNvSpPr txBox="1">
+            <a:spLocks/>
+          </p:cNvSpPr>
+          <p:nvPr/>
+        </p:nvSpPr>
+        <p:spPr>
+          <a:xfrm rot="0">
+            <a:off x="4236085" y="419735"/>
+            <a:ext cx="3718560" cy="478155"/>
+          </a:xfrm>
+          <a:prstGeom prst="rect"/>
+          <a:noFill/>
+          <a:ln w="0">
+            <a:noFill/>
+            <a:prstDash/>
+          </a:ln>
+        </p:spPr>
+        <p:txBody>
+          <a:bodyPr wrap="square" lIns="89535" tIns="46355" rIns="89535" bIns="46355" numCol="1" vert="horz" anchor="t">
+            <a:spAutoFit/>
+          </a:bodyPr>
+          <a:lstStyle/>
+          <a:p>
+            <a:pPr marL="0" indent="0" rtl="0" algn="ctr" defTabSz="914400" eaLnBrk="1" latinLnBrk="0" hangingPunct="1">
+              <a:buFontTx/>
+              <a:buNone/>
+            </a:pPr>
+            <a:r>
+              <a:rPr lang="ko-KR" sz="2500" b="1">
+                <a:solidFill>
+                  <a:schemeClr val="tx1"/>
+                </a:solidFill>
+                <a:latin typeface="나눔바른고딕" charset="0"/>
+                <a:ea typeface="나눔바른고딕" charset="0"/>
+              </a:rPr>
               <a:t>열네</a:t>
             </a:r>
             <a:r>
@@ -9780,7 +10314,7 @@
 </p:sld>
 </file>
 
-<file path=ppt/slides/slide15.xml><?xml version="1.0" encoding="utf-8"?>
+<file path=ppt/slides/slide16.xml><?xml version="1.0" encoding="utf-8"?>
 <p:sld xmlns:a="http://schemas.openxmlformats.org/drawingml/2006/main" xmlns:r="http://schemas.openxmlformats.org/officeDocument/2006/relationships" xmlns:p="http://schemas.openxmlformats.org/presentationml/2006/main" xmlns:p14="http://schemas.microsoft.com/office/powerpoint/2010/main">
   <p:cSld>
     <p:spTree>
@@ -10347,7 +10881,7 @@
 </p:sld>
 </file>
 
-<file path=ppt/slides/slide16.xml><?xml version="1.0" encoding="utf-8"?>
+<file path=ppt/slides/slide17.xml><?xml version="1.0" encoding="utf-8"?>
 <p:sld xmlns:a="http://schemas.openxmlformats.org/drawingml/2006/main" xmlns:r="http://schemas.openxmlformats.org/officeDocument/2006/relationships" xmlns:p="http://schemas.openxmlformats.org/presentationml/2006/main" xmlns:p14="http://schemas.microsoft.com/office/powerpoint/2010/main">
   <p:cSld>
     <p:spTree>
@@ -13098,9 +13632,9 @@
           <p:nvPr/>
         </p:nvSpPr>
         <p:spPr>
-          <a:xfrm rot="0">
+          <a:xfrm>
             <a:off x="1228725" y="2630805"/>
-            <a:ext cx="4130040" cy="954405"/>
+            <a:ext cx="4130675" cy="954405"/>
           </a:xfrm>
           <a:prstGeom prst="rect"/>
           <a:noFill/>
@@ -13161,84 +13695,70 @@
                 <a:latin typeface="맑은 고딕" charset="0"/>
                 <a:ea typeface="맑은 고딕" charset="0"/>
               </a:rPr>
-              <a:t>Main Camera </a:t>
+              <a:t>Project 폴더에 있는 </a:t>
             </a:r>
             <a:r>
               <a:rPr sz="1800">
                 <a:latin typeface="맑은 고딕" charset="0"/>
                 <a:ea typeface="맑은 고딕" charset="0"/>
               </a:rPr>
-              <a:t>오브젝트를</a:t>
+              <a:t>Mo</a:t>
+            </a:r>
+            <a:r>
+              <a:rPr lang="ko-KR" sz="1800">
+                <a:latin typeface="맑은 고딕" charset="0"/>
+                <a:ea typeface="맑은 고딕" charset="0"/>
+              </a:rPr>
+              <a:t>de</a:t>
+            </a:r>
+            <a:r>
+              <a:rPr lang="ko-KR" sz="1800">
+                <a:latin typeface="맑은 고딕" charset="0"/>
+                <a:ea typeface="맑은 고딕" charset="0"/>
+              </a:rPr>
+              <a:t>l</a:t>
+            </a:r>
+            <a:r>
+              <a:rPr lang="ko-KR" sz="1800">
+                <a:latin typeface="맑은 고딕" charset="0"/>
+                <a:ea typeface="맑은 고딕" charset="0"/>
+              </a:rPr>
+              <a:t> 폴더에 Board 오브젝트를 월드 </a:t>
+            </a:r>
+            <a:r>
+              <a:rPr lang="ko-KR" sz="1800">
+                <a:latin typeface="맑은 고딕" charset="0"/>
+                <a:ea typeface="맑은 고딕" charset="0"/>
+              </a:rPr>
+              <a:t>공간</a:t>
+            </a:r>
+            <a:r>
+              <a:rPr lang="ko-KR" sz="1800">
+                <a:latin typeface="맑은 고딕" charset="0"/>
+                <a:ea typeface="맑은 고딕" charset="0"/>
+              </a:rPr>
+              <a:t>에</a:t>
+            </a:r>
+            <a:r>
+              <a:rPr lang="ko-KR" sz="1800">
+                <a:latin typeface="맑은 고딕" charset="0"/>
+                <a:ea typeface="맑은 고딕" charset="0"/>
+              </a:rPr>
+              <a:t> </a:t>
+            </a:r>
+            <a:r>
+              <a:rPr lang="ko-KR" sz="1800">
+                <a:latin typeface="맑은 고딕" charset="0"/>
+                <a:ea typeface="맑은 고딕" charset="0"/>
+              </a:rPr>
+              <a:t>배치합니다</a:t>
             </a:r>
             <a:r>
               <a:rPr sz="1800">
                 <a:latin typeface="맑은 고딕" charset="0"/>
                 <a:ea typeface="맑은 고딕" charset="0"/>
               </a:rPr>
-              <a:t> </a:t>
-            </a:r>
-            <a:r>
-              <a:rPr sz="1800">
-                <a:latin typeface="맑은 고딕" charset="0"/>
-                <a:ea typeface="맑은 고딕" charset="0"/>
-              </a:rPr>
-              <a:t>Scout</a:t>
-            </a:r>
-            <a:r>
-              <a:rPr sz="1800">
-                <a:latin typeface="맑은 고딕" charset="0"/>
-                <a:ea typeface="맑은 고딕" charset="0"/>
-              </a:rPr>
-              <a:t> </a:t>
-            </a:r>
-            <a:r>
-              <a:rPr sz="1800">
-                <a:latin typeface="맑은 고딕" charset="0"/>
-                <a:ea typeface="맑은 고딕" charset="0"/>
-              </a:rPr>
-              <a:t>Robot</a:t>
-            </a:r>
-            <a:r>
-              <a:rPr sz="1800">
-                <a:latin typeface="맑은 고딕" charset="0"/>
-                <a:ea typeface="맑은 고딕" charset="0"/>
-              </a:rPr>
-              <a:t> 오브젝트의 </a:t>
-            </a:r>
-            <a:r>
-              <a:rPr sz="1800">
-                <a:latin typeface="맑은 고딕" charset="0"/>
-                <a:ea typeface="맑은 고딕" charset="0"/>
-              </a:rPr>
-              <a:t>하위</a:t>
-            </a:r>
-            <a:r>
-              <a:rPr sz="1800">
-                <a:latin typeface="맑은 고딕" charset="0"/>
-                <a:ea typeface="맑은 고딕" charset="0"/>
-              </a:rPr>
-              <a:t> </a:t>
-            </a:r>
-            <a:r>
-              <a:rPr sz="1800">
-                <a:latin typeface="맑은 고딕" charset="0"/>
-                <a:ea typeface="맑은 고딕" charset="0"/>
-              </a:rPr>
-              <a:t>오브젝트로</a:t>
-            </a:r>
-            <a:r>
-              <a:rPr sz="1800">
-                <a:latin typeface="맑은 고딕" charset="0"/>
-                <a:ea typeface="맑은 고딕" charset="0"/>
-              </a:rPr>
-              <a:t> </a:t>
-            </a:r>
-            <a:r>
-              <a:rPr sz="1800">
-                <a:latin typeface="맑은 고딕" charset="0"/>
-                <a:ea typeface="맑은 고딕" charset="0"/>
-              </a:rPr>
-              <a:t>넣어줍니다.</a:t>
+              <a:t>.</a:t>
             </a:r>
             <a:endParaRPr lang="ko-KR" altLang="en-US" sz="1800">
               <a:latin typeface="맑은 고딕" charset="0"/>
@@ -13249,7 +13769,7 @@
       </p:sp>
       <p:pic>
         <p:nvPicPr>
-          <p:cNvPr id="65" name="그림 28" descr="C:/Users/Admin1/AppData/Roaming/PolarisOffice/ETemp/34520_15986688/fImage48931881478.png"/>
+          <p:cNvPr id="65" name="그림 28"/>
           <p:cNvPicPr>
             <a:picLocks noChangeAspect="1"/>
           </p:cNvPicPr>
@@ -13280,7 +13800,7 @@
       </p:pic>
       <p:pic>
         <p:nvPicPr>
-          <p:cNvPr id="66" name="그림 28" descr="C:/Users/Admin1/AppData/Roaming/PolarisOffice/ETemp/34520_15986688/fImage58801905705.png"/>
+          <p:cNvPr id="66" name="그림 28"/>
           <p:cNvPicPr>
             <a:picLocks noChangeAspect="1"/>
           </p:cNvPicPr>
@@ -13311,7 +13831,7 @@
       </p:pic>
       <p:pic>
         <p:nvPicPr>
-          <p:cNvPr id="67" name="그림 31" descr="C:/Users/Admin1/AppData/Roaming/PolarisOffice/ETemp/34520_15986688/fImage79791918145.png"/>
+          <p:cNvPr id="67" name="그림 31"/>
           <p:cNvPicPr>
             <a:picLocks noChangeAspect="1"/>
           </p:cNvPicPr>
@@ -13342,7 +13862,7 @@
       </p:pic>
       <p:pic>
         <p:nvPicPr>
-          <p:cNvPr id="68" name="그림 34" descr="C:/Users/Admin1/AppData/Roaming/PolarisOffice/ETemp/34520_15986688/fImage2242171946962.png"/>
+          <p:cNvPr id="68" name="그림 34"/>
           <p:cNvPicPr>
             <a:picLocks noChangeAspect="1"/>
           </p:cNvPicPr>
@@ -13473,7 +13993,7 @@
       </p:sp>
       <p:pic>
         <p:nvPicPr>
-          <p:cNvPr id="70" name="그림 36" descr="C:/Users/Admin1/AppData/Roaming/PolarisOffice/ETemp/34520_15986688/fImage134742041478.png"/>
+          <p:cNvPr id="70" name="그림 36"/>
           <p:cNvPicPr>
             <a:picLocks noChangeAspect="1"/>
           </p:cNvPicPr>
@@ -13504,7 +14024,7 @@
       </p:pic>
       <p:pic>
         <p:nvPicPr>
-          <p:cNvPr id="71" name="그림 37" descr="C:/Users/Admin1/AppData/Roaming/PolarisOffice/ETemp/34520_15986688/fImage80041953281.png"/>
+          <p:cNvPr id="71" name="그림 37"/>
           <p:cNvPicPr>
             <a:picLocks noChangeAspect="1"/>
           </p:cNvPicPr>
@@ -13535,7 +14055,7 @@
       </p:pic>
       <p:pic>
         <p:nvPicPr>
-          <p:cNvPr id="72" name="그림 40" descr="C:/Users/Admin1/AppData/Roaming/PolarisOffice/ETemp/34520_15986688/fImage73821966827.png"/>
+          <p:cNvPr id="72" name="그림 40"/>
           <p:cNvPicPr>
             <a:picLocks noChangeAspect="1"/>
           </p:cNvPicPr>

--- a/Assets/Physics/PPT Data/Physics Example.pptx
+++ b/Assets/Physics/PPT Data/Physics Example.pptx
@@ -2,7 +2,7 @@
 <file path=ppt/presentation.xml><?xml version="1.0" encoding="utf-8"?>
 <p:presentation xmlns:a="http://schemas.openxmlformats.org/drawingml/2006/main" xmlns:r="http://schemas.openxmlformats.org/officeDocument/2006/relationships" xmlns:p="http://schemas.openxmlformats.org/presentationml/2006/main" xmlns:p14="http://schemas.microsoft.com/office/powerpoint/2010/main" saveSubsetFonts="1" firstSlideNum="0">
   <p:sldMasterIdLst>
-    <p:sldMasterId id="2147485590" r:id="rId12"/>
+    <p:sldMasterId id="2147485602" r:id="rId12"/>
   </p:sldMasterIdLst>
   <p:notesMasterIdLst>
     <p:notesMasterId r:id="rId14"/>
@@ -5455,8 +5455,8 @@
         </p:nvSpPr>
         <p:spPr>
           <a:xfrm rot="0">
-            <a:off x="1239520" y="4151630"/>
-            <a:ext cx="4136390" cy="2061845"/>
+            <a:off x="1239520" y="5245735"/>
+            <a:ext cx="4137025" cy="954405"/>
           </a:xfrm>
           <a:prstGeom prst="rect"/>
           <a:noFill/>
@@ -5500,70 +5500,7 @@
                 <a:latin typeface="맑은 고딕" charset="0"/>
                 <a:ea typeface="맑은 고딕" charset="0"/>
               </a:rPr>
-              <a:t>첫</a:t>
-            </a:r>
-            <a:r>
-              <a:rPr lang="ko-KR" sz="1800">
-                <a:latin typeface="맑은 고딕" charset="0"/>
-                <a:ea typeface="맑은 고딕" charset="0"/>
-              </a:rPr>
-              <a:t> </a:t>
-            </a:r>
-            <a:r>
-              <a:rPr lang="ko-KR" sz="1800">
-                <a:latin typeface="맑은 고딕" charset="0"/>
-                <a:ea typeface="맑은 고딕" charset="0"/>
-              </a:rPr>
-              <a:t>번째로</a:t>
-            </a:r>
-            <a:r>
-              <a:rPr lang="ko-KR" sz="1800">
-                <a:latin typeface="맑은 고딕" charset="0"/>
-                <a:ea typeface="맑은 고딕" charset="0"/>
-              </a:rPr>
-              <a:t> </a:t>
-            </a:r>
-            <a:r>
-              <a:rPr lang="ko-KR" sz="1800">
-                <a:latin typeface="맑은 고딕" charset="0"/>
-                <a:ea typeface="맑은 고딕" charset="0"/>
-              </a:rPr>
-              <a:t>3D</a:t>
-            </a:r>
-            <a:r>
-              <a:rPr lang="ko-KR" sz="1800">
-                <a:latin typeface="맑은 고딕" charset="0"/>
-                <a:ea typeface="맑은 고딕" charset="0"/>
-              </a:rPr>
-              <a:t> </a:t>
-            </a:r>
-            <a:r>
-              <a:rPr lang="ko-KR" sz="1800">
-                <a:latin typeface="맑은 고딕" charset="0"/>
-                <a:ea typeface="맑은 고딕" charset="0"/>
-              </a:rPr>
-              <a:t>Object에</a:t>
-            </a:r>
-            <a:r>
-              <a:rPr lang="ko-KR" sz="1800">
-                <a:latin typeface="맑은 고딕" charset="0"/>
-                <a:ea typeface="맑은 고딕" charset="0"/>
-              </a:rPr>
-              <a:t> </a:t>
-            </a:r>
-            <a:r>
-              <a:rPr lang="ko-KR" sz="1800">
-                <a:latin typeface="맑은 고딕" charset="0"/>
-                <a:ea typeface="맑은 고딕" charset="0"/>
-              </a:rPr>
-              <a:t>S</a:t>
-            </a:r>
-            <a:r>
-              <a:rPr lang="ko-KR" sz="1800">
-                <a:latin typeface="맑은 고딕" charset="0"/>
-                <a:ea typeface="맑은 고딕" charset="0"/>
-              </a:rPr>
-              <a:t>phere </a:t>
+              <a:t>첫 번째로 3D Object에 Sphere </a:t>
             </a:r>
             <a:r>
               <a:rPr lang="ko-KR" sz="1800">
@@ -5577,35 +5514,7 @@
                 <a:latin typeface="맑은 고딕" charset="0"/>
                 <a:ea typeface="맑은 고딕" charset="0"/>
               </a:rPr>
-              <a:t> </a:t>
-            </a:r>
-            <a:r>
-              <a:rPr lang="ko-KR" sz="1800">
-                <a:latin typeface="맑은 고딕" charset="0"/>
-                <a:ea typeface="맑은 고딕" charset="0"/>
-              </a:rPr>
-              <a:t>생성한</a:t>
-            </a:r>
-            <a:r>
-              <a:rPr lang="ko-KR" sz="1800">
-                <a:latin typeface="맑은 고딕" charset="0"/>
-                <a:ea typeface="맑은 고딕" charset="0"/>
-              </a:rPr>
-              <a:t> 다음 Billiard </a:t>
-            </a:r>
-            <a:r>
-              <a:rPr lang="ko-KR" sz="1800">
-                <a:latin typeface="맑은 고딕" charset="0"/>
-                <a:ea typeface="맑은 고딕" charset="0"/>
-              </a:rPr>
-              <a:t>Ball</a:t>
-            </a:r>
-            <a:r>
-              <a:rPr lang="ko-KR" sz="1800">
-                <a:latin typeface="맑은 고딕" charset="0"/>
-                <a:ea typeface="맑은 고딕" charset="0"/>
-              </a:rPr>
-              <a:t> </a:t>
+              <a:t> 생성한 다음 Billiard Ball </a:t>
             </a:r>
             <a:r>
               <a:rPr lang="ko-KR" sz="1800">
@@ -5619,118 +5528,7 @@
                 <a:latin typeface="맑은 고딕" charset="0"/>
                 <a:ea typeface="맑은 고딕" charset="0"/>
               </a:rPr>
-              <a:t> 이라는 </a:t>
-            </a:r>
-            <a:r>
-              <a:rPr lang="ko-KR" sz="1800">
-                <a:latin typeface="맑은 고딕" charset="0"/>
-                <a:ea typeface="맑은 고딕" charset="0"/>
-              </a:rPr>
-              <a:t>이름으로</a:t>
-            </a:r>
-            <a:r>
-              <a:rPr lang="ko-KR" sz="1800">
-                <a:latin typeface="맑은 고딕" charset="0"/>
-                <a:ea typeface="맑은 고딕" charset="0"/>
-              </a:rPr>
-              <a:t> 정의합니다.</a:t>
-            </a:r>
-            <a:endParaRPr lang="ko-KR" altLang="en-US" sz="1800">
-              <a:latin typeface="맑은 고딕" charset="0"/>
-              <a:ea typeface="맑은 고딕" charset="0"/>
-            </a:endParaRPr>
-          </a:p>
-          <a:p>
-            <a:pPr marL="0" indent="0" rtl="0" algn="l" defTabSz="914400" eaLnBrk="1" latinLnBrk="0" hangingPunct="1">
-              <a:buFontTx/>
-              <a:buNone/>
-            </a:pPr>
-            <a:endParaRPr lang="ko-KR" altLang="en-US" sz="1800">
-              <a:latin typeface="맑은 고딕" charset="0"/>
-              <a:ea typeface="맑은 고딕" charset="0"/>
-            </a:endParaRPr>
-          </a:p>
-          <a:p>
-            <a:pPr marL="0" indent="0" rtl="0" algn="l" defTabSz="914400" eaLnBrk="1" latinLnBrk="0" hangingPunct="1">
-              <a:buFontTx/>
-              <a:buNone/>
-            </a:pPr>
-            <a:r>
-              <a:rPr lang="ko-KR" sz="1800">
-                <a:latin typeface="맑은 고딕" charset="0"/>
-                <a:ea typeface="맑은 고딕" charset="0"/>
-              </a:rPr>
-              <a:t>이제</a:t>
-            </a:r>
-            <a:r>
-              <a:rPr lang="ko-KR" sz="1800">
-                <a:latin typeface="맑은 고딕" charset="0"/>
-                <a:ea typeface="맑은 고딕" charset="0"/>
-              </a:rPr>
-              <a:t> BilliardBall 이라는 </a:t>
-            </a:r>
-            <a:r>
-              <a:rPr lang="ko-KR" sz="1800">
-                <a:latin typeface="맑은 고딕" charset="0"/>
-                <a:ea typeface="맑은 고딕" charset="0"/>
-              </a:rPr>
-              <a:t>스크립트를</a:t>
-            </a:r>
-            <a:r>
-              <a:rPr lang="ko-KR" sz="1800">
-                <a:latin typeface="맑은 고딕" charset="0"/>
-                <a:ea typeface="맑은 고딕" charset="0"/>
-              </a:rPr>
-              <a:t> </a:t>
-            </a:r>
-            <a:r>
-              <a:rPr lang="ko-KR" sz="1800">
-                <a:latin typeface="맑은 고딕" charset="0"/>
-                <a:ea typeface="맑은 고딕" charset="0"/>
-              </a:rPr>
-              <a:t>생성하고</a:t>
-            </a:r>
-            <a:r>
-              <a:rPr lang="ko-KR" sz="1800">
-                <a:latin typeface="맑은 고딕" charset="0"/>
-                <a:ea typeface="맑은 고딕" charset="0"/>
-              </a:rPr>
-              <a:t> </a:t>
-            </a:r>
-            <a:r>
-              <a:rPr lang="ko-KR" sz="1800">
-                <a:latin typeface="맑은 고딕" charset="0"/>
-                <a:ea typeface="맑은 고딕" charset="0"/>
-              </a:rPr>
-              <a:t>Billiard</a:t>
-            </a:r>
-            <a:r>
-              <a:rPr lang="ko-KR" sz="1800">
-                <a:latin typeface="맑은 고딕" charset="0"/>
-                <a:ea typeface="맑은 고딕" charset="0"/>
-              </a:rPr>
-              <a:t> Ball (One) </a:t>
-            </a:r>
-            <a:r>
-              <a:rPr lang="ko-KR" sz="1800">
-                <a:latin typeface="맑은 고딕" charset="0"/>
-                <a:ea typeface="맑은 고딕" charset="0"/>
-              </a:rPr>
-              <a:t>오브젝트에</a:t>
-            </a:r>
-            <a:r>
-              <a:rPr lang="ko-KR" sz="1800">
-                <a:latin typeface="맑은 고딕" charset="0"/>
-                <a:ea typeface="맑은 고딕" charset="0"/>
-              </a:rPr>
-              <a:t> </a:t>
-            </a:r>
-            <a:r>
-              <a:rPr lang="ko-KR" sz="1800">
-                <a:latin typeface="맑은 고딕" charset="0"/>
-                <a:ea typeface="맑은 고딕" charset="0"/>
-              </a:rPr>
-              <a:t>넣어줍니다.</a:t>
+              <a:t> 이라는 이름으로 정의합니다.</a:t>
             </a:r>
             <a:endParaRPr lang="ko-KR" altLang="en-US" sz="1800">
               <a:latin typeface="맑은 고딕" charset="0"/>
@@ -5748,9 +5546,9 @@
           <p:nvPr/>
         </p:nvSpPr>
         <p:spPr>
-          <a:xfrm>
-            <a:off x="6826885" y="2898775"/>
-            <a:ext cx="4123055" cy="954405"/>
+          <a:xfrm rot="0">
+            <a:off x="6826885" y="2950845"/>
+            <a:ext cx="4138930" cy="677545"/>
           </a:xfrm>
           <a:prstGeom prst="rect"/>
           <a:noFill/>
@@ -5804,7 +5602,7 @@
                 <a:latin typeface="맑은 고딕" charset="0"/>
                 <a:ea typeface="맑은 고딕" charset="0"/>
               </a:rPr>
-              <a:t>그리고 Billiard Ball (One) </a:t>
+              <a:t>이제 Billiard Ball (One) </a:t>
             </a:r>
             <a:r>
               <a:rPr lang="ko-KR" sz="1800">
@@ -5848,41 +5646,6 @@
           </a:p>
         </p:txBody>
       </p:sp>
-      <p:cxnSp>
-        <p:nvCxnSpPr>
-          <p:cNvPr id="16" name="도형 14"/>
-          <p:cNvCxnSpPr>
-            <a:stCxn id="28" idx="0"/>
-            <a:endCxn id="27" idx="2"/>
-          </p:cNvCxnSpPr>
-          <p:nvPr/>
-        </p:nvCxnSpPr>
-        <p:spPr>
-          <a:xfrm rot="0" flipH="1" flipV="1">
-            <a:off x="4726940" y="2894330"/>
-            <a:ext cx="3175" cy="344805"/>
-          </a:xfrm>
-          <a:prstGeom prst="straightConnector1"/>
-          <a:ln w="6350" cap="flat" cmpd="sng">
-            <a:prstDash/>
-            <a:tailEnd type="triangle" w="med" len="med"/>
-          </a:ln>
-        </p:spPr>
-        <p:style>
-          <a:lnRef idx="1">
-            <a:schemeClr val="accent1"/>
-          </a:lnRef>
-          <a:fillRef idx="0">
-            <a:schemeClr val="accent1"/>
-          </a:fillRef>
-          <a:effectRef idx="0">
-            <a:schemeClr val="accent1"/>
-          </a:effectRef>
-          <a:fontRef idx="minor">
-            <a:schemeClr val="tx1"/>
-          </a:fontRef>
-        </p:style>
-      </p:cxnSp>
       <p:sp>
         <p:nvSpPr>
           <p:cNvPr id="22" name="텍스트 상자 5"/>
@@ -5892,9 +5655,9 @@
           <p:nvPr/>
         </p:nvSpPr>
         <p:spPr>
-          <a:xfrm rot="0">
+          <a:xfrm>
             <a:off x="6830695" y="5521325"/>
-            <a:ext cx="4126865" cy="677545"/>
+            <a:ext cx="4127500" cy="677545"/>
           </a:xfrm>
           <a:prstGeom prst="rect"/>
           <a:noFill/>
@@ -5948,7 +5711,7 @@
                 <a:latin typeface="맑은 고딕" charset="0"/>
                 <a:ea typeface="맑은 고딕" charset="0"/>
               </a:rPr>
-              <a:t>그런 다음 Billiard Ball (One) </a:t>
+              <a:t>그리고 Billiard Ball (One) </a:t>
             </a:r>
             <a:r>
               <a:rPr lang="ko-KR" sz="1800">
@@ -5962,7 +5725,21 @@
                 <a:latin typeface="맑은 고딕" charset="0"/>
                 <a:ea typeface="맑은 고딕" charset="0"/>
               </a:rPr>
-              <a:t> 위치 값을 설정합니다. </a:t>
+              <a:t> </a:t>
+            </a:r>
+            <a:r>
+              <a:rPr lang="ko-KR" sz="1800">
+                <a:latin typeface="맑은 고딕" charset="0"/>
+                <a:ea typeface="맑은 고딕" charset="0"/>
+              </a:rPr>
+              <a:t>위치</a:t>
+            </a:r>
+            <a:r>
+              <a:rPr lang="ko-KR" sz="1800">
+                <a:latin typeface="맑은 고딕" charset="0"/>
+                <a:ea typeface="맑은 고딕" charset="0"/>
+              </a:rPr>
+              <a:t> 값을 설정합니다. </a:t>
             </a:r>
             <a:endParaRPr lang="ko-KR" altLang="en-US" sz="1800">
               <a:latin typeface="맑은 고딕" charset="0"/>
@@ -5973,17 +5750,17 @@
       </p:sp>
       <p:pic>
         <p:nvPicPr>
-          <p:cNvPr id="25" name="그림 1"/>
+          <p:cNvPr id="25" name="그림 1" descr="C:/Users/Admin1/AppData/Roaming/PolarisOffice/ETemp/20844_6679024/fImage121938241.png"/>
           <p:cNvPicPr>
             <a:picLocks noChangeAspect="1"/>
           </p:cNvPicPr>
           <p:nvPr/>
         </p:nvPicPr>
         <p:blipFill rotWithShape="1">
-          <a:blip r:embed="rId18" cstate="print">
+          <a:blip r:embed="rId18" cstate="hqprint">
             <a:extLst>
               <a:ext uri="{28A0092B-C50C-407E-A947-70E740481C1C}">
-                <a14:useLocalDpi xmlns:a14="http://schemas.microsoft.com/office/drawing/2010/main" val="0"/>
+                <a14:useLocalDpi xmlns:a14="http://schemas.microsoft.com/office/drawing/2010/main"/>
               </a:ext>
             </a:extLst>
           </a:blip>
@@ -5993,8 +5770,8 @@
         </p:blipFill>
         <p:spPr>
           <a:xfrm rot="0">
-            <a:off x="6822440" y="3983990"/>
-            <a:ext cx="4135120" cy="1419860"/>
+            <a:off x="6822440" y="3747135"/>
+            <a:ext cx="4135755" cy="1691640"/>
           </a:xfrm>
           <a:prstGeom prst="roundRect"/>
           <a:solidFill>
@@ -6004,7 +5781,7 @@
       </p:pic>
       <p:pic>
         <p:nvPicPr>
-          <p:cNvPr id="26" name="그림 4" descr="C:/Users/Admin1/AppData/Roaming/PolarisOffice/ETemp/34520_15986688/fImage499314141.png"/>
+          <p:cNvPr id="26" name="그림 4" descr="C:/Users/Admin1/AppData/Roaming/PolarisOffice/ETemp/20844_6679024/fImage499314141.png"/>
           <p:cNvPicPr>
             <a:picLocks noChangeAspect="1"/>
           </p:cNvPicPr>
@@ -6024,8 +5801,8 @@
         </p:blipFill>
         <p:spPr>
           <a:xfrm rot="0">
-            <a:off x="6819265" y="1438275"/>
-            <a:ext cx="4147185" cy="1344930"/>
+            <a:off x="6828155" y="1438275"/>
+            <a:ext cx="4147820" cy="1439545"/>
           </a:xfrm>
           <a:prstGeom prst="roundRect"/>
           <a:solidFill>
@@ -6035,17 +5812,17 @@
       </p:pic>
       <p:pic>
         <p:nvPicPr>
-          <p:cNvPr id="27" name="그림 1" descr="C:/Users/Admin1/AppData/Roaming/PolarisOffice/ETemp/34520_15986688/fImage481217641.png"/>
+          <p:cNvPr id="27" name="그림 1" descr="C:/Users/Admin1/AppData/Roaming/PolarisOffice/ETemp/20844_6679024/fImage481217641.png"/>
           <p:cNvPicPr>
             <a:picLocks noChangeAspect="1"/>
           </p:cNvPicPr>
           <p:nvPr/>
         </p:nvPicPr>
         <p:blipFill rotWithShape="1">
-          <a:blip r:embed="rId20" cstate="print">
+          <a:blip r:embed="rId20" cstate="hqprint">
             <a:extLst>
               <a:ext uri="{28A0092B-C50C-407E-A947-70E740481C1C}">
-                <a14:useLocalDpi xmlns:a14="http://schemas.microsoft.com/office/drawing/2010/main" val="0"/>
+                <a14:useLocalDpi xmlns:a14="http://schemas.microsoft.com/office/drawing/2010/main"/>
               </a:ext>
             </a:extLst>
           </a:blip>
@@ -6055,8 +5832,8 @@
         </p:blipFill>
         <p:spPr>
           <a:xfrm rot="0">
-            <a:off x="4070350" y="1447165"/>
-            <a:ext cx="1313815" cy="1447800"/>
+            <a:off x="4108450" y="2472690"/>
+            <a:ext cx="1267460" cy="1516380"/>
           </a:xfrm>
           <a:prstGeom prst="roundRect"/>
           <a:solidFill>
@@ -6066,17 +5843,17 @@
       </p:pic>
       <p:pic>
         <p:nvPicPr>
-          <p:cNvPr id="28" name="그림 4" descr="C:/Users/Admin1/AppData/Roaming/PolarisOffice/ETemp/34520_15986688/fImage25551778467.png"/>
+          <p:cNvPr id="29" name="그림 7" descr="C:/Users/Admin1/AppData/Roaming/PolarisOffice/ETemp/20844_6679024/fImage184391786334.png"/>
           <p:cNvPicPr>
             <a:picLocks noChangeAspect="1"/>
           </p:cNvPicPr>
           <p:nvPr/>
         </p:nvPicPr>
         <p:blipFill rotWithShape="1">
-          <a:blip r:embed="rId21" cstate="print">
+          <a:blip r:embed="rId22" cstate="hqprint">
             <a:extLst>
               <a:ext uri="{28A0092B-C50C-407E-A947-70E740481C1C}">
-                <a14:useLocalDpi xmlns:a14="http://schemas.microsoft.com/office/drawing/2010/main" val="0"/>
+                <a14:useLocalDpi xmlns:a14="http://schemas.microsoft.com/office/drawing/2010/main"/>
               </a:ext>
             </a:extLst>
           </a:blip>
@@ -6086,39 +5863,8 @@
         </p:blipFill>
         <p:spPr>
           <a:xfrm rot="0">
-            <a:off x="4368165" y="3238500"/>
-            <a:ext cx="723265" cy="775970"/>
-          </a:xfrm>
-          <a:prstGeom prst="roundRect"/>
-          <a:solidFill>
-            <a:srgbClr val="EDEDED"/>
-          </a:solidFill>
-        </p:spPr>
-      </p:pic>
-      <p:pic>
-        <p:nvPicPr>
-          <p:cNvPr id="29" name="그림 7" descr="C:/Users/Admin1/AppData/Roaming/PolarisOffice/ETemp/34520_15986688/fImage184391786334.png"/>
-          <p:cNvPicPr>
-            <a:picLocks noChangeAspect="1"/>
-          </p:cNvPicPr>
-          <p:nvPr/>
-        </p:nvPicPr>
-        <p:blipFill rotWithShape="1">
-          <a:blip r:embed="rId22" cstate="print">
-            <a:extLst>
-              <a:ext uri="{28A0092B-C50C-407E-A947-70E740481C1C}">
-                <a14:useLocalDpi xmlns:a14="http://schemas.microsoft.com/office/drawing/2010/main" val="0"/>
-              </a:ext>
-            </a:extLst>
-          </a:blip>
-          <a:stretch>
-            <a:fillRect/>
-          </a:stretch>
-        </p:blipFill>
-        <p:spPr>
-          <a:xfrm rot="0">
-            <a:off x="1240790" y="1447165"/>
-            <a:ext cx="2627630" cy="2567305"/>
+            <a:off x="1240790" y="1438275"/>
+            <a:ext cx="2731135" cy="3592830"/>
           </a:xfrm>
           <a:prstGeom prst="roundRect"/>
           <a:solidFill>
@@ -11614,8 +11360,8 @@
         </p:nvSpPr>
         <p:spPr>
           <a:xfrm rot="0">
-            <a:off x="6821805" y="5467350"/>
-            <a:ext cx="4142105" cy="678180"/>
+            <a:off x="6822440" y="5484495"/>
+            <a:ext cx="4142105" cy="677545"/>
           </a:xfrm>
           <a:prstGeom prst="rect"/>
           <a:noFill/>
@@ -11669,7 +11415,7 @@
                 <a:latin typeface="맑은 고딕" charset="0"/>
                 <a:ea typeface="맑은 고딕" charset="0"/>
               </a:rPr>
-              <a:t>그리고 Billiard Ball (Two) </a:t>
+              <a:t>그러고 나서 Billiard Ball (Two) </a:t>
             </a:r>
             <a:r>
               <a:rPr lang="ko-KR" sz="1800">
@@ -11683,7 +11429,21 @@
                 <a:latin typeface="맑은 고딕" charset="0"/>
                 <a:ea typeface="맑은 고딕" charset="0"/>
               </a:rPr>
-              <a:t> 위치 값을 설정합니다.</a:t>
+              <a:t> </a:t>
+            </a:r>
+            <a:r>
+              <a:rPr lang="ko-KR" sz="1800">
+                <a:latin typeface="맑은 고딕" charset="0"/>
+                <a:ea typeface="맑은 고딕" charset="0"/>
+              </a:rPr>
+              <a:t>위치</a:t>
+            </a:r>
+            <a:r>
+              <a:rPr lang="ko-KR" sz="1800">
+                <a:latin typeface="맑은 고딕" charset="0"/>
+                <a:ea typeface="맑은 고딕" charset="0"/>
+              </a:rPr>
+              <a:t> 값을 설정합니다.</a:t>
             </a:r>
             <a:endParaRPr lang="ko-KR" altLang="en-US" sz="1800">
               <a:latin typeface="맑은 고딕" charset="0"/>
@@ -11702,8 +11462,8 @@
         </p:nvSpPr>
         <p:spPr>
           <a:xfrm rot="0">
-            <a:off x="1248410" y="5185410"/>
-            <a:ext cx="4136390" cy="954405"/>
+            <a:off x="1248410" y="5202555"/>
+            <a:ext cx="4137025" cy="954405"/>
           </a:xfrm>
           <a:prstGeom prst="rect"/>
           <a:noFill/>
@@ -11747,7 +11507,7 @@
                 <a:latin typeface="맑은 고딕" charset="0"/>
                 <a:ea typeface="맑은 고딕" charset="0"/>
               </a:rPr>
-              <a:t>그다음으로 3D Object에 Sphere </a:t>
+              <a:t>그런 다음 3D Object에 Sphere </a:t>
             </a:r>
             <a:r>
               <a:rPr lang="ko-KR" sz="1800">
@@ -11761,7 +11521,21 @@
                 <a:latin typeface="맑은 고딕" charset="0"/>
                 <a:ea typeface="맑은 고딕" charset="0"/>
               </a:rPr>
-              <a:t> 생성한 다음 Billiard Ball </a:t>
+              <a:t> </a:t>
+            </a:r>
+            <a:r>
+              <a:rPr lang="ko-KR" sz="1800">
+                <a:latin typeface="맑은 고딕" charset="0"/>
+                <a:ea typeface="맑은 고딕" charset="0"/>
+              </a:rPr>
+              <a:t>생성한</a:t>
+            </a:r>
+            <a:r>
+              <a:rPr lang="ko-KR" sz="1800">
+                <a:latin typeface="맑은 고딕" charset="0"/>
+                <a:ea typeface="맑은 고딕" charset="0"/>
+              </a:rPr>
+              <a:t> 다음 Billiard Ball </a:t>
             </a:r>
             <a:r>
               <a:rPr lang="ko-KR" sz="1800">
@@ -11775,7 +11549,21 @@
                 <a:latin typeface="맑은 고딕" charset="0"/>
                 <a:ea typeface="맑은 고딕" charset="0"/>
               </a:rPr>
-              <a:t> 라는 이름으로 정의합니다.</a:t>
+              <a:t> 라는 </a:t>
+            </a:r>
+            <a:r>
+              <a:rPr lang="ko-KR" sz="1800">
+                <a:latin typeface="맑은 고딕" charset="0"/>
+                <a:ea typeface="맑은 고딕" charset="0"/>
+              </a:rPr>
+              <a:t>이름으로</a:t>
+            </a:r>
+            <a:r>
+              <a:rPr lang="ko-KR" sz="1800">
+                <a:latin typeface="맑은 고딕" charset="0"/>
+                <a:ea typeface="맑은 고딕" charset="0"/>
+              </a:rPr>
+              <a:t> 정의합니다.</a:t>
             </a:r>
             <a:endParaRPr lang="ko-KR" altLang="en-US" sz="1800">
               <a:latin typeface="맑은 고딕" charset="0"/>
@@ -11786,7 +11574,7 @@
       </p:sp>
       <p:pic>
         <p:nvPicPr>
-          <p:cNvPr id="42" name="그림 9" descr="C:/Users/Admin1/AppData/Roaming/PolarisOffice/ETemp/34520_15986688/fImage5320888467.png"/>
+          <p:cNvPr id="42" name="그림 9" descr="C:/Users/Admin1/AppData/Roaming/PolarisOffice/ETemp/20844_6679024/fImage5320888467.png"/>
           <p:cNvPicPr>
             <a:picLocks noChangeAspect="1"/>
           </p:cNvPicPr>
@@ -11806,8 +11594,8 @@
         </p:blipFill>
         <p:spPr>
           <a:xfrm rot="0">
-            <a:off x="4100195" y="2299970"/>
-            <a:ext cx="1275715" cy="1844040"/>
+            <a:off x="4109085" y="2317115"/>
+            <a:ext cx="1276350" cy="1800860"/>
           </a:xfrm>
           <a:prstGeom prst="roundRect"/>
           <a:solidFill>
@@ -11817,7 +11605,7 @@
       </p:pic>
       <p:pic>
         <p:nvPicPr>
-          <p:cNvPr id="44" name="그림 17" descr="C:/Users/Admin1/AppData/Roaming/PolarisOffice/ETemp/34520_15986688/fImage12429926334.png"/>
+          <p:cNvPr id="44" name="그림 17" descr="C:/Users/Admin1/AppData/Roaming/PolarisOffice/ETemp/20844_6679024/fImage12429926334.png"/>
           <p:cNvPicPr>
             <a:picLocks noChangeAspect="1"/>
           </p:cNvPicPr>
@@ -11837,8 +11625,8 @@
         </p:blipFill>
         <p:spPr>
           <a:xfrm rot="0">
-            <a:off x="6823710" y="3703955"/>
-            <a:ext cx="4142105" cy="1637030"/>
+            <a:off x="6813550" y="3867785"/>
+            <a:ext cx="4152900" cy="1550670"/>
           </a:xfrm>
           <a:prstGeom prst="roundRect"/>
           <a:solidFill>
@@ -11856,8 +11644,8 @@
         </p:nvSpPr>
         <p:spPr>
           <a:xfrm rot="0">
-            <a:off x="6826885" y="2898775"/>
-            <a:ext cx="4123690" cy="678180"/>
+            <a:off x="6817995" y="2821305"/>
+            <a:ext cx="4124325" cy="954405"/>
           </a:xfrm>
           <a:prstGeom prst="rect"/>
           <a:noFill/>
@@ -11911,7 +11699,21 @@
                 <a:latin typeface="맑은 고딕" charset="0"/>
                 <a:ea typeface="맑은 고딕" charset="0"/>
               </a:rPr>
-              <a:t>이제 Billiard Ball (Two) 오브젝트에 </a:t>
+              <a:t>그다음 Billiard Ball (Two) </a:t>
+            </a:r>
+            <a:r>
+              <a:rPr lang="ko-KR" sz="1800">
+                <a:latin typeface="맑은 고딕" charset="0"/>
+                <a:ea typeface="맑은 고딕" charset="0"/>
+              </a:rPr>
+              <a:t>오브젝트에</a:t>
+            </a:r>
+            <a:r>
+              <a:rPr lang="ko-KR" sz="1800">
+                <a:latin typeface="맑은 고딕" charset="0"/>
+                <a:ea typeface="맑은 고딕" charset="0"/>
+              </a:rPr>
+              <a:t> </a:t>
             </a:r>
             <a:r>
               <a:rPr lang="ko-KR" sz="1800">
@@ -11925,7 +11727,14 @@
                 <a:latin typeface="맑은 고딕" charset="0"/>
                 <a:ea typeface="맑은 고딕" charset="0"/>
               </a:rPr>
-              <a:t> 컴포넌트를 추가합니다.</a:t>
+              <a:t> 컴포넌트를 </a:t>
+            </a:r>
+            <a:r>
+              <a:rPr lang="ko-KR" sz="1800">
+                <a:latin typeface="맑은 고딕" charset="0"/>
+                <a:ea typeface="맑은 고딕" charset="0"/>
+              </a:rPr>
+              <a:t>추가합니다.</a:t>
             </a:r>
             <a:endParaRPr lang="ko-KR" altLang="en-US" sz="1800">
               <a:latin typeface="맑은 고딕" charset="0"/>
@@ -11936,17 +11745,17 @@
       </p:sp>
       <p:pic>
         <p:nvPicPr>
-          <p:cNvPr id="47" name="그림 1"/>
+          <p:cNvPr id="47" name="그림 1" descr="C:/Users/Admin1/AppData/Roaming/PolarisOffice/ETemp/20844_6679024/fImage49931408467.png"/>
           <p:cNvPicPr>
             <a:picLocks noChangeAspect="1"/>
           </p:cNvPicPr>
           <p:nvPr/>
         </p:nvPicPr>
         <p:blipFill rotWithShape="1">
-          <a:blip r:embed="rId19" cstate="print">
+          <a:blip r:embed="rId19" cstate="hqprint">
             <a:extLst>
               <a:ext uri="{28A0092B-C50C-407E-A947-70E740481C1C}">
-                <a14:useLocalDpi xmlns:a14="http://schemas.microsoft.com/office/drawing/2010/main" val="0"/>
+                <a14:useLocalDpi xmlns:a14="http://schemas.microsoft.com/office/drawing/2010/main"/>
               </a:ext>
             </a:extLst>
           </a:blip>
@@ -11957,7 +11766,7 @@
         <p:spPr>
           <a:xfrm rot="0">
             <a:off x="6819265" y="1464310"/>
-            <a:ext cx="4146550" cy="1318260"/>
+            <a:ext cx="4146550" cy="1266825"/>
           </a:xfrm>
           <a:prstGeom prst="roundRect"/>
           <a:solidFill>
@@ -11967,7 +11776,7 @@
       </p:pic>
       <p:pic>
         <p:nvPicPr>
-          <p:cNvPr id="48" name="그림 10" descr="C:/Users/Admin1/AppData/Roaming/PolarisOffice/ETemp/34520_15986688/fImage184391796500.png"/>
+          <p:cNvPr id="48" name="그림 10"/>
           <p:cNvPicPr>
             <a:picLocks noChangeAspect="1"/>
           </p:cNvPicPr>
@@ -12105,9 +11914,9 @@
           <p:nvPr/>
         </p:nvSpPr>
         <p:spPr>
-          <a:xfrm rot="0">
+          <a:xfrm>
             <a:off x="1229995" y="5166360"/>
-            <a:ext cx="4145915" cy="954405"/>
+            <a:ext cx="4146550" cy="954405"/>
           </a:xfrm>
           <a:prstGeom prst="rect"/>
           <a:noFill/>
@@ -12161,7 +11970,7 @@
                 <a:latin typeface="맑은 고딕" charset="0"/>
                 <a:ea typeface="맑은 고딕" charset="0"/>
               </a:rPr>
-              <a:t>그런 다음 3D Object에 Sphere </a:t>
+              <a:t>이제 3D Object에 Sphere </a:t>
             </a:r>
             <a:r>
               <a:rPr lang="ko-KR" sz="1800">
@@ -12196,14 +12005,14 @@
                 <a:latin typeface="맑은 고딕" charset="0"/>
                 <a:ea typeface="맑은 고딕" charset="0"/>
               </a:rPr>
-              <a:t>(Three)</a:t>
-            </a:r>
-            <a:r>
-              <a:rPr lang="ko-KR" sz="1800">
-                <a:latin typeface="맑은 고딕" charset="0"/>
-                <a:ea typeface="맑은 고딕" charset="0"/>
-              </a:rPr>
-              <a:t> 라는 </a:t>
+              <a:t>(Three)라는</a:t>
+            </a:r>
+            <a:r>
+              <a:rPr lang="ko-KR" sz="1800">
+                <a:latin typeface="맑은 고딕" charset="0"/>
+                <a:ea typeface="맑은 고딕" charset="0"/>
+              </a:rPr>
+              <a:t> </a:t>
             </a:r>
             <a:r>
               <a:rPr lang="ko-KR" sz="1800">
@@ -12237,7 +12046,7 @@
         <p:spPr>
           <a:xfrm rot="0">
             <a:off x="6830695" y="5449570"/>
-            <a:ext cx="4142105" cy="678180"/>
+            <a:ext cx="4142740" cy="677545"/>
           </a:xfrm>
           <a:prstGeom prst="rect"/>
           <a:noFill/>
@@ -12291,7 +12100,7 @@
                 <a:latin typeface="맑은 고딕" charset="0"/>
                 <a:ea typeface="맑은 고딕" charset="0"/>
               </a:rPr>
-              <a:t>이제 Billiard Ball (Three) </a:t>
+              <a:t>그런 다음 Billiard Ball (Three) </a:t>
             </a:r>
             <a:r>
               <a:rPr lang="ko-KR" sz="1800">
@@ -12305,7 +12114,35 @@
                 <a:latin typeface="맑은 고딕" charset="0"/>
                 <a:ea typeface="맑은 고딕" charset="0"/>
               </a:rPr>
-              <a:t> 위치 값을 설정합니다.</a:t>
+              <a:t> </a:t>
+            </a:r>
+            <a:r>
+              <a:rPr lang="ko-KR" sz="1800">
+                <a:latin typeface="맑은 고딕" charset="0"/>
+                <a:ea typeface="맑은 고딕" charset="0"/>
+              </a:rPr>
+              <a:t>위치</a:t>
+            </a:r>
+            <a:r>
+              <a:rPr lang="ko-KR" sz="1800">
+                <a:latin typeface="맑은 고딕" charset="0"/>
+                <a:ea typeface="맑은 고딕" charset="0"/>
+              </a:rPr>
+              <a:t> </a:t>
+            </a:r>
+            <a:r>
+              <a:rPr lang="ko-KR" sz="1800">
+                <a:latin typeface="맑은 고딕" charset="0"/>
+                <a:ea typeface="맑은 고딕" charset="0"/>
+              </a:rPr>
+              <a:t>값을</a:t>
+            </a:r>
+            <a:r>
+              <a:rPr lang="ko-KR" sz="1800">
+                <a:latin typeface="맑은 고딕" charset="0"/>
+                <a:ea typeface="맑은 고딕" charset="0"/>
+              </a:rPr>
+              <a:t> 설정합니다.</a:t>
             </a:r>
             <a:endParaRPr lang="ko-KR" altLang="en-US" sz="1800">
               <a:latin typeface="맑은 고딕" charset="0"/>
@@ -12316,7 +12153,7 @@
       </p:sp>
       <p:pic>
         <p:nvPicPr>
-          <p:cNvPr id="40" name="그림 30" descr="C:/Users/Admin1/AppData/Roaming/PolarisOffice/ETemp/34520_15986688/fImage56891036500.png"/>
+          <p:cNvPr id="40" name="그림 30"/>
           <p:cNvPicPr>
             <a:picLocks noChangeAspect="1"/>
           </p:cNvPicPr>
@@ -12355,8 +12192,8 @@
         </p:nvSpPr>
         <p:spPr>
           <a:xfrm rot="0">
-            <a:off x="6826885" y="2864485"/>
-            <a:ext cx="4123690" cy="955040"/>
+            <a:off x="6826885" y="2830195"/>
+            <a:ext cx="4124325" cy="954405"/>
           </a:xfrm>
           <a:prstGeom prst="rect"/>
           <a:noFill/>
@@ -12410,7 +12247,7 @@
                 <a:latin typeface="맑은 고딕" charset="0"/>
                 <a:ea typeface="맑은 고딕" charset="0"/>
               </a:rPr>
-              <a:t>그러고 나서 Billiard Ball (Three) </a:t>
+              <a:t>그리고 Billiard Ball (Three) </a:t>
             </a:r>
             <a:r>
               <a:rPr lang="ko-KR" sz="1800">
@@ -12424,7 +12261,21 @@
                 <a:latin typeface="맑은 고딕" charset="0"/>
                 <a:ea typeface="맑은 고딕" charset="0"/>
               </a:rPr>
-              <a:t> Rigidbody 컴포넌트를 </a:t>
+              <a:t> </a:t>
+            </a:r>
+            <a:r>
+              <a:rPr lang="ko-KR" sz="1800">
+                <a:latin typeface="맑은 고딕" charset="0"/>
+                <a:ea typeface="맑은 고딕" charset="0"/>
+              </a:rPr>
+              <a:t>Rigidbody</a:t>
+            </a:r>
+            <a:r>
+              <a:rPr lang="ko-KR" sz="1800">
+                <a:latin typeface="맑은 고딕" charset="0"/>
+                <a:ea typeface="맑은 고딕" charset="0"/>
+              </a:rPr>
+              <a:t> 컴포넌트를 </a:t>
             </a:r>
             <a:r>
               <a:rPr lang="ko-KR" sz="1800">
@@ -12442,7 +12293,7 @@
       </p:sp>
       <p:pic>
         <p:nvPicPr>
-          <p:cNvPr id="43" name="그림 35" descr="C:/Users/Admin1/AppData/Roaming/PolarisOffice/ETemp/34520_15986688/fImage124181069169.png"/>
+          <p:cNvPr id="43" name="그림 35" descr="C:/Users/Admin1/AppData/Roaming/PolarisOffice/ETemp/20844_6679024/fImage124181069169.png"/>
           <p:cNvPicPr>
             <a:picLocks noChangeAspect="1"/>
           </p:cNvPicPr>
@@ -12462,8 +12313,8 @@
         </p:blipFill>
         <p:spPr>
           <a:xfrm rot="0">
-            <a:off x="6831965" y="3928110"/>
-            <a:ext cx="4123055" cy="1421765"/>
+            <a:off x="6831965" y="3867785"/>
+            <a:ext cx="4133850" cy="1534160"/>
           </a:xfrm>
           <a:prstGeom prst="roundRect"/>
           <a:solidFill>
@@ -12473,17 +12324,17 @@
       </p:pic>
       <p:pic>
         <p:nvPicPr>
-          <p:cNvPr id="44" name="그림 5"/>
+          <p:cNvPr id="44" name="그림 5" descr="C:/Users/Admin1/AppData/Roaming/PolarisOffice/ETemp/20844_6679024/fImage49931426334.png"/>
           <p:cNvPicPr>
             <a:picLocks noChangeAspect="1"/>
           </p:cNvPicPr>
           <p:nvPr/>
         </p:nvPicPr>
         <p:blipFill rotWithShape="1">
-          <a:blip r:embed="rId9" cstate="print">
+          <a:blip r:embed="rId9" cstate="hqprint">
             <a:extLst>
               <a:ext uri="{28A0092B-C50C-407E-A947-70E740481C1C}">
-                <a14:useLocalDpi xmlns:a14="http://schemas.microsoft.com/office/drawing/2010/main" val="0"/>
+                <a14:useLocalDpi xmlns:a14="http://schemas.microsoft.com/office/drawing/2010/main"/>
               </a:ext>
             </a:extLst>
           </a:blip>
@@ -12494,7 +12345,7 @@
         <p:spPr>
           <a:xfrm rot="0">
             <a:off x="6819265" y="1447165"/>
-            <a:ext cx="4146550" cy="1335405"/>
+            <a:ext cx="4147185" cy="1301115"/>
           </a:xfrm>
           <a:prstGeom prst="roundRect"/>
           <a:solidFill>
@@ -12504,7 +12355,7 @@
       </p:pic>
       <p:pic>
         <p:nvPicPr>
-          <p:cNvPr id="45" name="그림 11" descr="C:/Users/Admin1/AppData/Roaming/PolarisOffice/ETemp/34520_15986688/fImage184391809169.png"/>
+          <p:cNvPr id="45" name="그림 11"/>
           <p:cNvPicPr>
             <a:picLocks noChangeAspect="1"/>
           </p:cNvPicPr>
@@ -12643,8 +12494,8 @@
         </p:nvSpPr>
         <p:spPr>
           <a:xfrm rot="0">
-            <a:off x="6830695" y="2520950"/>
-            <a:ext cx="4145280" cy="1231265"/>
+            <a:off x="6830695" y="2503805"/>
+            <a:ext cx="4145915" cy="1231265"/>
           </a:xfrm>
           <a:prstGeom prst="rect"/>
           <a:noFill/>
@@ -12698,7 +12549,7 @@
                 <a:latin typeface="맑은 고딕" charset="0"/>
                 <a:ea typeface="맑은 고딕" charset="0"/>
               </a:rPr>
-              <a:t>그런 다음 Project 폴더 아래에 </a:t>
+              <a:t>그러고 나서 Project 폴더 아래에 </a:t>
             </a:r>
             <a:r>
               <a:rPr lang="ko-KR" sz="1800">
@@ -12807,9 +12658,9 @@
           <p:nvPr/>
         </p:nvSpPr>
         <p:spPr>
-          <a:xfrm rot="0">
+          <a:xfrm>
             <a:off x="6818630" y="5456555"/>
-            <a:ext cx="4138930" cy="677545"/>
+            <a:ext cx="4139565" cy="677545"/>
           </a:xfrm>
           <a:prstGeom prst="rect"/>
           <a:noFill/>
@@ -12863,14 +12714,14 @@
                 <a:latin typeface="맑은 고딕" charset="0"/>
                 <a:ea typeface="맑은 고딕" charset="0"/>
               </a:rPr>
-              <a:t>그다음 Main Camera </a:t>
-            </a:r>
-            <a:r>
-              <a:rPr lang="ko-KR" sz="1800">
-                <a:latin typeface="맑은 고딕" charset="0"/>
-                <a:ea typeface="맑은 고딕" charset="0"/>
-              </a:rPr>
-              <a:t>오브젝트의</a:t>
+              <a:t>이제 Main Camera 오브젝트의 </a:t>
+            </a:r>
+            <a:r>
+              <a:rPr lang="ko-KR" sz="1800">
+                <a:latin typeface="맑은 고딕" charset="0"/>
+                <a:ea typeface="맑은 고딕" charset="0"/>
+              </a:rPr>
+              <a:t>위치와</a:t>
             </a:r>
             <a:r>
               <a:rPr lang="ko-KR" sz="1800">
@@ -12884,35 +12735,14 @@
                 <a:latin typeface="맑은 고딕" charset="0"/>
                 <a:ea typeface="맑은 고딕" charset="0"/>
               </a:rPr>
-              <a:t>위치와</a:t>
-            </a:r>
-            <a:r>
-              <a:rPr lang="ko-KR" sz="1800">
-                <a:latin typeface="맑은 고딕" charset="0"/>
-                <a:ea typeface="맑은 고딕" charset="0"/>
-              </a:rPr>
-              <a:t> </a:t>
-            </a:r>
-            <a:r>
-              <a:rPr lang="ko-KR" sz="1800">
-                <a:latin typeface="맑은 고딕" charset="0"/>
-                <a:ea typeface="맑은 고딕" charset="0"/>
-              </a:rPr>
-              <a:t>크기 값을</a:t>
-            </a:r>
-            <a:r>
-              <a:rPr lang="ko-KR" sz="1800">
-                <a:latin typeface="맑은 고딕" charset="0"/>
-                <a:ea typeface="맑은 고딕" charset="0"/>
-              </a:rPr>
-              <a:t> </a:t>
-            </a:r>
-            <a:r>
-              <a:rPr lang="ko-KR" sz="1800">
-                <a:latin typeface="맑은 고딕" charset="0"/>
-                <a:ea typeface="맑은 고딕" charset="0"/>
-              </a:rPr>
-              <a:t>설정합니다.</a:t>
+              <a:t>크기</a:t>
+            </a:r>
+            <a:r>
+              <a:rPr lang="ko-KR" sz="1800">
+                <a:latin typeface="맑은 고딕" charset="0"/>
+                <a:ea typeface="맑은 고딕" charset="0"/>
+              </a:rPr>
+              <a:t> 값을 설정합니다.</a:t>
             </a:r>
             <a:endParaRPr lang="ko-KR" altLang="en-US" sz="1800">
               <a:latin typeface="맑은 고딕" charset="0"/>
@@ -12923,7 +12753,7 @@
       </p:sp>
       <p:pic>
         <p:nvPicPr>
-          <p:cNvPr id="55" name="그림 13" descr="C:/Users/Admin1/AppData/Roaming/PolarisOffice/ETemp/34520_15986688/fImage85061835724.png"/>
+          <p:cNvPr id="55" name="그림 13" descr="C:/Users/Admin1/AppData/Roaming/PolarisOffice/ETemp/20844_6679024/fImage85061835724.png"/>
           <p:cNvPicPr>
             <a:picLocks noChangeAspect="1"/>
           </p:cNvPicPr>
@@ -12944,7 +12774,7 @@
         <p:spPr>
           <a:xfrm rot="0">
             <a:off x="1240790" y="1455420"/>
-            <a:ext cx="2584450" cy="3489325"/>
+            <a:ext cx="2585085" cy="3532505"/>
           </a:xfrm>
           <a:prstGeom prst="roundRect"/>
           <a:solidFill>
@@ -12954,17 +12784,17 @@
       </p:pic>
       <p:pic>
         <p:nvPicPr>
-          <p:cNvPr id="56" name="그림 14" descr="C:/Users/Admin1/AppData/Roaming/PolarisOffice/ETemp/34520_15986688/fImage66961841478.png"/>
+          <p:cNvPr id="56" name="그림 14" descr="C:/Users/Admin1/AppData/Roaming/PolarisOffice/ETemp/20844_6679024/fImage66961841478.png"/>
           <p:cNvPicPr>
             <a:picLocks noChangeAspect="1"/>
           </p:cNvPicPr>
           <p:nvPr/>
         </p:nvPicPr>
         <p:blipFill rotWithShape="1">
-          <a:blip r:embed="rId12" cstate="print">
+          <a:blip r:embed="rId12" cstate="hqprint">
             <a:extLst>
               <a:ext uri="{28A0092B-C50C-407E-A947-70E740481C1C}">
-                <a14:useLocalDpi xmlns:a14="http://schemas.microsoft.com/office/drawing/2010/main" val="0"/>
+                <a14:useLocalDpi xmlns:a14="http://schemas.microsoft.com/office/drawing/2010/main"/>
               </a:ext>
             </a:extLst>
           </a:blip>
@@ -12974,8 +12804,8 @@
         </p:blipFill>
         <p:spPr>
           <a:xfrm rot="0">
-            <a:off x="3988435" y="2273935"/>
-            <a:ext cx="1387475" cy="1844040"/>
+            <a:off x="3971290" y="2205355"/>
+            <a:ext cx="1414145" cy="2033270"/>
           </a:xfrm>
           <a:prstGeom prst="roundRect"/>
           <a:solidFill>
@@ -13021,7 +12851,17 @@
                 <a:latin typeface="맑은 고딕" charset="0"/>
                 <a:ea typeface="맑은 고딕" charset="0"/>
               </a:rPr>
-              <a:t>1</a:t>
+              <a:t>10</a:t>
+            </a:r>
+            <a:r>
+              <a:rPr sz="2000" b="1">
+                <a:solidFill>
+                  <a:srgbClr val="0611F2"/>
+                </a:solidFill>
+                <a:latin typeface="맑은 고딕" charset="0"/>
+                <a:ea typeface="맑은 고딕" charset="0"/>
+              </a:rPr>
+              <a:t>.</a:t>
             </a:r>
             <a:r>
               <a:rPr lang="ko-KR" sz="2000" b="1">
@@ -13031,26 +12871,6 @@
                 <a:latin typeface="맑은 고딕" charset="0"/>
                 <a:ea typeface="맑은 고딕" charset="0"/>
               </a:rPr>
-              <a:t>0</a:t>
-            </a:r>
-            <a:r>
-              <a:rPr sz="2000" b="1">
-                <a:solidFill>
-                  <a:srgbClr val="0611F2"/>
-                </a:solidFill>
-                <a:latin typeface="맑은 고딕" charset="0"/>
-                <a:ea typeface="맑은 고딕" charset="0"/>
-              </a:rPr>
-              <a:t>.</a:t>
-            </a:r>
-            <a:r>
-              <a:rPr lang="ko-KR" sz="2000" b="1">
-                <a:solidFill>
-                  <a:srgbClr val="0611F2"/>
-                </a:solidFill>
-                <a:latin typeface="맑은 고딕" charset="0"/>
-                <a:ea typeface="맑은 고딕" charset="0"/>
-              </a:rPr>
               <a:t> </a:t>
             </a:r>
             <a:r>
@@ -13058,14 +12878,14 @@
                 <a:latin typeface="맑은 고딕" charset="0"/>
                 <a:ea typeface="맑은 고딕" charset="0"/>
               </a:rPr>
-              <a:t>그리고 빈 게임 오브젝트를 </a:t>
-            </a:r>
-            <a:r>
-              <a:rPr lang="ko-KR" sz="1800">
-                <a:latin typeface="맑은 고딕" charset="0"/>
-                <a:ea typeface="맑은 고딕" charset="0"/>
-              </a:rPr>
-              <a:t>생성한</a:t>
+              <a:t>그다음으로 빈 게임 오브젝트를 </a:t>
+            </a:r>
+            <a:r>
+              <a:rPr lang="ko-KR" sz="1800">
+                <a:latin typeface="맑은 고딕" charset="0"/>
+                <a:ea typeface="맑은 고딕" charset="0"/>
+              </a:rPr>
+              <a:t>생성하고</a:t>
             </a:r>
             <a:r>
               <a:rPr lang="ko-KR" sz="1800">
@@ -13079,21 +12899,21 @@
                 <a:latin typeface="맑은 고딕" charset="0"/>
                 <a:ea typeface="맑은 고딕" charset="0"/>
               </a:rPr>
-              <a:t>다음 Physics Manager라는 </a:t>
-            </a:r>
-            <a:r>
-              <a:rPr lang="ko-KR" sz="1800">
-                <a:latin typeface="맑은 고딕" charset="0"/>
-                <a:ea typeface="맑은 고딕" charset="0"/>
-              </a:rPr>
-              <a:t>이름으</a:t>
-            </a:r>
-            <a:r>
-              <a:rPr lang="ko-KR" sz="1800">
-                <a:latin typeface="맑은 고딕" charset="0"/>
-                <a:ea typeface="맑은 고딕" charset="0"/>
-              </a:rPr>
-              <a:t>로</a:t>
+              <a:t>Physics</a:t>
+            </a:r>
+            <a:r>
+              <a:rPr lang="ko-KR" sz="1800">
+                <a:latin typeface="맑은 고딕" charset="0"/>
+                <a:ea typeface="맑은 고딕" charset="0"/>
+              </a:rPr>
+              <a:t> Manager라는 </a:t>
+            </a:r>
+            <a:r>
+              <a:rPr lang="ko-KR" sz="1800">
+                <a:latin typeface="맑은 고딕" charset="0"/>
+                <a:ea typeface="맑은 고딕" charset="0"/>
+              </a:rPr>
+              <a:t>이름으로</a:t>
             </a:r>
             <a:r>
               <a:rPr lang="ko-KR" sz="1800">
@@ -13118,7 +12938,7 @@
       </p:sp>
       <p:pic>
         <p:nvPicPr>
-          <p:cNvPr id="58" name="그림 18" descr="C:/Users/Admin1/AppData/Roaming/PolarisOffice/ETemp/34520_15986688/fImage67661869358.png"/>
+          <p:cNvPr id="58" name="그림 18"/>
           <p:cNvPicPr>
             <a:picLocks noChangeAspect="1"/>
           </p:cNvPicPr>
@@ -13149,17 +12969,17 @@
       </p:pic>
       <p:pic>
         <p:nvPicPr>
-          <p:cNvPr id="59" name="그림 21" descr="C:/Users/Admin1/AppData/Roaming/PolarisOffice/ETemp/34520_15986688/fImage73091876962.png"/>
+          <p:cNvPr id="59" name="그림 21" descr="C:/Users/Admin1/AppData/Roaming/PolarisOffice/ETemp/20844_6679024/fImage73091876962.png"/>
           <p:cNvPicPr>
             <a:picLocks noChangeAspect="1"/>
           </p:cNvPicPr>
           <p:nvPr/>
         </p:nvPicPr>
         <p:blipFill rotWithShape="1">
-          <a:blip r:embed="rId14" cstate="print">
+          <a:blip r:embed="rId14" cstate="hqprint">
             <a:extLst>
               <a:ext uri="{28A0092B-C50C-407E-A947-70E740481C1C}">
-                <a14:useLocalDpi xmlns:a14="http://schemas.microsoft.com/office/drawing/2010/main" val="0"/>
+                <a14:useLocalDpi xmlns:a14="http://schemas.microsoft.com/office/drawing/2010/main"/>
               </a:ext>
             </a:extLst>
           </a:blip>
@@ -13170,7 +12990,7 @@
         <p:spPr>
           <a:xfrm rot="0">
             <a:off x="8251190" y="1459865"/>
-            <a:ext cx="2714625" cy="1003935"/>
+            <a:ext cx="2715260" cy="1004570"/>
           </a:xfrm>
           <a:prstGeom prst="roundRect"/>
           <a:solidFill>
@@ -13178,52 +12998,19 @@
           </a:solidFill>
         </p:spPr>
       </p:pic>
-      <p:cxnSp>
-        <p:nvCxnSpPr>
-          <p:cNvPr id="60" name="도형 24"/>
-          <p:cNvCxnSpPr/>
-          <p:nvPr/>
-        </p:nvCxnSpPr>
-        <p:spPr>
-          <a:xfrm rot="0" flipH="1">
-            <a:off x="8028305" y="1774190"/>
-            <a:ext cx="327660" cy="138430"/>
-          </a:xfrm>
-          <a:prstGeom prst="straightConnector1"/>
-          <a:ln w="6350" cap="flat" cmpd="sng">
-            <a:prstDash/>
-            <a:headEnd type="none" w="med" len="med"/>
-            <a:tailEnd type="triangle" w="med" len="med"/>
-          </a:ln>
-        </p:spPr>
-        <p:style>
-          <a:lnRef idx="1">
-            <a:schemeClr val="accent1"/>
-          </a:lnRef>
-          <a:fillRef idx="0">
-            <a:schemeClr val="accent1"/>
-          </a:fillRef>
-          <a:effectRef idx="0">
-            <a:schemeClr val="accent1"/>
-          </a:effectRef>
-          <a:fontRef idx="minor">
-            <a:schemeClr val="tx1"/>
-          </a:fontRef>
-        </p:style>
-      </p:cxnSp>
       <p:pic>
         <p:nvPicPr>
-          <p:cNvPr id="61" name="그림 25" descr="C:/Users/Admin1/AppData/Roaming/PolarisOffice/ETemp/34520_15986688/fImage112711894464.png"/>
+          <p:cNvPr id="61" name="그림 25" descr="C:/Users/Admin1/AppData/Roaming/PolarisOffice/ETemp/20844_6679024/fImage112711894464.png"/>
           <p:cNvPicPr>
             <a:picLocks noChangeAspect="1"/>
           </p:cNvPicPr>
           <p:nvPr/>
         </p:nvPicPr>
         <p:blipFill rotWithShape="1">
-          <a:blip r:embed="rId15" cstate="print">
+          <a:blip r:embed="rId15" cstate="hqprint">
             <a:extLst>
               <a:ext uri="{28A0092B-C50C-407E-A947-70E740481C1C}">
-                <a14:useLocalDpi xmlns:a14="http://schemas.microsoft.com/office/drawing/2010/main" val="0"/>
+                <a14:useLocalDpi xmlns:a14="http://schemas.microsoft.com/office/drawing/2010/main"/>
               </a:ext>
             </a:extLst>
           </a:blip>
@@ -13233,13 +13020,42 @@
         </p:blipFill>
         <p:spPr>
           <a:xfrm rot="0">
-            <a:off x="6828155" y="3876040"/>
-            <a:ext cx="4129405" cy="1473200"/>
+            <a:off x="6828155" y="3824605"/>
+            <a:ext cx="4130040" cy="1576705"/>
           </a:xfrm>
           <a:prstGeom prst="roundRect"/>
           <a:solidFill>
             <a:srgbClr val="EDEDED"/>
           </a:solidFill>
+        </p:spPr>
+      </p:pic>
+      <p:pic>
+        <p:nvPicPr>
+          <p:cNvPr id="62" name="그림 4" descr="C:/Users/Admin1/AppData/Roaming/PolarisOffice/ETemp/20844_6679024/fImage2242171946962.png"/>
+          <p:cNvPicPr>
+            <a:picLocks noChangeAspect="1"/>
+          </p:cNvPicPr>
+          <p:nvPr/>
+        </p:nvPicPr>
+        <p:blipFill rotWithShape="1">
+          <a:blip r:embed="rId16" cstate="hqprint">
+            <a:extLst>
+              <a:ext uri="{28A0092B-C50C-407E-A947-70E740481C1C}">
+                <a14:useLocalDpi xmlns:a14="http://schemas.microsoft.com/office/drawing/2010/main"/>
+              </a:ext>
+            </a:extLst>
+          </a:blip>
+          <a:stretch>
+            <a:fillRect/>
+          </a:stretch>
+        </p:blipFill>
+        <p:spPr>
+          <a:xfrm rot="10800000">
+            <a:off x="7952740" y="1777365"/>
+            <a:ext cx="629285" cy="355600"/>
+          </a:xfrm>
+          <a:prstGeom prst="rect"/>
+          <a:noFill/>
         </p:spPr>
       </p:pic>
     </p:spTree>
@@ -13352,8 +13168,8 @@
         </p:nvSpPr>
         <p:spPr>
           <a:xfrm rot="0">
-            <a:off x="6821805" y="2624455"/>
-            <a:ext cx="4152900" cy="1231265"/>
+            <a:off x="6821805" y="2607310"/>
+            <a:ext cx="4144010" cy="1231265"/>
           </a:xfrm>
           <a:prstGeom prst="rect"/>
           <a:noFill/>
@@ -13407,7 +13223,7 @@
                 <a:latin typeface="맑은 고딕" charset="0"/>
                 <a:ea typeface="맑은 고딕" charset="0"/>
               </a:rPr>
-              <a:t>그리고 Project 폴더 아래에 </a:t>
+              <a:t>그다음으로 Project 폴더 아래에 </a:t>
             </a:r>
             <a:r>
               <a:rPr lang="ko-KR" sz="1800">
@@ -13518,7 +13334,7 @@
         <p:spPr>
           <a:xfrm rot="0">
             <a:off x="6818630" y="5448300"/>
-            <a:ext cx="4157345" cy="677545"/>
+            <a:ext cx="4156075" cy="677545"/>
           </a:xfrm>
           <a:prstGeom prst="rect"/>
           <a:noFill/>
@@ -13572,7 +13388,7 @@
                 <a:latin typeface="맑은 고딕" charset="0"/>
                 <a:ea typeface="맑은 고딕" charset="0"/>
               </a:rPr>
-              <a:t>그런 다음 Board 오브젝트에 </a:t>
+              <a:t>그러고 나서 Board 오브젝트에 </a:t>
             </a:r>
             <a:r>
               <a:rPr lang="ko-KR" sz="1800">
@@ -13632,9 +13448,9 @@
           <p:nvPr/>
         </p:nvSpPr>
         <p:spPr>
-          <a:xfrm>
-            <a:off x="1228725" y="2630805"/>
-            <a:ext cx="4130675" cy="954405"/>
+          <a:xfrm rot="0">
+            <a:off x="1228725" y="2613660"/>
+            <a:ext cx="4131310" cy="954405"/>
           </a:xfrm>
           <a:prstGeom prst="rect"/>
           <a:noFill/>
@@ -13688,7 +13504,7 @@
                 <a:latin typeface="맑은 고딕" charset="0"/>
                 <a:ea typeface="맑은 고딕" charset="0"/>
               </a:rPr>
-              <a:t>그러고 나서 </a:t>
+              <a:t>그리고 </a:t>
             </a:r>
             <a:r>
               <a:rPr sz="1800">
@@ -13709,35 +13525,35 @@
                 <a:latin typeface="맑은 고딕" charset="0"/>
                 <a:ea typeface="맑은 고딕" charset="0"/>
               </a:rPr>
-              <a:t>de</a:t>
-            </a:r>
-            <a:r>
-              <a:rPr lang="ko-KR" sz="1800">
-                <a:latin typeface="맑은 고딕" charset="0"/>
-                <a:ea typeface="맑은 고딕" charset="0"/>
-              </a:rPr>
-              <a:t>l</a:t>
-            </a:r>
-            <a:r>
-              <a:rPr lang="ko-KR" sz="1800">
-                <a:latin typeface="맑은 고딕" charset="0"/>
-                <a:ea typeface="맑은 고딕" charset="0"/>
-              </a:rPr>
-              <a:t> 폴더에 Board 오브젝트를 월드 </a:t>
-            </a:r>
-            <a:r>
-              <a:rPr lang="ko-KR" sz="1800">
-                <a:latin typeface="맑은 고딕" charset="0"/>
-                <a:ea typeface="맑은 고딕" charset="0"/>
-              </a:rPr>
-              <a:t>공간</a:t>
-            </a:r>
-            <a:r>
-              <a:rPr lang="ko-KR" sz="1800">
-                <a:latin typeface="맑은 고딕" charset="0"/>
-                <a:ea typeface="맑은 고딕" charset="0"/>
-              </a:rPr>
-              <a:t>에</a:t>
+              <a:t>del</a:t>
+            </a:r>
+            <a:r>
+              <a:rPr lang="ko-KR" sz="1800">
+                <a:latin typeface="맑은 고딕" charset="0"/>
+                <a:ea typeface="맑은 고딕" charset="0"/>
+              </a:rPr>
+              <a:t> </a:t>
+            </a:r>
+            <a:r>
+              <a:rPr lang="ko-KR" sz="1800">
+                <a:latin typeface="맑은 고딕" charset="0"/>
+                <a:ea typeface="맑은 고딕" charset="0"/>
+              </a:rPr>
+              <a:t>폴더에</a:t>
+            </a:r>
+            <a:r>
+              <a:rPr lang="ko-KR" sz="1800">
+                <a:latin typeface="맑은 고딕" charset="0"/>
+                <a:ea typeface="맑은 고딕" charset="0"/>
+              </a:rPr>
+              <a:t> Board 오브젝트를 월드 </a:t>
+            </a:r>
+            <a:r>
+              <a:rPr lang="ko-KR" sz="1800">
+                <a:latin typeface="맑은 고딕" charset="0"/>
+                <a:ea typeface="맑은 고딕" charset="0"/>
+              </a:rPr>
+              <a:t>공간에</a:t>
             </a:r>
             <a:r>
               <a:rPr lang="ko-KR" sz="1800">
@@ -13769,7 +13585,7 @@
       </p:sp>
       <p:pic>
         <p:nvPicPr>
-          <p:cNvPr id="65" name="그림 28"/>
+          <p:cNvPr id="65" name="그림 28" descr="C:/Users/Admin1/AppData/Roaming/PolarisOffice/ETemp/20844_6679024/fImage48931881478.png"/>
           <p:cNvPicPr>
             <a:picLocks noChangeAspect="1"/>
           </p:cNvPicPr>
@@ -13789,39 +13605,8 @@
         </p:blipFill>
         <p:spPr>
           <a:xfrm rot="0">
-            <a:off x="6821805" y="3971290"/>
-            <a:ext cx="4152265" cy="1343660"/>
-          </a:xfrm>
-          <a:prstGeom prst="roundRect"/>
-          <a:solidFill>
-            <a:srgbClr val="EDEDED"/>
-          </a:solidFill>
-        </p:spPr>
-      </p:pic>
-      <p:pic>
-        <p:nvPicPr>
-          <p:cNvPr id="66" name="그림 28"/>
-          <p:cNvPicPr>
-            <a:picLocks noChangeAspect="1"/>
-          </p:cNvPicPr>
-          <p:nvPr/>
-        </p:nvPicPr>
-        <p:blipFill rotWithShape="1">
-          <a:blip r:embed="rId10" cstate="print">
-            <a:extLst>
-              <a:ext uri="{28A0092B-C50C-407E-A947-70E740481C1C}">
-                <a14:useLocalDpi xmlns:a14="http://schemas.microsoft.com/office/drawing/2010/main" val="0"/>
-              </a:ext>
-            </a:extLst>
-          </a:blip>
-          <a:stretch>
-            <a:fillRect/>
-          </a:stretch>
-        </p:blipFill>
-        <p:spPr>
-          <a:xfrm rot="0">
-            <a:off x="2705100" y="1447165"/>
-            <a:ext cx="2661920" cy="1085850"/>
+            <a:off x="6839585" y="3937000"/>
+            <a:ext cx="4126230" cy="1430020"/>
           </a:xfrm>
           <a:prstGeom prst="roundRect"/>
           <a:solidFill>
@@ -13860,6 +13645,246 @@
           </a:solidFill>
         </p:spPr>
       </p:pic>
+      <p:sp>
+        <p:nvSpPr>
+          <p:cNvPr id="69" name="텍스트 상자 35"/>
+          <p:cNvSpPr txBox="1">
+            <a:spLocks/>
+          </p:cNvSpPr>
+          <p:nvPr/>
+        </p:nvSpPr>
+        <p:spPr>
+          <a:xfrm>
+            <a:off x="1228725" y="5457190"/>
+            <a:ext cx="4147820" cy="677545"/>
+          </a:xfrm>
+          <a:prstGeom prst="rect"/>
+          <a:noFill/>
+          <a:ln w="0">
+            <a:noFill/>
+            <a:prstDash/>
+          </a:ln>
+        </p:spPr>
+        <p:txBody>
+          <a:bodyPr wrap="square" lIns="89535" tIns="46355" rIns="89535" bIns="46355" numCol="1" vert="horz" anchor="t">
+            <a:spAutoFit/>
+          </a:bodyPr>
+          <a:lstStyle/>
+          <a:p>
+            <a:pPr marL="0" indent="0" rtl="0" algn="l" defTabSz="914400" eaLnBrk="1" latinLnBrk="0" hangingPunct="1">
+              <a:buFontTx/>
+              <a:buNone/>
+            </a:pPr>
+            <a:r>
+              <a:rPr lang="ko-KR" sz="2000" b="1">
+                <a:solidFill>
+                  <a:srgbClr val="0611F2"/>
+                </a:solidFill>
+                <a:latin typeface="맑은 고딕" charset="0"/>
+                <a:ea typeface="맑은 고딕" charset="0"/>
+              </a:rPr>
+              <a:t>14</a:t>
+            </a:r>
+            <a:r>
+              <a:rPr sz="2000" b="1">
+                <a:solidFill>
+                  <a:srgbClr val="0611F2"/>
+                </a:solidFill>
+                <a:latin typeface="맑은 고딕" charset="0"/>
+                <a:ea typeface="맑은 고딕" charset="0"/>
+              </a:rPr>
+              <a:t>.</a:t>
+            </a:r>
+            <a:r>
+              <a:rPr lang="ko-KR" sz="2000" b="1">
+                <a:solidFill>
+                  <a:srgbClr val="0611F2"/>
+                </a:solidFill>
+                <a:latin typeface="맑은 고딕" charset="0"/>
+                <a:ea typeface="맑은 고딕" charset="0"/>
+              </a:rPr>
+              <a:t> </a:t>
+            </a:r>
+            <a:r>
+              <a:rPr lang="ko-KR" sz="1800">
+                <a:latin typeface="맑은 고딕" charset="0"/>
+                <a:ea typeface="맑은 고딕" charset="0"/>
+              </a:rPr>
+              <a:t>그런 다음 Board 오브젝트의 </a:t>
+            </a:r>
+            <a:r>
+              <a:rPr lang="ko-KR" sz="1800">
+                <a:latin typeface="맑은 고딕" charset="0"/>
+                <a:ea typeface="맑은 고딕" charset="0"/>
+              </a:rPr>
+              <a:t>위치와</a:t>
+            </a:r>
+            <a:r>
+              <a:rPr lang="ko-KR" sz="1800">
+                <a:latin typeface="맑은 고딕" charset="0"/>
+                <a:ea typeface="맑은 고딕" charset="0"/>
+              </a:rPr>
+              <a:t> </a:t>
+            </a:r>
+            <a:r>
+              <a:rPr lang="ko-KR" sz="1800">
+                <a:latin typeface="맑은 고딕" charset="0"/>
+                <a:ea typeface="맑은 고딕" charset="0"/>
+              </a:rPr>
+              <a:t>회전</a:t>
+            </a:r>
+            <a:r>
+              <a:rPr lang="ko-KR" sz="1800">
+                <a:latin typeface="맑은 고딕" charset="0"/>
+                <a:ea typeface="맑은 고딕" charset="0"/>
+              </a:rPr>
+              <a:t> </a:t>
+            </a:r>
+            <a:r>
+              <a:rPr lang="ko-KR" sz="1800">
+                <a:latin typeface="맑은 고딕" charset="0"/>
+                <a:ea typeface="맑은 고딕" charset="0"/>
+              </a:rPr>
+              <a:t>값을</a:t>
+            </a:r>
+            <a:r>
+              <a:rPr lang="ko-KR" sz="1800">
+                <a:latin typeface="맑은 고딕" charset="0"/>
+                <a:ea typeface="맑은 고딕" charset="0"/>
+              </a:rPr>
+              <a:t> 설정합니다.</a:t>
+            </a:r>
+            <a:endParaRPr lang="ko-KR" altLang="en-US" sz="1800">
+              <a:latin typeface="맑은 고딕" charset="0"/>
+              <a:ea typeface="맑은 고딕" charset="0"/>
+            </a:endParaRPr>
+          </a:p>
+        </p:txBody>
+      </p:sp>
+      <p:pic>
+        <p:nvPicPr>
+          <p:cNvPr id="70" name="그림 36" descr="C:/Users/Admin1/AppData/Roaming/PolarisOffice/ETemp/20844_6679024/fImage134742041478.png"/>
+          <p:cNvPicPr>
+            <a:picLocks noChangeAspect="1"/>
+          </p:cNvPicPr>
+          <p:nvPr/>
+        </p:nvPicPr>
+        <p:blipFill rotWithShape="1">
+          <a:blip r:embed="rId12" cstate="hqprint">
+            <a:extLst>
+              <a:ext uri="{28A0092B-C50C-407E-A947-70E740481C1C}">
+                <a14:useLocalDpi xmlns:a14="http://schemas.microsoft.com/office/drawing/2010/main"/>
+              </a:ext>
+            </a:extLst>
+          </a:blip>
+          <a:stretch>
+            <a:fillRect/>
+          </a:stretch>
+        </p:blipFill>
+        <p:spPr>
+          <a:xfrm rot="0">
+            <a:off x="1233805" y="3669665"/>
+            <a:ext cx="4142740" cy="1722755"/>
+          </a:xfrm>
+          <a:prstGeom prst="roundRect"/>
+          <a:solidFill>
+            <a:srgbClr val="EDEDED"/>
+          </a:solidFill>
+        </p:spPr>
+      </p:pic>
+      <p:pic>
+        <p:nvPicPr>
+          <p:cNvPr id="71" name="그림 37" descr="C:/Users/Admin1/AppData/Roaming/PolarisOffice/ETemp/20844_6679024/fImage80041953281.png"/>
+          <p:cNvPicPr>
+            <a:picLocks noChangeAspect="1"/>
+          </p:cNvPicPr>
+          <p:nvPr/>
+        </p:nvPicPr>
+        <p:blipFill rotWithShape="1">
+          <a:blip r:embed="rId13" cstate="hqprint">
+            <a:extLst>
+              <a:ext uri="{28A0092B-C50C-407E-A947-70E740481C1C}">
+                <a14:useLocalDpi xmlns:a14="http://schemas.microsoft.com/office/drawing/2010/main"/>
+              </a:ext>
+            </a:extLst>
+          </a:blip>
+          <a:stretch>
+            <a:fillRect/>
+          </a:stretch>
+        </p:blipFill>
+        <p:spPr>
+          <a:xfrm rot="0">
+            <a:off x="6822440" y="1438275"/>
+            <a:ext cx="1405255" cy="1113155"/>
+          </a:xfrm>
+          <a:prstGeom prst="roundRect"/>
+          <a:solidFill>
+            <a:srgbClr val="EDEDED"/>
+          </a:solidFill>
+        </p:spPr>
+      </p:pic>
+      <p:pic>
+        <p:nvPicPr>
+          <p:cNvPr id="72" name="그림 40" descr="C:/Users/Admin1/AppData/Roaming/PolarisOffice/ETemp/20844_6679024/fImage73821966827.png"/>
+          <p:cNvPicPr>
+            <a:picLocks noChangeAspect="1"/>
+          </p:cNvPicPr>
+          <p:nvPr/>
+        </p:nvPicPr>
+        <p:blipFill rotWithShape="1">
+          <a:blip r:embed="rId14" cstate="hqprint">
+            <a:extLst>
+              <a:ext uri="{28A0092B-C50C-407E-A947-70E740481C1C}">
+                <a14:useLocalDpi xmlns:a14="http://schemas.microsoft.com/office/drawing/2010/main"/>
+              </a:ext>
+            </a:extLst>
+          </a:blip>
+          <a:stretch>
+            <a:fillRect/>
+          </a:stretch>
+        </p:blipFill>
+        <p:spPr>
+          <a:xfrm rot="0">
+            <a:off x="8355330" y="1430020"/>
+            <a:ext cx="2620010" cy="1112520"/>
+          </a:xfrm>
+          <a:prstGeom prst="roundRect"/>
+          <a:solidFill>
+            <a:srgbClr val="EDEDED"/>
+          </a:solidFill>
+        </p:spPr>
+      </p:pic>
+      <p:pic>
+        <p:nvPicPr>
+          <p:cNvPr id="73" name="그림 1" descr="C:/Users/Admin1/AppData/Roaming/PolarisOffice/ETemp/20844_6679024/fImage431319741.png"/>
+          <p:cNvPicPr>
+            <a:picLocks noChangeAspect="1"/>
+          </p:cNvPicPr>
+          <p:nvPr/>
+        </p:nvPicPr>
+        <p:blipFill rotWithShape="1">
+          <a:blip r:embed="rId15" cstate="print">
+            <a:extLst>
+              <a:ext uri="{28A0092B-C50C-407E-A947-70E740481C1C}">
+                <a14:useLocalDpi xmlns:a14="http://schemas.microsoft.com/office/drawing/2010/main" val="0"/>
+              </a:ext>
+            </a:extLst>
+          </a:blip>
+          <a:stretch>
+            <a:fillRect/>
+          </a:stretch>
+        </p:blipFill>
+        <p:spPr>
+          <a:xfrm rot="0">
+            <a:off x="2696210" y="1430020"/>
+            <a:ext cx="2670810" cy="1102995"/>
+          </a:xfrm>
+          <a:prstGeom prst="roundRect"/>
+          <a:solidFill>
+            <a:srgbClr val="EDEDED"/>
+          </a:solidFill>
+        </p:spPr>
+      </p:pic>
       <p:pic>
         <p:nvPicPr>
           <p:cNvPr id="68" name="그림 34"/>
@@ -13889,118 +13914,16 @@
           <a:noFill/>
         </p:spPr>
       </p:pic>
-      <p:sp>
-        <p:nvSpPr>
-          <p:cNvPr id="69" name="텍스트 상자 35"/>
-          <p:cNvSpPr txBox="1">
-            <a:spLocks/>
-          </p:cNvSpPr>
-          <p:nvPr/>
-        </p:nvSpPr>
-        <p:spPr>
-          <a:xfrm rot="0">
-            <a:off x="1228725" y="5457190"/>
-            <a:ext cx="4147185" cy="677545"/>
-          </a:xfrm>
-          <a:prstGeom prst="rect"/>
-          <a:noFill/>
-          <a:ln w="0">
-            <a:noFill/>
-            <a:prstDash/>
-          </a:ln>
-        </p:spPr>
-        <p:txBody>
-          <a:bodyPr wrap="square" lIns="89535" tIns="46355" rIns="89535" bIns="46355" numCol="1" vert="horz" anchor="t">
-            <a:spAutoFit/>
-          </a:bodyPr>
-          <a:lstStyle/>
-          <a:p>
-            <a:pPr marL="0" indent="0" rtl="0" algn="l" defTabSz="914400" eaLnBrk="1" latinLnBrk="0" hangingPunct="1">
-              <a:buFontTx/>
-              <a:buNone/>
-            </a:pPr>
-            <a:r>
-              <a:rPr lang="ko-KR" sz="2000" b="1">
-                <a:solidFill>
-                  <a:srgbClr val="0611F2"/>
-                </a:solidFill>
-                <a:latin typeface="맑은 고딕" charset="0"/>
-                <a:ea typeface="맑은 고딕" charset="0"/>
-              </a:rPr>
-              <a:t>14</a:t>
-            </a:r>
-            <a:r>
-              <a:rPr sz="2000" b="1">
-                <a:solidFill>
-                  <a:srgbClr val="0611F2"/>
-                </a:solidFill>
-                <a:latin typeface="맑은 고딕" charset="0"/>
-                <a:ea typeface="맑은 고딕" charset="0"/>
-              </a:rPr>
-              <a:t>.</a:t>
-            </a:r>
-            <a:r>
-              <a:rPr lang="ko-KR" sz="2000" b="1">
-                <a:solidFill>
-                  <a:srgbClr val="0611F2"/>
-                </a:solidFill>
-                <a:latin typeface="맑은 고딕" charset="0"/>
-                <a:ea typeface="맑은 고딕" charset="0"/>
-              </a:rPr>
-              <a:t> </a:t>
-            </a:r>
-            <a:r>
-              <a:rPr lang="ko-KR" sz="1800">
-                <a:latin typeface="맑은 고딕" charset="0"/>
-                <a:ea typeface="맑은 고딕" charset="0"/>
-              </a:rPr>
-              <a:t>이제 Board 오브젝트의 위치와 </a:t>
-            </a:r>
-            <a:r>
-              <a:rPr lang="ko-KR" sz="1800">
-                <a:latin typeface="맑은 고딕" charset="0"/>
-                <a:ea typeface="맑은 고딕" charset="0"/>
-              </a:rPr>
-              <a:t>회전</a:t>
-            </a:r>
-            <a:r>
-              <a:rPr lang="ko-KR" sz="1800">
-                <a:latin typeface="맑은 고딕" charset="0"/>
-                <a:ea typeface="맑은 고딕" charset="0"/>
-              </a:rPr>
-              <a:t> </a:t>
-            </a:r>
-            <a:r>
-              <a:rPr lang="ko-KR" sz="1800">
-                <a:latin typeface="맑은 고딕" charset="0"/>
-                <a:ea typeface="맑은 고딕" charset="0"/>
-              </a:rPr>
-              <a:t>값을</a:t>
-            </a:r>
-            <a:r>
-              <a:rPr lang="ko-KR" sz="1800">
-                <a:latin typeface="맑은 고딕" charset="0"/>
-                <a:ea typeface="맑은 고딕" charset="0"/>
-              </a:rPr>
-              <a:t> 설정합니다.</a:t>
-            </a:r>
-            <a:endParaRPr lang="ko-KR" altLang="en-US" sz="1800">
-              <a:latin typeface="맑은 고딕" charset="0"/>
-              <a:ea typeface="맑은 고딕" charset="0"/>
-            </a:endParaRPr>
-          </a:p>
-        </p:txBody>
-      </p:sp>
       <p:pic>
         <p:nvPicPr>
-          <p:cNvPr id="70" name="그림 36"/>
+          <p:cNvPr id="74" name="그림 5" descr="C:/Users/Admin1/AppData/Roaming/PolarisOffice/ETemp/20844_6679024/fImage2242171946962.png"/>
           <p:cNvPicPr>
             <a:picLocks noChangeAspect="1"/>
           </p:cNvPicPr>
           <p:nvPr/>
         </p:nvPicPr>
         <p:blipFill rotWithShape="1">
-          <a:blip r:embed="rId12" cstate="hqprint">
+          <a:blip r:embed="rId4" cstate="hqprint">
             <a:extLst>
               <a:ext uri="{28A0092B-C50C-407E-A947-70E740481C1C}">
                 <a14:useLocalDpi xmlns:a14="http://schemas.microsoft.com/office/drawing/2010/main"/>
@@ -14012,110 +13935,14 @@
           </a:stretch>
         </p:blipFill>
         <p:spPr>
-          <a:xfrm rot="0">
-            <a:off x="1233805" y="3729355"/>
-            <a:ext cx="4142105" cy="1637665"/>
-          </a:xfrm>
-          <a:prstGeom prst="roundRect"/>
-          <a:solidFill>
-            <a:srgbClr val="EDEDED"/>
-          </a:solidFill>
+          <a:xfrm rot="10800000">
+            <a:off x="7947025" y="1805940"/>
+            <a:ext cx="629285" cy="355600"/>
+          </a:xfrm>
+          <a:prstGeom prst="rect"/>
+          <a:noFill/>
         </p:spPr>
       </p:pic>
-      <p:pic>
-        <p:nvPicPr>
-          <p:cNvPr id="71" name="그림 37"/>
-          <p:cNvPicPr>
-            <a:picLocks noChangeAspect="1"/>
-          </p:cNvPicPr>
-          <p:nvPr/>
-        </p:nvPicPr>
-        <p:blipFill rotWithShape="1">
-          <a:blip r:embed="rId13" cstate="print">
-            <a:extLst>
-              <a:ext uri="{28A0092B-C50C-407E-A947-70E740481C1C}">
-                <a14:useLocalDpi xmlns:a14="http://schemas.microsoft.com/office/drawing/2010/main" val="0"/>
-              </a:ext>
-            </a:extLst>
-          </a:blip>
-          <a:stretch>
-            <a:fillRect/>
-          </a:stretch>
-        </p:blipFill>
-        <p:spPr>
-          <a:xfrm rot="0">
-            <a:off x="6822440" y="1436370"/>
-            <a:ext cx="1404620" cy="1114425"/>
-          </a:xfrm>
-          <a:prstGeom prst="roundRect"/>
-          <a:solidFill>
-            <a:srgbClr val="EDEDED"/>
-          </a:solidFill>
-        </p:spPr>
-      </p:pic>
-      <p:pic>
-        <p:nvPicPr>
-          <p:cNvPr id="72" name="그림 40"/>
-          <p:cNvPicPr>
-            <a:picLocks noChangeAspect="1"/>
-          </p:cNvPicPr>
-          <p:nvPr/>
-        </p:nvPicPr>
-        <p:blipFill rotWithShape="1">
-          <a:blip r:embed="rId14" cstate="print">
-            <a:extLst>
-              <a:ext uri="{28A0092B-C50C-407E-A947-70E740481C1C}">
-                <a14:useLocalDpi xmlns:a14="http://schemas.microsoft.com/office/drawing/2010/main" val="0"/>
-              </a:ext>
-            </a:extLst>
-          </a:blip>
-          <a:stretch>
-            <a:fillRect/>
-          </a:stretch>
-        </p:blipFill>
-        <p:spPr>
-          <a:xfrm rot="0">
-            <a:off x="8381365" y="1438275"/>
-            <a:ext cx="2593340" cy="1103630"/>
-          </a:xfrm>
-          <a:prstGeom prst="roundRect"/>
-          <a:solidFill>
-            <a:srgbClr val="EDEDED"/>
-          </a:solidFill>
-        </p:spPr>
-      </p:pic>
-      <p:cxnSp>
-        <p:nvCxnSpPr>
-          <p:cNvPr id="64" name="도형 27"/>
-          <p:cNvCxnSpPr/>
-          <p:nvPr/>
-        </p:nvCxnSpPr>
-        <p:spPr>
-          <a:xfrm rot="0" flipH="1">
-            <a:off x="8105775" y="1886585"/>
-            <a:ext cx="1559560" cy="163830"/>
-          </a:xfrm>
-          <a:prstGeom prst="straightConnector1"/>
-          <a:ln w="6350" cap="flat" cmpd="sng">
-            <a:prstDash/>
-            <a:tailEnd type="triangle" w="med" len="med"/>
-          </a:ln>
-        </p:spPr>
-        <p:style>
-          <a:lnRef idx="1">
-            <a:schemeClr val="accent1"/>
-          </a:lnRef>
-          <a:fillRef idx="0">
-            <a:schemeClr val="accent1"/>
-          </a:fillRef>
-          <a:effectRef idx="0">
-            <a:schemeClr val="accent1"/>
-          </a:effectRef>
-          <a:fontRef idx="minor">
-            <a:schemeClr val="tx1"/>
-          </a:fontRef>
-        </p:style>
-      </p:cxnSp>
     </p:spTree>
   </p:cSld>
   <p:clrMapOvr>
@@ -14218,7 +14045,7 @@
       </p:sp>
       <p:sp>
         <p:nvSpPr>
-          <p:cNvPr id="29" name="Rect 0"/>
+          <p:cNvPr id="48" name="Rect 0"/>
           <p:cNvSpPr txBox="1">
             <a:spLocks/>
           </p:cNvSpPr>
@@ -14226,8 +14053,8 @@
         </p:nvSpPr>
         <p:spPr>
           <a:xfrm rot="0">
-            <a:off x="6830695" y="3295650"/>
-            <a:ext cx="4135755" cy="954405"/>
+            <a:off x="1234440" y="5187315"/>
+            <a:ext cx="4132580" cy="954405"/>
           </a:xfrm>
           <a:prstGeom prst="rect"/>
           <a:noFill/>
@@ -14254,7 +14081,7 @@
                 <a:latin typeface="맑은 고딕" charset="0"/>
                 <a:ea typeface="맑은 고딕" charset="0"/>
               </a:rPr>
-              <a:t>18</a:t>
+              <a:t>17</a:t>
             </a:r>
             <a:r>
               <a:rPr sz="2000" b="1">
@@ -14281,14 +14108,14 @@
                 <a:latin typeface="맑은 고딕" charset="0"/>
                 <a:ea typeface="맑은 고딕" charset="0"/>
               </a:rPr>
-              <a:t>그러고 나서 Tags &amp; Layes에서 </a:t>
-            </a:r>
-            <a:r>
-              <a:rPr lang="ko-KR" sz="1800">
-                <a:latin typeface="맑은 고딕" charset="0"/>
-                <a:ea typeface="맑은 고딕" charset="0"/>
-              </a:rPr>
-              <a:t>태그를</a:t>
+              <a:t>이제 Billiard Ball (One) </a:t>
+            </a:r>
+            <a:r>
+              <a:rPr lang="ko-KR" sz="1800">
+                <a:latin typeface="맑은 고딕" charset="0"/>
+                <a:ea typeface="맑은 고딕" charset="0"/>
+              </a:rPr>
+              <a:t>오브젝트를</a:t>
             </a:r>
             <a:r>
               <a:rPr lang="ko-KR" sz="1800">
@@ -14302,137 +14129,14 @@
                 <a:latin typeface="맑은 고딕" charset="0"/>
                 <a:ea typeface="맑은 고딕" charset="0"/>
               </a:rPr>
-              <a:t>추가하기</a:t>
-            </a:r>
-            <a:r>
-              <a:rPr lang="ko-KR" sz="1800">
-                <a:latin typeface="맑은 고딕" charset="0"/>
-                <a:ea typeface="맑은 고딕" charset="0"/>
-              </a:rPr>
-              <a:t> </a:t>
-            </a:r>
-            <a:r>
-              <a:rPr lang="ko-KR" sz="1800">
-                <a:latin typeface="맑은 고딕" charset="0"/>
-                <a:ea typeface="맑은 고딕" charset="0"/>
-              </a:rPr>
-              <a:t>위해</a:t>
-            </a:r>
-            <a:r>
-              <a:rPr lang="ko-KR" sz="1800">
-                <a:latin typeface="맑은 고딕" charset="0"/>
-                <a:ea typeface="맑은 고딕" charset="0"/>
-              </a:rPr>
-              <a:t> 등록을 </a:t>
-            </a:r>
-            <a:r>
-              <a:rPr lang="ko-KR" sz="1800">
-                <a:latin typeface="맑은 고딕" charset="0"/>
-                <a:ea typeface="맑은 고딕" charset="0"/>
-              </a:rPr>
-              <a:t>선택합니다.</a:t>
-            </a:r>
-            <a:endParaRPr lang="ko-KR" altLang="en-US" sz="1800">
-              <a:latin typeface="맑은 고딕" charset="0"/>
-              <a:ea typeface="맑은 고딕" charset="0"/>
-            </a:endParaRPr>
-          </a:p>
-        </p:txBody>
-      </p:sp>
-      <p:sp>
-        <p:nvSpPr>
-          <p:cNvPr id="48" name="Rect 0"/>
-          <p:cNvSpPr txBox="1">
-            <a:spLocks/>
-          </p:cNvSpPr>
-          <p:nvPr/>
-        </p:nvSpPr>
-        <p:spPr>
-          <a:xfrm>
-            <a:off x="1234440" y="5187315"/>
-            <a:ext cx="4131945" cy="954405"/>
-          </a:xfrm>
-          <a:prstGeom prst="rect"/>
-          <a:noFill/>
-          <a:ln w="0">
-            <a:noFill/>
-            <a:prstDash/>
-          </a:ln>
-        </p:spPr>
-        <p:txBody>
-          <a:bodyPr wrap="square" lIns="89535" tIns="46355" rIns="89535" bIns="46355" numCol="1" vert="horz" anchor="t">
-            <a:spAutoFit/>
-          </a:bodyPr>
-          <a:lstStyle/>
-          <a:p>
-            <a:pPr marL="0" indent="0" rtl="0" algn="l" defTabSz="914400" eaLnBrk="1" latinLnBrk="0" hangingPunct="1">
-              <a:buFontTx/>
-              <a:buNone/>
-            </a:pPr>
-            <a:r>
-              <a:rPr lang="ko-KR" sz="2000" b="1">
-                <a:solidFill>
-                  <a:srgbClr val="0611F2"/>
-                </a:solidFill>
-                <a:latin typeface="맑은 고딕" charset="0"/>
-                <a:ea typeface="맑은 고딕" charset="0"/>
-              </a:rPr>
-              <a:t>17</a:t>
-            </a:r>
-            <a:r>
-              <a:rPr sz="2000" b="1">
-                <a:solidFill>
-                  <a:srgbClr val="0611F2"/>
-                </a:solidFill>
-                <a:latin typeface="맑은 고딕" charset="0"/>
-                <a:ea typeface="맑은 고딕" charset="0"/>
-              </a:rPr>
-              <a:t>.</a:t>
-            </a:r>
-            <a:r>
-              <a:rPr lang="ko-KR" sz="2000" b="1">
-                <a:solidFill>
-                  <a:srgbClr val="0611F2"/>
-                </a:solidFill>
-                <a:latin typeface="맑은 고딕" charset="0"/>
-                <a:ea typeface="맑은 고딕" charset="0"/>
-              </a:rPr>
-              <a:t> </a:t>
-            </a:r>
-            <a:r>
-              <a:rPr lang="ko-KR" sz="1800">
-                <a:latin typeface="맑은 고딕" charset="0"/>
-                <a:ea typeface="맑은 고딕" charset="0"/>
-              </a:rPr>
-              <a:t>그다음으로 Billiard Ball (One) </a:t>
-            </a:r>
-            <a:r>
-              <a:rPr lang="ko-KR" sz="1800">
-                <a:latin typeface="맑은 고딕" charset="0"/>
-                <a:ea typeface="맑은 고딕" charset="0"/>
-              </a:rPr>
-              <a:t>오브젝트를</a:t>
-            </a:r>
-            <a:r>
-              <a:rPr lang="ko-KR" sz="1800">
-                <a:latin typeface="맑은 고딕" charset="0"/>
-                <a:ea typeface="맑은 고딕" charset="0"/>
-              </a:rPr>
-              <a:t> </a:t>
-            </a:r>
-            <a:r>
-              <a:rPr lang="ko-KR" sz="1800">
-                <a:latin typeface="맑은 고딕" charset="0"/>
-                <a:ea typeface="맑은 고딕" charset="0"/>
-              </a:rPr>
-              <a:t>선택하고</a:t>
-            </a:r>
-            <a:r>
-              <a:rPr lang="ko-KR" sz="1800">
-                <a:latin typeface="맑은 고딕" charset="0"/>
-                <a:ea typeface="맑은 고딕" charset="0"/>
-              </a:rPr>
-              <a:t> Add Tag...를 </a:t>
+              <a:t>선택한 다음</a:t>
+            </a:r>
+            <a:r>
+              <a:rPr lang="ko-KR" sz="1800">
+                <a:latin typeface="맑은 고딕" charset="0"/>
+                <a:ea typeface="맑은 고딕" charset="0"/>
+              </a:rPr>
+              <a:t> Add Layer...를 </a:t>
             </a:r>
             <a:r>
               <a:rPr lang="ko-KR" sz="1800">
@@ -14457,9 +14161,9 @@
           <p:nvPr/>
         </p:nvSpPr>
         <p:spPr>
-          <a:xfrm>
-            <a:off x="6827520" y="5474335"/>
-            <a:ext cx="4138930" cy="677545"/>
+          <a:xfrm rot="0">
+            <a:off x="6822440" y="5465445"/>
+            <a:ext cx="4135120" cy="677545"/>
           </a:xfrm>
           <a:prstGeom prst="rect"/>
           <a:noFill/>
@@ -14486,7 +14190,17 @@
                 <a:latin typeface="맑은 고딕" charset="0"/>
                 <a:ea typeface="맑은 고딕" charset="0"/>
               </a:rPr>
-              <a:t>1</a:t>
+              <a:t>18</a:t>
+            </a:r>
+            <a:r>
+              <a:rPr sz="2000" b="1">
+                <a:solidFill>
+                  <a:srgbClr val="0611F2"/>
+                </a:solidFill>
+                <a:latin typeface="맑은 고딕" charset="0"/>
+                <a:ea typeface="맑은 고딕" charset="0"/>
+              </a:rPr>
+              <a:t>.</a:t>
             </a:r>
             <a:r>
               <a:rPr lang="ko-KR" sz="2000" b="1">
@@ -14496,26 +14210,6 @@
                 <a:latin typeface="맑은 고딕" charset="0"/>
                 <a:ea typeface="맑은 고딕" charset="0"/>
               </a:rPr>
-              <a:t>9</a:t>
-            </a:r>
-            <a:r>
-              <a:rPr sz="2000" b="1">
-                <a:solidFill>
-                  <a:srgbClr val="0611F2"/>
-                </a:solidFill>
-                <a:latin typeface="맑은 고딕" charset="0"/>
-                <a:ea typeface="맑은 고딕" charset="0"/>
-              </a:rPr>
-              <a:t>.</a:t>
-            </a:r>
-            <a:r>
-              <a:rPr lang="ko-KR" sz="2000" b="1">
-                <a:solidFill>
-                  <a:srgbClr val="0611F2"/>
-                </a:solidFill>
-                <a:latin typeface="맑은 고딕" charset="0"/>
-                <a:ea typeface="맑은 고딕" charset="0"/>
-              </a:rPr>
               <a:t> </a:t>
             </a:r>
             <a:r>
@@ -14523,49 +14217,28 @@
                 <a:latin typeface="맑은 고딕" charset="0"/>
                 <a:ea typeface="맑은 고딕" charset="0"/>
               </a:rPr>
-              <a:t>이제 Pillar라는 이름으로 </a:t>
-            </a:r>
-            <a:r>
-              <a:rPr lang="ko-KR" sz="1800">
-                <a:latin typeface="맑은 고딕" charset="0"/>
-                <a:ea typeface="맑은 고딕" charset="0"/>
-              </a:rPr>
-              <a:t>설정한</a:t>
-            </a:r>
-            <a:r>
-              <a:rPr lang="ko-KR" sz="1800">
-                <a:latin typeface="맑은 고딕" charset="0"/>
-                <a:ea typeface="맑은 고딕" charset="0"/>
-              </a:rPr>
-              <a:t> </a:t>
-            </a:r>
-            <a:r>
-              <a:rPr lang="ko-KR" sz="1800">
-                <a:latin typeface="맑은 고딕" charset="0"/>
-                <a:ea typeface="맑은 고딕" charset="0"/>
-              </a:rPr>
-              <a:t>다음</a:t>
-            </a:r>
-            <a:r>
-              <a:rPr lang="ko-KR" sz="1800">
-                <a:latin typeface="맑은 고딕" charset="0"/>
-                <a:ea typeface="맑은 고딕" charset="0"/>
-              </a:rPr>
-              <a:t> </a:t>
-            </a:r>
-            <a:r>
-              <a:rPr lang="ko-KR" sz="1800">
-                <a:latin typeface="맑은 고딕" charset="0"/>
-                <a:ea typeface="맑은 고딕" charset="0"/>
-              </a:rPr>
-              <a:t>저장합니다.</a:t>
-            </a:r>
-            <a:r>
-              <a:rPr lang="ko-KR" sz="1800">
-                <a:latin typeface="맑은 고딕" charset="0"/>
-                <a:ea typeface="맑은 고딕" charset="0"/>
-              </a:rPr>
-              <a:t> </a:t>
+              <a:t>그리고 User Layer 6에 Billiard </a:t>
+            </a:r>
+            <a:r>
+              <a:rPr lang="ko-KR" sz="1800">
+                <a:latin typeface="맑은 고딕" charset="0"/>
+                <a:ea typeface="맑은 고딕" charset="0"/>
+              </a:rPr>
+              <a:t>Ball</a:t>
+            </a:r>
+            <a:r>
+              <a:rPr lang="ko-KR" sz="1800">
+                <a:latin typeface="맑은 고딕" charset="0"/>
+                <a:ea typeface="맑은 고딕" charset="0"/>
+              </a:rPr>
+              <a:t> (Two) </a:t>
+            </a:r>
+            <a:r>
+              <a:rPr lang="ko-KR" sz="1800">
+                <a:latin typeface="맑은 고딕" charset="0"/>
+                <a:ea typeface="맑은 고딕" charset="0"/>
+              </a:rPr>
+              <a:t>라는 레이어를 추가합니다.</a:t>
             </a:r>
             <a:endParaRPr lang="ko-KR" altLang="en-US" sz="1800">
               <a:latin typeface="맑은 고딕" charset="0"/>
@@ -14576,45 +14249,14 @@
       </p:sp>
       <p:pic>
         <p:nvPicPr>
-          <p:cNvPr id="66" name="그림 1" descr="C:/Users/Admin1/AppData/Roaming/PolarisOffice/ETemp/34520_15986688/fImage418318441.png"/>
+          <p:cNvPr id="71" name="그림 6" descr="C:/Users/Admin1/AppData/Roaming/PolarisOffice/ETemp/20844_6679024/fImage37802008467.png"/>
           <p:cNvPicPr>
             <a:picLocks noChangeAspect="1"/>
           </p:cNvPicPr>
           <p:nvPr/>
         </p:nvPicPr>
         <p:blipFill rotWithShape="1">
-          <a:blip r:embed="rId2" cstate="hqprint">
-            <a:extLst>
-              <a:ext uri="{28A0092B-C50C-407E-A947-70E740481C1C}">
-                <a14:useLocalDpi xmlns:a14="http://schemas.microsoft.com/office/drawing/2010/main"/>
-              </a:ext>
-            </a:extLst>
-          </a:blip>
-          <a:stretch>
-            <a:fillRect/>
-          </a:stretch>
-        </p:blipFill>
-        <p:spPr>
-          <a:xfrm rot="0">
-            <a:off x="1240790" y="1455420"/>
-            <a:ext cx="2550795" cy="3559175"/>
-          </a:xfrm>
-          <a:prstGeom prst="roundRect"/>
-          <a:solidFill>
-            <a:srgbClr val="EDEDED"/>
-          </a:solidFill>
-        </p:spPr>
-      </p:pic>
-      <p:pic>
-        <p:nvPicPr>
-          <p:cNvPr id="67" name="그림 4"/>
-          <p:cNvPicPr>
-            <a:picLocks noChangeAspect="1"/>
-          </p:cNvPicPr>
-          <p:nvPr/>
-        </p:nvPicPr>
-        <p:blipFill rotWithShape="1">
-          <a:blip r:embed="rId3" cstate="print">
+          <a:blip r:embed="rId6" cstate="print">
             <a:extLst>
               <a:ext uri="{28A0092B-C50C-407E-A947-70E740481C1C}">
                 <a14:useLocalDpi xmlns:a14="http://schemas.microsoft.com/office/drawing/2010/main" val="0"/>
@@ -14627,8 +14269,8 @@
         </p:blipFill>
         <p:spPr>
           <a:xfrm rot="0">
-            <a:off x="3919220" y="2110105"/>
-            <a:ext cx="1447800" cy="2232025"/>
+            <a:off x="1233170" y="1438275"/>
+            <a:ext cx="2583815" cy="3480435"/>
           </a:xfrm>
           <a:prstGeom prst="roundRect"/>
           <a:solidFill>
@@ -14638,17 +14280,17 @@
       </p:pic>
       <p:pic>
         <p:nvPicPr>
-          <p:cNvPr id="69" name="그림 10" descr="C:/Users/Admin1/AppData/Roaming/PolarisOffice/ETemp/34520_15986688/fImage28991876334.png"/>
+          <p:cNvPr id="72" name="그림 9" descr="C:/Users/Admin1/AppData/Roaming/PolarisOffice/ETemp/20844_6679024/fImage81152016334.png"/>
           <p:cNvPicPr>
             <a:picLocks noChangeAspect="1"/>
           </p:cNvPicPr>
           <p:nvPr/>
         </p:nvPicPr>
         <p:blipFill rotWithShape="1">
-          <a:blip r:embed="rId4" cstate="hqprint">
+          <a:blip r:embed="rId7" cstate="print">
             <a:extLst>
               <a:ext uri="{28A0092B-C50C-407E-A947-70E740481C1C}">
-                <a14:useLocalDpi xmlns:a14="http://schemas.microsoft.com/office/drawing/2010/main"/>
+                <a14:useLocalDpi xmlns:a14="http://schemas.microsoft.com/office/drawing/2010/main" val="0"/>
               </a:ext>
             </a:extLst>
           </a:blip>
@@ -14658,8 +14300,8 @@
         </p:blipFill>
         <p:spPr>
           <a:xfrm rot="0">
-            <a:off x="6836410" y="4392930"/>
-            <a:ext cx="4130675" cy="982980"/>
+            <a:off x="3954145" y="2196465"/>
+            <a:ext cx="1421765" cy="1964690"/>
           </a:xfrm>
           <a:prstGeom prst="roundRect"/>
           <a:solidFill>
@@ -14669,17 +14311,17 @@
       </p:pic>
       <p:pic>
         <p:nvPicPr>
-          <p:cNvPr id="70" name="그림 13" descr="C:/Users/Admin1/AppData/Roaming/PolarisOffice/ETemp/34520_15986688/fImage87761886500.png"/>
+          <p:cNvPr id="73" name="그림 12" descr="C:/Users/Admin1/AppData/Roaming/PolarisOffice/ETemp/20844_6679024/fImage114942026500.png"/>
           <p:cNvPicPr>
             <a:picLocks noChangeAspect="1"/>
           </p:cNvPicPr>
           <p:nvPr/>
         </p:nvPicPr>
         <p:blipFill rotWithShape="1">
-          <a:blip r:embed="rId5" cstate="hqprint">
+          <a:blip r:embed="rId8" cstate="print">
             <a:extLst>
               <a:ext uri="{28A0092B-C50C-407E-A947-70E740481C1C}">
-                <a14:useLocalDpi xmlns:a14="http://schemas.microsoft.com/office/drawing/2010/main"/>
+                <a14:useLocalDpi xmlns:a14="http://schemas.microsoft.com/office/drawing/2010/main" val="0"/>
               </a:ext>
             </a:extLst>
           </a:blip>
@@ -14689,8 +14331,8 @@
         </p:blipFill>
         <p:spPr>
           <a:xfrm rot="0">
-            <a:off x="6830695" y="1447165"/>
-            <a:ext cx="4127500" cy="1748790"/>
+            <a:off x="6822440" y="1440180"/>
+            <a:ext cx="4135120" cy="3874770"/>
           </a:xfrm>
           <a:prstGeom prst="roundRect"/>
           <a:solidFill>

--- a/Assets/Physics/PPT Data/Physics Example.pptx
+++ b/Assets/Physics/PPT Data/Physics Example.pptx
@@ -2,7 +2,7 @@
 <file path=ppt/presentation.xml><?xml version="1.0" encoding="utf-8"?>
 <p:presentation xmlns:a="http://schemas.openxmlformats.org/drawingml/2006/main" xmlns:r="http://schemas.openxmlformats.org/officeDocument/2006/relationships" xmlns:p="http://schemas.openxmlformats.org/presentationml/2006/main" xmlns:p14="http://schemas.microsoft.com/office/powerpoint/2010/main" saveSubsetFonts="1" firstSlideNum="0">
   <p:sldMasterIdLst>
-    <p:sldMasterId id="2147485652" r:id="rId12"/>
+    <p:sldMasterId id="2147485654" r:id="rId12"/>
   </p:sldMasterIdLst>
   <p:notesMasterIdLst>
     <p:notesMasterId r:id="rId14"/>
@@ -16414,7 +16414,7 @@
       </p:sp>
       <p:pic>
         <p:nvPicPr>
-          <p:cNvPr id="86" name="그림 29" descr="C:/Users/Admin1/AppData/Roaming/PolarisOffice/ETemp/11524_21223256/fImage82892273281.png"/>
+          <p:cNvPr id="86" name="그림 29"/>
           <p:cNvPicPr>
             <a:picLocks noChangeAspect="1"/>
           </p:cNvPicPr>
@@ -16445,7 +16445,7 @@
       </p:pic>
       <p:pic>
         <p:nvPicPr>
-          <p:cNvPr id="88" name="그림 35" descr="C:/Users/Admin1/AppData/Roaming/PolarisOffice/ETemp/11524_21223256/fImage24992876962.png"/>
+          <p:cNvPr id="88" name="그림 35"/>
           <p:cNvPicPr>
             <a:picLocks noChangeAspect="1"/>
           </p:cNvPicPr>
@@ -16476,7 +16476,7 @@
       </p:pic>
       <p:pic>
         <p:nvPicPr>
-          <p:cNvPr id="87" name="그림 30" descr="C:/Users/Admin1/AppData/Roaming/PolarisOffice/ETemp/11524_21223256/fImage2242171946962.png"/>
+          <p:cNvPr id="87" name="그림 30"/>
           <p:cNvPicPr>
             <a:picLocks noChangeAspect="1"/>
           </p:cNvPicPr>
@@ -16505,7 +16505,7 @@
       </p:pic>
       <p:pic>
         <p:nvPicPr>
-          <p:cNvPr id="89" name="그림 36" descr="C:/Users/Admin1/AppData/Roaming/PolarisOffice/ETemp/11524_21223256/fImage79372884464.png"/>
+          <p:cNvPr id="89" name="그림 36"/>
           <p:cNvPicPr>
             <a:picLocks noChangeAspect="1"/>
           </p:cNvPicPr>
@@ -16536,7 +16536,7 @@
       </p:pic>
       <p:pic>
         <p:nvPicPr>
-          <p:cNvPr id="90" name="그림 39" descr="C:/Users/Admin1/AppData/Roaming/PolarisOffice/ETemp/11524_21223256/fImage85042895705.png"/>
+          <p:cNvPr id="90" name="그림 39"/>
           <p:cNvPicPr>
             <a:picLocks noChangeAspect="1"/>
           </p:cNvPicPr>
@@ -16567,7 +16567,7 @@
       </p:pic>
       <p:pic>
         <p:nvPicPr>
-          <p:cNvPr id="91" name="그림 42" descr="C:/Users/Admin1/AppData/Roaming/PolarisOffice/ETemp/11524_21223256/fImage2242171946962.png"/>
+          <p:cNvPr id="91" name="그림 42"/>
           <p:cNvPicPr>
             <a:picLocks noChangeAspect="1"/>
           </p:cNvPicPr>
@@ -16596,7 +16596,7 @@
       </p:pic>
       <p:pic>
         <p:nvPicPr>
-          <p:cNvPr id="92" name="그림 47" descr="C:/Users/Admin1/AppData/Roaming/PolarisOffice/ETemp/11524_21223256/fImage57512938145.png"/>
+          <p:cNvPr id="92" name="그림 47"/>
           <p:cNvPicPr>
             <a:picLocks noChangeAspect="1"/>
           </p:cNvPicPr>
